--- a/main.pptx
+++ b/main.pptx
@@ -5,12 +5,18 @@
     <p:sldMasterId id="2147483648" r:id="rId1"/>
   </p:sldMasterIdLst>
   <p:notesMasterIdLst>
-    <p:notesMasterId r:id="rId5"/>
+    <p:notesMasterId r:id="rId11"/>
   </p:notesMasterIdLst>
   <p:sldIdLst>
     <p:sldId id="256" r:id="rId2"/>
     <p:sldId id="258" r:id="rId3"/>
     <p:sldId id="259" r:id="rId4"/>
+    <p:sldId id="266" r:id="rId5"/>
+    <p:sldId id="262" r:id="rId6"/>
+    <p:sldId id="261" r:id="rId7"/>
+    <p:sldId id="263" r:id="rId8"/>
+    <p:sldId id="264" r:id="rId9"/>
+    <p:sldId id="265" r:id="rId10"/>
   </p:sldIdLst>
   <p:sldSz cx="12192000" cy="6858000"/>
   <p:notesSz cx="6858000" cy="9144000"/>
@@ -199,7 +205,7 @@
           <a:p>
             <a:fld id="{40658A17-5F6A-4455-A03F-32873B3CCC6C}" type="datetimeFigureOut">
               <a:rPr lang="en-US" smtClean="0"/>
-              <a:t>2025-05-02</a:t>
+              <a:t>2025-05-20</a:t>
             </a:fld>
             <a:endParaRPr lang="en-US"/>
           </a:p>
@@ -613,7 +619,7 @@
           <a:p>
             <a:fld id="{B31607B0-DB75-4F72-BD65-E742B8908D12}" type="datetimeFigureOut">
               <a:rPr lang="en-US" smtClean="0"/>
-              <a:t>2025-05-02</a:t>
+              <a:t>2025-05-20</a:t>
             </a:fld>
             <a:endParaRPr lang="en-US"/>
           </a:p>
@@ -811,7 +817,7 @@
           <a:p>
             <a:fld id="{B31607B0-DB75-4F72-BD65-E742B8908D12}" type="datetimeFigureOut">
               <a:rPr lang="en-US" smtClean="0"/>
-              <a:t>2025-05-02</a:t>
+              <a:t>2025-05-20</a:t>
             </a:fld>
             <a:endParaRPr lang="en-US"/>
           </a:p>
@@ -1019,7 +1025,7 @@
           <a:p>
             <a:fld id="{B31607B0-DB75-4F72-BD65-E742B8908D12}" type="datetimeFigureOut">
               <a:rPr lang="en-US" smtClean="0"/>
-              <a:t>2025-05-02</a:t>
+              <a:t>2025-05-20</a:t>
             </a:fld>
             <a:endParaRPr lang="en-US"/>
           </a:p>
@@ -1217,7 +1223,7 @@
           <a:p>
             <a:fld id="{B31607B0-DB75-4F72-BD65-E742B8908D12}" type="datetimeFigureOut">
               <a:rPr lang="en-US" smtClean="0"/>
-              <a:t>2025-05-02</a:t>
+              <a:t>2025-05-20</a:t>
             </a:fld>
             <a:endParaRPr lang="en-US"/>
           </a:p>
@@ -1492,7 +1498,7 @@
           <a:p>
             <a:fld id="{B31607B0-DB75-4F72-BD65-E742B8908D12}" type="datetimeFigureOut">
               <a:rPr lang="en-US" smtClean="0"/>
-              <a:t>2025-05-02</a:t>
+              <a:t>2025-05-20</a:t>
             </a:fld>
             <a:endParaRPr lang="en-US"/>
           </a:p>
@@ -1757,7 +1763,7 @@
           <a:p>
             <a:fld id="{B31607B0-DB75-4F72-BD65-E742B8908D12}" type="datetimeFigureOut">
               <a:rPr lang="en-US" smtClean="0"/>
-              <a:t>2025-05-02</a:t>
+              <a:t>2025-05-20</a:t>
             </a:fld>
             <a:endParaRPr lang="en-US"/>
           </a:p>
@@ -2169,7 +2175,7 @@
           <a:p>
             <a:fld id="{B31607B0-DB75-4F72-BD65-E742B8908D12}" type="datetimeFigureOut">
               <a:rPr lang="en-US" smtClean="0"/>
-              <a:t>2025-05-02</a:t>
+              <a:t>2025-05-20</a:t>
             </a:fld>
             <a:endParaRPr lang="en-US"/>
           </a:p>
@@ -2310,7 +2316,7 @@
           <a:p>
             <a:fld id="{B31607B0-DB75-4F72-BD65-E742B8908D12}" type="datetimeFigureOut">
               <a:rPr lang="en-US" smtClean="0"/>
-              <a:t>2025-05-02</a:t>
+              <a:t>2025-05-20</a:t>
             </a:fld>
             <a:endParaRPr lang="en-US"/>
           </a:p>
@@ -2423,7 +2429,7 @@
           <a:p>
             <a:fld id="{B31607B0-DB75-4F72-BD65-E742B8908D12}" type="datetimeFigureOut">
               <a:rPr lang="en-US" smtClean="0"/>
-              <a:t>2025-05-02</a:t>
+              <a:t>2025-05-20</a:t>
             </a:fld>
             <a:endParaRPr lang="en-US"/>
           </a:p>
@@ -2734,7 +2740,7 @@
           <a:p>
             <a:fld id="{B31607B0-DB75-4F72-BD65-E742B8908D12}" type="datetimeFigureOut">
               <a:rPr lang="en-US" smtClean="0"/>
-              <a:t>2025-05-02</a:t>
+              <a:t>2025-05-20</a:t>
             </a:fld>
             <a:endParaRPr lang="en-US"/>
           </a:p>
@@ -3022,7 +3028,7 @@
           <a:p>
             <a:fld id="{B31607B0-DB75-4F72-BD65-E742B8908D12}" type="datetimeFigureOut">
               <a:rPr lang="en-US" smtClean="0"/>
-              <a:t>2025-05-02</a:t>
+              <a:t>2025-05-20</a:t>
             </a:fld>
             <a:endParaRPr lang="en-US"/>
           </a:p>
@@ -3263,7 +3269,7 @@
           <a:p>
             <a:fld id="{B31607B0-DB75-4F72-BD65-E742B8908D12}" type="datetimeFigureOut">
               <a:rPr lang="en-US" smtClean="0"/>
-              <a:t>2025-05-02</a:t>
+              <a:t>2025-05-20</a:t>
             </a:fld>
             <a:endParaRPr lang="en-US"/>
           </a:p>
@@ -4039,7 +4045,7 @@
             <a:avLst/>
           </a:prstGeom>
           <a:solidFill>
-            <a:srgbClr val="33896A"/>
+            <a:srgbClr val="49BB92"/>
           </a:solidFill>
           <a:ln w="127000">
             <a:solidFill>
@@ -4200,7 +4206,7 @@
         </p:nvSpPr>
         <p:spPr>
           <a:xfrm>
-            <a:off x="6776819" y="2319817"/>
+            <a:off x="9899071" y="757054"/>
             <a:ext cx="1076185" cy="452284"/>
           </a:xfrm>
           <a:prstGeom prst="roundRect">
@@ -4274,11 +4280,11 @@
             <a:avLst/>
           </a:prstGeom>
           <a:solidFill>
-            <a:srgbClr val="43B48C"/>
+            <a:srgbClr val="49BB92"/>
           </a:solidFill>
           <a:ln w="127000">
             <a:solidFill>
-              <a:srgbClr val="43B48C"/>
+              <a:srgbClr val="49BB92"/>
             </a:solidFill>
           </a:ln>
           <a:effectLst/>
@@ -4333,7 +4339,7 @@
           </a:solidFill>
           <a:ln w="127000">
             <a:solidFill>
-              <a:srgbClr val="43B48C"/>
+              <a:srgbClr val="49BB92"/>
             </a:solidFill>
           </a:ln>
         </p:spPr>
@@ -4396,7 +4402,9 @@
                 <a:solidFill>
                   <a:schemeClr val="bg1"/>
                 </a:solidFill>
-                <a:latin typeface="Playgum" pitchFamily="2" charset="0"/>
+                <a:latin typeface="Cherry Bomb One" panose="02000000000000000000" pitchFamily="2" charset="-128"/>
+                <a:ea typeface="Cherry Bomb One" panose="02000000000000000000" pitchFamily="2" charset="-128"/>
+                <a:cs typeface="Fredoka" pitchFamily="2" charset="-79"/>
               </a:rPr>
               <a:t>CHAPTERS</a:t>
             </a:r>
@@ -4456,8 +4464,9 @@
           <a:p>
             <a:pPr algn="ctr"/>
             <a:r>
-              <a:rPr lang="en-US" dirty="0">
-                <a:latin typeface="STarbim" pitchFamily="2" charset="0"/>
+              <a:rPr lang="en-US" b="1" dirty="0">
+                <a:latin typeface="Irish Grover" panose="02000000000000000000" pitchFamily="2" charset="0"/>
+                <a:cs typeface="Fredoka" pitchFamily="2" charset="-79"/>
               </a:rPr>
               <a:t>Unit 1</a:t>
             </a:r>
@@ -4517,8 +4526,9 @@
           <a:p>
             <a:pPr algn="ctr"/>
             <a:r>
-              <a:rPr lang="en-US" dirty="0">
-                <a:latin typeface="STarbim" pitchFamily="2" charset="0"/>
+              <a:rPr lang="en-US" b="1" dirty="0">
+                <a:latin typeface="Irish Grover" panose="02000000000000000000" pitchFamily="2" charset="0"/>
+                <a:cs typeface="Fredoka" pitchFamily="2" charset="-79"/>
               </a:rPr>
               <a:t>Unit 2</a:t>
             </a:r>
@@ -4578,8 +4588,9 @@
           <a:p>
             <a:pPr algn="ctr"/>
             <a:r>
-              <a:rPr lang="en-US" dirty="0">
-                <a:latin typeface="STarbim" pitchFamily="2" charset="0"/>
+              <a:rPr lang="en-US" b="1" dirty="0">
+                <a:latin typeface="Irish Grover" panose="02000000000000000000" pitchFamily="2" charset="0"/>
+                <a:cs typeface="Fredoka" pitchFamily="2" charset="-79"/>
               </a:rPr>
               <a:t>Unit 3</a:t>
             </a:r>
@@ -4639,8 +4650,9 @@
           <a:p>
             <a:pPr algn="ctr"/>
             <a:r>
-              <a:rPr lang="en-US" dirty="0">
-                <a:latin typeface="STarbim" pitchFamily="2" charset="0"/>
+              <a:rPr lang="en-US" b="1" dirty="0">
+                <a:latin typeface="Irish Grover" panose="02000000000000000000" pitchFamily="2" charset="0"/>
+                <a:cs typeface="Fredoka" pitchFamily="2" charset="-79"/>
               </a:rPr>
               <a:t>Unit 4</a:t>
             </a:r>
@@ -4700,8 +4712,9 @@
           <a:p>
             <a:pPr algn="ctr"/>
             <a:r>
-              <a:rPr lang="en-US" dirty="0">
-                <a:latin typeface="STarbim" pitchFamily="2" charset="0"/>
+              <a:rPr lang="en-US" b="1" dirty="0">
+                <a:latin typeface="Irish Grover" panose="02000000000000000000" pitchFamily="2" charset="0"/>
+                <a:cs typeface="Fredoka" pitchFamily="2" charset="-79"/>
               </a:rPr>
               <a:t>Unit 5</a:t>
             </a:r>
@@ -4761,8 +4774,9 @@
           <a:p>
             <a:pPr algn="ctr"/>
             <a:r>
-              <a:rPr lang="en-US" dirty="0">
-                <a:latin typeface="STarbim" pitchFamily="2" charset="0"/>
+              <a:rPr lang="en-US" b="1" dirty="0">
+                <a:latin typeface="Irish Grover" panose="02000000000000000000" pitchFamily="2" charset="0"/>
+                <a:cs typeface="Fredoka" pitchFamily="2" charset="-79"/>
               </a:rPr>
               <a:t>Unit 6</a:t>
             </a:r>
@@ -4813,8 +4827,8 @@
         </p:nvSpPr>
         <p:spPr>
           <a:xfrm>
-            <a:off x="6096000" y="2987537"/>
-            <a:ext cx="2058061" cy="452284"/>
+            <a:off x="9218252" y="1424774"/>
+            <a:ext cx="2058061" cy="584012"/>
           </a:xfrm>
           <a:prstGeom prst="roundRect">
             <a:avLst>
@@ -4835,7 +4849,7 @@
           </a:gradFill>
           <a:ln>
             <a:solidFill>
-              <a:srgbClr val="114309"/>
+              <a:srgbClr val="279415"/>
             </a:solidFill>
           </a:ln>
         </p:spPr>
@@ -4861,11 +4875,16 @@
           <a:p>
             <a:pPr algn="ctr"/>
             <a:r>
-              <a:rPr lang="en-US" dirty="0">
-                <a:latin typeface="STarbim" pitchFamily="2" charset="0"/>
+              <a:rPr lang="en-US" sz="2800" b="1" dirty="0">
+                <a:latin typeface="Fredoka" pitchFamily="2" charset="-79"/>
+                <a:cs typeface="Fredoka" pitchFamily="2" charset="-79"/>
               </a:rPr>
-              <a:t>Button 1</a:t>
-            </a:r>
+              <a:t>Start</a:t>
+            </a:r>
+            <a:endParaRPr lang="en-US" sz="3200" b="1" dirty="0">
+              <a:latin typeface="Fredoka" pitchFamily="2" charset="-79"/>
+              <a:cs typeface="Fredoka" pitchFamily="2" charset="-79"/>
+            </a:endParaRPr>
           </a:p>
         </p:txBody>
       </p:sp>
@@ -4891,7 +4910,7 @@
         </p:blipFill>
         <p:spPr>
           <a:xfrm>
-            <a:off x="8433130" y="2681183"/>
+            <a:off x="8454700" y="-849149"/>
             <a:ext cx="1800476" cy="1495634"/>
           </a:xfrm>
           <a:prstGeom prst="rect">
@@ -4921,8 +4940,617 @@
         </p:blipFill>
         <p:spPr>
           <a:xfrm>
-            <a:off x="9868313" y="2831731"/>
+            <a:off x="9889883" y="-698601"/>
             <a:ext cx="1619476" cy="1305107"/>
+          </a:xfrm>
+          <a:prstGeom prst="rect">
+            <a:avLst/>
+          </a:prstGeom>
+        </p:spPr>
+      </p:pic>
+      <p:sp>
+        <p:nvSpPr>
+          <p:cNvPr id="30" name="Rectangle: Rounded Corners 29">
+            <a:extLst>
+              <a:ext uri="{FF2B5EF4-FFF2-40B4-BE49-F238E27FC236}">
+                <a16:creationId xmlns:a16="http://schemas.microsoft.com/office/drawing/2014/main" id="{22B8F4E0-72AF-929F-C6A4-630174359DC6}"/>
+              </a:ext>
+            </a:extLst>
+          </p:cNvPr>
+          <p:cNvSpPr/>
+          <p:nvPr/>
+        </p:nvSpPr>
+        <p:spPr>
+          <a:xfrm>
+            <a:off x="4744628" y="2137966"/>
+            <a:ext cx="3543301" cy="4390392"/>
+          </a:xfrm>
+          <a:prstGeom prst="roundRect">
+            <a:avLst/>
+          </a:prstGeom>
+          <a:solidFill>
+            <a:srgbClr val="49BB92"/>
+          </a:solidFill>
+          <a:ln w="127000">
+            <a:solidFill>
+              <a:srgbClr val="692C9C"/>
+            </a:solidFill>
+          </a:ln>
+          <a:effectLst/>
+        </p:spPr>
+        <p:style>
+          <a:lnRef idx="2">
+            <a:schemeClr val="accent1">
+              <a:shade val="15000"/>
+            </a:schemeClr>
+          </a:lnRef>
+          <a:fillRef idx="1">
+            <a:schemeClr val="accent1"/>
+          </a:fillRef>
+          <a:effectRef idx="0">
+            <a:schemeClr val="accent1"/>
+          </a:effectRef>
+          <a:fontRef idx="minor">
+            <a:schemeClr val="lt1"/>
+          </a:fontRef>
+        </p:style>
+        <p:txBody>
+          <a:bodyPr rtlCol="0" anchor="ctr"/>
+          <a:lstStyle/>
+          <a:p>
+            <a:pPr algn="ctr"/>
+            <a:endParaRPr lang="en-US" dirty="0"/>
+          </a:p>
+        </p:txBody>
+      </p:sp>
+      <p:sp>
+        <p:nvSpPr>
+          <p:cNvPr id="31" name="Rectangle: Rounded Corners 30">
+            <a:extLst>
+              <a:ext uri="{FF2B5EF4-FFF2-40B4-BE49-F238E27FC236}">
+                <a16:creationId xmlns:a16="http://schemas.microsoft.com/office/drawing/2014/main" id="{5ED5142B-3A64-8DD3-615F-3DCF87FF6DD5}"/>
+              </a:ext>
+            </a:extLst>
+          </p:cNvPr>
+          <p:cNvSpPr/>
+          <p:nvPr/>
+        </p:nvSpPr>
+        <p:spPr>
+          <a:xfrm>
+            <a:off x="4669087" y="2085226"/>
+            <a:ext cx="3543301" cy="4390392"/>
+          </a:xfrm>
+          <a:prstGeom prst="roundRect">
+            <a:avLst/>
+          </a:prstGeom>
+          <a:solidFill>
+            <a:srgbClr val="9C5BD1"/>
+          </a:solidFill>
+          <a:ln w="127000">
+            <a:solidFill>
+              <a:srgbClr val="9C5BD1"/>
+            </a:solidFill>
+          </a:ln>
+          <a:effectLst/>
+        </p:spPr>
+        <p:style>
+          <a:lnRef idx="2">
+            <a:schemeClr val="accent1">
+              <a:shade val="15000"/>
+            </a:schemeClr>
+          </a:lnRef>
+          <a:fillRef idx="1">
+            <a:schemeClr val="accent1"/>
+          </a:fillRef>
+          <a:effectRef idx="0">
+            <a:schemeClr val="accent1"/>
+          </a:effectRef>
+          <a:fontRef idx="minor">
+            <a:schemeClr val="lt1"/>
+          </a:fontRef>
+        </p:style>
+        <p:txBody>
+          <a:bodyPr rtlCol="0" anchor="ctr"/>
+          <a:lstStyle/>
+          <a:p>
+            <a:pPr algn="ctr"/>
+            <a:endParaRPr lang="en-US" dirty="0"/>
+          </a:p>
+        </p:txBody>
+      </p:sp>
+      <p:sp>
+        <p:nvSpPr>
+          <p:cNvPr id="32" name="Rectangle: Rounded Corners 31">
+            <a:extLst>
+              <a:ext uri="{FF2B5EF4-FFF2-40B4-BE49-F238E27FC236}">
+                <a16:creationId xmlns:a16="http://schemas.microsoft.com/office/drawing/2014/main" id="{4C89FEB9-E324-BE74-B33F-97E3EA9100B6}"/>
+              </a:ext>
+            </a:extLst>
+          </p:cNvPr>
+          <p:cNvSpPr/>
+          <p:nvPr/>
+        </p:nvSpPr>
+        <p:spPr>
+          <a:xfrm>
+            <a:off x="4669087" y="2775481"/>
+            <a:ext cx="3543301" cy="3428675"/>
+          </a:xfrm>
+          <a:prstGeom prst="roundRect">
+            <a:avLst/>
+          </a:prstGeom>
+          <a:solidFill>
+            <a:srgbClr val="F4F1EC"/>
+          </a:solidFill>
+          <a:ln w="127000">
+            <a:solidFill>
+              <a:srgbClr val="9C5BD1"/>
+            </a:solidFill>
+          </a:ln>
+        </p:spPr>
+        <p:style>
+          <a:lnRef idx="2">
+            <a:schemeClr val="accent1">
+              <a:shade val="15000"/>
+            </a:schemeClr>
+          </a:lnRef>
+          <a:fillRef idx="1">
+            <a:schemeClr val="accent1"/>
+          </a:fillRef>
+          <a:effectRef idx="0">
+            <a:schemeClr val="accent1"/>
+          </a:effectRef>
+          <a:fontRef idx="minor">
+            <a:schemeClr val="lt1"/>
+          </a:fontRef>
+        </p:style>
+        <p:txBody>
+          <a:bodyPr rtlCol="0" anchor="ctr"/>
+          <a:lstStyle/>
+          <a:p>
+            <a:pPr algn="ctr"/>
+            <a:endParaRPr lang="en-US"/>
+          </a:p>
+        </p:txBody>
+      </p:sp>
+      <p:sp>
+        <p:nvSpPr>
+          <p:cNvPr id="33" name="TextBox 32">
+            <a:extLst>
+              <a:ext uri="{FF2B5EF4-FFF2-40B4-BE49-F238E27FC236}">
+                <a16:creationId xmlns:a16="http://schemas.microsoft.com/office/drawing/2014/main" id="{04647DAB-B59D-8C75-9946-DE604526D486}"/>
+              </a:ext>
+            </a:extLst>
+          </p:cNvPr>
+          <p:cNvSpPr txBox="1"/>
+          <p:nvPr/>
+        </p:nvSpPr>
+        <p:spPr>
+          <a:xfrm flipH="1">
+            <a:off x="4925676" y="2137966"/>
+            <a:ext cx="3040381" cy="584775"/>
+          </a:xfrm>
+          <a:prstGeom prst="rect">
+            <a:avLst/>
+          </a:prstGeom>
+          <a:noFill/>
+        </p:spPr>
+        <p:txBody>
+          <a:bodyPr wrap="square" rtlCol="0">
+            <a:spAutoFit/>
+          </a:bodyPr>
+          <a:lstStyle/>
+          <a:p>
+            <a:pPr algn="ctr"/>
+            <a:r>
+              <a:rPr lang="en-US" sz="3200" dirty="0">
+                <a:solidFill>
+                  <a:schemeClr val="bg1"/>
+                </a:solidFill>
+                <a:latin typeface="Cherry Bomb One" panose="02000000000000000000" pitchFamily="2" charset="-128"/>
+                <a:ea typeface="Cherry Bomb One" panose="02000000000000000000" pitchFamily="2" charset="-128"/>
+                <a:cs typeface="Fredoka" pitchFamily="2" charset="-79"/>
+              </a:rPr>
+              <a:t>Exercises</a:t>
+            </a:r>
+          </a:p>
+        </p:txBody>
+      </p:sp>
+      <p:sp>
+        <p:nvSpPr>
+          <p:cNvPr id="34" name="Rectangle: Rounded Corners 33">
+            <a:extLst>
+              <a:ext uri="{FF2B5EF4-FFF2-40B4-BE49-F238E27FC236}">
+                <a16:creationId xmlns:a16="http://schemas.microsoft.com/office/drawing/2014/main" id="{8589D716-AEE0-1BD1-A9CE-DE629B1D445D}"/>
+              </a:ext>
+            </a:extLst>
+          </p:cNvPr>
+          <p:cNvSpPr/>
+          <p:nvPr/>
+        </p:nvSpPr>
+        <p:spPr>
+          <a:xfrm>
+            <a:off x="4920546" y="3089480"/>
+            <a:ext cx="3040381" cy="342900"/>
+          </a:xfrm>
+          <a:prstGeom prst="roundRect">
+            <a:avLst>
+              <a:gd name="adj" fmla="val 30000"/>
+            </a:avLst>
+          </a:prstGeom>
+          <a:solidFill>
+            <a:srgbClr val="E8D9C6"/>
+          </a:solidFill>
+          <a:ln w="28575">
+            <a:solidFill>
+              <a:srgbClr val="D4C1A9"/>
+            </a:solidFill>
+          </a:ln>
+        </p:spPr>
+        <p:style>
+          <a:lnRef idx="2">
+            <a:schemeClr val="accent1">
+              <a:shade val="15000"/>
+            </a:schemeClr>
+          </a:lnRef>
+          <a:fillRef idx="1">
+            <a:schemeClr val="accent1"/>
+          </a:fillRef>
+          <a:effectRef idx="0">
+            <a:schemeClr val="accent1"/>
+          </a:effectRef>
+          <a:fontRef idx="minor">
+            <a:schemeClr val="lt1"/>
+          </a:fontRef>
+        </p:style>
+        <p:txBody>
+          <a:bodyPr rtlCol="0" anchor="ctr"/>
+          <a:lstStyle/>
+          <a:p>
+            <a:pPr algn="ctr"/>
+            <a:r>
+              <a:rPr lang="en-US" b="1" dirty="0">
+                <a:latin typeface="Irish Grover" panose="02000000000000000000" pitchFamily="2" charset="0"/>
+                <a:cs typeface="Fredoka" pitchFamily="2" charset="-79"/>
+              </a:rPr>
+              <a:t>Unit 1</a:t>
+            </a:r>
+          </a:p>
+        </p:txBody>
+      </p:sp>
+      <p:sp>
+        <p:nvSpPr>
+          <p:cNvPr id="35" name="Rectangle: Rounded Corners 34">
+            <a:extLst>
+              <a:ext uri="{FF2B5EF4-FFF2-40B4-BE49-F238E27FC236}">
+                <a16:creationId xmlns:a16="http://schemas.microsoft.com/office/drawing/2014/main" id="{A128A425-63C2-4BBD-5674-B782474014FF}"/>
+              </a:ext>
+            </a:extLst>
+          </p:cNvPr>
+          <p:cNvSpPr/>
+          <p:nvPr/>
+        </p:nvSpPr>
+        <p:spPr>
+          <a:xfrm>
+            <a:off x="4920546" y="3574929"/>
+            <a:ext cx="3040381" cy="342900"/>
+          </a:xfrm>
+          <a:prstGeom prst="roundRect">
+            <a:avLst>
+              <a:gd name="adj" fmla="val 30000"/>
+            </a:avLst>
+          </a:prstGeom>
+          <a:solidFill>
+            <a:srgbClr val="E8D9C6"/>
+          </a:solidFill>
+          <a:ln w="28575">
+            <a:solidFill>
+              <a:srgbClr val="D4C1A9"/>
+            </a:solidFill>
+          </a:ln>
+        </p:spPr>
+        <p:style>
+          <a:lnRef idx="2">
+            <a:schemeClr val="accent1">
+              <a:shade val="15000"/>
+            </a:schemeClr>
+          </a:lnRef>
+          <a:fillRef idx="1">
+            <a:schemeClr val="accent1"/>
+          </a:fillRef>
+          <a:effectRef idx="0">
+            <a:schemeClr val="accent1"/>
+          </a:effectRef>
+          <a:fontRef idx="minor">
+            <a:schemeClr val="lt1"/>
+          </a:fontRef>
+        </p:style>
+        <p:txBody>
+          <a:bodyPr rtlCol="0" anchor="ctr"/>
+          <a:lstStyle/>
+          <a:p>
+            <a:pPr algn="ctr"/>
+            <a:r>
+              <a:rPr lang="en-US" b="1" dirty="0">
+                <a:latin typeface="Irish Grover" panose="02000000000000000000" pitchFamily="2" charset="0"/>
+                <a:cs typeface="Fredoka" pitchFamily="2" charset="-79"/>
+              </a:rPr>
+              <a:t>Unit 2</a:t>
+            </a:r>
+          </a:p>
+        </p:txBody>
+      </p:sp>
+      <p:sp>
+        <p:nvSpPr>
+          <p:cNvPr id="36" name="Rectangle: Rounded Corners 35">
+            <a:extLst>
+              <a:ext uri="{FF2B5EF4-FFF2-40B4-BE49-F238E27FC236}">
+                <a16:creationId xmlns:a16="http://schemas.microsoft.com/office/drawing/2014/main" id="{9AE8EDE7-3796-DC38-1C6B-B92FBBA7D8BB}"/>
+              </a:ext>
+            </a:extLst>
+          </p:cNvPr>
+          <p:cNvSpPr/>
+          <p:nvPr/>
+        </p:nvSpPr>
+        <p:spPr>
+          <a:xfrm>
+            <a:off x="4920545" y="4061193"/>
+            <a:ext cx="3040381" cy="342900"/>
+          </a:xfrm>
+          <a:prstGeom prst="roundRect">
+            <a:avLst>
+              <a:gd name="adj" fmla="val 30000"/>
+            </a:avLst>
+          </a:prstGeom>
+          <a:solidFill>
+            <a:srgbClr val="E8D9C6"/>
+          </a:solidFill>
+          <a:ln w="28575">
+            <a:solidFill>
+              <a:srgbClr val="D4C1A9"/>
+            </a:solidFill>
+          </a:ln>
+        </p:spPr>
+        <p:style>
+          <a:lnRef idx="2">
+            <a:schemeClr val="accent1">
+              <a:shade val="15000"/>
+            </a:schemeClr>
+          </a:lnRef>
+          <a:fillRef idx="1">
+            <a:schemeClr val="accent1"/>
+          </a:fillRef>
+          <a:effectRef idx="0">
+            <a:schemeClr val="accent1"/>
+          </a:effectRef>
+          <a:fontRef idx="minor">
+            <a:schemeClr val="lt1"/>
+          </a:fontRef>
+        </p:style>
+        <p:txBody>
+          <a:bodyPr rtlCol="0" anchor="ctr"/>
+          <a:lstStyle/>
+          <a:p>
+            <a:pPr algn="ctr"/>
+            <a:r>
+              <a:rPr lang="en-US" b="1" dirty="0">
+                <a:latin typeface="Irish Grover" panose="02000000000000000000" pitchFamily="2" charset="0"/>
+                <a:cs typeface="Fredoka" pitchFamily="2" charset="-79"/>
+              </a:rPr>
+              <a:t>Unit 3</a:t>
+            </a:r>
+          </a:p>
+        </p:txBody>
+      </p:sp>
+      <p:sp>
+        <p:nvSpPr>
+          <p:cNvPr id="37" name="Rectangle: Rounded Corners 36">
+            <a:extLst>
+              <a:ext uri="{FF2B5EF4-FFF2-40B4-BE49-F238E27FC236}">
+                <a16:creationId xmlns:a16="http://schemas.microsoft.com/office/drawing/2014/main" id="{6BC58F3E-A593-E66B-0D11-046F5448A44E}"/>
+              </a:ext>
+            </a:extLst>
+          </p:cNvPr>
+          <p:cNvSpPr/>
+          <p:nvPr/>
+        </p:nvSpPr>
+        <p:spPr>
+          <a:xfrm>
+            <a:off x="4920544" y="4546642"/>
+            <a:ext cx="3040381" cy="342900"/>
+          </a:xfrm>
+          <a:prstGeom prst="roundRect">
+            <a:avLst>
+              <a:gd name="adj" fmla="val 30000"/>
+            </a:avLst>
+          </a:prstGeom>
+          <a:solidFill>
+            <a:srgbClr val="E8D9C6"/>
+          </a:solidFill>
+          <a:ln w="28575">
+            <a:solidFill>
+              <a:srgbClr val="D4C1A9"/>
+            </a:solidFill>
+          </a:ln>
+        </p:spPr>
+        <p:style>
+          <a:lnRef idx="2">
+            <a:schemeClr val="accent1">
+              <a:shade val="15000"/>
+            </a:schemeClr>
+          </a:lnRef>
+          <a:fillRef idx="1">
+            <a:schemeClr val="accent1"/>
+          </a:fillRef>
+          <a:effectRef idx="0">
+            <a:schemeClr val="accent1"/>
+          </a:effectRef>
+          <a:fontRef idx="minor">
+            <a:schemeClr val="lt1"/>
+          </a:fontRef>
+        </p:style>
+        <p:txBody>
+          <a:bodyPr rtlCol="0" anchor="ctr"/>
+          <a:lstStyle/>
+          <a:p>
+            <a:pPr algn="ctr"/>
+            <a:r>
+              <a:rPr lang="en-US" b="1" dirty="0">
+                <a:latin typeface="Irish Grover" panose="02000000000000000000" pitchFamily="2" charset="0"/>
+                <a:cs typeface="Fredoka" pitchFamily="2" charset="-79"/>
+              </a:rPr>
+              <a:t>Unit 4</a:t>
+            </a:r>
+          </a:p>
+        </p:txBody>
+      </p:sp>
+      <p:sp>
+        <p:nvSpPr>
+          <p:cNvPr id="38" name="Rectangle: Rounded Corners 37">
+            <a:extLst>
+              <a:ext uri="{FF2B5EF4-FFF2-40B4-BE49-F238E27FC236}">
+                <a16:creationId xmlns:a16="http://schemas.microsoft.com/office/drawing/2014/main" id="{C70C62CC-3479-996B-FCDD-B7F58AB4C874}"/>
+              </a:ext>
+            </a:extLst>
+          </p:cNvPr>
+          <p:cNvSpPr/>
+          <p:nvPr/>
+        </p:nvSpPr>
+        <p:spPr>
+          <a:xfrm>
+            <a:off x="4920543" y="5032091"/>
+            <a:ext cx="3040381" cy="342900"/>
+          </a:xfrm>
+          <a:prstGeom prst="roundRect">
+            <a:avLst>
+              <a:gd name="adj" fmla="val 30000"/>
+            </a:avLst>
+          </a:prstGeom>
+          <a:solidFill>
+            <a:srgbClr val="E8D9C6"/>
+          </a:solidFill>
+          <a:ln w="28575">
+            <a:solidFill>
+              <a:srgbClr val="D4C1A9"/>
+            </a:solidFill>
+          </a:ln>
+        </p:spPr>
+        <p:style>
+          <a:lnRef idx="2">
+            <a:schemeClr val="accent1">
+              <a:shade val="15000"/>
+            </a:schemeClr>
+          </a:lnRef>
+          <a:fillRef idx="1">
+            <a:schemeClr val="accent1"/>
+          </a:fillRef>
+          <a:effectRef idx="0">
+            <a:schemeClr val="accent1"/>
+          </a:effectRef>
+          <a:fontRef idx="minor">
+            <a:schemeClr val="lt1"/>
+          </a:fontRef>
+        </p:style>
+        <p:txBody>
+          <a:bodyPr rtlCol="0" anchor="ctr"/>
+          <a:lstStyle/>
+          <a:p>
+            <a:pPr algn="ctr"/>
+            <a:r>
+              <a:rPr lang="en-US" b="1" dirty="0">
+                <a:latin typeface="Irish Grover" panose="02000000000000000000" pitchFamily="2" charset="0"/>
+                <a:cs typeface="Fredoka" pitchFamily="2" charset="-79"/>
+              </a:rPr>
+              <a:t>Unit 5</a:t>
+            </a:r>
+          </a:p>
+        </p:txBody>
+      </p:sp>
+      <p:sp>
+        <p:nvSpPr>
+          <p:cNvPr id="39" name="Rectangle: Rounded Corners 38">
+            <a:extLst>
+              <a:ext uri="{FF2B5EF4-FFF2-40B4-BE49-F238E27FC236}">
+                <a16:creationId xmlns:a16="http://schemas.microsoft.com/office/drawing/2014/main" id="{78494BBA-5CD2-72A4-5A7A-D7984E8B387E}"/>
+              </a:ext>
+            </a:extLst>
+          </p:cNvPr>
+          <p:cNvSpPr/>
+          <p:nvPr/>
+        </p:nvSpPr>
+        <p:spPr>
+          <a:xfrm>
+            <a:off x="4920543" y="5494500"/>
+            <a:ext cx="3040381" cy="342900"/>
+          </a:xfrm>
+          <a:prstGeom prst="roundRect">
+            <a:avLst>
+              <a:gd name="adj" fmla="val 30000"/>
+            </a:avLst>
+          </a:prstGeom>
+          <a:solidFill>
+            <a:srgbClr val="E8D9C6"/>
+          </a:solidFill>
+          <a:ln w="28575">
+            <a:solidFill>
+              <a:srgbClr val="D4C1A9"/>
+            </a:solidFill>
+          </a:ln>
+        </p:spPr>
+        <p:style>
+          <a:lnRef idx="2">
+            <a:schemeClr val="accent1">
+              <a:shade val="15000"/>
+            </a:schemeClr>
+          </a:lnRef>
+          <a:fillRef idx="1">
+            <a:schemeClr val="accent1"/>
+          </a:fillRef>
+          <a:effectRef idx="0">
+            <a:schemeClr val="accent1"/>
+          </a:effectRef>
+          <a:fontRef idx="minor">
+            <a:schemeClr val="lt1"/>
+          </a:fontRef>
+        </p:style>
+        <p:txBody>
+          <a:bodyPr rtlCol="0" anchor="ctr"/>
+          <a:lstStyle/>
+          <a:p>
+            <a:pPr algn="ctr"/>
+            <a:r>
+              <a:rPr lang="en-US" b="1" dirty="0">
+                <a:latin typeface="Irish Grover" panose="02000000000000000000" pitchFamily="2" charset="0"/>
+                <a:cs typeface="Fredoka" pitchFamily="2" charset="-79"/>
+              </a:rPr>
+              <a:t>Unit 6</a:t>
+            </a:r>
+          </a:p>
+        </p:txBody>
+      </p:sp>
+      <p:pic>
+        <p:nvPicPr>
+          <p:cNvPr id="40" name="Picture 39">
+            <a:extLst>
+              <a:ext uri="{FF2B5EF4-FFF2-40B4-BE49-F238E27FC236}">
+                <a16:creationId xmlns:a16="http://schemas.microsoft.com/office/drawing/2014/main" id="{65132173-CFD4-D7D6-23E3-FC09AC19E0CE}"/>
+              </a:ext>
+            </a:extLst>
+          </p:cNvPr>
+          <p:cNvPicPr>
+            <a:picLocks noChangeAspect="1"/>
+          </p:cNvPicPr>
+          <p:nvPr/>
+        </p:nvPicPr>
+        <p:blipFill>
+          <a:blip r:embed="rId3"/>
+          <a:stretch>
+            <a:fillRect/>
+          </a:stretch>
+        </p:blipFill>
+        <p:spPr>
+          <a:xfrm>
+            <a:off x="7859389" y="1974066"/>
+            <a:ext cx="459668" cy="459668"/>
           </a:xfrm>
           <a:prstGeom prst="rect">
             <a:avLst/>
@@ -4946,6 +5574,7057 @@
       </p:transition>
     </mc:Choice>
     <mc:Fallback xmlns="">
+      <p:transition spd="slow">
+        <p:fade/>
+      </p:transition>
+    </mc:Fallback>
+  </mc:AlternateContent>
+</p:sld>
+</file>
+
+<file path=ppt/slides/slide4.xml><?xml version="1.0" encoding="utf-8"?>
+<p:sld xmlns:a="http://schemas.openxmlformats.org/drawingml/2006/main" xmlns:r="http://schemas.openxmlformats.org/officeDocument/2006/relationships" xmlns:p="http://schemas.openxmlformats.org/presentationml/2006/main">
+  <p:cSld>
+    <p:spTree>
+      <p:nvGrpSpPr>
+        <p:cNvPr id="1" name="">
+          <a:extLst>
+            <a:ext uri="{FF2B5EF4-FFF2-40B4-BE49-F238E27FC236}">
+              <a16:creationId xmlns:a16="http://schemas.microsoft.com/office/drawing/2014/main" id="{AD4F33E7-CCD4-6645-61EF-370E83FACC0B}"/>
+            </a:ext>
+          </a:extLst>
+        </p:cNvPr>
+        <p:cNvGrpSpPr/>
+        <p:nvPr/>
+      </p:nvGrpSpPr>
+      <p:grpSpPr>
+        <a:xfrm>
+          <a:off x="0" y="0"/>
+          <a:ext cx="0" cy="0"/>
+          <a:chOff x="0" y="0"/>
+          <a:chExt cx="0" cy="0"/>
+        </a:xfrm>
+      </p:grpSpPr>
+      <p:pic>
+        <p:nvPicPr>
+          <p:cNvPr id="7" name="Picture 6" descr="Cartoon characters on a green field&#10;&#10;AI-generated content may be incorrect.">
+            <a:extLst>
+              <a:ext uri="{FF2B5EF4-FFF2-40B4-BE49-F238E27FC236}">
+                <a16:creationId xmlns:a16="http://schemas.microsoft.com/office/drawing/2014/main" id="{4598C42B-5580-1B05-58FA-6C4055078988}"/>
+              </a:ext>
+            </a:extLst>
+          </p:cNvPr>
+          <p:cNvPicPr>
+            <a:picLocks noChangeAspect="1"/>
+          </p:cNvPicPr>
+          <p:nvPr/>
+        </p:nvPicPr>
+        <p:blipFill>
+          <a:blip r:embed="rId2">
+            <a:extLst>
+              <a:ext uri="{28A0092B-C50C-407E-A947-70E740481C1C}">
+                <a14:useLocalDpi xmlns:a14="http://schemas.microsoft.com/office/drawing/2010/main" val="0"/>
+              </a:ext>
+            </a:extLst>
+          </a:blip>
+          <a:stretch>
+            <a:fillRect/>
+          </a:stretch>
+        </p:blipFill>
+        <p:spPr>
+          <a:xfrm>
+            <a:off x="-15240" y="0"/>
+            <a:ext cx="12207240" cy="8138160"/>
+          </a:xfrm>
+          <a:prstGeom prst="rect">
+            <a:avLst/>
+          </a:prstGeom>
+        </p:spPr>
+      </p:pic>
+      <p:sp>
+        <p:nvSpPr>
+          <p:cNvPr id="8" name="TextBox 7">
+            <a:extLst>
+              <a:ext uri="{FF2B5EF4-FFF2-40B4-BE49-F238E27FC236}">
+                <a16:creationId xmlns:a16="http://schemas.microsoft.com/office/drawing/2014/main" id="{55C24D20-D76F-37DB-709D-F3B246043E5C}"/>
+              </a:ext>
+            </a:extLst>
+          </p:cNvPr>
+          <p:cNvSpPr txBox="1"/>
+          <p:nvPr/>
+        </p:nvSpPr>
+        <p:spPr>
+          <a:xfrm>
+            <a:off x="2873000" y="2705725"/>
+            <a:ext cx="6445995" cy="1446550"/>
+          </a:xfrm>
+          <a:prstGeom prst="rect">
+            <a:avLst/>
+          </a:prstGeom>
+          <a:noFill/>
+        </p:spPr>
+        <p:txBody>
+          <a:bodyPr wrap="none" rtlCol="0">
+            <a:spAutoFit/>
+          </a:bodyPr>
+          <a:lstStyle/>
+          <a:p>
+            <a:pPr algn="ctr"/>
+            <a:r>
+              <a:rPr lang="en-US" sz="8800" dirty="0">
+                <a:solidFill>
+                  <a:schemeClr val="bg1"/>
+                </a:solidFill>
+                <a:latin typeface="OhChewy" panose="02000503050000020003" pitchFamily="2" charset="0"/>
+                <a:cs typeface="Fredoka" pitchFamily="2" charset="-79"/>
+              </a:rPr>
+              <a:t>Grade 5 English</a:t>
+            </a:r>
+          </a:p>
+        </p:txBody>
+      </p:sp>
+      <p:sp>
+        <p:nvSpPr>
+          <p:cNvPr id="9" name="Rectangle: Rounded Corners 8">
+            <a:hlinkClick r:id="rId3" action="ppaction://hlinksldjump"/>
+            <a:extLst>
+              <a:ext uri="{FF2B5EF4-FFF2-40B4-BE49-F238E27FC236}">
+                <a16:creationId xmlns:a16="http://schemas.microsoft.com/office/drawing/2014/main" id="{4C6F4189-32A6-5833-A1FA-C613007C7381}"/>
+              </a:ext>
+            </a:extLst>
+          </p:cNvPr>
+          <p:cNvSpPr/>
+          <p:nvPr/>
+        </p:nvSpPr>
+        <p:spPr>
+          <a:xfrm>
+            <a:off x="5059349" y="4278818"/>
+            <a:ext cx="2058061" cy="584012"/>
+          </a:xfrm>
+          <a:prstGeom prst="roundRect">
+            <a:avLst>
+              <a:gd name="adj" fmla="val 50000"/>
+            </a:avLst>
+          </a:prstGeom>
+          <a:gradFill flip="none" rotWithShape="1">
+            <a:gsLst>
+              <a:gs pos="14000">
+                <a:srgbClr val="7BE753"/>
+              </a:gs>
+              <a:gs pos="100000">
+                <a:srgbClr val="279415"/>
+              </a:gs>
+            </a:gsLst>
+            <a:lin ang="2700000" scaled="1"/>
+            <a:tileRect/>
+          </a:gradFill>
+          <a:ln>
+            <a:solidFill>
+              <a:srgbClr val="279415"/>
+            </a:solidFill>
+          </a:ln>
+        </p:spPr>
+        <p:style>
+          <a:lnRef idx="2">
+            <a:schemeClr val="accent1">
+              <a:shade val="15000"/>
+            </a:schemeClr>
+          </a:lnRef>
+          <a:fillRef idx="1">
+            <a:schemeClr val="accent1"/>
+          </a:fillRef>
+          <a:effectRef idx="0">
+            <a:schemeClr val="accent1"/>
+          </a:effectRef>
+          <a:fontRef idx="minor">
+            <a:schemeClr val="lt1"/>
+          </a:fontRef>
+        </p:style>
+        <p:txBody>
+          <a:bodyPr rtlCol="0" anchor="ctr"/>
+          <a:lstStyle/>
+          <a:p>
+            <a:pPr algn="ctr"/>
+            <a:r>
+              <a:rPr lang="en-US" sz="2800" b="1" dirty="0">
+                <a:latin typeface="Fredoka" pitchFamily="2" charset="-79"/>
+                <a:cs typeface="Fredoka" pitchFamily="2" charset="-79"/>
+              </a:rPr>
+              <a:t>Start</a:t>
+            </a:r>
+            <a:endParaRPr lang="en-US" sz="3200" b="1" dirty="0">
+              <a:latin typeface="Fredoka" pitchFamily="2" charset="-79"/>
+              <a:cs typeface="Fredoka" pitchFamily="2" charset="-79"/>
+            </a:endParaRPr>
+          </a:p>
+        </p:txBody>
+      </p:sp>
+      <p:sp>
+        <p:nvSpPr>
+          <p:cNvPr id="13" name="Rectangle: Rounded Corners 12">
+            <a:extLst>
+              <a:ext uri="{FF2B5EF4-FFF2-40B4-BE49-F238E27FC236}">
+                <a16:creationId xmlns:a16="http://schemas.microsoft.com/office/drawing/2014/main" id="{2F3FB203-8504-E22E-3DDC-19F4F4DB6786}"/>
+              </a:ext>
+            </a:extLst>
+          </p:cNvPr>
+          <p:cNvSpPr/>
+          <p:nvPr/>
+        </p:nvSpPr>
+        <p:spPr>
+          <a:xfrm>
+            <a:off x="4394761" y="9152325"/>
+            <a:ext cx="3543301" cy="1126455"/>
+          </a:xfrm>
+          <a:prstGeom prst="roundRect">
+            <a:avLst>
+              <a:gd name="adj" fmla="val 50000"/>
+            </a:avLst>
+          </a:prstGeom>
+          <a:solidFill>
+            <a:srgbClr val="49BB92"/>
+          </a:solidFill>
+          <a:ln w="127000">
+            <a:solidFill>
+              <a:srgbClr val="006F96"/>
+            </a:solidFill>
+          </a:ln>
+          <a:effectLst/>
+        </p:spPr>
+        <p:style>
+          <a:lnRef idx="2">
+            <a:schemeClr val="accent1">
+              <a:shade val="15000"/>
+            </a:schemeClr>
+          </a:lnRef>
+          <a:fillRef idx="1">
+            <a:schemeClr val="accent1"/>
+          </a:fillRef>
+          <a:effectRef idx="0">
+            <a:schemeClr val="accent1"/>
+          </a:effectRef>
+          <a:fontRef idx="minor">
+            <a:schemeClr val="lt1"/>
+          </a:fontRef>
+        </p:style>
+        <p:txBody>
+          <a:bodyPr rtlCol="0" anchor="ctr"/>
+          <a:lstStyle/>
+          <a:p>
+            <a:pPr algn="ctr"/>
+            <a:endParaRPr lang="en-US" dirty="0"/>
+          </a:p>
+        </p:txBody>
+      </p:sp>
+      <p:sp>
+        <p:nvSpPr>
+          <p:cNvPr id="14" name="Rectangle: Rounded Corners 13">
+            <a:extLst>
+              <a:ext uri="{FF2B5EF4-FFF2-40B4-BE49-F238E27FC236}">
+                <a16:creationId xmlns:a16="http://schemas.microsoft.com/office/drawing/2014/main" id="{58BEE214-68A8-181E-7F52-0A9E8D736A38}"/>
+              </a:ext>
+            </a:extLst>
+          </p:cNvPr>
+          <p:cNvSpPr/>
+          <p:nvPr/>
+        </p:nvSpPr>
+        <p:spPr>
+          <a:xfrm>
+            <a:off x="4319220" y="9099585"/>
+            <a:ext cx="3543301" cy="1068035"/>
+          </a:xfrm>
+          <a:prstGeom prst="roundRect">
+            <a:avLst>
+              <a:gd name="adj" fmla="val 50000"/>
+            </a:avLst>
+          </a:prstGeom>
+          <a:solidFill>
+            <a:srgbClr val="00B0F0"/>
+          </a:solidFill>
+          <a:ln w="127000">
+            <a:solidFill>
+              <a:srgbClr val="00B0F0"/>
+            </a:solidFill>
+          </a:ln>
+          <a:effectLst/>
+        </p:spPr>
+        <p:style>
+          <a:lnRef idx="2">
+            <a:schemeClr val="accent1">
+              <a:shade val="15000"/>
+            </a:schemeClr>
+          </a:lnRef>
+          <a:fillRef idx="1">
+            <a:schemeClr val="accent1"/>
+          </a:fillRef>
+          <a:effectRef idx="0">
+            <a:schemeClr val="accent1"/>
+          </a:effectRef>
+          <a:fontRef idx="minor">
+            <a:schemeClr val="lt1"/>
+          </a:fontRef>
+        </p:style>
+        <p:txBody>
+          <a:bodyPr rtlCol="0" anchor="ctr"/>
+          <a:lstStyle/>
+          <a:p>
+            <a:pPr algn="ctr"/>
+            <a:endParaRPr lang="en-US" dirty="0"/>
+          </a:p>
+        </p:txBody>
+      </p:sp>
+      <p:sp>
+        <p:nvSpPr>
+          <p:cNvPr id="15" name="TextBox 14">
+            <a:extLst>
+              <a:ext uri="{FF2B5EF4-FFF2-40B4-BE49-F238E27FC236}">
+                <a16:creationId xmlns:a16="http://schemas.microsoft.com/office/drawing/2014/main" id="{173562EE-6C35-9816-5EE4-F6E6D0388B15}"/>
+              </a:ext>
+            </a:extLst>
+          </p:cNvPr>
+          <p:cNvSpPr txBox="1"/>
+          <p:nvPr/>
+        </p:nvSpPr>
+        <p:spPr>
+          <a:xfrm flipH="1">
+            <a:off x="4646220" y="9319605"/>
+            <a:ext cx="3040381" cy="584775"/>
+          </a:xfrm>
+          <a:prstGeom prst="rect">
+            <a:avLst/>
+          </a:prstGeom>
+          <a:noFill/>
+        </p:spPr>
+        <p:txBody>
+          <a:bodyPr wrap="square" rtlCol="0">
+            <a:spAutoFit/>
+          </a:bodyPr>
+          <a:lstStyle/>
+          <a:p>
+            <a:pPr algn="ctr"/>
+            <a:r>
+              <a:rPr lang="en-US" sz="3200" dirty="0">
+                <a:solidFill>
+                  <a:schemeClr val="bg1"/>
+                </a:solidFill>
+                <a:latin typeface="Cherry Bomb One" panose="02000000000000000000" pitchFamily="2" charset="-128"/>
+                <a:ea typeface="Cherry Bomb One" panose="02000000000000000000" pitchFamily="2" charset="-128"/>
+                <a:cs typeface="Fredoka" pitchFamily="2" charset="-79"/>
+              </a:rPr>
+              <a:t>Exercises</a:t>
+            </a:r>
+          </a:p>
+        </p:txBody>
+      </p:sp>
+      <p:sp>
+        <p:nvSpPr>
+          <p:cNvPr id="19" name="Rectangle: Rounded Corners 18">
+            <a:extLst>
+              <a:ext uri="{FF2B5EF4-FFF2-40B4-BE49-F238E27FC236}">
+                <a16:creationId xmlns:a16="http://schemas.microsoft.com/office/drawing/2014/main" id="{C259D937-BCBC-7B08-3989-03EB1EF146B1}"/>
+              </a:ext>
+            </a:extLst>
+          </p:cNvPr>
+          <p:cNvSpPr/>
+          <p:nvPr/>
+        </p:nvSpPr>
+        <p:spPr>
+          <a:xfrm>
+            <a:off x="-4722895" y="3088075"/>
+            <a:ext cx="3543301" cy="1068035"/>
+          </a:xfrm>
+          <a:prstGeom prst="roundRect">
+            <a:avLst>
+              <a:gd name="adj" fmla="val 50000"/>
+            </a:avLst>
+          </a:prstGeom>
+          <a:solidFill>
+            <a:srgbClr val="49BB92"/>
+          </a:solidFill>
+          <a:ln w="127000">
+            <a:solidFill>
+              <a:srgbClr val="33896A"/>
+            </a:solidFill>
+          </a:ln>
+          <a:effectLst/>
+        </p:spPr>
+        <p:style>
+          <a:lnRef idx="2">
+            <a:schemeClr val="accent1">
+              <a:shade val="15000"/>
+            </a:schemeClr>
+          </a:lnRef>
+          <a:fillRef idx="1">
+            <a:schemeClr val="accent1"/>
+          </a:fillRef>
+          <a:effectRef idx="0">
+            <a:schemeClr val="accent1"/>
+          </a:effectRef>
+          <a:fontRef idx="minor">
+            <a:schemeClr val="lt1"/>
+          </a:fontRef>
+        </p:style>
+        <p:txBody>
+          <a:bodyPr rtlCol="0" anchor="ctr"/>
+          <a:lstStyle/>
+          <a:p>
+            <a:pPr algn="ctr"/>
+            <a:endParaRPr lang="en-US" dirty="0"/>
+          </a:p>
+        </p:txBody>
+      </p:sp>
+      <p:sp>
+        <p:nvSpPr>
+          <p:cNvPr id="20" name="Rectangle: Rounded Corners 19">
+            <a:extLst>
+              <a:ext uri="{FF2B5EF4-FFF2-40B4-BE49-F238E27FC236}">
+                <a16:creationId xmlns:a16="http://schemas.microsoft.com/office/drawing/2014/main" id="{F13A932C-280D-9DFD-D779-BEE402B63761}"/>
+              </a:ext>
+            </a:extLst>
+          </p:cNvPr>
+          <p:cNvSpPr/>
+          <p:nvPr/>
+        </p:nvSpPr>
+        <p:spPr>
+          <a:xfrm>
+            <a:off x="-4798436" y="3035335"/>
+            <a:ext cx="3543301" cy="1009615"/>
+          </a:xfrm>
+          <a:prstGeom prst="roundRect">
+            <a:avLst>
+              <a:gd name="adj" fmla="val 50000"/>
+            </a:avLst>
+          </a:prstGeom>
+          <a:solidFill>
+            <a:srgbClr val="49BB92"/>
+          </a:solidFill>
+          <a:ln w="127000">
+            <a:solidFill>
+              <a:srgbClr val="49BB92"/>
+            </a:solidFill>
+          </a:ln>
+          <a:effectLst/>
+        </p:spPr>
+        <p:style>
+          <a:lnRef idx="2">
+            <a:schemeClr val="accent1">
+              <a:shade val="15000"/>
+            </a:schemeClr>
+          </a:lnRef>
+          <a:fillRef idx="1">
+            <a:schemeClr val="accent1"/>
+          </a:fillRef>
+          <a:effectRef idx="0">
+            <a:schemeClr val="accent1"/>
+          </a:effectRef>
+          <a:fontRef idx="minor">
+            <a:schemeClr val="lt1"/>
+          </a:fontRef>
+        </p:style>
+        <p:txBody>
+          <a:bodyPr rtlCol="0" anchor="ctr"/>
+          <a:lstStyle/>
+          <a:p>
+            <a:pPr algn="ctr"/>
+            <a:endParaRPr lang="en-US" dirty="0"/>
+          </a:p>
+        </p:txBody>
+      </p:sp>
+      <p:sp>
+        <p:nvSpPr>
+          <p:cNvPr id="21" name="TextBox 20">
+            <a:extLst>
+              <a:ext uri="{FF2B5EF4-FFF2-40B4-BE49-F238E27FC236}">
+                <a16:creationId xmlns:a16="http://schemas.microsoft.com/office/drawing/2014/main" id="{61BCF9B6-3425-D1B3-7657-4BB806BE2560}"/>
+              </a:ext>
+            </a:extLst>
+          </p:cNvPr>
+          <p:cNvSpPr txBox="1"/>
+          <p:nvPr/>
+        </p:nvSpPr>
+        <p:spPr>
+          <a:xfrm flipH="1">
+            <a:off x="-4473271" y="3202615"/>
+            <a:ext cx="3040381" cy="584775"/>
+          </a:xfrm>
+          <a:prstGeom prst="rect">
+            <a:avLst/>
+          </a:prstGeom>
+          <a:noFill/>
+        </p:spPr>
+        <p:txBody>
+          <a:bodyPr wrap="square" rtlCol="0">
+            <a:spAutoFit/>
+          </a:bodyPr>
+          <a:lstStyle/>
+          <a:p>
+            <a:pPr algn="ctr"/>
+            <a:r>
+              <a:rPr lang="en-US" sz="3200" dirty="0">
+                <a:solidFill>
+                  <a:schemeClr val="bg1"/>
+                </a:solidFill>
+                <a:latin typeface="Cherry Bomb One" panose="02000000000000000000" pitchFamily="2" charset="-128"/>
+                <a:ea typeface="Cherry Bomb One" panose="02000000000000000000" pitchFamily="2" charset="-128"/>
+                <a:cs typeface="Fredoka" pitchFamily="2" charset="-79"/>
+              </a:rPr>
+              <a:t>Chapters</a:t>
+            </a:r>
+          </a:p>
+        </p:txBody>
+      </p:sp>
+      <p:sp>
+        <p:nvSpPr>
+          <p:cNvPr id="22" name="Rectangle: Rounded Corners 21">
+            <a:extLst>
+              <a:ext uri="{FF2B5EF4-FFF2-40B4-BE49-F238E27FC236}">
+                <a16:creationId xmlns:a16="http://schemas.microsoft.com/office/drawing/2014/main" id="{85EE4C6B-E4B3-FBC8-1E51-F52A80EF7187}"/>
+              </a:ext>
+            </a:extLst>
+          </p:cNvPr>
+          <p:cNvSpPr/>
+          <p:nvPr/>
+        </p:nvSpPr>
+        <p:spPr>
+          <a:xfrm>
+            <a:off x="12940918" y="3091455"/>
+            <a:ext cx="3543301" cy="1064655"/>
+          </a:xfrm>
+          <a:prstGeom prst="roundRect">
+            <a:avLst>
+              <a:gd name="adj" fmla="val 50000"/>
+            </a:avLst>
+          </a:prstGeom>
+          <a:solidFill>
+            <a:srgbClr val="49BB92"/>
+          </a:solidFill>
+          <a:ln w="127000">
+            <a:solidFill>
+              <a:srgbClr val="692C9C"/>
+            </a:solidFill>
+          </a:ln>
+          <a:effectLst/>
+        </p:spPr>
+        <p:style>
+          <a:lnRef idx="2">
+            <a:schemeClr val="accent1">
+              <a:shade val="15000"/>
+            </a:schemeClr>
+          </a:lnRef>
+          <a:fillRef idx="1">
+            <a:schemeClr val="accent1"/>
+          </a:fillRef>
+          <a:effectRef idx="0">
+            <a:schemeClr val="accent1"/>
+          </a:effectRef>
+          <a:fontRef idx="minor">
+            <a:schemeClr val="lt1"/>
+          </a:fontRef>
+        </p:style>
+        <p:txBody>
+          <a:bodyPr rtlCol="0" anchor="ctr"/>
+          <a:lstStyle/>
+          <a:p>
+            <a:pPr algn="ctr"/>
+            <a:endParaRPr lang="en-US" dirty="0"/>
+          </a:p>
+        </p:txBody>
+      </p:sp>
+      <p:sp>
+        <p:nvSpPr>
+          <p:cNvPr id="23" name="Rectangle: Rounded Corners 22">
+            <a:extLst>
+              <a:ext uri="{FF2B5EF4-FFF2-40B4-BE49-F238E27FC236}">
+                <a16:creationId xmlns:a16="http://schemas.microsoft.com/office/drawing/2014/main" id="{4D2CB070-E9F4-DE87-719A-E6069FA9383B}"/>
+              </a:ext>
+            </a:extLst>
+          </p:cNvPr>
+          <p:cNvSpPr/>
+          <p:nvPr/>
+        </p:nvSpPr>
+        <p:spPr>
+          <a:xfrm>
+            <a:off x="12865377" y="3038715"/>
+            <a:ext cx="3543301" cy="1006235"/>
+          </a:xfrm>
+          <a:prstGeom prst="roundRect">
+            <a:avLst>
+              <a:gd name="adj" fmla="val 50000"/>
+            </a:avLst>
+          </a:prstGeom>
+          <a:solidFill>
+            <a:srgbClr val="9C5BD1"/>
+          </a:solidFill>
+          <a:ln w="127000">
+            <a:solidFill>
+              <a:srgbClr val="9C5BD1"/>
+            </a:solidFill>
+          </a:ln>
+          <a:effectLst/>
+        </p:spPr>
+        <p:style>
+          <a:lnRef idx="2">
+            <a:schemeClr val="accent1">
+              <a:shade val="15000"/>
+            </a:schemeClr>
+          </a:lnRef>
+          <a:fillRef idx="1">
+            <a:schemeClr val="accent1"/>
+          </a:fillRef>
+          <a:effectRef idx="0">
+            <a:schemeClr val="accent1"/>
+          </a:effectRef>
+          <a:fontRef idx="minor">
+            <a:schemeClr val="lt1"/>
+          </a:fontRef>
+        </p:style>
+        <p:txBody>
+          <a:bodyPr rtlCol="0" anchor="ctr"/>
+          <a:lstStyle/>
+          <a:p>
+            <a:pPr algn="ctr"/>
+            <a:endParaRPr lang="en-US" dirty="0"/>
+          </a:p>
+        </p:txBody>
+      </p:sp>
+      <p:sp>
+        <p:nvSpPr>
+          <p:cNvPr id="24" name="TextBox 23">
+            <a:extLst>
+              <a:ext uri="{FF2B5EF4-FFF2-40B4-BE49-F238E27FC236}">
+                <a16:creationId xmlns:a16="http://schemas.microsoft.com/office/drawing/2014/main" id="{94EEC519-C246-D0B5-B224-ACD2A067A5B7}"/>
+              </a:ext>
+            </a:extLst>
+          </p:cNvPr>
+          <p:cNvSpPr txBox="1"/>
+          <p:nvPr/>
+        </p:nvSpPr>
+        <p:spPr>
+          <a:xfrm flipH="1">
+            <a:off x="13192377" y="3276964"/>
+            <a:ext cx="3040381" cy="584775"/>
+          </a:xfrm>
+          <a:prstGeom prst="rect">
+            <a:avLst/>
+          </a:prstGeom>
+          <a:noFill/>
+        </p:spPr>
+        <p:txBody>
+          <a:bodyPr wrap="square" rtlCol="0">
+            <a:spAutoFit/>
+          </a:bodyPr>
+          <a:lstStyle/>
+          <a:p>
+            <a:pPr algn="ctr"/>
+            <a:r>
+              <a:rPr lang="en-US" sz="3200" dirty="0">
+                <a:solidFill>
+                  <a:schemeClr val="bg1"/>
+                </a:solidFill>
+                <a:latin typeface="Cherry Bomb One" panose="02000000000000000000" pitchFamily="2" charset="-128"/>
+                <a:ea typeface="Cherry Bomb One" panose="02000000000000000000" pitchFamily="2" charset="-128"/>
+                <a:cs typeface="Fredoka" pitchFamily="2" charset="-79"/>
+              </a:rPr>
+              <a:t>Videos</a:t>
+            </a:r>
+          </a:p>
+        </p:txBody>
+      </p:sp>
+    </p:spTree>
+    <p:extLst>
+      <p:ext uri="{BB962C8B-B14F-4D97-AF65-F5344CB8AC3E}">
+        <p14:creationId xmlns:p14="http://schemas.microsoft.com/office/powerpoint/2010/main" val="135002897"/>
+      </p:ext>
+    </p:extLst>
+  </p:cSld>
+  <p:clrMapOvr>
+    <a:masterClrMapping/>
+  </p:clrMapOvr>
+  <p:timing>
+    <p:tnLst>
+      <p:par>
+        <p:cTn id="1" dur="indefinite" restart="never" nodeType="tmRoot">
+          <p:childTnLst>
+            <p:seq concurrent="1" nextAc="seek">
+              <p:cTn id="2" dur="indefinite" nodeType="mainSeq">
+                <p:childTnLst>
+                  <p:par>
+                    <p:cTn id="3" fill="hold">
+                      <p:stCondLst>
+                        <p:cond delay="indefinite"/>
+                      </p:stCondLst>
+                      <p:childTnLst>
+                        <p:par>
+                          <p:cTn id="4" fill="hold">
+                            <p:stCondLst>
+                              <p:cond delay="0"/>
+                            </p:stCondLst>
+                            <p:childTnLst>
+                              <p:par>
+                                <p:cTn id="5" presetID="10" presetClass="entr" presetSubtype="0" fill="hold" grpId="0" nodeType="clickEffect">
+                                  <p:stCondLst>
+                                    <p:cond delay="0"/>
+                                  </p:stCondLst>
+                                  <p:childTnLst>
+                                    <p:set>
+                                      <p:cBhvr>
+                                        <p:cTn id="6" dur="1" fill="hold">
+                                          <p:stCondLst>
+                                            <p:cond delay="0"/>
+                                          </p:stCondLst>
+                                        </p:cTn>
+                                        <p:tgtEl>
+                                          <p:spTgt spid="9"/>
+                                        </p:tgtEl>
+                                        <p:attrNameLst>
+                                          <p:attrName>style.visibility</p:attrName>
+                                        </p:attrNameLst>
+                                      </p:cBhvr>
+                                      <p:to>
+                                        <p:strVal val="visible"/>
+                                      </p:to>
+                                    </p:set>
+                                    <p:animEffect transition="in" filter="fade">
+                                      <p:cBhvr>
+                                        <p:cTn id="7" dur="500"/>
+                                        <p:tgtEl>
+                                          <p:spTgt spid="9"/>
+                                        </p:tgtEl>
+                                      </p:cBhvr>
+                                    </p:animEffect>
+                                  </p:childTnLst>
+                                </p:cTn>
+                              </p:par>
+                              <p:par>
+                                <p:cTn id="8" presetID="10" presetClass="entr" presetSubtype="0" fill="hold" grpId="0" nodeType="withEffect">
+                                  <p:stCondLst>
+                                    <p:cond delay="0"/>
+                                  </p:stCondLst>
+                                  <p:childTnLst>
+                                    <p:set>
+                                      <p:cBhvr>
+                                        <p:cTn id="9" dur="1" fill="hold">
+                                          <p:stCondLst>
+                                            <p:cond delay="0"/>
+                                          </p:stCondLst>
+                                        </p:cTn>
+                                        <p:tgtEl>
+                                          <p:spTgt spid="8"/>
+                                        </p:tgtEl>
+                                        <p:attrNameLst>
+                                          <p:attrName>style.visibility</p:attrName>
+                                        </p:attrNameLst>
+                                      </p:cBhvr>
+                                      <p:to>
+                                        <p:strVal val="visible"/>
+                                      </p:to>
+                                    </p:set>
+                                    <p:animEffect transition="in" filter="fade">
+                                      <p:cBhvr>
+                                        <p:cTn id="10" dur="500"/>
+                                        <p:tgtEl>
+                                          <p:spTgt spid="8"/>
+                                        </p:tgtEl>
+                                      </p:cBhvr>
+                                    </p:animEffect>
+                                  </p:childTnLst>
+                                </p:cTn>
+                              </p:par>
+                            </p:childTnLst>
+                          </p:cTn>
+                        </p:par>
+                      </p:childTnLst>
+                    </p:cTn>
+                  </p:par>
+                </p:childTnLst>
+              </p:cTn>
+              <p:prevCondLst>
+                <p:cond evt="onPrev" delay="0">
+                  <p:tgtEl>
+                    <p:sldTgt/>
+                  </p:tgtEl>
+                </p:cond>
+              </p:prevCondLst>
+              <p:nextCondLst>
+                <p:cond evt="onNext" delay="0">
+                  <p:tgtEl>
+                    <p:sldTgt/>
+                  </p:tgtEl>
+                </p:cond>
+              </p:nextCondLst>
+            </p:seq>
+          </p:childTnLst>
+        </p:cTn>
+      </p:par>
+    </p:tnLst>
+    <p:bldLst>
+      <p:bldP spid="8" grpId="0"/>
+      <p:bldP spid="9" grpId="0" animBg="1"/>
+    </p:bldLst>
+  </p:timing>
+</p:sld>
+</file>
+
+<file path=ppt/slides/slide5.xml><?xml version="1.0" encoding="utf-8"?>
+<p:sld xmlns:a="http://schemas.openxmlformats.org/drawingml/2006/main" xmlns:r="http://schemas.openxmlformats.org/officeDocument/2006/relationships" xmlns:p="http://schemas.openxmlformats.org/presentationml/2006/main">
+  <p:cSld>
+    <p:spTree>
+      <p:nvGrpSpPr>
+        <p:cNvPr id="1" name="">
+          <a:extLst>
+            <a:ext uri="{FF2B5EF4-FFF2-40B4-BE49-F238E27FC236}">
+              <a16:creationId xmlns:a16="http://schemas.microsoft.com/office/drawing/2014/main" id="{2B3B28B6-BB1B-78E8-6BC2-8088947211A8}"/>
+            </a:ext>
+          </a:extLst>
+        </p:cNvPr>
+        <p:cNvGrpSpPr/>
+        <p:nvPr/>
+      </p:nvGrpSpPr>
+      <p:grpSpPr>
+        <a:xfrm>
+          <a:off x="0" y="0"/>
+          <a:ext cx="0" cy="0"/>
+          <a:chOff x="0" y="0"/>
+          <a:chExt cx="0" cy="0"/>
+        </a:xfrm>
+      </p:grpSpPr>
+      <p:pic>
+        <p:nvPicPr>
+          <p:cNvPr id="7" name="Picture 6" descr="Cartoon characters on a green field&#10;&#10;AI-generated content may be incorrect.">
+            <a:extLst>
+              <a:ext uri="{FF2B5EF4-FFF2-40B4-BE49-F238E27FC236}">
+                <a16:creationId xmlns:a16="http://schemas.microsoft.com/office/drawing/2014/main" id="{76BD4EDC-CD4B-29D4-B92A-47C094B1304A}"/>
+              </a:ext>
+            </a:extLst>
+          </p:cNvPr>
+          <p:cNvPicPr>
+            <a:picLocks noChangeAspect="1"/>
+          </p:cNvPicPr>
+          <p:nvPr/>
+        </p:nvPicPr>
+        <p:blipFill>
+          <a:blip r:embed="rId2">
+            <a:extLst>
+              <a:ext uri="{28A0092B-C50C-407E-A947-70E740481C1C}">
+                <a14:useLocalDpi xmlns:a14="http://schemas.microsoft.com/office/drawing/2010/main" val="0"/>
+              </a:ext>
+            </a:extLst>
+          </a:blip>
+          <a:stretch>
+            <a:fillRect/>
+          </a:stretch>
+        </p:blipFill>
+        <p:spPr>
+          <a:xfrm>
+            <a:off x="-15240" y="-1280160"/>
+            <a:ext cx="12207240" cy="8138160"/>
+          </a:xfrm>
+          <a:prstGeom prst="rect">
+            <a:avLst/>
+          </a:prstGeom>
+        </p:spPr>
+      </p:pic>
+      <p:sp>
+        <p:nvSpPr>
+          <p:cNvPr id="2" name="Rectangle: Rounded Corners 1">
+            <a:extLst>
+              <a:ext uri="{FF2B5EF4-FFF2-40B4-BE49-F238E27FC236}">
+                <a16:creationId xmlns:a16="http://schemas.microsoft.com/office/drawing/2014/main" id="{FF2AB505-F2FC-5868-4BF9-1D4097F3D0FD}"/>
+              </a:ext>
+            </a:extLst>
+          </p:cNvPr>
+          <p:cNvSpPr/>
+          <p:nvPr/>
+        </p:nvSpPr>
+        <p:spPr>
+          <a:xfrm>
+            <a:off x="344405" y="3088075"/>
+            <a:ext cx="3543301" cy="1068035"/>
+          </a:xfrm>
+          <a:prstGeom prst="roundRect">
+            <a:avLst>
+              <a:gd name="adj" fmla="val 50000"/>
+            </a:avLst>
+          </a:prstGeom>
+          <a:solidFill>
+            <a:srgbClr val="49BB92"/>
+          </a:solidFill>
+          <a:ln w="127000">
+            <a:solidFill>
+              <a:srgbClr val="33896A"/>
+            </a:solidFill>
+          </a:ln>
+          <a:effectLst/>
+        </p:spPr>
+        <p:style>
+          <a:lnRef idx="2">
+            <a:schemeClr val="accent1">
+              <a:shade val="15000"/>
+            </a:schemeClr>
+          </a:lnRef>
+          <a:fillRef idx="1">
+            <a:schemeClr val="accent1"/>
+          </a:fillRef>
+          <a:effectRef idx="0">
+            <a:schemeClr val="accent1"/>
+          </a:effectRef>
+          <a:fontRef idx="minor">
+            <a:schemeClr val="lt1"/>
+          </a:fontRef>
+        </p:style>
+        <p:txBody>
+          <a:bodyPr rtlCol="0" anchor="ctr"/>
+          <a:lstStyle/>
+          <a:p>
+            <a:pPr algn="ctr"/>
+            <a:endParaRPr lang="en-US" dirty="0"/>
+          </a:p>
+        </p:txBody>
+      </p:sp>
+      <p:sp>
+        <p:nvSpPr>
+          <p:cNvPr id="3" name="Rectangle: Rounded Corners 2">
+            <a:hlinkClick r:id="rId3" action="ppaction://hlinksldjump"/>
+            <a:extLst>
+              <a:ext uri="{FF2B5EF4-FFF2-40B4-BE49-F238E27FC236}">
+                <a16:creationId xmlns:a16="http://schemas.microsoft.com/office/drawing/2014/main" id="{8FC98C30-2C68-6BE2-672A-739C98EFBC29}"/>
+              </a:ext>
+            </a:extLst>
+          </p:cNvPr>
+          <p:cNvSpPr/>
+          <p:nvPr/>
+        </p:nvSpPr>
+        <p:spPr>
+          <a:xfrm>
+            <a:off x="268864" y="3035335"/>
+            <a:ext cx="3543301" cy="1009615"/>
+          </a:xfrm>
+          <a:prstGeom prst="roundRect">
+            <a:avLst>
+              <a:gd name="adj" fmla="val 50000"/>
+            </a:avLst>
+          </a:prstGeom>
+          <a:solidFill>
+            <a:srgbClr val="49BB92"/>
+          </a:solidFill>
+          <a:ln w="127000">
+            <a:solidFill>
+              <a:srgbClr val="49BB92"/>
+            </a:solidFill>
+          </a:ln>
+          <a:effectLst/>
+        </p:spPr>
+        <p:style>
+          <a:lnRef idx="2">
+            <a:schemeClr val="accent1">
+              <a:shade val="15000"/>
+            </a:schemeClr>
+          </a:lnRef>
+          <a:fillRef idx="1">
+            <a:schemeClr val="accent1"/>
+          </a:fillRef>
+          <a:effectRef idx="0">
+            <a:schemeClr val="accent1"/>
+          </a:effectRef>
+          <a:fontRef idx="minor">
+            <a:schemeClr val="lt1"/>
+          </a:fontRef>
+        </p:style>
+        <p:txBody>
+          <a:bodyPr rtlCol="0" anchor="ctr"/>
+          <a:lstStyle/>
+          <a:p>
+            <a:pPr algn="ctr"/>
+            <a:endParaRPr lang="en-US" dirty="0"/>
+          </a:p>
+        </p:txBody>
+      </p:sp>
+      <p:sp>
+        <p:nvSpPr>
+          <p:cNvPr id="5" name="TextBox 4">
+            <a:hlinkClick r:id="rId3" action="ppaction://hlinksldjump"/>
+            <a:extLst>
+              <a:ext uri="{FF2B5EF4-FFF2-40B4-BE49-F238E27FC236}">
+                <a16:creationId xmlns:a16="http://schemas.microsoft.com/office/drawing/2014/main" id="{ACEC1AE8-A135-1787-00AE-82240AD568CD}"/>
+              </a:ext>
+            </a:extLst>
+          </p:cNvPr>
+          <p:cNvSpPr txBox="1"/>
+          <p:nvPr/>
+        </p:nvSpPr>
+        <p:spPr>
+          <a:xfrm flipH="1">
+            <a:off x="594029" y="3202615"/>
+            <a:ext cx="3040381" cy="584775"/>
+          </a:xfrm>
+          <a:prstGeom prst="rect">
+            <a:avLst/>
+          </a:prstGeom>
+          <a:noFill/>
+        </p:spPr>
+        <p:txBody>
+          <a:bodyPr wrap="square" rtlCol="0">
+            <a:spAutoFit/>
+          </a:bodyPr>
+          <a:lstStyle/>
+          <a:p>
+            <a:pPr algn="ctr"/>
+            <a:r>
+              <a:rPr lang="en-US" sz="3200" dirty="0">
+                <a:solidFill>
+                  <a:schemeClr val="bg1"/>
+                </a:solidFill>
+                <a:latin typeface="Cherry Bomb One" panose="02000000000000000000" pitchFamily="2" charset="-128"/>
+                <a:ea typeface="Cherry Bomb One" panose="02000000000000000000" pitchFamily="2" charset="-128"/>
+                <a:cs typeface="Fredoka" pitchFamily="2" charset="-79"/>
+              </a:rPr>
+              <a:t>Chapters</a:t>
+            </a:r>
+          </a:p>
+        </p:txBody>
+      </p:sp>
+      <p:sp>
+        <p:nvSpPr>
+          <p:cNvPr id="18" name="Rectangle: Rounded Corners 17">
+            <a:extLst>
+              <a:ext uri="{FF2B5EF4-FFF2-40B4-BE49-F238E27FC236}">
+                <a16:creationId xmlns:a16="http://schemas.microsoft.com/office/drawing/2014/main" id="{2F79532F-15A3-096D-C67D-5F0EDF3FF8C5}"/>
+              </a:ext>
+            </a:extLst>
+          </p:cNvPr>
+          <p:cNvSpPr/>
+          <p:nvPr/>
+        </p:nvSpPr>
+        <p:spPr>
+          <a:xfrm>
+            <a:off x="4394761" y="3088075"/>
+            <a:ext cx="3543301" cy="1126455"/>
+          </a:xfrm>
+          <a:prstGeom prst="roundRect">
+            <a:avLst>
+              <a:gd name="adj" fmla="val 50000"/>
+            </a:avLst>
+          </a:prstGeom>
+          <a:solidFill>
+            <a:srgbClr val="49BB92"/>
+          </a:solidFill>
+          <a:ln w="127000">
+            <a:solidFill>
+              <a:srgbClr val="006F96"/>
+            </a:solidFill>
+          </a:ln>
+          <a:effectLst/>
+        </p:spPr>
+        <p:style>
+          <a:lnRef idx="2">
+            <a:schemeClr val="accent1">
+              <a:shade val="15000"/>
+            </a:schemeClr>
+          </a:lnRef>
+          <a:fillRef idx="1">
+            <a:schemeClr val="accent1"/>
+          </a:fillRef>
+          <a:effectRef idx="0">
+            <a:schemeClr val="accent1"/>
+          </a:effectRef>
+          <a:fontRef idx="minor">
+            <a:schemeClr val="lt1"/>
+          </a:fontRef>
+        </p:style>
+        <p:txBody>
+          <a:bodyPr rtlCol="0" anchor="ctr"/>
+          <a:lstStyle/>
+          <a:p>
+            <a:pPr algn="ctr"/>
+            <a:endParaRPr lang="en-US" dirty="0"/>
+          </a:p>
+        </p:txBody>
+      </p:sp>
+      <p:sp>
+        <p:nvSpPr>
+          <p:cNvPr id="19" name="Rectangle: Rounded Corners 18">
+            <a:hlinkClick r:id="rId4" action="ppaction://hlinksldjump"/>
+            <a:extLst>
+              <a:ext uri="{FF2B5EF4-FFF2-40B4-BE49-F238E27FC236}">
+                <a16:creationId xmlns:a16="http://schemas.microsoft.com/office/drawing/2014/main" id="{ECCBC911-58C8-CB68-D0D9-1AA001D34A25}"/>
+              </a:ext>
+            </a:extLst>
+          </p:cNvPr>
+          <p:cNvSpPr/>
+          <p:nvPr/>
+        </p:nvSpPr>
+        <p:spPr>
+          <a:xfrm>
+            <a:off x="4319220" y="3035335"/>
+            <a:ext cx="3543301" cy="1068035"/>
+          </a:xfrm>
+          <a:prstGeom prst="roundRect">
+            <a:avLst>
+              <a:gd name="adj" fmla="val 50000"/>
+            </a:avLst>
+          </a:prstGeom>
+          <a:solidFill>
+            <a:srgbClr val="00B0F0"/>
+          </a:solidFill>
+          <a:ln w="127000">
+            <a:solidFill>
+              <a:srgbClr val="00B0F0"/>
+            </a:solidFill>
+          </a:ln>
+          <a:effectLst/>
+        </p:spPr>
+        <p:style>
+          <a:lnRef idx="2">
+            <a:schemeClr val="accent1">
+              <a:shade val="15000"/>
+            </a:schemeClr>
+          </a:lnRef>
+          <a:fillRef idx="1">
+            <a:schemeClr val="accent1"/>
+          </a:fillRef>
+          <a:effectRef idx="0">
+            <a:schemeClr val="accent1"/>
+          </a:effectRef>
+          <a:fontRef idx="minor">
+            <a:schemeClr val="lt1"/>
+          </a:fontRef>
+        </p:style>
+        <p:txBody>
+          <a:bodyPr rtlCol="0" anchor="ctr"/>
+          <a:lstStyle/>
+          <a:p>
+            <a:pPr algn="ctr"/>
+            <a:endParaRPr lang="en-US" dirty="0"/>
+          </a:p>
+        </p:txBody>
+      </p:sp>
+      <p:sp>
+        <p:nvSpPr>
+          <p:cNvPr id="21" name="TextBox 20">
+            <a:hlinkClick r:id="rId4" action="ppaction://hlinksldjump"/>
+            <a:extLst>
+              <a:ext uri="{FF2B5EF4-FFF2-40B4-BE49-F238E27FC236}">
+                <a16:creationId xmlns:a16="http://schemas.microsoft.com/office/drawing/2014/main" id="{701C27A8-6F85-B613-591E-4F9E03690D9B}"/>
+              </a:ext>
+            </a:extLst>
+          </p:cNvPr>
+          <p:cNvSpPr txBox="1"/>
+          <p:nvPr/>
+        </p:nvSpPr>
+        <p:spPr>
+          <a:xfrm flipH="1">
+            <a:off x="4646220" y="3255355"/>
+            <a:ext cx="3040381" cy="584775"/>
+          </a:xfrm>
+          <a:prstGeom prst="rect">
+            <a:avLst/>
+          </a:prstGeom>
+          <a:noFill/>
+        </p:spPr>
+        <p:txBody>
+          <a:bodyPr wrap="square" rtlCol="0">
+            <a:spAutoFit/>
+          </a:bodyPr>
+          <a:lstStyle/>
+          <a:p>
+            <a:pPr algn="ctr"/>
+            <a:r>
+              <a:rPr lang="en-US" sz="3200" dirty="0">
+                <a:solidFill>
+                  <a:schemeClr val="bg1"/>
+                </a:solidFill>
+                <a:latin typeface="Cherry Bomb One" panose="02000000000000000000" pitchFamily="2" charset="-128"/>
+                <a:ea typeface="Cherry Bomb One" panose="02000000000000000000" pitchFamily="2" charset="-128"/>
+                <a:cs typeface="Fredoka" pitchFamily="2" charset="-79"/>
+              </a:rPr>
+              <a:t>Exercises</a:t>
+            </a:r>
+          </a:p>
+        </p:txBody>
+      </p:sp>
+      <p:sp>
+        <p:nvSpPr>
+          <p:cNvPr id="29" name="Rectangle: Rounded Corners 28">
+            <a:extLst>
+              <a:ext uri="{FF2B5EF4-FFF2-40B4-BE49-F238E27FC236}">
+                <a16:creationId xmlns:a16="http://schemas.microsoft.com/office/drawing/2014/main" id="{B575E0CD-E7C7-E60B-D466-77761C09FE86}"/>
+              </a:ext>
+            </a:extLst>
+          </p:cNvPr>
+          <p:cNvSpPr/>
+          <p:nvPr/>
+        </p:nvSpPr>
+        <p:spPr>
+          <a:xfrm>
+            <a:off x="8445118" y="3091455"/>
+            <a:ext cx="3543301" cy="1064655"/>
+          </a:xfrm>
+          <a:prstGeom prst="roundRect">
+            <a:avLst>
+              <a:gd name="adj" fmla="val 50000"/>
+            </a:avLst>
+          </a:prstGeom>
+          <a:solidFill>
+            <a:srgbClr val="49BB92"/>
+          </a:solidFill>
+          <a:ln w="127000">
+            <a:solidFill>
+              <a:srgbClr val="692C9C"/>
+            </a:solidFill>
+          </a:ln>
+          <a:effectLst/>
+        </p:spPr>
+        <p:style>
+          <a:lnRef idx="2">
+            <a:schemeClr val="accent1">
+              <a:shade val="15000"/>
+            </a:schemeClr>
+          </a:lnRef>
+          <a:fillRef idx="1">
+            <a:schemeClr val="accent1"/>
+          </a:fillRef>
+          <a:effectRef idx="0">
+            <a:schemeClr val="accent1"/>
+          </a:effectRef>
+          <a:fontRef idx="minor">
+            <a:schemeClr val="lt1"/>
+          </a:fontRef>
+        </p:style>
+        <p:txBody>
+          <a:bodyPr rtlCol="0" anchor="ctr"/>
+          <a:lstStyle/>
+          <a:p>
+            <a:pPr algn="ctr"/>
+            <a:endParaRPr lang="en-US" dirty="0"/>
+          </a:p>
+        </p:txBody>
+      </p:sp>
+      <p:sp>
+        <p:nvSpPr>
+          <p:cNvPr id="30" name="Rectangle: Rounded Corners 29">
+            <a:hlinkClick r:id="rId5" action="ppaction://hlinksldjump"/>
+            <a:extLst>
+              <a:ext uri="{FF2B5EF4-FFF2-40B4-BE49-F238E27FC236}">
+                <a16:creationId xmlns:a16="http://schemas.microsoft.com/office/drawing/2014/main" id="{7C39083B-1749-EEB9-B834-A96AE1765A8E}"/>
+              </a:ext>
+            </a:extLst>
+          </p:cNvPr>
+          <p:cNvSpPr/>
+          <p:nvPr/>
+        </p:nvSpPr>
+        <p:spPr>
+          <a:xfrm>
+            <a:off x="8369577" y="3038715"/>
+            <a:ext cx="3543301" cy="1006235"/>
+          </a:xfrm>
+          <a:prstGeom prst="roundRect">
+            <a:avLst>
+              <a:gd name="adj" fmla="val 50000"/>
+            </a:avLst>
+          </a:prstGeom>
+          <a:solidFill>
+            <a:srgbClr val="9C5BD1"/>
+          </a:solidFill>
+          <a:ln w="127000">
+            <a:solidFill>
+              <a:srgbClr val="9C5BD1"/>
+            </a:solidFill>
+          </a:ln>
+          <a:effectLst/>
+        </p:spPr>
+        <p:style>
+          <a:lnRef idx="2">
+            <a:schemeClr val="accent1">
+              <a:shade val="15000"/>
+            </a:schemeClr>
+          </a:lnRef>
+          <a:fillRef idx="1">
+            <a:schemeClr val="accent1"/>
+          </a:fillRef>
+          <a:effectRef idx="0">
+            <a:schemeClr val="accent1"/>
+          </a:effectRef>
+          <a:fontRef idx="minor">
+            <a:schemeClr val="lt1"/>
+          </a:fontRef>
+        </p:style>
+        <p:txBody>
+          <a:bodyPr rtlCol="0" anchor="ctr"/>
+          <a:lstStyle/>
+          <a:p>
+            <a:pPr algn="ctr"/>
+            <a:endParaRPr lang="en-US" dirty="0"/>
+          </a:p>
+        </p:txBody>
+      </p:sp>
+      <p:sp>
+        <p:nvSpPr>
+          <p:cNvPr id="32" name="TextBox 31">
+            <a:hlinkClick r:id="rId5" action="ppaction://hlinksldjump"/>
+            <a:extLst>
+              <a:ext uri="{FF2B5EF4-FFF2-40B4-BE49-F238E27FC236}">
+                <a16:creationId xmlns:a16="http://schemas.microsoft.com/office/drawing/2014/main" id="{C1A32CF4-D376-EFBE-BF39-220027F1B571}"/>
+              </a:ext>
+            </a:extLst>
+          </p:cNvPr>
+          <p:cNvSpPr txBox="1"/>
+          <p:nvPr/>
+        </p:nvSpPr>
+        <p:spPr>
+          <a:xfrm flipH="1">
+            <a:off x="8696577" y="3276964"/>
+            <a:ext cx="3040381" cy="584775"/>
+          </a:xfrm>
+          <a:prstGeom prst="rect">
+            <a:avLst/>
+          </a:prstGeom>
+          <a:noFill/>
+        </p:spPr>
+        <p:txBody>
+          <a:bodyPr wrap="square" rtlCol="0">
+            <a:spAutoFit/>
+          </a:bodyPr>
+          <a:lstStyle/>
+          <a:p>
+            <a:pPr algn="ctr"/>
+            <a:r>
+              <a:rPr lang="en-US" sz="3200" dirty="0">
+                <a:solidFill>
+                  <a:schemeClr val="bg1"/>
+                </a:solidFill>
+                <a:latin typeface="Cherry Bomb One" panose="02000000000000000000" pitchFamily="2" charset="-128"/>
+                <a:ea typeface="Cherry Bomb One" panose="02000000000000000000" pitchFamily="2" charset="-128"/>
+                <a:cs typeface="Fredoka" pitchFamily="2" charset="-79"/>
+              </a:rPr>
+              <a:t>Videos</a:t>
+            </a:r>
+          </a:p>
+        </p:txBody>
+      </p:sp>
+      <p:sp>
+        <p:nvSpPr>
+          <p:cNvPr id="40" name="TextBox 39">
+            <a:extLst>
+              <a:ext uri="{FF2B5EF4-FFF2-40B4-BE49-F238E27FC236}">
+                <a16:creationId xmlns:a16="http://schemas.microsoft.com/office/drawing/2014/main" id="{62B1AD58-625A-E200-26FD-03B780166F00}"/>
+              </a:ext>
+            </a:extLst>
+          </p:cNvPr>
+          <p:cNvSpPr txBox="1"/>
+          <p:nvPr/>
+        </p:nvSpPr>
+        <p:spPr>
+          <a:xfrm>
+            <a:off x="2873000" y="57775"/>
+            <a:ext cx="6445995" cy="1446550"/>
+          </a:xfrm>
+          <a:prstGeom prst="rect">
+            <a:avLst/>
+          </a:prstGeom>
+          <a:noFill/>
+        </p:spPr>
+        <p:txBody>
+          <a:bodyPr wrap="none" rtlCol="0">
+            <a:spAutoFit/>
+          </a:bodyPr>
+          <a:lstStyle/>
+          <a:p>
+            <a:pPr algn="ctr"/>
+            <a:r>
+              <a:rPr lang="en-US" sz="8800" dirty="0">
+                <a:solidFill>
+                  <a:schemeClr val="bg1"/>
+                </a:solidFill>
+                <a:latin typeface="OhChewy" panose="02000503050000020003" pitchFamily="2" charset="0"/>
+                <a:cs typeface="Fredoka" pitchFamily="2" charset="-79"/>
+              </a:rPr>
+              <a:t>Grade 5 English</a:t>
+            </a:r>
+          </a:p>
+        </p:txBody>
+      </p:sp>
+    </p:spTree>
+    <p:extLst>
+      <p:ext uri="{BB962C8B-B14F-4D97-AF65-F5344CB8AC3E}">
+        <p14:creationId xmlns:p14="http://schemas.microsoft.com/office/powerpoint/2010/main" val="1369390063"/>
+      </p:ext>
+    </p:extLst>
+  </p:cSld>
+  <p:clrMapOvr>
+    <a:masterClrMapping/>
+  </p:clrMapOvr>
+  <mc:AlternateContent xmlns:mc="http://schemas.openxmlformats.org/markup-compatibility/2006">
+    <mc:Choice xmlns:p159="http://schemas.microsoft.com/office/powerpoint/2015/09/main" Requires="p159">
+      <p:transition xmlns:p14="http://schemas.microsoft.com/office/powerpoint/2010/main" spd="slow" p14:dur="1500">
+        <p159:morph option="byObject"/>
+      </p:transition>
+    </mc:Choice>
+    <mc:Fallback>
+      <p:transition spd="slow">
+        <p:fade/>
+      </p:transition>
+    </mc:Fallback>
+  </mc:AlternateContent>
+</p:sld>
+</file>
+
+<file path=ppt/slides/slide6.xml><?xml version="1.0" encoding="utf-8"?>
+<p:sld xmlns:a="http://schemas.openxmlformats.org/drawingml/2006/main" xmlns:r="http://schemas.openxmlformats.org/officeDocument/2006/relationships" xmlns:p="http://schemas.openxmlformats.org/presentationml/2006/main">
+  <p:cSld>
+    <p:spTree>
+      <p:nvGrpSpPr>
+        <p:cNvPr id="1" name="">
+          <a:extLst>
+            <a:ext uri="{FF2B5EF4-FFF2-40B4-BE49-F238E27FC236}">
+              <a16:creationId xmlns:a16="http://schemas.microsoft.com/office/drawing/2014/main" id="{16152502-865B-2EAF-8814-8D2275EB8E1B}"/>
+            </a:ext>
+          </a:extLst>
+        </p:cNvPr>
+        <p:cNvGrpSpPr/>
+        <p:nvPr/>
+      </p:nvGrpSpPr>
+      <p:grpSpPr>
+        <a:xfrm>
+          <a:off x="0" y="0"/>
+          <a:ext cx="0" cy="0"/>
+          <a:chOff x="0" y="0"/>
+          <a:chExt cx="0" cy="0"/>
+        </a:xfrm>
+      </p:grpSpPr>
+      <p:pic>
+        <p:nvPicPr>
+          <p:cNvPr id="7" name="Picture 6" descr="Cartoon characters on a green field&#10;&#10;AI-generated content may be incorrect.">
+            <a:extLst>
+              <a:ext uri="{FF2B5EF4-FFF2-40B4-BE49-F238E27FC236}">
+                <a16:creationId xmlns:a16="http://schemas.microsoft.com/office/drawing/2014/main" id="{43DE4E64-C689-9CC1-303D-24777BEB390F}"/>
+              </a:ext>
+            </a:extLst>
+          </p:cNvPr>
+          <p:cNvPicPr>
+            <a:picLocks noChangeAspect="1"/>
+          </p:cNvPicPr>
+          <p:nvPr/>
+        </p:nvPicPr>
+        <p:blipFill>
+          <a:blip r:embed="rId2">
+            <a:extLst>
+              <a:ext uri="{28A0092B-C50C-407E-A947-70E740481C1C}">
+                <a14:useLocalDpi xmlns:a14="http://schemas.microsoft.com/office/drawing/2010/main" val="0"/>
+              </a:ext>
+            </a:extLst>
+          </a:blip>
+          <a:stretch>
+            <a:fillRect/>
+          </a:stretch>
+        </p:blipFill>
+        <p:spPr>
+          <a:xfrm>
+            <a:off x="-15240" y="-1280160"/>
+            <a:ext cx="12207240" cy="8138160"/>
+          </a:xfrm>
+          <a:prstGeom prst="rect">
+            <a:avLst/>
+          </a:prstGeom>
+        </p:spPr>
+      </p:pic>
+      <p:sp>
+        <p:nvSpPr>
+          <p:cNvPr id="9" name="Rectangle: Rounded Corners 8">
+            <a:extLst>
+              <a:ext uri="{FF2B5EF4-FFF2-40B4-BE49-F238E27FC236}">
+                <a16:creationId xmlns:a16="http://schemas.microsoft.com/office/drawing/2014/main" id="{D57C2B57-758C-8065-8D39-C53977718211}"/>
+              </a:ext>
+            </a:extLst>
+          </p:cNvPr>
+          <p:cNvSpPr/>
+          <p:nvPr/>
+        </p:nvSpPr>
+        <p:spPr>
+          <a:xfrm>
+            <a:off x="5059349" y="-3645988"/>
+            <a:ext cx="2058061" cy="584012"/>
+          </a:xfrm>
+          <a:prstGeom prst="roundRect">
+            <a:avLst>
+              <a:gd name="adj" fmla="val 50000"/>
+            </a:avLst>
+          </a:prstGeom>
+          <a:gradFill flip="none" rotWithShape="1">
+            <a:gsLst>
+              <a:gs pos="14000">
+                <a:srgbClr val="7BE753"/>
+              </a:gs>
+              <a:gs pos="100000">
+                <a:srgbClr val="279415"/>
+              </a:gs>
+            </a:gsLst>
+            <a:lin ang="2700000" scaled="1"/>
+            <a:tileRect/>
+          </a:gradFill>
+          <a:ln>
+            <a:solidFill>
+              <a:srgbClr val="279415"/>
+            </a:solidFill>
+          </a:ln>
+        </p:spPr>
+        <p:style>
+          <a:lnRef idx="2">
+            <a:schemeClr val="accent1">
+              <a:shade val="15000"/>
+            </a:schemeClr>
+          </a:lnRef>
+          <a:fillRef idx="1">
+            <a:schemeClr val="accent1"/>
+          </a:fillRef>
+          <a:effectRef idx="0">
+            <a:schemeClr val="accent1"/>
+          </a:effectRef>
+          <a:fontRef idx="minor">
+            <a:schemeClr val="lt1"/>
+          </a:fontRef>
+        </p:style>
+        <p:txBody>
+          <a:bodyPr rtlCol="0" anchor="ctr"/>
+          <a:lstStyle/>
+          <a:p>
+            <a:pPr algn="ctr"/>
+            <a:r>
+              <a:rPr lang="en-US" sz="2800" b="1" dirty="0">
+                <a:latin typeface="Fredoka" pitchFamily="2" charset="-79"/>
+                <a:cs typeface="Fredoka" pitchFamily="2" charset="-79"/>
+              </a:rPr>
+              <a:t>Start</a:t>
+            </a:r>
+            <a:endParaRPr lang="en-US" sz="3200" b="1" dirty="0">
+              <a:latin typeface="Fredoka" pitchFamily="2" charset="-79"/>
+              <a:cs typeface="Fredoka" pitchFamily="2" charset="-79"/>
+            </a:endParaRPr>
+          </a:p>
+        </p:txBody>
+      </p:sp>
+      <p:sp>
+        <p:nvSpPr>
+          <p:cNvPr id="2" name="Rectangle: Rounded Corners 1">
+            <a:extLst>
+              <a:ext uri="{FF2B5EF4-FFF2-40B4-BE49-F238E27FC236}">
+                <a16:creationId xmlns:a16="http://schemas.microsoft.com/office/drawing/2014/main" id="{8D413A4F-07C0-C4F6-B542-AADCEB7B8A66}"/>
+              </a:ext>
+            </a:extLst>
+          </p:cNvPr>
+          <p:cNvSpPr/>
+          <p:nvPr/>
+        </p:nvSpPr>
+        <p:spPr>
+          <a:xfrm>
+            <a:off x="344405" y="1583125"/>
+            <a:ext cx="3543301" cy="4708490"/>
+          </a:xfrm>
+          <a:prstGeom prst="roundRect">
+            <a:avLst/>
+          </a:prstGeom>
+          <a:solidFill>
+            <a:srgbClr val="49BB92"/>
+          </a:solidFill>
+          <a:ln w="127000">
+            <a:solidFill>
+              <a:srgbClr val="33896A"/>
+            </a:solidFill>
+          </a:ln>
+          <a:effectLst/>
+        </p:spPr>
+        <p:style>
+          <a:lnRef idx="2">
+            <a:schemeClr val="accent1">
+              <a:shade val="15000"/>
+            </a:schemeClr>
+          </a:lnRef>
+          <a:fillRef idx="1">
+            <a:schemeClr val="accent1"/>
+          </a:fillRef>
+          <a:effectRef idx="0">
+            <a:schemeClr val="accent1"/>
+          </a:effectRef>
+          <a:fontRef idx="minor">
+            <a:schemeClr val="lt1"/>
+          </a:fontRef>
+        </p:style>
+        <p:txBody>
+          <a:bodyPr rtlCol="0" anchor="ctr"/>
+          <a:lstStyle/>
+          <a:p>
+            <a:pPr algn="ctr"/>
+            <a:endParaRPr lang="en-US" dirty="0"/>
+          </a:p>
+        </p:txBody>
+      </p:sp>
+      <p:sp>
+        <p:nvSpPr>
+          <p:cNvPr id="3" name="Rectangle: Rounded Corners 2">
+            <a:extLst>
+              <a:ext uri="{FF2B5EF4-FFF2-40B4-BE49-F238E27FC236}">
+                <a16:creationId xmlns:a16="http://schemas.microsoft.com/office/drawing/2014/main" id="{F868EBFC-A4DA-9F8D-C654-4139D8F3A7D6}"/>
+              </a:ext>
+            </a:extLst>
+          </p:cNvPr>
+          <p:cNvSpPr/>
+          <p:nvPr/>
+        </p:nvSpPr>
+        <p:spPr>
+          <a:xfrm>
+            <a:off x="268864" y="1530385"/>
+            <a:ext cx="3543301" cy="4708490"/>
+          </a:xfrm>
+          <a:prstGeom prst="roundRect">
+            <a:avLst/>
+          </a:prstGeom>
+          <a:solidFill>
+            <a:srgbClr val="49BB92"/>
+          </a:solidFill>
+          <a:ln w="127000">
+            <a:solidFill>
+              <a:srgbClr val="49BB92"/>
+            </a:solidFill>
+          </a:ln>
+          <a:effectLst/>
+        </p:spPr>
+        <p:style>
+          <a:lnRef idx="2">
+            <a:schemeClr val="accent1">
+              <a:shade val="15000"/>
+            </a:schemeClr>
+          </a:lnRef>
+          <a:fillRef idx="1">
+            <a:schemeClr val="accent1"/>
+          </a:fillRef>
+          <a:effectRef idx="0">
+            <a:schemeClr val="accent1"/>
+          </a:effectRef>
+          <a:fontRef idx="minor">
+            <a:schemeClr val="lt1"/>
+          </a:fontRef>
+        </p:style>
+        <p:txBody>
+          <a:bodyPr rtlCol="0" anchor="ctr"/>
+          <a:lstStyle/>
+          <a:p>
+            <a:pPr algn="ctr"/>
+            <a:endParaRPr lang="en-US" dirty="0"/>
+          </a:p>
+        </p:txBody>
+      </p:sp>
+      <p:sp>
+        <p:nvSpPr>
+          <p:cNvPr id="4" name="Rectangle: Rounded Corners 3">
+            <a:extLst>
+              <a:ext uri="{FF2B5EF4-FFF2-40B4-BE49-F238E27FC236}">
+                <a16:creationId xmlns:a16="http://schemas.microsoft.com/office/drawing/2014/main" id="{214A3AE2-EFB3-58A0-511D-206C4686C377}"/>
+              </a:ext>
+            </a:extLst>
+          </p:cNvPr>
+          <p:cNvSpPr/>
+          <p:nvPr/>
+        </p:nvSpPr>
+        <p:spPr>
+          <a:xfrm>
+            <a:off x="268864" y="2220640"/>
+            <a:ext cx="3543301" cy="3752877"/>
+          </a:xfrm>
+          <a:prstGeom prst="roundRect">
+            <a:avLst/>
+          </a:prstGeom>
+          <a:solidFill>
+            <a:srgbClr val="F4F1EC"/>
+          </a:solidFill>
+          <a:ln w="127000">
+            <a:solidFill>
+              <a:srgbClr val="49BB92"/>
+            </a:solidFill>
+          </a:ln>
+        </p:spPr>
+        <p:style>
+          <a:lnRef idx="2">
+            <a:schemeClr val="accent1">
+              <a:shade val="15000"/>
+            </a:schemeClr>
+          </a:lnRef>
+          <a:fillRef idx="1">
+            <a:schemeClr val="accent1"/>
+          </a:fillRef>
+          <a:effectRef idx="0">
+            <a:schemeClr val="accent1"/>
+          </a:effectRef>
+          <a:fontRef idx="minor">
+            <a:schemeClr val="lt1"/>
+          </a:fontRef>
+        </p:style>
+        <p:txBody>
+          <a:bodyPr rtlCol="0" anchor="ctr"/>
+          <a:lstStyle/>
+          <a:p>
+            <a:pPr algn="ctr"/>
+            <a:endParaRPr lang="en-US"/>
+          </a:p>
+        </p:txBody>
+      </p:sp>
+      <p:sp>
+        <p:nvSpPr>
+          <p:cNvPr id="5" name="TextBox 4">
+            <a:extLst>
+              <a:ext uri="{FF2B5EF4-FFF2-40B4-BE49-F238E27FC236}">
+                <a16:creationId xmlns:a16="http://schemas.microsoft.com/office/drawing/2014/main" id="{E95A05BE-EB58-B557-F465-0607D1093037}"/>
+              </a:ext>
+            </a:extLst>
+          </p:cNvPr>
+          <p:cNvSpPr txBox="1"/>
+          <p:nvPr/>
+        </p:nvSpPr>
+        <p:spPr>
+          <a:xfrm flipH="1">
+            <a:off x="525453" y="1583125"/>
+            <a:ext cx="3040381" cy="584775"/>
+          </a:xfrm>
+          <a:prstGeom prst="rect">
+            <a:avLst/>
+          </a:prstGeom>
+          <a:noFill/>
+        </p:spPr>
+        <p:txBody>
+          <a:bodyPr wrap="square" rtlCol="0">
+            <a:spAutoFit/>
+          </a:bodyPr>
+          <a:lstStyle/>
+          <a:p>
+            <a:pPr algn="ctr"/>
+            <a:r>
+              <a:rPr lang="en-US" sz="3200" dirty="0">
+                <a:solidFill>
+                  <a:schemeClr val="bg1"/>
+                </a:solidFill>
+                <a:latin typeface="Cherry Bomb One" panose="02000000000000000000" pitchFamily="2" charset="-128"/>
+                <a:ea typeface="Cherry Bomb One" panose="02000000000000000000" pitchFamily="2" charset="-128"/>
+                <a:cs typeface="Fredoka" pitchFamily="2" charset="-79"/>
+              </a:rPr>
+              <a:t>Chapters</a:t>
+            </a:r>
+          </a:p>
+        </p:txBody>
+      </p:sp>
+      <p:sp>
+        <p:nvSpPr>
+          <p:cNvPr id="6" name="Rectangle: Rounded Corners 5">
+            <a:extLst>
+              <a:ext uri="{FF2B5EF4-FFF2-40B4-BE49-F238E27FC236}">
+                <a16:creationId xmlns:a16="http://schemas.microsoft.com/office/drawing/2014/main" id="{FBEB9FF4-F7EC-CD6C-459B-FF053C74BC4E}"/>
+              </a:ext>
+            </a:extLst>
+          </p:cNvPr>
+          <p:cNvSpPr/>
+          <p:nvPr/>
+        </p:nvSpPr>
+        <p:spPr>
+          <a:xfrm>
+            <a:off x="520323" y="2534639"/>
+            <a:ext cx="3040381" cy="342900"/>
+          </a:xfrm>
+          <a:prstGeom prst="roundRect">
+            <a:avLst>
+              <a:gd name="adj" fmla="val 30000"/>
+            </a:avLst>
+          </a:prstGeom>
+          <a:solidFill>
+            <a:srgbClr val="E8D9C6"/>
+          </a:solidFill>
+          <a:ln w="28575">
+            <a:solidFill>
+              <a:srgbClr val="D4C1A9"/>
+            </a:solidFill>
+          </a:ln>
+        </p:spPr>
+        <p:style>
+          <a:lnRef idx="2">
+            <a:schemeClr val="accent1">
+              <a:shade val="15000"/>
+            </a:schemeClr>
+          </a:lnRef>
+          <a:fillRef idx="1">
+            <a:schemeClr val="accent1"/>
+          </a:fillRef>
+          <a:effectRef idx="0">
+            <a:schemeClr val="accent1"/>
+          </a:effectRef>
+          <a:fontRef idx="minor">
+            <a:schemeClr val="lt1"/>
+          </a:fontRef>
+        </p:style>
+        <p:txBody>
+          <a:bodyPr rtlCol="0" anchor="ctr"/>
+          <a:lstStyle/>
+          <a:p>
+            <a:pPr algn="ctr"/>
+            <a:r>
+              <a:rPr lang="en-US" b="1" dirty="0">
+                <a:latin typeface="Irish Grover" panose="02000000000000000000" pitchFamily="2" charset="0"/>
+                <a:cs typeface="Fredoka" pitchFamily="2" charset="-79"/>
+              </a:rPr>
+              <a:t>Unit 1</a:t>
+            </a:r>
+          </a:p>
+        </p:txBody>
+      </p:sp>
+      <p:sp>
+        <p:nvSpPr>
+          <p:cNvPr id="10" name="Rectangle: Rounded Corners 9">
+            <a:extLst>
+              <a:ext uri="{FF2B5EF4-FFF2-40B4-BE49-F238E27FC236}">
+                <a16:creationId xmlns:a16="http://schemas.microsoft.com/office/drawing/2014/main" id="{7C16F61F-AB08-787B-52B4-FFEE818E0D14}"/>
+              </a:ext>
+            </a:extLst>
+          </p:cNvPr>
+          <p:cNvSpPr/>
+          <p:nvPr/>
+        </p:nvSpPr>
+        <p:spPr>
+          <a:xfrm>
+            <a:off x="520323" y="3020088"/>
+            <a:ext cx="3040381" cy="342900"/>
+          </a:xfrm>
+          <a:prstGeom prst="roundRect">
+            <a:avLst>
+              <a:gd name="adj" fmla="val 30000"/>
+            </a:avLst>
+          </a:prstGeom>
+          <a:solidFill>
+            <a:srgbClr val="E8D9C6"/>
+          </a:solidFill>
+          <a:ln w="28575">
+            <a:solidFill>
+              <a:srgbClr val="D4C1A9"/>
+            </a:solidFill>
+          </a:ln>
+        </p:spPr>
+        <p:style>
+          <a:lnRef idx="2">
+            <a:schemeClr val="accent1">
+              <a:shade val="15000"/>
+            </a:schemeClr>
+          </a:lnRef>
+          <a:fillRef idx="1">
+            <a:schemeClr val="accent1"/>
+          </a:fillRef>
+          <a:effectRef idx="0">
+            <a:schemeClr val="accent1"/>
+          </a:effectRef>
+          <a:fontRef idx="minor">
+            <a:schemeClr val="lt1"/>
+          </a:fontRef>
+        </p:style>
+        <p:txBody>
+          <a:bodyPr rtlCol="0" anchor="ctr"/>
+          <a:lstStyle/>
+          <a:p>
+            <a:pPr algn="ctr"/>
+            <a:r>
+              <a:rPr lang="en-US" b="1" dirty="0">
+                <a:latin typeface="Irish Grover" panose="02000000000000000000" pitchFamily="2" charset="0"/>
+                <a:cs typeface="Fredoka" pitchFamily="2" charset="-79"/>
+              </a:rPr>
+              <a:t>Unit 2</a:t>
+            </a:r>
+          </a:p>
+        </p:txBody>
+      </p:sp>
+      <p:sp>
+        <p:nvSpPr>
+          <p:cNvPr id="11" name="Rectangle: Rounded Corners 10">
+            <a:extLst>
+              <a:ext uri="{FF2B5EF4-FFF2-40B4-BE49-F238E27FC236}">
+                <a16:creationId xmlns:a16="http://schemas.microsoft.com/office/drawing/2014/main" id="{BAC489F7-7D11-A4D6-FBF0-EE84CC755AB9}"/>
+              </a:ext>
+            </a:extLst>
+          </p:cNvPr>
+          <p:cNvSpPr/>
+          <p:nvPr/>
+        </p:nvSpPr>
+        <p:spPr>
+          <a:xfrm>
+            <a:off x="520322" y="3506352"/>
+            <a:ext cx="3040381" cy="342900"/>
+          </a:xfrm>
+          <a:prstGeom prst="roundRect">
+            <a:avLst>
+              <a:gd name="adj" fmla="val 30000"/>
+            </a:avLst>
+          </a:prstGeom>
+          <a:solidFill>
+            <a:srgbClr val="E8D9C6"/>
+          </a:solidFill>
+          <a:ln w="28575">
+            <a:solidFill>
+              <a:srgbClr val="D4C1A9"/>
+            </a:solidFill>
+          </a:ln>
+        </p:spPr>
+        <p:style>
+          <a:lnRef idx="2">
+            <a:schemeClr val="accent1">
+              <a:shade val="15000"/>
+            </a:schemeClr>
+          </a:lnRef>
+          <a:fillRef idx="1">
+            <a:schemeClr val="accent1"/>
+          </a:fillRef>
+          <a:effectRef idx="0">
+            <a:schemeClr val="accent1"/>
+          </a:effectRef>
+          <a:fontRef idx="minor">
+            <a:schemeClr val="lt1"/>
+          </a:fontRef>
+        </p:style>
+        <p:txBody>
+          <a:bodyPr rtlCol="0" anchor="ctr"/>
+          <a:lstStyle/>
+          <a:p>
+            <a:pPr algn="ctr"/>
+            <a:r>
+              <a:rPr lang="en-US" b="1" dirty="0">
+                <a:latin typeface="Irish Grover" panose="02000000000000000000" pitchFamily="2" charset="0"/>
+                <a:cs typeface="Fredoka" pitchFamily="2" charset="-79"/>
+              </a:rPr>
+              <a:t>Unit 3</a:t>
+            </a:r>
+          </a:p>
+        </p:txBody>
+      </p:sp>
+      <p:sp>
+        <p:nvSpPr>
+          <p:cNvPr id="12" name="Rectangle: Rounded Corners 11">
+            <a:extLst>
+              <a:ext uri="{FF2B5EF4-FFF2-40B4-BE49-F238E27FC236}">
+                <a16:creationId xmlns:a16="http://schemas.microsoft.com/office/drawing/2014/main" id="{732573A1-CF49-71B3-542C-E899F8019692}"/>
+              </a:ext>
+            </a:extLst>
+          </p:cNvPr>
+          <p:cNvSpPr/>
+          <p:nvPr/>
+        </p:nvSpPr>
+        <p:spPr>
+          <a:xfrm>
+            <a:off x="520321" y="3991801"/>
+            <a:ext cx="3040381" cy="342900"/>
+          </a:xfrm>
+          <a:prstGeom prst="roundRect">
+            <a:avLst>
+              <a:gd name="adj" fmla="val 30000"/>
+            </a:avLst>
+          </a:prstGeom>
+          <a:solidFill>
+            <a:srgbClr val="E8D9C6"/>
+          </a:solidFill>
+          <a:ln w="28575">
+            <a:solidFill>
+              <a:srgbClr val="D4C1A9"/>
+            </a:solidFill>
+          </a:ln>
+        </p:spPr>
+        <p:style>
+          <a:lnRef idx="2">
+            <a:schemeClr val="accent1">
+              <a:shade val="15000"/>
+            </a:schemeClr>
+          </a:lnRef>
+          <a:fillRef idx="1">
+            <a:schemeClr val="accent1"/>
+          </a:fillRef>
+          <a:effectRef idx="0">
+            <a:schemeClr val="accent1"/>
+          </a:effectRef>
+          <a:fontRef idx="minor">
+            <a:schemeClr val="lt1"/>
+          </a:fontRef>
+        </p:style>
+        <p:txBody>
+          <a:bodyPr rtlCol="0" anchor="ctr"/>
+          <a:lstStyle/>
+          <a:p>
+            <a:pPr algn="ctr"/>
+            <a:r>
+              <a:rPr lang="en-US" b="1" dirty="0">
+                <a:latin typeface="Irish Grover" panose="02000000000000000000" pitchFamily="2" charset="0"/>
+                <a:cs typeface="Fredoka" pitchFamily="2" charset="-79"/>
+              </a:rPr>
+              <a:t>Unit 4</a:t>
+            </a:r>
+          </a:p>
+        </p:txBody>
+      </p:sp>
+      <p:sp>
+        <p:nvSpPr>
+          <p:cNvPr id="13" name="Rectangle: Rounded Corners 12">
+            <a:extLst>
+              <a:ext uri="{FF2B5EF4-FFF2-40B4-BE49-F238E27FC236}">
+                <a16:creationId xmlns:a16="http://schemas.microsoft.com/office/drawing/2014/main" id="{7AD70495-1AFC-13EF-23E3-58AF73B394BF}"/>
+              </a:ext>
+            </a:extLst>
+          </p:cNvPr>
+          <p:cNvSpPr/>
+          <p:nvPr/>
+        </p:nvSpPr>
+        <p:spPr>
+          <a:xfrm>
+            <a:off x="520320" y="4477250"/>
+            <a:ext cx="3040381" cy="342900"/>
+          </a:xfrm>
+          <a:prstGeom prst="roundRect">
+            <a:avLst>
+              <a:gd name="adj" fmla="val 30000"/>
+            </a:avLst>
+          </a:prstGeom>
+          <a:solidFill>
+            <a:srgbClr val="E8D9C6"/>
+          </a:solidFill>
+          <a:ln w="28575">
+            <a:solidFill>
+              <a:srgbClr val="D4C1A9"/>
+            </a:solidFill>
+          </a:ln>
+        </p:spPr>
+        <p:style>
+          <a:lnRef idx="2">
+            <a:schemeClr val="accent1">
+              <a:shade val="15000"/>
+            </a:schemeClr>
+          </a:lnRef>
+          <a:fillRef idx="1">
+            <a:schemeClr val="accent1"/>
+          </a:fillRef>
+          <a:effectRef idx="0">
+            <a:schemeClr val="accent1"/>
+          </a:effectRef>
+          <a:fontRef idx="minor">
+            <a:schemeClr val="lt1"/>
+          </a:fontRef>
+        </p:style>
+        <p:txBody>
+          <a:bodyPr rtlCol="0" anchor="ctr"/>
+          <a:lstStyle/>
+          <a:p>
+            <a:pPr algn="ctr"/>
+            <a:r>
+              <a:rPr lang="en-US" b="1" dirty="0">
+                <a:latin typeface="Irish Grover" panose="02000000000000000000" pitchFamily="2" charset="0"/>
+                <a:cs typeface="Fredoka" pitchFamily="2" charset="-79"/>
+              </a:rPr>
+              <a:t>Unit 5</a:t>
+            </a:r>
+          </a:p>
+        </p:txBody>
+      </p:sp>
+      <p:sp>
+        <p:nvSpPr>
+          <p:cNvPr id="14" name="Rectangle: Rounded Corners 13">
+            <a:extLst>
+              <a:ext uri="{FF2B5EF4-FFF2-40B4-BE49-F238E27FC236}">
+                <a16:creationId xmlns:a16="http://schemas.microsoft.com/office/drawing/2014/main" id="{8CCB0179-2B55-8003-21FF-5023149BCD55}"/>
+              </a:ext>
+            </a:extLst>
+          </p:cNvPr>
+          <p:cNvSpPr/>
+          <p:nvPr/>
+        </p:nvSpPr>
+        <p:spPr>
+          <a:xfrm>
+            <a:off x="520320" y="4939659"/>
+            <a:ext cx="3040381" cy="342900"/>
+          </a:xfrm>
+          <a:prstGeom prst="roundRect">
+            <a:avLst>
+              <a:gd name="adj" fmla="val 30000"/>
+            </a:avLst>
+          </a:prstGeom>
+          <a:solidFill>
+            <a:srgbClr val="E8D9C6"/>
+          </a:solidFill>
+          <a:ln w="28575">
+            <a:solidFill>
+              <a:srgbClr val="D4C1A9"/>
+            </a:solidFill>
+          </a:ln>
+        </p:spPr>
+        <p:style>
+          <a:lnRef idx="2">
+            <a:schemeClr val="accent1">
+              <a:shade val="15000"/>
+            </a:schemeClr>
+          </a:lnRef>
+          <a:fillRef idx="1">
+            <a:schemeClr val="accent1"/>
+          </a:fillRef>
+          <a:effectRef idx="0">
+            <a:schemeClr val="accent1"/>
+          </a:effectRef>
+          <a:fontRef idx="minor">
+            <a:schemeClr val="lt1"/>
+          </a:fontRef>
+        </p:style>
+        <p:txBody>
+          <a:bodyPr rtlCol="0" anchor="ctr"/>
+          <a:lstStyle/>
+          <a:p>
+            <a:pPr algn="ctr"/>
+            <a:r>
+              <a:rPr lang="en-US" b="1" dirty="0">
+                <a:latin typeface="Irish Grover" panose="02000000000000000000" pitchFamily="2" charset="0"/>
+                <a:cs typeface="Fredoka" pitchFamily="2" charset="-79"/>
+              </a:rPr>
+              <a:t>Unit 6</a:t>
+            </a:r>
+          </a:p>
+        </p:txBody>
+      </p:sp>
+      <p:pic>
+        <p:nvPicPr>
+          <p:cNvPr id="15" name="Picture 14">
+            <a:extLst>
+              <a:ext uri="{FF2B5EF4-FFF2-40B4-BE49-F238E27FC236}">
+                <a16:creationId xmlns:a16="http://schemas.microsoft.com/office/drawing/2014/main" id="{12E1F4E5-03AA-AB0A-2359-7CBC713B838C}"/>
+              </a:ext>
+            </a:extLst>
+          </p:cNvPr>
+          <p:cNvPicPr>
+            <a:picLocks noChangeAspect="1"/>
+          </p:cNvPicPr>
+          <p:nvPr/>
+        </p:nvPicPr>
+        <p:blipFill>
+          <a:blip r:embed="rId3"/>
+          <a:stretch>
+            <a:fillRect/>
+          </a:stretch>
+        </p:blipFill>
+        <p:spPr>
+          <a:xfrm>
+            <a:off x="3459166" y="1419225"/>
+            <a:ext cx="459668" cy="459668"/>
+          </a:xfrm>
+          <a:prstGeom prst="rect">
+            <a:avLst/>
+          </a:prstGeom>
+        </p:spPr>
+      </p:pic>
+      <p:sp>
+        <p:nvSpPr>
+          <p:cNvPr id="17" name="Rectangle: Rounded Corners 16">
+            <a:extLst>
+              <a:ext uri="{FF2B5EF4-FFF2-40B4-BE49-F238E27FC236}">
+                <a16:creationId xmlns:a16="http://schemas.microsoft.com/office/drawing/2014/main" id="{31447AE7-5AC1-9C14-861B-3D516C280B75}"/>
+              </a:ext>
+            </a:extLst>
+          </p:cNvPr>
+          <p:cNvSpPr/>
+          <p:nvPr/>
+        </p:nvSpPr>
+        <p:spPr>
+          <a:xfrm>
+            <a:off x="520319" y="5402068"/>
+            <a:ext cx="3040381" cy="342900"/>
+          </a:xfrm>
+          <a:prstGeom prst="roundRect">
+            <a:avLst>
+              <a:gd name="adj" fmla="val 30000"/>
+            </a:avLst>
+          </a:prstGeom>
+          <a:solidFill>
+            <a:srgbClr val="E8D9C6"/>
+          </a:solidFill>
+          <a:ln w="28575">
+            <a:solidFill>
+              <a:srgbClr val="D4C1A9"/>
+            </a:solidFill>
+          </a:ln>
+        </p:spPr>
+        <p:style>
+          <a:lnRef idx="2">
+            <a:schemeClr val="accent1">
+              <a:shade val="15000"/>
+            </a:schemeClr>
+          </a:lnRef>
+          <a:fillRef idx="1">
+            <a:schemeClr val="accent1"/>
+          </a:fillRef>
+          <a:effectRef idx="0">
+            <a:schemeClr val="accent1"/>
+          </a:effectRef>
+          <a:fontRef idx="minor">
+            <a:schemeClr val="lt1"/>
+          </a:fontRef>
+        </p:style>
+        <p:txBody>
+          <a:bodyPr rtlCol="0" anchor="ctr"/>
+          <a:lstStyle/>
+          <a:p>
+            <a:pPr algn="ctr"/>
+            <a:r>
+              <a:rPr lang="en-US" b="1" dirty="0">
+                <a:latin typeface="Irish Grover" panose="02000000000000000000" pitchFamily="2" charset="0"/>
+                <a:cs typeface="Fredoka" pitchFamily="2" charset="-79"/>
+              </a:rPr>
+              <a:t>Unit 9</a:t>
+            </a:r>
+          </a:p>
+        </p:txBody>
+      </p:sp>
+      <p:sp>
+        <p:nvSpPr>
+          <p:cNvPr id="18" name="Rectangle: Rounded Corners 17">
+            <a:extLst>
+              <a:ext uri="{FF2B5EF4-FFF2-40B4-BE49-F238E27FC236}">
+                <a16:creationId xmlns:a16="http://schemas.microsoft.com/office/drawing/2014/main" id="{2427DED0-BA63-D6D9-F116-34F278E91C47}"/>
+              </a:ext>
+            </a:extLst>
+          </p:cNvPr>
+          <p:cNvSpPr/>
+          <p:nvPr/>
+        </p:nvSpPr>
+        <p:spPr>
+          <a:xfrm>
+            <a:off x="4394761" y="1583125"/>
+            <a:ext cx="3543301" cy="4390392"/>
+          </a:xfrm>
+          <a:prstGeom prst="roundRect">
+            <a:avLst/>
+          </a:prstGeom>
+          <a:solidFill>
+            <a:srgbClr val="49BB92"/>
+          </a:solidFill>
+          <a:ln w="127000">
+            <a:solidFill>
+              <a:srgbClr val="006F96"/>
+            </a:solidFill>
+          </a:ln>
+          <a:effectLst/>
+        </p:spPr>
+        <p:style>
+          <a:lnRef idx="2">
+            <a:schemeClr val="accent1">
+              <a:shade val="15000"/>
+            </a:schemeClr>
+          </a:lnRef>
+          <a:fillRef idx="1">
+            <a:schemeClr val="accent1"/>
+          </a:fillRef>
+          <a:effectRef idx="0">
+            <a:schemeClr val="accent1"/>
+          </a:effectRef>
+          <a:fontRef idx="minor">
+            <a:schemeClr val="lt1"/>
+          </a:fontRef>
+        </p:style>
+        <p:txBody>
+          <a:bodyPr rtlCol="0" anchor="ctr"/>
+          <a:lstStyle/>
+          <a:p>
+            <a:pPr algn="ctr"/>
+            <a:endParaRPr lang="en-US" dirty="0"/>
+          </a:p>
+        </p:txBody>
+      </p:sp>
+      <p:sp>
+        <p:nvSpPr>
+          <p:cNvPr id="19" name="Rectangle: Rounded Corners 18">
+            <a:extLst>
+              <a:ext uri="{FF2B5EF4-FFF2-40B4-BE49-F238E27FC236}">
+                <a16:creationId xmlns:a16="http://schemas.microsoft.com/office/drawing/2014/main" id="{AE23BF00-28DF-6925-D5D6-A71CAC5AA939}"/>
+              </a:ext>
+            </a:extLst>
+          </p:cNvPr>
+          <p:cNvSpPr/>
+          <p:nvPr/>
+        </p:nvSpPr>
+        <p:spPr>
+          <a:xfrm>
+            <a:off x="4319220" y="1530385"/>
+            <a:ext cx="3543301" cy="4390392"/>
+          </a:xfrm>
+          <a:prstGeom prst="roundRect">
+            <a:avLst/>
+          </a:prstGeom>
+          <a:solidFill>
+            <a:srgbClr val="00B0F0"/>
+          </a:solidFill>
+          <a:ln w="127000">
+            <a:solidFill>
+              <a:srgbClr val="00B0F0"/>
+            </a:solidFill>
+          </a:ln>
+          <a:effectLst/>
+        </p:spPr>
+        <p:style>
+          <a:lnRef idx="2">
+            <a:schemeClr val="accent1">
+              <a:shade val="15000"/>
+            </a:schemeClr>
+          </a:lnRef>
+          <a:fillRef idx="1">
+            <a:schemeClr val="accent1"/>
+          </a:fillRef>
+          <a:effectRef idx="0">
+            <a:schemeClr val="accent1"/>
+          </a:effectRef>
+          <a:fontRef idx="minor">
+            <a:schemeClr val="lt1"/>
+          </a:fontRef>
+        </p:style>
+        <p:txBody>
+          <a:bodyPr rtlCol="0" anchor="ctr"/>
+          <a:lstStyle/>
+          <a:p>
+            <a:pPr algn="ctr"/>
+            <a:endParaRPr lang="en-US" dirty="0"/>
+          </a:p>
+        </p:txBody>
+      </p:sp>
+      <p:sp>
+        <p:nvSpPr>
+          <p:cNvPr id="20" name="Rectangle: Rounded Corners 19">
+            <a:extLst>
+              <a:ext uri="{FF2B5EF4-FFF2-40B4-BE49-F238E27FC236}">
+                <a16:creationId xmlns:a16="http://schemas.microsoft.com/office/drawing/2014/main" id="{5C9D0E13-8BA0-C870-569B-85C5F0E7A512}"/>
+              </a:ext>
+            </a:extLst>
+          </p:cNvPr>
+          <p:cNvSpPr/>
+          <p:nvPr/>
+        </p:nvSpPr>
+        <p:spPr>
+          <a:xfrm>
+            <a:off x="4319220" y="2220640"/>
+            <a:ext cx="3543301" cy="3428675"/>
+          </a:xfrm>
+          <a:prstGeom prst="roundRect">
+            <a:avLst/>
+          </a:prstGeom>
+          <a:solidFill>
+            <a:srgbClr val="F4F1EC"/>
+          </a:solidFill>
+          <a:ln w="127000">
+            <a:solidFill>
+              <a:srgbClr val="00B0F0"/>
+            </a:solidFill>
+          </a:ln>
+        </p:spPr>
+        <p:style>
+          <a:lnRef idx="2">
+            <a:schemeClr val="accent1">
+              <a:shade val="15000"/>
+            </a:schemeClr>
+          </a:lnRef>
+          <a:fillRef idx="1">
+            <a:schemeClr val="accent1"/>
+          </a:fillRef>
+          <a:effectRef idx="0">
+            <a:schemeClr val="accent1"/>
+          </a:effectRef>
+          <a:fontRef idx="minor">
+            <a:schemeClr val="lt1"/>
+          </a:fontRef>
+        </p:style>
+        <p:txBody>
+          <a:bodyPr rtlCol="0" anchor="ctr"/>
+          <a:lstStyle/>
+          <a:p>
+            <a:pPr algn="ctr"/>
+            <a:endParaRPr lang="en-US"/>
+          </a:p>
+        </p:txBody>
+      </p:sp>
+      <p:sp>
+        <p:nvSpPr>
+          <p:cNvPr id="21" name="TextBox 20">
+            <a:extLst>
+              <a:ext uri="{FF2B5EF4-FFF2-40B4-BE49-F238E27FC236}">
+                <a16:creationId xmlns:a16="http://schemas.microsoft.com/office/drawing/2014/main" id="{921E9ED5-003A-74DB-7168-AB8BF91659DF}"/>
+              </a:ext>
+            </a:extLst>
+          </p:cNvPr>
+          <p:cNvSpPr txBox="1"/>
+          <p:nvPr/>
+        </p:nvSpPr>
+        <p:spPr>
+          <a:xfrm flipH="1">
+            <a:off x="4575809" y="1583125"/>
+            <a:ext cx="3040381" cy="584775"/>
+          </a:xfrm>
+          <a:prstGeom prst="rect">
+            <a:avLst/>
+          </a:prstGeom>
+          <a:noFill/>
+        </p:spPr>
+        <p:txBody>
+          <a:bodyPr wrap="square" rtlCol="0">
+            <a:spAutoFit/>
+          </a:bodyPr>
+          <a:lstStyle/>
+          <a:p>
+            <a:pPr algn="ctr"/>
+            <a:r>
+              <a:rPr lang="en-US" sz="3200" dirty="0">
+                <a:solidFill>
+                  <a:schemeClr val="bg1"/>
+                </a:solidFill>
+                <a:latin typeface="Cherry Bomb One" panose="02000000000000000000" pitchFamily="2" charset="-128"/>
+                <a:ea typeface="Cherry Bomb One" panose="02000000000000000000" pitchFamily="2" charset="-128"/>
+                <a:cs typeface="Fredoka" pitchFamily="2" charset="-79"/>
+              </a:rPr>
+              <a:t>Exercises</a:t>
+            </a:r>
+          </a:p>
+        </p:txBody>
+      </p:sp>
+      <p:sp>
+        <p:nvSpPr>
+          <p:cNvPr id="22" name="Rectangle: Rounded Corners 21">
+            <a:extLst>
+              <a:ext uri="{FF2B5EF4-FFF2-40B4-BE49-F238E27FC236}">
+                <a16:creationId xmlns:a16="http://schemas.microsoft.com/office/drawing/2014/main" id="{79F732E4-0821-1EA4-8E3A-B26011243816}"/>
+              </a:ext>
+            </a:extLst>
+          </p:cNvPr>
+          <p:cNvSpPr/>
+          <p:nvPr/>
+        </p:nvSpPr>
+        <p:spPr>
+          <a:xfrm>
+            <a:off x="4570679" y="2534639"/>
+            <a:ext cx="3040381" cy="342900"/>
+          </a:xfrm>
+          <a:prstGeom prst="roundRect">
+            <a:avLst>
+              <a:gd name="adj" fmla="val 30000"/>
+            </a:avLst>
+          </a:prstGeom>
+          <a:solidFill>
+            <a:srgbClr val="E8D9C6"/>
+          </a:solidFill>
+          <a:ln w="28575">
+            <a:solidFill>
+              <a:srgbClr val="D4C1A9"/>
+            </a:solidFill>
+          </a:ln>
+        </p:spPr>
+        <p:style>
+          <a:lnRef idx="2">
+            <a:schemeClr val="accent1">
+              <a:shade val="15000"/>
+            </a:schemeClr>
+          </a:lnRef>
+          <a:fillRef idx="1">
+            <a:schemeClr val="accent1"/>
+          </a:fillRef>
+          <a:effectRef idx="0">
+            <a:schemeClr val="accent1"/>
+          </a:effectRef>
+          <a:fontRef idx="minor">
+            <a:schemeClr val="lt1"/>
+          </a:fontRef>
+        </p:style>
+        <p:txBody>
+          <a:bodyPr rtlCol="0" anchor="ctr"/>
+          <a:lstStyle/>
+          <a:p>
+            <a:pPr algn="ctr"/>
+            <a:r>
+              <a:rPr lang="en-US" b="1" dirty="0">
+                <a:latin typeface="Irish Grover" panose="02000000000000000000" pitchFamily="2" charset="0"/>
+                <a:cs typeface="Fredoka" pitchFamily="2" charset="-79"/>
+              </a:rPr>
+              <a:t>Unit 1</a:t>
+            </a:r>
+          </a:p>
+        </p:txBody>
+      </p:sp>
+      <p:sp>
+        <p:nvSpPr>
+          <p:cNvPr id="23" name="Rectangle: Rounded Corners 22">
+            <a:extLst>
+              <a:ext uri="{FF2B5EF4-FFF2-40B4-BE49-F238E27FC236}">
+                <a16:creationId xmlns:a16="http://schemas.microsoft.com/office/drawing/2014/main" id="{AEAB5752-1B02-CF97-5784-1855B1A7DA14}"/>
+              </a:ext>
+            </a:extLst>
+          </p:cNvPr>
+          <p:cNvSpPr/>
+          <p:nvPr/>
+        </p:nvSpPr>
+        <p:spPr>
+          <a:xfrm>
+            <a:off x="4570679" y="3020088"/>
+            <a:ext cx="3040381" cy="342900"/>
+          </a:xfrm>
+          <a:prstGeom prst="roundRect">
+            <a:avLst>
+              <a:gd name="adj" fmla="val 30000"/>
+            </a:avLst>
+          </a:prstGeom>
+          <a:solidFill>
+            <a:srgbClr val="E8D9C6"/>
+          </a:solidFill>
+          <a:ln w="28575">
+            <a:solidFill>
+              <a:srgbClr val="D4C1A9"/>
+            </a:solidFill>
+          </a:ln>
+        </p:spPr>
+        <p:style>
+          <a:lnRef idx="2">
+            <a:schemeClr val="accent1">
+              <a:shade val="15000"/>
+            </a:schemeClr>
+          </a:lnRef>
+          <a:fillRef idx="1">
+            <a:schemeClr val="accent1"/>
+          </a:fillRef>
+          <a:effectRef idx="0">
+            <a:schemeClr val="accent1"/>
+          </a:effectRef>
+          <a:fontRef idx="minor">
+            <a:schemeClr val="lt1"/>
+          </a:fontRef>
+        </p:style>
+        <p:txBody>
+          <a:bodyPr rtlCol="0" anchor="ctr"/>
+          <a:lstStyle/>
+          <a:p>
+            <a:pPr algn="ctr"/>
+            <a:r>
+              <a:rPr lang="en-US" b="1" dirty="0">
+                <a:latin typeface="Irish Grover" panose="02000000000000000000" pitchFamily="2" charset="0"/>
+                <a:cs typeface="Fredoka" pitchFamily="2" charset="-79"/>
+              </a:rPr>
+              <a:t>Unit 2</a:t>
+            </a:r>
+          </a:p>
+        </p:txBody>
+      </p:sp>
+      <p:sp>
+        <p:nvSpPr>
+          <p:cNvPr id="24" name="Rectangle: Rounded Corners 23">
+            <a:extLst>
+              <a:ext uri="{FF2B5EF4-FFF2-40B4-BE49-F238E27FC236}">
+                <a16:creationId xmlns:a16="http://schemas.microsoft.com/office/drawing/2014/main" id="{2F5A4C86-92C6-DEB2-3742-6B56BB84213D}"/>
+              </a:ext>
+            </a:extLst>
+          </p:cNvPr>
+          <p:cNvSpPr/>
+          <p:nvPr/>
+        </p:nvSpPr>
+        <p:spPr>
+          <a:xfrm>
+            <a:off x="4570678" y="3506352"/>
+            <a:ext cx="3040381" cy="342900"/>
+          </a:xfrm>
+          <a:prstGeom prst="roundRect">
+            <a:avLst>
+              <a:gd name="adj" fmla="val 30000"/>
+            </a:avLst>
+          </a:prstGeom>
+          <a:solidFill>
+            <a:srgbClr val="E8D9C6"/>
+          </a:solidFill>
+          <a:ln w="28575">
+            <a:solidFill>
+              <a:srgbClr val="D4C1A9"/>
+            </a:solidFill>
+          </a:ln>
+        </p:spPr>
+        <p:style>
+          <a:lnRef idx="2">
+            <a:schemeClr val="accent1">
+              <a:shade val="15000"/>
+            </a:schemeClr>
+          </a:lnRef>
+          <a:fillRef idx="1">
+            <a:schemeClr val="accent1"/>
+          </a:fillRef>
+          <a:effectRef idx="0">
+            <a:schemeClr val="accent1"/>
+          </a:effectRef>
+          <a:fontRef idx="minor">
+            <a:schemeClr val="lt1"/>
+          </a:fontRef>
+        </p:style>
+        <p:txBody>
+          <a:bodyPr rtlCol="0" anchor="ctr"/>
+          <a:lstStyle/>
+          <a:p>
+            <a:pPr algn="ctr"/>
+            <a:r>
+              <a:rPr lang="en-US" b="1" dirty="0">
+                <a:latin typeface="Irish Grover" panose="02000000000000000000" pitchFamily="2" charset="0"/>
+                <a:cs typeface="Fredoka" pitchFamily="2" charset="-79"/>
+              </a:rPr>
+              <a:t>Unit 3</a:t>
+            </a:r>
+          </a:p>
+        </p:txBody>
+      </p:sp>
+      <p:sp>
+        <p:nvSpPr>
+          <p:cNvPr id="25" name="Rectangle: Rounded Corners 24">
+            <a:extLst>
+              <a:ext uri="{FF2B5EF4-FFF2-40B4-BE49-F238E27FC236}">
+                <a16:creationId xmlns:a16="http://schemas.microsoft.com/office/drawing/2014/main" id="{8E459C0C-1EF5-CCDD-4DF3-D13869067D2B}"/>
+              </a:ext>
+            </a:extLst>
+          </p:cNvPr>
+          <p:cNvSpPr/>
+          <p:nvPr/>
+        </p:nvSpPr>
+        <p:spPr>
+          <a:xfrm>
+            <a:off x="4570677" y="3991801"/>
+            <a:ext cx="3040381" cy="342900"/>
+          </a:xfrm>
+          <a:prstGeom prst="roundRect">
+            <a:avLst>
+              <a:gd name="adj" fmla="val 30000"/>
+            </a:avLst>
+          </a:prstGeom>
+          <a:solidFill>
+            <a:srgbClr val="E8D9C6"/>
+          </a:solidFill>
+          <a:ln w="28575">
+            <a:solidFill>
+              <a:srgbClr val="D4C1A9"/>
+            </a:solidFill>
+          </a:ln>
+        </p:spPr>
+        <p:style>
+          <a:lnRef idx="2">
+            <a:schemeClr val="accent1">
+              <a:shade val="15000"/>
+            </a:schemeClr>
+          </a:lnRef>
+          <a:fillRef idx="1">
+            <a:schemeClr val="accent1"/>
+          </a:fillRef>
+          <a:effectRef idx="0">
+            <a:schemeClr val="accent1"/>
+          </a:effectRef>
+          <a:fontRef idx="minor">
+            <a:schemeClr val="lt1"/>
+          </a:fontRef>
+        </p:style>
+        <p:txBody>
+          <a:bodyPr rtlCol="0" anchor="ctr"/>
+          <a:lstStyle/>
+          <a:p>
+            <a:pPr algn="ctr"/>
+            <a:r>
+              <a:rPr lang="en-US" b="1" dirty="0">
+                <a:latin typeface="Irish Grover" panose="02000000000000000000" pitchFamily="2" charset="0"/>
+                <a:cs typeface="Fredoka" pitchFamily="2" charset="-79"/>
+              </a:rPr>
+              <a:t>Unit 4</a:t>
+            </a:r>
+          </a:p>
+        </p:txBody>
+      </p:sp>
+      <p:sp>
+        <p:nvSpPr>
+          <p:cNvPr id="26" name="Rectangle: Rounded Corners 25">
+            <a:extLst>
+              <a:ext uri="{FF2B5EF4-FFF2-40B4-BE49-F238E27FC236}">
+                <a16:creationId xmlns:a16="http://schemas.microsoft.com/office/drawing/2014/main" id="{E52E3F26-6A02-4DD8-8C96-AE640A558AF7}"/>
+              </a:ext>
+            </a:extLst>
+          </p:cNvPr>
+          <p:cNvSpPr/>
+          <p:nvPr/>
+        </p:nvSpPr>
+        <p:spPr>
+          <a:xfrm>
+            <a:off x="4570676" y="4477250"/>
+            <a:ext cx="3040381" cy="342900"/>
+          </a:xfrm>
+          <a:prstGeom prst="roundRect">
+            <a:avLst>
+              <a:gd name="adj" fmla="val 30000"/>
+            </a:avLst>
+          </a:prstGeom>
+          <a:solidFill>
+            <a:srgbClr val="E8D9C6"/>
+          </a:solidFill>
+          <a:ln w="28575">
+            <a:solidFill>
+              <a:srgbClr val="D4C1A9"/>
+            </a:solidFill>
+          </a:ln>
+        </p:spPr>
+        <p:style>
+          <a:lnRef idx="2">
+            <a:schemeClr val="accent1">
+              <a:shade val="15000"/>
+            </a:schemeClr>
+          </a:lnRef>
+          <a:fillRef idx="1">
+            <a:schemeClr val="accent1"/>
+          </a:fillRef>
+          <a:effectRef idx="0">
+            <a:schemeClr val="accent1"/>
+          </a:effectRef>
+          <a:fontRef idx="minor">
+            <a:schemeClr val="lt1"/>
+          </a:fontRef>
+        </p:style>
+        <p:txBody>
+          <a:bodyPr rtlCol="0" anchor="ctr"/>
+          <a:lstStyle/>
+          <a:p>
+            <a:pPr algn="ctr"/>
+            <a:r>
+              <a:rPr lang="en-US" b="1" dirty="0">
+                <a:latin typeface="Irish Grover" panose="02000000000000000000" pitchFamily="2" charset="0"/>
+                <a:cs typeface="Fredoka" pitchFamily="2" charset="-79"/>
+              </a:rPr>
+              <a:t>Unit 5</a:t>
+            </a:r>
+          </a:p>
+        </p:txBody>
+      </p:sp>
+      <p:sp>
+        <p:nvSpPr>
+          <p:cNvPr id="27" name="Rectangle: Rounded Corners 26">
+            <a:extLst>
+              <a:ext uri="{FF2B5EF4-FFF2-40B4-BE49-F238E27FC236}">
+                <a16:creationId xmlns:a16="http://schemas.microsoft.com/office/drawing/2014/main" id="{C3D21514-02C9-9E45-F5C8-0C1F6097978B}"/>
+              </a:ext>
+            </a:extLst>
+          </p:cNvPr>
+          <p:cNvSpPr/>
+          <p:nvPr/>
+        </p:nvSpPr>
+        <p:spPr>
+          <a:xfrm>
+            <a:off x="4570676" y="4939659"/>
+            <a:ext cx="3040381" cy="342900"/>
+          </a:xfrm>
+          <a:prstGeom prst="roundRect">
+            <a:avLst>
+              <a:gd name="adj" fmla="val 30000"/>
+            </a:avLst>
+          </a:prstGeom>
+          <a:solidFill>
+            <a:srgbClr val="E8D9C6"/>
+          </a:solidFill>
+          <a:ln w="28575">
+            <a:solidFill>
+              <a:srgbClr val="D4C1A9"/>
+            </a:solidFill>
+          </a:ln>
+        </p:spPr>
+        <p:style>
+          <a:lnRef idx="2">
+            <a:schemeClr val="accent1">
+              <a:shade val="15000"/>
+            </a:schemeClr>
+          </a:lnRef>
+          <a:fillRef idx="1">
+            <a:schemeClr val="accent1"/>
+          </a:fillRef>
+          <a:effectRef idx="0">
+            <a:schemeClr val="accent1"/>
+          </a:effectRef>
+          <a:fontRef idx="minor">
+            <a:schemeClr val="lt1"/>
+          </a:fontRef>
+        </p:style>
+        <p:txBody>
+          <a:bodyPr rtlCol="0" anchor="ctr"/>
+          <a:lstStyle/>
+          <a:p>
+            <a:pPr algn="ctr"/>
+            <a:r>
+              <a:rPr lang="en-US" b="1" dirty="0">
+                <a:latin typeface="Irish Grover" panose="02000000000000000000" pitchFamily="2" charset="0"/>
+                <a:cs typeface="Fredoka" pitchFamily="2" charset="-79"/>
+              </a:rPr>
+              <a:t>Unit 6</a:t>
+            </a:r>
+          </a:p>
+        </p:txBody>
+      </p:sp>
+      <p:pic>
+        <p:nvPicPr>
+          <p:cNvPr id="28" name="Picture 27">
+            <a:extLst>
+              <a:ext uri="{FF2B5EF4-FFF2-40B4-BE49-F238E27FC236}">
+                <a16:creationId xmlns:a16="http://schemas.microsoft.com/office/drawing/2014/main" id="{AACC950D-E8F5-6527-A771-9741FCE7D0F9}"/>
+              </a:ext>
+            </a:extLst>
+          </p:cNvPr>
+          <p:cNvPicPr>
+            <a:picLocks noChangeAspect="1"/>
+          </p:cNvPicPr>
+          <p:nvPr/>
+        </p:nvPicPr>
+        <p:blipFill>
+          <a:blip r:embed="rId3"/>
+          <a:stretch>
+            <a:fillRect/>
+          </a:stretch>
+        </p:blipFill>
+        <p:spPr>
+          <a:xfrm>
+            <a:off x="7509522" y="1419225"/>
+            <a:ext cx="459668" cy="459668"/>
+          </a:xfrm>
+          <a:prstGeom prst="rect">
+            <a:avLst/>
+          </a:prstGeom>
+        </p:spPr>
+      </p:pic>
+      <p:sp>
+        <p:nvSpPr>
+          <p:cNvPr id="29" name="Rectangle: Rounded Corners 28">
+            <a:extLst>
+              <a:ext uri="{FF2B5EF4-FFF2-40B4-BE49-F238E27FC236}">
+                <a16:creationId xmlns:a16="http://schemas.microsoft.com/office/drawing/2014/main" id="{5DC4CAC1-3914-6F4D-8D53-7ACC222EC532}"/>
+              </a:ext>
+            </a:extLst>
+          </p:cNvPr>
+          <p:cNvSpPr/>
+          <p:nvPr/>
+        </p:nvSpPr>
+        <p:spPr>
+          <a:xfrm>
+            <a:off x="8445118" y="1586505"/>
+            <a:ext cx="3543301" cy="4390392"/>
+          </a:xfrm>
+          <a:prstGeom prst="roundRect">
+            <a:avLst/>
+          </a:prstGeom>
+          <a:solidFill>
+            <a:srgbClr val="49BB92"/>
+          </a:solidFill>
+          <a:ln w="127000">
+            <a:solidFill>
+              <a:srgbClr val="692C9C"/>
+            </a:solidFill>
+          </a:ln>
+          <a:effectLst/>
+        </p:spPr>
+        <p:style>
+          <a:lnRef idx="2">
+            <a:schemeClr val="accent1">
+              <a:shade val="15000"/>
+            </a:schemeClr>
+          </a:lnRef>
+          <a:fillRef idx="1">
+            <a:schemeClr val="accent1"/>
+          </a:fillRef>
+          <a:effectRef idx="0">
+            <a:schemeClr val="accent1"/>
+          </a:effectRef>
+          <a:fontRef idx="minor">
+            <a:schemeClr val="lt1"/>
+          </a:fontRef>
+        </p:style>
+        <p:txBody>
+          <a:bodyPr rtlCol="0" anchor="ctr"/>
+          <a:lstStyle/>
+          <a:p>
+            <a:pPr algn="ctr"/>
+            <a:endParaRPr lang="en-US" dirty="0"/>
+          </a:p>
+        </p:txBody>
+      </p:sp>
+      <p:sp>
+        <p:nvSpPr>
+          <p:cNvPr id="30" name="Rectangle: Rounded Corners 29">
+            <a:extLst>
+              <a:ext uri="{FF2B5EF4-FFF2-40B4-BE49-F238E27FC236}">
+                <a16:creationId xmlns:a16="http://schemas.microsoft.com/office/drawing/2014/main" id="{E0606BFE-5A95-6C12-FA91-398AE0535E6B}"/>
+              </a:ext>
+            </a:extLst>
+          </p:cNvPr>
+          <p:cNvSpPr/>
+          <p:nvPr/>
+        </p:nvSpPr>
+        <p:spPr>
+          <a:xfrm>
+            <a:off x="8369577" y="1533765"/>
+            <a:ext cx="3543301" cy="4390392"/>
+          </a:xfrm>
+          <a:prstGeom prst="roundRect">
+            <a:avLst/>
+          </a:prstGeom>
+          <a:solidFill>
+            <a:srgbClr val="9C5BD1"/>
+          </a:solidFill>
+          <a:ln w="127000">
+            <a:solidFill>
+              <a:srgbClr val="9C5BD1"/>
+            </a:solidFill>
+          </a:ln>
+          <a:effectLst/>
+        </p:spPr>
+        <p:style>
+          <a:lnRef idx="2">
+            <a:schemeClr val="accent1">
+              <a:shade val="15000"/>
+            </a:schemeClr>
+          </a:lnRef>
+          <a:fillRef idx="1">
+            <a:schemeClr val="accent1"/>
+          </a:fillRef>
+          <a:effectRef idx="0">
+            <a:schemeClr val="accent1"/>
+          </a:effectRef>
+          <a:fontRef idx="minor">
+            <a:schemeClr val="lt1"/>
+          </a:fontRef>
+        </p:style>
+        <p:txBody>
+          <a:bodyPr rtlCol="0" anchor="ctr"/>
+          <a:lstStyle/>
+          <a:p>
+            <a:pPr algn="ctr"/>
+            <a:endParaRPr lang="en-US" dirty="0"/>
+          </a:p>
+        </p:txBody>
+      </p:sp>
+      <p:sp>
+        <p:nvSpPr>
+          <p:cNvPr id="31" name="Rectangle: Rounded Corners 30">
+            <a:extLst>
+              <a:ext uri="{FF2B5EF4-FFF2-40B4-BE49-F238E27FC236}">
+                <a16:creationId xmlns:a16="http://schemas.microsoft.com/office/drawing/2014/main" id="{42879F7C-9F36-3F08-B91E-4125137B7989}"/>
+              </a:ext>
+            </a:extLst>
+          </p:cNvPr>
+          <p:cNvSpPr/>
+          <p:nvPr/>
+        </p:nvSpPr>
+        <p:spPr>
+          <a:xfrm>
+            <a:off x="8369577" y="2224020"/>
+            <a:ext cx="3543301" cy="3428675"/>
+          </a:xfrm>
+          <a:prstGeom prst="roundRect">
+            <a:avLst/>
+          </a:prstGeom>
+          <a:solidFill>
+            <a:srgbClr val="F4F1EC"/>
+          </a:solidFill>
+          <a:ln w="127000">
+            <a:solidFill>
+              <a:srgbClr val="9C5BD1"/>
+            </a:solidFill>
+          </a:ln>
+        </p:spPr>
+        <p:style>
+          <a:lnRef idx="2">
+            <a:schemeClr val="accent1">
+              <a:shade val="15000"/>
+            </a:schemeClr>
+          </a:lnRef>
+          <a:fillRef idx="1">
+            <a:schemeClr val="accent1"/>
+          </a:fillRef>
+          <a:effectRef idx="0">
+            <a:schemeClr val="accent1"/>
+          </a:effectRef>
+          <a:fontRef idx="minor">
+            <a:schemeClr val="lt1"/>
+          </a:fontRef>
+        </p:style>
+        <p:txBody>
+          <a:bodyPr rtlCol="0" anchor="ctr"/>
+          <a:lstStyle/>
+          <a:p>
+            <a:pPr algn="ctr"/>
+            <a:endParaRPr lang="en-US"/>
+          </a:p>
+        </p:txBody>
+      </p:sp>
+      <p:sp>
+        <p:nvSpPr>
+          <p:cNvPr id="32" name="TextBox 31">
+            <a:extLst>
+              <a:ext uri="{FF2B5EF4-FFF2-40B4-BE49-F238E27FC236}">
+                <a16:creationId xmlns:a16="http://schemas.microsoft.com/office/drawing/2014/main" id="{7C1CE57B-FFBE-8FBC-CEF9-E9D68A10EB04}"/>
+              </a:ext>
+            </a:extLst>
+          </p:cNvPr>
+          <p:cNvSpPr txBox="1"/>
+          <p:nvPr/>
+        </p:nvSpPr>
+        <p:spPr>
+          <a:xfrm flipH="1">
+            <a:off x="8626166" y="1586505"/>
+            <a:ext cx="3040381" cy="584775"/>
+          </a:xfrm>
+          <a:prstGeom prst="rect">
+            <a:avLst/>
+          </a:prstGeom>
+          <a:noFill/>
+        </p:spPr>
+        <p:txBody>
+          <a:bodyPr wrap="square" rtlCol="0">
+            <a:spAutoFit/>
+          </a:bodyPr>
+          <a:lstStyle/>
+          <a:p>
+            <a:pPr algn="ctr"/>
+            <a:r>
+              <a:rPr lang="en-US" sz="3200" dirty="0">
+                <a:solidFill>
+                  <a:schemeClr val="bg1"/>
+                </a:solidFill>
+                <a:latin typeface="Cherry Bomb One" panose="02000000000000000000" pitchFamily="2" charset="-128"/>
+                <a:ea typeface="Cherry Bomb One" panose="02000000000000000000" pitchFamily="2" charset="-128"/>
+                <a:cs typeface="Fredoka" pitchFamily="2" charset="-79"/>
+              </a:rPr>
+              <a:t>Videos</a:t>
+            </a:r>
+          </a:p>
+        </p:txBody>
+      </p:sp>
+      <p:sp>
+        <p:nvSpPr>
+          <p:cNvPr id="33" name="Rectangle: Rounded Corners 32">
+            <a:extLst>
+              <a:ext uri="{FF2B5EF4-FFF2-40B4-BE49-F238E27FC236}">
+                <a16:creationId xmlns:a16="http://schemas.microsoft.com/office/drawing/2014/main" id="{E6A8F35D-3A65-84A3-FC81-A0FC1E701BD7}"/>
+              </a:ext>
+            </a:extLst>
+          </p:cNvPr>
+          <p:cNvSpPr/>
+          <p:nvPr/>
+        </p:nvSpPr>
+        <p:spPr>
+          <a:xfrm>
+            <a:off x="8621036" y="2538019"/>
+            <a:ext cx="3040381" cy="342900"/>
+          </a:xfrm>
+          <a:prstGeom prst="roundRect">
+            <a:avLst>
+              <a:gd name="adj" fmla="val 30000"/>
+            </a:avLst>
+          </a:prstGeom>
+          <a:solidFill>
+            <a:srgbClr val="E8D9C6"/>
+          </a:solidFill>
+          <a:ln w="28575">
+            <a:solidFill>
+              <a:srgbClr val="D4C1A9"/>
+            </a:solidFill>
+          </a:ln>
+        </p:spPr>
+        <p:style>
+          <a:lnRef idx="2">
+            <a:schemeClr val="accent1">
+              <a:shade val="15000"/>
+            </a:schemeClr>
+          </a:lnRef>
+          <a:fillRef idx="1">
+            <a:schemeClr val="accent1"/>
+          </a:fillRef>
+          <a:effectRef idx="0">
+            <a:schemeClr val="accent1"/>
+          </a:effectRef>
+          <a:fontRef idx="minor">
+            <a:schemeClr val="lt1"/>
+          </a:fontRef>
+        </p:style>
+        <p:txBody>
+          <a:bodyPr rtlCol="0" anchor="ctr"/>
+          <a:lstStyle/>
+          <a:p>
+            <a:pPr algn="ctr"/>
+            <a:r>
+              <a:rPr lang="en-US" b="1" dirty="0">
+                <a:latin typeface="Irish Grover" panose="02000000000000000000" pitchFamily="2" charset="0"/>
+                <a:cs typeface="Fredoka" pitchFamily="2" charset="-79"/>
+              </a:rPr>
+              <a:t>Unit 1</a:t>
+            </a:r>
+          </a:p>
+        </p:txBody>
+      </p:sp>
+      <p:sp>
+        <p:nvSpPr>
+          <p:cNvPr id="34" name="Rectangle: Rounded Corners 33">
+            <a:extLst>
+              <a:ext uri="{FF2B5EF4-FFF2-40B4-BE49-F238E27FC236}">
+                <a16:creationId xmlns:a16="http://schemas.microsoft.com/office/drawing/2014/main" id="{E973B217-BFC1-7C4F-258A-2096B90AFA23}"/>
+              </a:ext>
+            </a:extLst>
+          </p:cNvPr>
+          <p:cNvSpPr/>
+          <p:nvPr/>
+        </p:nvSpPr>
+        <p:spPr>
+          <a:xfrm>
+            <a:off x="8621036" y="3023468"/>
+            <a:ext cx="3040381" cy="342900"/>
+          </a:xfrm>
+          <a:prstGeom prst="roundRect">
+            <a:avLst>
+              <a:gd name="adj" fmla="val 30000"/>
+            </a:avLst>
+          </a:prstGeom>
+          <a:solidFill>
+            <a:srgbClr val="E8D9C6"/>
+          </a:solidFill>
+          <a:ln w="28575">
+            <a:solidFill>
+              <a:srgbClr val="D4C1A9"/>
+            </a:solidFill>
+          </a:ln>
+        </p:spPr>
+        <p:style>
+          <a:lnRef idx="2">
+            <a:schemeClr val="accent1">
+              <a:shade val="15000"/>
+            </a:schemeClr>
+          </a:lnRef>
+          <a:fillRef idx="1">
+            <a:schemeClr val="accent1"/>
+          </a:fillRef>
+          <a:effectRef idx="0">
+            <a:schemeClr val="accent1"/>
+          </a:effectRef>
+          <a:fontRef idx="minor">
+            <a:schemeClr val="lt1"/>
+          </a:fontRef>
+        </p:style>
+        <p:txBody>
+          <a:bodyPr rtlCol="0" anchor="ctr"/>
+          <a:lstStyle/>
+          <a:p>
+            <a:pPr algn="ctr"/>
+            <a:r>
+              <a:rPr lang="en-US" b="1" dirty="0">
+                <a:latin typeface="Irish Grover" panose="02000000000000000000" pitchFamily="2" charset="0"/>
+                <a:cs typeface="Fredoka" pitchFamily="2" charset="-79"/>
+              </a:rPr>
+              <a:t>Unit 2</a:t>
+            </a:r>
+          </a:p>
+        </p:txBody>
+      </p:sp>
+      <p:sp>
+        <p:nvSpPr>
+          <p:cNvPr id="35" name="Rectangle: Rounded Corners 34">
+            <a:extLst>
+              <a:ext uri="{FF2B5EF4-FFF2-40B4-BE49-F238E27FC236}">
+                <a16:creationId xmlns:a16="http://schemas.microsoft.com/office/drawing/2014/main" id="{99D0729A-BDFC-15D2-ABFA-C1F025912D9F}"/>
+              </a:ext>
+            </a:extLst>
+          </p:cNvPr>
+          <p:cNvSpPr/>
+          <p:nvPr/>
+        </p:nvSpPr>
+        <p:spPr>
+          <a:xfrm>
+            <a:off x="8621035" y="3509732"/>
+            <a:ext cx="3040381" cy="342900"/>
+          </a:xfrm>
+          <a:prstGeom prst="roundRect">
+            <a:avLst>
+              <a:gd name="adj" fmla="val 30000"/>
+            </a:avLst>
+          </a:prstGeom>
+          <a:solidFill>
+            <a:srgbClr val="E8D9C6"/>
+          </a:solidFill>
+          <a:ln w="28575">
+            <a:solidFill>
+              <a:srgbClr val="D4C1A9"/>
+            </a:solidFill>
+          </a:ln>
+        </p:spPr>
+        <p:style>
+          <a:lnRef idx="2">
+            <a:schemeClr val="accent1">
+              <a:shade val="15000"/>
+            </a:schemeClr>
+          </a:lnRef>
+          <a:fillRef idx="1">
+            <a:schemeClr val="accent1"/>
+          </a:fillRef>
+          <a:effectRef idx="0">
+            <a:schemeClr val="accent1"/>
+          </a:effectRef>
+          <a:fontRef idx="minor">
+            <a:schemeClr val="lt1"/>
+          </a:fontRef>
+        </p:style>
+        <p:txBody>
+          <a:bodyPr rtlCol="0" anchor="ctr"/>
+          <a:lstStyle/>
+          <a:p>
+            <a:pPr algn="ctr"/>
+            <a:r>
+              <a:rPr lang="en-US" b="1" dirty="0">
+                <a:latin typeface="Irish Grover" panose="02000000000000000000" pitchFamily="2" charset="0"/>
+                <a:cs typeface="Fredoka" pitchFamily="2" charset="-79"/>
+              </a:rPr>
+              <a:t>Unit 3</a:t>
+            </a:r>
+          </a:p>
+        </p:txBody>
+      </p:sp>
+      <p:sp>
+        <p:nvSpPr>
+          <p:cNvPr id="36" name="Rectangle: Rounded Corners 35">
+            <a:extLst>
+              <a:ext uri="{FF2B5EF4-FFF2-40B4-BE49-F238E27FC236}">
+                <a16:creationId xmlns:a16="http://schemas.microsoft.com/office/drawing/2014/main" id="{CCD5E265-3A66-CC77-CA12-A50EE3C6ECA1}"/>
+              </a:ext>
+            </a:extLst>
+          </p:cNvPr>
+          <p:cNvSpPr/>
+          <p:nvPr/>
+        </p:nvSpPr>
+        <p:spPr>
+          <a:xfrm>
+            <a:off x="8621034" y="3995181"/>
+            <a:ext cx="3040381" cy="342900"/>
+          </a:xfrm>
+          <a:prstGeom prst="roundRect">
+            <a:avLst>
+              <a:gd name="adj" fmla="val 30000"/>
+            </a:avLst>
+          </a:prstGeom>
+          <a:solidFill>
+            <a:srgbClr val="E8D9C6"/>
+          </a:solidFill>
+          <a:ln w="28575">
+            <a:solidFill>
+              <a:srgbClr val="D4C1A9"/>
+            </a:solidFill>
+          </a:ln>
+        </p:spPr>
+        <p:style>
+          <a:lnRef idx="2">
+            <a:schemeClr val="accent1">
+              <a:shade val="15000"/>
+            </a:schemeClr>
+          </a:lnRef>
+          <a:fillRef idx="1">
+            <a:schemeClr val="accent1"/>
+          </a:fillRef>
+          <a:effectRef idx="0">
+            <a:schemeClr val="accent1"/>
+          </a:effectRef>
+          <a:fontRef idx="minor">
+            <a:schemeClr val="lt1"/>
+          </a:fontRef>
+        </p:style>
+        <p:txBody>
+          <a:bodyPr rtlCol="0" anchor="ctr"/>
+          <a:lstStyle/>
+          <a:p>
+            <a:pPr algn="ctr"/>
+            <a:r>
+              <a:rPr lang="en-US" b="1" dirty="0">
+                <a:latin typeface="Irish Grover" panose="02000000000000000000" pitchFamily="2" charset="0"/>
+                <a:cs typeface="Fredoka" pitchFamily="2" charset="-79"/>
+              </a:rPr>
+              <a:t>Unit 4</a:t>
+            </a:r>
+          </a:p>
+        </p:txBody>
+      </p:sp>
+      <p:sp>
+        <p:nvSpPr>
+          <p:cNvPr id="37" name="Rectangle: Rounded Corners 36">
+            <a:extLst>
+              <a:ext uri="{FF2B5EF4-FFF2-40B4-BE49-F238E27FC236}">
+                <a16:creationId xmlns:a16="http://schemas.microsoft.com/office/drawing/2014/main" id="{3C197E55-5F27-E295-BBB5-D15DDB641E8A}"/>
+              </a:ext>
+            </a:extLst>
+          </p:cNvPr>
+          <p:cNvSpPr/>
+          <p:nvPr/>
+        </p:nvSpPr>
+        <p:spPr>
+          <a:xfrm>
+            <a:off x="8621033" y="4480630"/>
+            <a:ext cx="3040381" cy="342900"/>
+          </a:xfrm>
+          <a:prstGeom prst="roundRect">
+            <a:avLst>
+              <a:gd name="adj" fmla="val 30000"/>
+            </a:avLst>
+          </a:prstGeom>
+          <a:solidFill>
+            <a:srgbClr val="E8D9C6"/>
+          </a:solidFill>
+          <a:ln w="28575">
+            <a:solidFill>
+              <a:srgbClr val="D4C1A9"/>
+            </a:solidFill>
+          </a:ln>
+        </p:spPr>
+        <p:style>
+          <a:lnRef idx="2">
+            <a:schemeClr val="accent1">
+              <a:shade val="15000"/>
+            </a:schemeClr>
+          </a:lnRef>
+          <a:fillRef idx="1">
+            <a:schemeClr val="accent1"/>
+          </a:fillRef>
+          <a:effectRef idx="0">
+            <a:schemeClr val="accent1"/>
+          </a:effectRef>
+          <a:fontRef idx="minor">
+            <a:schemeClr val="lt1"/>
+          </a:fontRef>
+        </p:style>
+        <p:txBody>
+          <a:bodyPr rtlCol="0" anchor="ctr"/>
+          <a:lstStyle/>
+          <a:p>
+            <a:pPr algn="ctr"/>
+            <a:r>
+              <a:rPr lang="en-US" b="1" dirty="0">
+                <a:latin typeface="Irish Grover" panose="02000000000000000000" pitchFamily="2" charset="0"/>
+                <a:cs typeface="Fredoka" pitchFamily="2" charset="-79"/>
+              </a:rPr>
+              <a:t>Unit 5</a:t>
+            </a:r>
+          </a:p>
+        </p:txBody>
+      </p:sp>
+      <p:sp>
+        <p:nvSpPr>
+          <p:cNvPr id="38" name="Rectangle: Rounded Corners 37">
+            <a:extLst>
+              <a:ext uri="{FF2B5EF4-FFF2-40B4-BE49-F238E27FC236}">
+                <a16:creationId xmlns:a16="http://schemas.microsoft.com/office/drawing/2014/main" id="{2A56EB7B-C95B-07A1-4CCF-00DA3A0D5821}"/>
+              </a:ext>
+            </a:extLst>
+          </p:cNvPr>
+          <p:cNvSpPr/>
+          <p:nvPr/>
+        </p:nvSpPr>
+        <p:spPr>
+          <a:xfrm>
+            <a:off x="8621033" y="4943039"/>
+            <a:ext cx="3040381" cy="342900"/>
+          </a:xfrm>
+          <a:prstGeom prst="roundRect">
+            <a:avLst>
+              <a:gd name="adj" fmla="val 30000"/>
+            </a:avLst>
+          </a:prstGeom>
+          <a:solidFill>
+            <a:srgbClr val="E8D9C6"/>
+          </a:solidFill>
+          <a:ln w="28575">
+            <a:solidFill>
+              <a:srgbClr val="D4C1A9"/>
+            </a:solidFill>
+          </a:ln>
+        </p:spPr>
+        <p:style>
+          <a:lnRef idx="2">
+            <a:schemeClr val="accent1">
+              <a:shade val="15000"/>
+            </a:schemeClr>
+          </a:lnRef>
+          <a:fillRef idx="1">
+            <a:schemeClr val="accent1"/>
+          </a:fillRef>
+          <a:effectRef idx="0">
+            <a:schemeClr val="accent1"/>
+          </a:effectRef>
+          <a:fontRef idx="minor">
+            <a:schemeClr val="lt1"/>
+          </a:fontRef>
+        </p:style>
+        <p:txBody>
+          <a:bodyPr rtlCol="0" anchor="ctr"/>
+          <a:lstStyle/>
+          <a:p>
+            <a:pPr algn="ctr"/>
+            <a:r>
+              <a:rPr lang="en-US" b="1" dirty="0">
+                <a:latin typeface="Irish Grover" panose="02000000000000000000" pitchFamily="2" charset="0"/>
+                <a:cs typeface="Fredoka" pitchFamily="2" charset="-79"/>
+              </a:rPr>
+              <a:t>Unit 6</a:t>
+            </a:r>
+          </a:p>
+        </p:txBody>
+      </p:sp>
+      <p:pic>
+        <p:nvPicPr>
+          <p:cNvPr id="39" name="Picture 38">
+            <a:extLst>
+              <a:ext uri="{FF2B5EF4-FFF2-40B4-BE49-F238E27FC236}">
+                <a16:creationId xmlns:a16="http://schemas.microsoft.com/office/drawing/2014/main" id="{48EB8BCA-9BEE-6292-D371-92E87797F977}"/>
+              </a:ext>
+            </a:extLst>
+          </p:cNvPr>
+          <p:cNvPicPr>
+            <a:picLocks noChangeAspect="1"/>
+          </p:cNvPicPr>
+          <p:nvPr/>
+        </p:nvPicPr>
+        <p:blipFill>
+          <a:blip r:embed="rId3"/>
+          <a:stretch>
+            <a:fillRect/>
+          </a:stretch>
+        </p:blipFill>
+        <p:spPr>
+          <a:xfrm>
+            <a:off x="11559879" y="1422605"/>
+            <a:ext cx="459668" cy="459668"/>
+          </a:xfrm>
+          <a:prstGeom prst="rect">
+            <a:avLst/>
+          </a:prstGeom>
+        </p:spPr>
+      </p:pic>
+      <p:sp>
+        <p:nvSpPr>
+          <p:cNvPr id="41" name="TextBox 40">
+            <a:extLst>
+              <a:ext uri="{FF2B5EF4-FFF2-40B4-BE49-F238E27FC236}">
+                <a16:creationId xmlns:a16="http://schemas.microsoft.com/office/drawing/2014/main" id="{38E668C3-57C8-B247-FBF8-C7E992E4E617}"/>
+              </a:ext>
+            </a:extLst>
+          </p:cNvPr>
+          <p:cNvSpPr txBox="1"/>
+          <p:nvPr/>
+        </p:nvSpPr>
+        <p:spPr>
+          <a:xfrm>
+            <a:off x="2873000" y="57775"/>
+            <a:ext cx="6445995" cy="1446550"/>
+          </a:xfrm>
+          <a:prstGeom prst="rect">
+            <a:avLst/>
+          </a:prstGeom>
+          <a:noFill/>
+        </p:spPr>
+        <p:txBody>
+          <a:bodyPr wrap="none" rtlCol="0">
+            <a:spAutoFit/>
+          </a:bodyPr>
+          <a:lstStyle/>
+          <a:p>
+            <a:pPr algn="ctr"/>
+            <a:r>
+              <a:rPr lang="en-US" sz="8800" dirty="0">
+                <a:solidFill>
+                  <a:schemeClr val="bg1"/>
+                </a:solidFill>
+                <a:latin typeface="OhChewy" panose="02000503050000020003" pitchFamily="2" charset="0"/>
+                <a:cs typeface="Fredoka" pitchFamily="2" charset="-79"/>
+              </a:rPr>
+              <a:t>Grade 5 English</a:t>
+            </a:r>
+          </a:p>
+        </p:txBody>
+      </p:sp>
+    </p:spTree>
+    <p:extLst>
+      <p:ext uri="{BB962C8B-B14F-4D97-AF65-F5344CB8AC3E}">
+        <p14:creationId xmlns:p14="http://schemas.microsoft.com/office/powerpoint/2010/main" val="1986596401"/>
+      </p:ext>
+    </p:extLst>
+  </p:cSld>
+  <p:clrMapOvr>
+    <a:masterClrMapping/>
+  </p:clrMapOvr>
+  <mc:AlternateContent xmlns:mc="http://schemas.openxmlformats.org/markup-compatibility/2006">
+    <mc:Choice xmlns:p159="http://schemas.microsoft.com/office/powerpoint/2015/09/main" Requires="p159">
+      <p:transition xmlns:p14="http://schemas.microsoft.com/office/powerpoint/2010/main" spd="slow" p14:dur="800">
+        <p159:morph option="byObject"/>
+      </p:transition>
+    </mc:Choice>
+    <mc:Fallback>
+      <p:transition spd="slow">
+        <p:fade/>
+      </p:transition>
+    </mc:Fallback>
+  </mc:AlternateContent>
+</p:sld>
+</file>
+
+<file path=ppt/slides/slide7.xml><?xml version="1.0" encoding="utf-8"?>
+<p:sld xmlns:a="http://schemas.openxmlformats.org/drawingml/2006/main" xmlns:r="http://schemas.openxmlformats.org/officeDocument/2006/relationships" xmlns:p="http://schemas.openxmlformats.org/presentationml/2006/main">
+  <p:cSld>
+    <p:spTree>
+      <p:nvGrpSpPr>
+        <p:cNvPr id="1" name="">
+          <a:extLst>
+            <a:ext uri="{FF2B5EF4-FFF2-40B4-BE49-F238E27FC236}">
+              <a16:creationId xmlns:a16="http://schemas.microsoft.com/office/drawing/2014/main" id="{2E801071-EEAD-6162-CB2B-81618C1C09FA}"/>
+            </a:ext>
+          </a:extLst>
+        </p:cNvPr>
+        <p:cNvGrpSpPr/>
+        <p:nvPr/>
+      </p:nvGrpSpPr>
+      <p:grpSpPr>
+        <a:xfrm>
+          <a:off x="0" y="0"/>
+          <a:ext cx="0" cy="0"/>
+          <a:chOff x="0" y="0"/>
+          <a:chExt cx="0" cy="0"/>
+        </a:xfrm>
+      </p:grpSpPr>
+      <p:pic>
+        <p:nvPicPr>
+          <p:cNvPr id="7" name="Picture 6" descr="Cartoon characters on a green field&#10;&#10;AI-generated content may be incorrect.">
+            <a:extLst>
+              <a:ext uri="{FF2B5EF4-FFF2-40B4-BE49-F238E27FC236}">
+                <a16:creationId xmlns:a16="http://schemas.microsoft.com/office/drawing/2014/main" id="{D61EB90F-4693-68F7-285E-5173303E20F4}"/>
+              </a:ext>
+            </a:extLst>
+          </p:cNvPr>
+          <p:cNvPicPr>
+            <a:picLocks noChangeAspect="1"/>
+          </p:cNvPicPr>
+          <p:nvPr/>
+        </p:nvPicPr>
+        <p:blipFill>
+          <a:blip r:embed="rId2">
+            <a:extLst>
+              <a:ext uri="{28A0092B-C50C-407E-A947-70E740481C1C}">
+                <a14:useLocalDpi xmlns:a14="http://schemas.microsoft.com/office/drawing/2010/main" val="0"/>
+              </a:ext>
+            </a:extLst>
+          </a:blip>
+          <a:stretch>
+            <a:fillRect/>
+          </a:stretch>
+        </p:blipFill>
+        <p:spPr>
+          <a:xfrm>
+            <a:off x="-15240" y="-1280160"/>
+            <a:ext cx="12207240" cy="8138160"/>
+          </a:xfrm>
+          <a:prstGeom prst="rect">
+            <a:avLst/>
+          </a:prstGeom>
+        </p:spPr>
+      </p:pic>
+      <p:sp>
+        <p:nvSpPr>
+          <p:cNvPr id="9" name="Rectangle: Rounded Corners 8">
+            <a:extLst>
+              <a:ext uri="{FF2B5EF4-FFF2-40B4-BE49-F238E27FC236}">
+                <a16:creationId xmlns:a16="http://schemas.microsoft.com/office/drawing/2014/main" id="{1054B9EE-ECE8-7B7A-5FF1-599900CD9DB0}"/>
+              </a:ext>
+            </a:extLst>
+          </p:cNvPr>
+          <p:cNvSpPr/>
+          <p:nvPr/>
+        </p:nvSpPr>
+        <p:spPr>
+          <a:xfrm>
+            <a:off x="5059349" y="-3645988"/>
+            <a:ext cx="2058061" cy="584012"/>
+          </a:xfrm>
+          <a:prstGeom prst="roundRect">
+            <a:avLst>
+              <a:gd name="adj" fmla="val 50000"/>
+            </a:avLst>
+          </a:prstGeom>
+          <a:gradFill flip="none" rotWithShape="1">
+            <a:gsLst>
+              <a:gs pos="14000">
+                <a:srgbClr val="7BE753"/>
+              </a:gs>
+              <a:gs pos="100000">
+                <a:srgbClr val="279415"/>
+              </a:gs>
+            </a:gsLst>
+            <a:lin ang="2700000" scaled="1"/>
+            <a:tileRect/>
+          </a:gradFill>
+          <a:ln>
+            <a:solidFill>
+              <a:srgbClr val="279415"/>
+            </a:solidFill>
+          </a:ln>
+        </p:spPr>
+        <p:style>
+          <a:lnRef idx="2">
+            <a:schemeClr val="accent1">
+              <a:shade val="15000"/>
+            </a:schemeClr>
+          </a:lnRef>
+          <a:fillRef idx="1">
+            <a:schemeClr val="accent1"/>
+          </a:fillRef>
+          <a:effectRef idx="0">
+            <a:schemeClr val="accent1"/>
+          </a:effectRef>
+          <a:fontRef idx="minor">
+            <a:schemeClr val="lt1"/>
+          </a:fontRef>
+        </p:style>
+        <p:txBody>
+          <a:bodyPr rtlCol="0" anchor="ctr"/>
+          <a:lstStyle/>
+          <a:p>
+            <a:pPr algn="ctr"/>
+            <a:r>
+              <a:rPr lang="en-US" sz="2800" b="1" dirty="0">
+                <a:latin typeface="Fredoka" pitchFamily="2" charset="-79"/>
+                <a:cs typeface="Fredoka" pitchFamily="2" charset="-79"/>
+              </a:rPr>
+              <a:t>Start</a:t>
+            </a:r>
+            <a:endParaRPr lang="en-US" sz="3200" b="1" dirty="0">
+              <a:latin typeface="Fredoka" pitchFamily="2" charset="-79"/>
+              <a:cs typeface="Fredoka" pitchFamily="2" charset="-79"/>
+            </a:endParaRPr>
+          </a:p>
+        </p:txBody>
+      </p:sp>
+      <p:sp>
+        <p:nvSpPr>
+          <p:cNvPr id="2" name="Rectangle: Rounded Corners 1">
+            <a:extLst>
+              <a:ext uri="{FF2B5EF4-FFF2-40B4-BE49-F238E27FC236}">
+                <a16:creationId xmlns:a16="http://schemas.microsoft.com/office/drawing/2014/main" id="{E4C448DC-A3A4-CE03-26FA-CF70369ED989}"/>
+              </a:ext>
+            </a:extLst>
+          </p:cNvPr>
+          <p:cNvSpPr/>
+          <p:nvPr/>
+        </p:nvSpPr>
+        <p:spPr>
+          <a:xfrm>
+            <a:off x="344405" y="1583125"/>
+            <a:ext cx="3543301" cy="4708490"/>
+          </a:xfrm>
+          <a:prstGeom prst="roundRect">
+            <a:avLst/>
+          </a:prstGeom>
+          <a:solidFill>
+            <a:srgbClr val="49BB92"/>
+          </a:solidFill>
+          <a:ln w="127000">
+            <a:solidFill>
+              <a:srgbClr val="33896A"/>
+            </a:solidFill>
+          </a:ln>
+          <a:effectLst/>
+        </p:spPr>
+        <p:style>
+          <a:lnRef idx="2">
+            <a:schemeClr val="accent1">
+              <a:shade val="15000"/>
+            </a:schemeClr>
+          </a:lnRef>
+          <a:fillRef idx="1">
+            <a:schemeClr val="accent1"/>
+          </a:fillRef>
+          <a:effectRef idx="0">
+            <a:schemeClr val="accent1"/>
+          </a:effectRef>
+          <a:fontRef idx="minor">
+            <a:schemeClr val="lt1"/>
+          </a:fontRef>
+        </p:style>
+        <p:txBody>
+          <a:bodyPr rtlCol="0" anchor="ctr"/>
+          <a:lstStyle/>
+          <a:p>
+            <a:pPr algn="ctr"/>
+            <a:endParaRPr lang="en-US" dirty="0"/>
+          </a:p>
+        </p:txBody>
+      </p:sp>
+      <p:sp>
+        <p:nvSpPr>
+          <p:cNvPr id="3" name="Rectangle: Rounded Corners 2">
+            <a:extLst>
+              <a:ext uri="{FF2B5EF4-FFF2-40B4-BE49-F238E27FC236}">
+                <a16:creationId xmlns:a16="http://schemas.microsoft.com/office/drawing/2014/main" id="{D957F6F7-9705-41CB-F2F8-FBA3BE7684E8}"/>
+              </a:ext>
+            </a:extLst>
+          </p:cNvPr>
+          <p:cNvSpPr/>
+          <p:nvPr/>
+        </p:nvSpPr>
+        <p:spPr>
+          <a:xfrm>
+            <a:off x="268864" y="1530385"/>
+            <a:ext cx="3543301" cy="4708490"/>
+          </a:xfrm>
+          <a:prstGeom prst="roundRect">
+            <a:avLst/>
+          </a:prstGeom>
+          <a:solidFill>
+            <a:srgbClr val="49BB92"/>
+          </a:solidFill>
+          <a:ln w="127000">
+            <a:solidFill>
+              <a:srgbClr val="49BB92"/>
+            </a:solidFill>
+          </a:ln>
+          <a:effectLst/>
+        </p:spPr>
+        <p:style>
+          <a:lnRef idx="2">
+            <a:schemeClr val="accent1">
+              <a:shade val="15000"/>
+            </a:schemeClr>
+          </a:lnRef>
+          <a:fillRef idx="1">
+            <a:schemeClr val="accent1"/>
+          </a:fillRef>
+          <a:effectRef idx="0">
+            <a:schemeClr val="accent1"/>
+          </a:effectRef>
+          <a:fontRef idx="minor">
+            <a:schemeClr val="lt1"/>
+          </a:fontRef>
+        </p:style>
+        <p:txBody>
+          <a:bodyPr rtlCol="0" anchor="ctr"/>
+          <a:lstStyle/>
+          <a:p>
+            <a:pPr algn="ctr"/>
+            <a:endParaRPr lang="en-US" dirty="0"/>
+          </a:p>
+        </p:txBody>
+      </p:sp>
+      <p:sp>
+        <p:nvSpPr>
+          <p:cNvPr id="4" name="Rectangle: Rounded Corners 3">
+            <a:extLst>
+              <a:ext uri="{FF2B5EF4-FFF2-40B4-BE49-F238E27FC236}">
+                <a16:creationId xmlns:a16="http://schemas.microsoft.com/office/drawing/2014/main" id="{2CD9BB88-35A6-77AD-B467-976EE7092B4B}"/>
+              </a:ext>
+            </a:extLst>
+          </p:cNvPr>
+          <p:cNvSpPr/>
+          <p:nvPr/>
+        </p:nvSpPr>
+        <p:spPr>
+          <a:xfrm>
+            <a:off x="268864" y="2220640"/>
+            <a:ext cx="3543301" cy="3752877"/>
+          </a:xfrm>
+          <a:prstGeom prst="roundRect">
+            <a:avLst/>
+          </a:prstGeom>
+          <a:solidFill>
+            <a:srgbClr val="F4F1EC"/>
+          </a:solidFill>
+          <a:ln w="127000">
+            <a:solidFill>
+              <a:srgbClr val="49BB92"/>
+            </a:solidFill>
+          </a:ln>
+        </p:spPr>
+        <p:style>
+          <a:lnRef idx="2">
+            <a:schemeClr val="accent1">
+              <a:shade val="15000"/>
+            </a:schemeClr>
+          </a:lnRef>
+          <a:fillRef idx="1">
+            <a:schemeClr val="accent1"/>
+          </a:fillRef>
+          <a:effectRef idx="0">
+            <a:schemeClr val="accent1"/>
+          </a:effectRef>
+          <a:fontRef idx="minor">
+            <a:schemeClr val="lt1"/>
+          </a:fontRef>
+        </p:style>
+        <p:txBody>
+          <a:bodyPr rtlCol="0" anchor="ctr"/>
+          <a:lstStyle/>
+          <a:p>
+            <a:pPr algn="ctr"/>
+            <a:endParaRPr lang="en-US"/>
+          </a:p>
+        </p:txBody>
+      </p:sp>
+      <p:sp>
+        <p:nvSpPr>
+          <p:cNvPr id="5" name="TextBox 4">
+            <a:extLst>
+              <a:ext uri="{FF2B5EF4-FFF2-40B4-BE49-F238E27FC236}">
+                <a16:creationId xmlns:a16="http://schemas.microsoft.com/office/drawing/2014/main" id="{6F6F976D-1773-39C8-E551-8EA42F04CF07}"/>
+              </a:ext>
+            </a:extLst>
+          </p:cNvPr>
+          <p:cNvSpPr txBox="1"/>
+          <p:nvPr/>
+        </p:nvSpPr>
+        <p:spPr>
+          <a:xfrm flipH="1">
+            <a:off x="525453" y="1583125"/>
+            <a:ext cx="3040381" cy="584775"/>
+          </a:xfrm>
+          <a:prstGeom prst="rect">
+            <a:avLst/>
+          </a:prstGeom>
+          <a:noFill/>
+        </p:spPr>
+        <p:txBody>
+          <a:bodyPr wrap="square" rtlCol="0">
+            <a:spAutoFit/>
+          </a:bodyPr>
+          <a:lstStyle/>
+          <a:p>
+            <a:pPr algn="ctr"/>
+            <a:r>
+              <a:rPr lang="en-US" sz="3200" dirty="0">
+                <a:solidFill>
+                  <a:schemeClr val="bg1"/>
+                </a:solidFill>
+                <a:latin typeface="Cherry Bomb One" panose="02000000000000000000" pitchFamily="2" charset="-128"/>
+                <a:ea typeface="Cherry Bomb One" panose="02000000000000000000" pitchFamily="2" charset="-128"/>
+                <a:cs typeface="Fredoka" pitchFamily="2" charset="-79"/>
+              </a:rPr>
+              <a:t>Chapters</a:t>
+            </a:r>
+          </a:p>
+        </p:txBody>
+      </p:sp>
+      <p:sp>
+        <p:nvSpPr>
+          <p:cNvPr id="6" name="Rectangle: Rounded Corners 5">
+            <a:extLst>
+              <a:ext uri="{FF2B5EF4-FFF2-40B4-BE49-F238E27FC236}">
+                <a16:creationId xmlns:a16="http://schemas.microsoft.com/office/drawing/2014/main" id="{A805BD8F-64F9-3013-60C3-8A40D5E9B120}"/>
+              </a:ext>
+            </a:extLst>
+          </p:cNvPr>
+          <p:cNvSpPr/>
+          <p:nvPr/>
+        </p:nvSpPr>
+        <p:spPr>
+          <a:xfrm>
+            <a:off x="520323" y="2534639"/>
+            <a:ext cx="3040381" cy="342900"/>
+          </a:xfrm>
+          <a:prstGeom prst="roundRect">
+            <a:avLst>
+              <a:gd name="adj" fmla="val 30000"/>
+            </a:avLst>
+          </a:prstGeom>
+          <a:solidFill>
+            <a:srgbClr val="E8D9C6"/>
+          </a:solidFill>
+          <a:ln w="28575">
+            <a:solidFill>
+              <a:srgbClr val="D4C1A9"/>
+            </a:solidFill>
+          </a:ln>
+        </p:spPr>
+        <p:style>
+          <a:lnRef idx="2">
+            <a:schemeClr val="accent1">
+              <a:shade val="15000"/>
+            </a:schemeClr>
+          </a:lnRef>
+          <a:fillRef idx="1">
+            <a:schemeClr val="accent1"/>
+          </a:fillRef>
+          <a:effectRef idx="0">
+            <a:schemeClr val="accent1"/>
+          </a:effectRef>
+          <a:fontRef idx="minor">
+            <a:schemeClr val="lt1"/>
+          </a:fontRef>
+        </p:style>
+        <p:txBody>
+          <a:bodyPr rtlCol="0" anchor="ctr"/>
+          <a:lstStyle/>
+          <a:p>
+            <a:pPr algn="ctr"/>
+            <a:r>
+              <a:rPr lang="en-US" b="1" dirty="0">
+                <a:latin typeface="Irish Grover" panose="02000000000000000000" pitchFamily="2" charset="0"/>
+                <a:cs typeface="Fredoka" pitchFamily="2" charset="-79"/>
+              </a:rPr>
+              <a:t>Unit 1</a:t>
+            </a:r>
+          </a:p>
+        </p:txBody>
+      </p:sp>
+      <p:sp>
+        <p:nvSpPr>
+          <p:cNvPr id="10" name="Rectangle: Rounded Corners 9">
+            <a:extLst>
+              <a:ext uri="{FF2B5EF4-FFF2-40B4-BE49-F238E27FC236}">
+                <a16:creationId xmlns:a16="http://schemas.microsoft.com/office/drawing/2014/main" id="{D640E72C-8EA2-12A8-8709-D3CB70DF13F9}"/>
+              </a:ext>
+            </a:extLst>
+          </p:cNvPr>
+          <p:cNvSpPr/>
+          <p:nvPr/>
+        </p:nvSpPr>
+        <p:spPr>
+          <a:xfrm>
+            <a:off x="520323" y="3020088"/>
+            <a:ext cx="3040381" cy="342900"/>
+          </a:xfrm>
+          <a:prstGeom prst="roundRect">
+            <a:avLst>
+              <a:gd name="adj" fmla="val 30000"/>
+            </a:avLst>
+          </a:prstGeom>
+          <a:solidFill>
+            <a:srgbClr val="E8D9C6"/>
+          </a:solidFill>
+          <a:ln w="28575">
+            <a:solidFill>
+              <a:srgbClr val="D4C1A9"/>
+            </a:solidFill>
+          </a:ln>
+        </p:spPr>
+        <p:style>
+          <a:lnRef idx="2">
+            <a:schemeClr val="accent1">
+              <a:shade val="15000"/>
+            </a:schemeClr>
+          </a:lnRef>
+          <a:fillRef idx="1">
+            <a:schemeClr val="accent1"/>
+          </a:fillRef>
+          <a:effectRef idx="0">
+            <a:schemeClr val="accent1"/>
+          </a:effectRef>
+          <a:fontRef idx="minor">
+            <a:schemeClr val="lt1"/>
+          </a:fontRef>
+        </p:style>
+        <p:txBody>
+          <a:bodyPr rtlCol="0" anchor="ctr"/>
+          <a:lstStyle/>
+          <a:p>
+            <a:pPr algn="ctr"/>
+            <a:r>
+              <a:rPr lang="en-US" b="1" dirty="0">
+                <a:latin typeface="Irish Grover" panose="02000000000000000000" pitchFamily="2" charset="0"/>
+                <a:cs typeface="Fredoka" pitchFamily="2" charset="-79"/>
+              </a:rPr>
+              <a:t>Unit 2</a:t>
+            </a:r>
+          </a:p>
+        </p:txBody>
+      </p:sp>
+      <p:sp>
+        <p:nvSpPr>
+          <p:cNvPr id="11" name="Rectangle: Rounded Corners 10">
+            <a:extLst>
+              <a:ext uri="{FF2B5EF4-FFF2-40B4-BE49-F238E27FC236}">
+                <a16:creationId xmlns:a16="http://schemas.microsoft.com/office/drawing/2014/main" id="{0A691196-14F8-1508-36C6-14C0A7D552AE}"/>
+              </a:ext>
+            </a:extLst>
+          </p:cNvPr>
+          <p:cNvSpPr/>
+          <p:nvPr/>
+        </p:nvSpPr>
+        <p:spPr>
+          <a:xfrm>
+            <a:off x="520322" y="3506352"/>
+            <a:ext cx="3040381" cy="342900"/>
+          </a:xfrm>
+          <a:prstGeom prst="roundRect">
+            <a:avLst>
+              <a:gd name="adj" fmla="val 30000"/>
+            </a:avLst>
+          </a:prstGeom>
+          <a:solidFill>
+            <a:srgbClr val="E8D9C6"/>
+          </a:solidFill>
+          <a:ln w="28575">
+            <a:solidFill>
+              <a:srgbClr val="D4C1A9"/>
+            </a:solidFill>
+          </a:ln>
+        </p:spPr>
+        <p:style>
+          <a:lnRef idx="2">
+            <a:schemeClr val="accent1">
+              <a:shade val="15000"/>
+            </a:schemeClr>
+          </a:lnRef>
+          <a:fillRef idx="1">
+            <a:schemeClr val="accent1"/>
+          </a:fillRef>
+          <a:effectRef idx="0">
+            <a:schemeClr val="accent1"/>
+          </a:effectRef>
+          <a:fontRef idx="minor">
+            <a:schemeClr val="lt1"/>
+          </a:fontRef>
+        </p:style>
+        <p:txBody>
+          <a:bodyPr rtlCol="0" anchor="ctr"/>
+          <a:lstStyle/>
+          <a:p>
+            <a:pPr algn="ctr"/>
+            <a:r>
+              <a:rPr lang="en-US" b="1" dirty="0">
+                <a:latin typeface="Irish Grover" panose="02000000000000000000" pitchFamily="2" charset="0"/>
+                <a:cs typeface="Fredoka" pitchFamily="2" charset="-79"/>
+              </a:rPr>
+              <a:t>Unit 3</a:t>
+            </a:r>
+          </a:p>
+        </p:txBody>
+      </p:sp>
+      <p:sp>
+        <p:nvSpPr>
+          <p:cNvPr id="12" name="Rectangle: Rounded Corners 11">
+            <a:extLst>
+              <a:ext uri="{FF2B5EF4-FFF2-40B4-BE49-F238E27FC236}">
+                <a16:creationId xmlns:a16="http://schemas.microsoft.com/office/drawing/2014/main" id="{396909B1-5298-5B70-44CF-760BD5B5CCD3}"/>
+              </a:ext>
+            </a:extLst>
+          </p:cNvPr>
+          <p:cNvSpPr/>
+          <p:nvPr/>
+        </p:nvSpPr>
+        <p:spPr>
+          <a:xfrm>
+            <a:off x="520321" y="3991801"/>
+            <a:ext cx="3040381" cy="342900"/>
+          </a:xfrm>
+          <a:prstGeom prst="roundRect">
+            <a:avLst>
+              <a:gd name="adj" fmla="val 30000"/>
+            </a:avLst>
+          </a:prstGeom>
+          <a:solidFill>
+            <a:srgbClr val="E8D9C6"/>
+          </a:solidFill>
+          <a:ln w="28575">
+            <a:solidFill>
+              <a:srgbClr val="D4C1A9"/>
+            </a:solidFill>
+          </a:ln>
+        </p:spPr>
+        <p:style>
+          <a:lnRef idx="2">
+            <a:schemeClr val="accent1">
+              <a:shade val="15000"/>
+            </a:schemeClr>
+          </a:lnRef>
+          <a:fillRef idx="1">
+            <a:schemeClr val="accent1"/>
+          </a:fillRef>
+          <a:effectRef idx="0">
+            <a:schemeClr val="accent1"/>
+          </a:effectRef>
+          <a:fontRef idx="minor">
+            <a:schemeClr val="lt1"/>
+          </a:fontRef>
+        </p:style>
+        <p:txBody>
+          <a:bodyPr rtlCol="0" anchor="ctr"/>
+          <a:lstStyle/>
+          <a:p>
+            <a:pPr algn="ctr"/>
+            <a:r>
+              <a:rPr lang="en-US" b="1" dirty="0">
+                <a:latin typeface="Irish Grover" panose="02000000000000000000" pitchFamily="2" charset="0"/>
+                <a:cs typeface="Fredoka" pitchFamily="2" charset="-79"/>
+              </a:rPr>
+              <a:t>Unit 4</a:t>
+            </a:r>
+          </a:p>
+        </p:txBody>
+      </p:sp>
+      <p:sp>
+        <p:nvSpPr>
+          <p:cNvPr id="13" name="Rectangle: Rounded Corners 12">
+            <a:extLst>
+              <a:ext uri="{FF2B5EF4-FFF2-40B4-BE49-F238E27FC236}">
+                <a16:creationId xmlns:a16="http://schemas.microsoft.com/office/drawing/2014/main" id="{2A6FFBDF-ED3C-099A-DBC8-B04085E10388}"/>
+              </a:ext>
+            </a:extLst>
+          </p:cNvPr>
+          <p:cNvSpPr/>
+          <p:nvPr/>
+        </p:nvSpPr>
+        <p:spPr>
+          <a:xfrm>
+            <a:off x="520320" y="4477250"/>
+            <a:ext cx="3040381" cy="342900"/>
+          </a:xfrm>
+          <a:prstGeom prst="roundRect">
+            <a:avLst>
+              <a:gd name="adj" fmla="val 30000"/>
+            </a:avLst>
+          </a:prstGeom>
+          <a:solidFill>
+            <a:srgbClr val="E8D9C6"/>
+          </a:solidFill>
+          <a:ln w="28575">
+            <a:solidFill>
+              <a:srgbClr val="D4C1A9"/>
+            </a:solidFill>
+          </a:ln>
+        </p:spPr>
+        <p:style>
+          <a:lnRef idx="2">
+            <a:schemeClr val="accent1">
+              <a:shade val="15000"/>
+            </a:schemeClr>
+          </a:lnRef>
+          <a:fillRef idx="1">
+            <a:schemeClr val="accent1"/>
+          </a:fillRef>
+          <a:effectRef idx="0">
+            <a:schemeClr val="accent1"/>
+          </a:effectRef>
+          <a:fontRef idx="minor">
+            <a:schemeClr val="lt1"/>
+          </a:fontRef>
+        </p:style>
+        <p:txBody>
+          <a:bodyPr rtlCol="0" anchor="ctr"/>
+          <a:lstStyle/>
+          <a:p>
+            <a:pPr algn="ctr"/>
+            <a:r>
+              <a:rPr lang="en-US" b="1" dirty="0">
+                <a:latin typeface="Irish Grover" panose="02000000000000000000" pitchFamily="2" charset="0"/>
+                <a:cs typeface="Fredoka" pitchFamily="2" charset="-79"/>
+              </a:rPr>
+              <a:t>Unit 5</a:t>
+            </a:r>
+          </a:p>
+        </p:txBody>
+      </p:sp>
+      <p:sp>
+        <p:nvSpPr>
+          <p:cNvPr id="14" name="Rectangle: Rounded Corners 13">
+            <a:extLst>
+              <a:ext uri="{FF2B5EF4-FFF2-40B4-BE49-F238E27FC236}">
+                <a16:creationId xmlns:a16="http://schemas.microsoft.com/office/drawing/2014/main" id="{587BA026-6D3A-CBA8-DE72-E9BDD1239C7E}"/>
+              </a:ext>
+            </a:extLst>
+          </p:cNvPr>
+          <p:cNvSpPr/>
+          <p:nvPr/>
+        </p:nvSpPr>
+        <p:spPr>
+          <a:xfrm>
+            <a:off x="520320" y="4939659"/>
+            <a:ext cx="3040381" cy="342900"/>
+          </a:xfrm>
+          <a:prstGeom prst="roundRect">
+            <a:avLst>
+              <a:gd name="adj" fmla="val 30000"/>
+            </a:avLst>
+          </a:prstGeom>
+          <a:solidFill>
+            <a:srgbClr val="E8D9C6"/>
+          </a:solidFill>
+          <a:ln w="28575">
+            <a:solidFill>
+              <a:srgbClr val="D4C1A9"/>
+            </a:solidFill>
+          </a:ln>
+        </p:spPr>
+        <p:style>
+          <a:lnRef idx="2">
+            <a:schemeClr val="accent1">
+              <a:shade val="15000"/>
+            </a:schemeClr>
+          </a:lnRef>
+          <a:fillRef idx="1">
+            <a:schemeClr val="accent1"/>
+          </a:fillRef>
+          <a:effectRef idx="0">
+            <a:schemeClr val="accent1"/>
+          </a:effectRef>
+          <a:fontRef idx="minor">
+            <a:schemeClr val="lt1"/>
+          </a:fontRef>
+        </p:style>
+        <p:txBody>
+          <a:bodyPr rtlCol="0" anchor="ctr"/>
+          <a:lstStyle/>
+          <a:p>
+            <a:pPr algn="ctr"/>
+            <a:r>
+              <a:rPr lang="en-US" b="1" dirty="0">
+                <a:latin typeface="Irish Grover" panose="02000000000000000000" pitchFamily="2" charset="0"/>
+                <a:cs typeface="Fredoka" pitchFamily="2" charset="-79"/>
+              </a:rPr>
+              <a:t>Unit 6</a:t>
+            </a:r>
+          </a:p>
+        </p:txBody>
+      </p:sp>
+      <p:pic>
+        <p:nvPicPr>
+          <p:cNvPr id="15" name="Picture 14">
+            <a:hlinkClick r:id="rId3" action="ppaction://hlinksldjump"/>
+            <a:extLst>
+              <a:ext uri="{FF2B5EF4-FFF2-40B4-BE49-F238E27FC236}">
+                <a16:creationId xmlns:a16="http://schemas.microsoft.com/office/drawing/2014/main" id="{ED1EE867-3E42-BDBC-1D65-555CC3C87988}"/>
+              </a:ext>
+            </a:extLst>
+          </p:cNvPr>
+          <p:cNvPicPr>
+            <a:picLocks noChangeAspect="1"/>
+          </p:cNvPicPr>
+          <p:nvPr/>
+        </p:nvPicPr>
+        <p:blipFill>
+          <a:blip r:embed="rId4"/>
+          <a:stretch>
+            <a:fillRect/>
+          </a:stretch>
+        </p:blipFill>
+        <p:spPr>
+          <a:xfrm>
+            <a:off x="3459166" y="1419225"/>
+            <a:ext cx="459668" cy="459668"/>
+          </a:xfrm>
+          <a:prstGeom prst="rect">
+            <a:avLst/>
+          </a:prstGeom>
+        </p:spPr>
+      </p:pic>
+      <p:sp>
+        <p:nvSpPr>
+          <p:cNvPr id="17" name="Rectangle: Rounded Corners 16">
+            <a:extLst>
+              <a:ext uri="{FF2B5EF4-FFF2-40B4-BE49-F238E27FC236}">
+                <a16:creationId xmlns:a16="http://schemas.microsoft.com/office/drawing/2014/main" id="{392FA4B7-99CC-2D1C-CF35-A4BC59272408}"/>
+              </a:ext>
+            </a:extLst>
+          </p:cNvPr>
+          <p:cNvSpPr/>
+          <p:nvPr/>
+        </p:nvSpPr>
+        <p:spPr>
+          <a:xfrm>
+            <a:off x="520319" y="5402068"/>
+            <a:ext cx="3040381" cy="342900"/>
+          </a:xfrm>
+          <a:prstGeom prst="roundRect">
+            <a:avLst>
+              <a:gd name="adj" fmla="val 30000"/>
+            </a:avLst>
+          </a:prstGeom>
+          <a:solidFill>
+            <a:srgbClr val="E8D9C6"/>
+          </a:solidFill>
+          <a:ln w="28575">
+            <a:solidFill>
+              <a:srgbClr val="D4C1A9"/>
+            </a:solidFill>
+          </a:ln>
+        </p:spPr>
+        <p:style>
+          <a:lnRef idx="2">
+            <a:schemeClr val="accent1">
+              <a:shade val="15000"/>
+            </a:schemeClr>
+          </a:lnRef>
+          <a:fillRef idx="1">
+            <a:schemeClr val="accent1"/>
+          </a:fillRef>
+          <a:effectRef idx="0">
+            <a:schemeClr val="accent1"/>
+          </a:effectRef>
+          <a:fontRef idx="minor">
+            <a:schemeClr val="lt1"/>
+          </a:fontRef>
+        </p:style>
+        <p:txBody>
+          <a:bodyPr rtlCol="0" anchor="ctr"/>
+          <a:lstStyle/>
+          <a:p>
+            <a:pPr algn="ctr"/>
+            <a:r>
+              <a:rPr lang="en-US" b="1" dirty="0">
+                <a:latin typeface="Irish Grover" panose="02000000000000000000" pitchFamily="2" charset="0"/>
+                <a:cs typeface="Fredoka" pitchFamily="2" charset="-79"/>
+              </a:rPr>
+              <a:t>Unit 9</a:t>
+            </a:r>
+          </a:p>
+        </p:txBody>
+      </p:sp>
+      <p:sp>
+        <p:nvSpPr>
+          <p:cNvPr id="55" name="Rectangle: Rounded Corners 54">
+            <a:extLst>
+              <a:ext uri="{FF2B5EF4-FFF2-40B4-BE49-F238E27FC236}">
+                <a16:creationId xmlns:a16="http://schemas.microsoft.com/office/drawing/2014/main" id="{E0174464-EC8E-D9AA-5F36-CA5D392B878E}"/>
+              </a:ext>
+            </a:extLst>
+          </p:cNvPr>
+          <p:cNvSpPr/>
+          <p:nvPr/>
+        </p:nvSpPr>
+        <p:spPr>
+          <a:xfrm>
+            <a:off x="4394761" y="3088075"/>
+            <a:ext cx="3543301" cy="1126455"/>
+          </a:xfrm>
+          <a:prstGeom prst="roundRect">
+            <a:avLst>
+              <a:gd name="adj" fmla="val 50000"/>
+            </a:avLst>
+          </a:prstGeom>
+          <a:solidFill>
+            <a:srgbClr val="49BB92"/>
+          </a:solidFill>
+          <a:ln w="127000">
+            <a:solidFill>
+              <a:srgbClr val="006F96"/>
+            </a:solidFill>
+          </a:ln>
+          <a:effectLst/>
+        </p:spPr>
+        <p:style>
+          <a:lnRef idx="2">
+            <a:schemeClr val="accent1">
+              <a:shade val="15000"/>
+            </a:schemeClr>
+          </a:lnRef>
+          <a:fillRef idx="1">
+            <a:schemeClr val="accent1"/>
+          </a:fillRef>
+          <a:effectRef idx="0">
+            <a:schemeClr val="accent1"/>
+          </a:effectRef>
+          <a:fontRef idx="minor">
+            <a:schemeClr val="lt1"/>
+          </a:fontRef>
+        </p:style>
+        <p:txBody>
+          <a:bodyPr rtlCol="0" anchor="ctr"/>
+          <a:lstStyle/>
+          <a:p>
+            <a:pPr algn="ctr"/>
+            <a:endParaRPr lang="en-US" dirty="0"/>
+          </a:p>
+        </p:txBody>
+      </p:sp>
+      <p:sp>
+        <p:nvSpPr>
+          <p:cNvPr id="56" name="Rectangle: Rounded Corners 55">
+            <a:hlinkClick r:id="rId5" action="ppaction://hlinksldjump"/>
+            <a:extLst>
+              <a:ext uri="{FF2B5EF4-FFF2-40B4-BE49-F238E27FC236}">
+                <a16:creationId xmlns:a16="http://schemas.microsoft.com/office/drawing/2014/main" id="{864D54ED-07FD-3184-3779-BA534632D27E}"/>
+              </a:ext>
+            </a:extLst>
+          </p:cNvPr>
+          <p:cNvSpPr/>
+          <p:nvPr/>
+        </p:nvSpPr>
+        <p:spPr>
+          <a:xfrm>
+            <a:off x="4319220" y="3035335"/>
+            <a:ext cx="3543301" cy="1068035"/>
+          </a:xfrm>
+          <a:prstGeom prst="roundRect">
+            <a:avLst>
+              <a:gd name="adj" fmla="val 50000"/>
+            </a:avLst>
+          </a:prstGeom>
+          <a:solidFill>
+            <a:srgbClr val="00B0F0"/>
+          </a:solidFill>
+          <a:ln w="127000">
+            <a:solidFill>
+              <a:srgbClr val="00B0F0"/>
+            </a:solidFill>
+          </a:ln>
+          <a:effectLst/>
+        </p:spPr>
+        <p:style>
+          <a:lnRef idx="2">
+            <a:schemeClr val="accent1">
+              <a:shade val="15000"/>
+            </a:schemeClr>
+          </a:lnRef>
+          <a:fillRef idx="1">
+            <a:schemeClr val="accent1"/>
+          </a:fillRef>
+          <a:effectRef idx="0">
+            <a:schemeClr val="accent1"/>
+          </a:effectRef>
+          <a:fontRef idx="minor">
+            <a:schemeClr val="lt1"/>
+          </a:fontRef>
+        </p:style>
+        <p:txBody>
+          <a:bodyPr rtlCol="0" anchor="ctr"/>
+          <a:lstStyle/>
+          <a:p>
+            <a:pPr algn="ctr"/>
+            <a:endParaRPr lang="en-US" dirty="0"/>
+          </a:p>
+        </p:txBody>
+      </p:sp>
+      <p:sp>
+        <p:nvSpPr>
+          <p:cNvPr id="57" name="TextBox 56">
+            <a:hlinkClick r:id="rId5" action="ppaction://hlinksldjump"/>
+            <a:extLst>
+              <a:ext uri="{FF2B5EF4-FFF2-40B4-BE49-F238E27FC236}">
+                <a16:creationId xmlns:a16="http://schemas.microsoft.com/office/drawing/2014/main" id="{4B5572A9-0448-0A8F-7557-4D969BB88EDF}"/>
+              </a:ext>
+            </a:extLst>
+          </p:cNvPr>
+          <p:cNvSpPr txBox="1"/>
+          <p:nvPr/>
+        </p:nvSpPr>
+        <p:spPr>
+          <a:xfrm flipH="1">
+            <a:off x="4646220" y="3255355"/>
+            <a:ext cx="3040381" cy="584775"/>
+          </a:xfrm>
+          <a:prstGeom prst="rect">
+            <a:avLst/>
+          </a:prstGeom>
+          <a:noFill/>
+        </p:spPr>
+        <p:txBody>
+          <a:bodyPr wrap="square" rtlCol="0">
+            <a:spAutoFit/>
+          </a:bodyPr>
+          <a:lstStyle/>
+          <a:p>
+            <a:pPr algn="ctr"/>
+            <a:r>
+              <a:rPr lang="en-US" sz="3200" dirty="0">
+                <a:solidFill>
+                  <a:schemeClr val="bg1"/>
+                </a:solidFill>
+                <a:latin typeface="Cherry Bomb One" panose="02000000000000000000" pitchFamily="2" charset="-128"/>
+                <a:ea typeface="Cherry Bomb One" panose="02000000000000000000" pitchFamily="2" charset="-128"/>
+                <a:cs typeface="Fredoka" pitchFamily="2" charset="-79"/>
+              </a:rPr>
+              <a:t>Exercises</a:t>
+            </a:r>
+          </a:p>
+        </p:txBody>
+      </p:sp>
+      <p:sp>
+        <p:nvSpPr>
+          <p:cNvPr id="58" name="Rectangle: Rounded Corners 57">
+            <a:extLst>
+              <a:ext uri="{FF2B5EF4-FFF2-40B4-BE49-F238E27FC236}">
+                <a16:creationId xmlns:a16="http://schemas.microsoft.com/office/drawing/2014/main" id="{BCAA90B5-1BD8-C499-7530-FBA8117A32EC}"/>
+              </a:ext>
+            </a:extLst>
+          </p:cNvPr>
+          <p:cNvSpPr/>
+          <p:nvPr/>
+        </p:nvSpPr>
+        <p:spPr>
+          <a:xfrm>
+            <a:off x="8445118" y="3091455"/>
+            <a:ext cx="3543301" cy="1064655"/>
+          </a:xfrm>
+          <a:prstGeom prst="roundRect">
+            <a:avLst>
+              <a:gd name="adj" fmla="val 50000"/>
+            </a:avLst>
+          </a:prstGeom>
+          <a:solidFill>
+            <a:srgbClr val="49BB92"/>
+          </a:solidFill>
+          <a:ln w="127000">
+            <a:solidFill>
+              <a:srgbClr val="692C9C"/>
+            </a:solidFill>
+          </a:ln>
+          <a:effectLst/>
+        </p:spPr>
+        <p:style>
+          <a:lnRef idx="2">
+            <a:schemeClr val="accent1">
+              <a:shade val="15000"/>
+            </a:schemeClr>
+          </a:lnRef>
+          <a:fillRef idx="1">
+            <a:schemeClr val="accent1"/>
+          </a:fillRef>
+          <a:effectRef idx="0">
+            <a:schemeClr val="accent1"/>
+          </a:effectRef>
+          <a:fontRef idx="minor">
+            <a:schemeClr val="lt1"/>
+          </a:fontRef>
+        </p:style>
+        <p:txBody>
+          <a:bodyPr rtlCol="0" anchor="ctr"/>
+          <a:lstStyle/>
+          <a:p>
+            <a:pPr algn="ctr"/>
+            <a:endParaRPr lang="en-US" dirty="0"/>
+          </a:p>
+        </p:txBody>
+      </p:sp>
+      <p:sp>
+        <p:nvSpPr>
+          <p:cNvPr id="59" name="Rectangle: Rounded Corners 58">
+            <a:hlinkClick r:id="rId6" action="ppaction://hlinksldjump"/>
+            <a:extLst>
+              <a:ext uri="{FF2B5EF4-FFF2-40B4-BE49-F238E27FC236}">
+                <a16:creationId xmlns:a16="http://schemas.microsoft.com/office/drawing/2014/main" id="{97CEC341-0663-991A-7E39-0C4C98955CF3}"/>
+              </a:ext>
+            </a:extLst>
+          </p:cNvPr>
+          <p:cNvSpPr/>
+          <p:nvPr/>
+        </p:nvSpPr>
+        <p:spPr>
+          <a:xfrm>
+            <a:off x="8369577" y="3038715"/>
+            <a:ext cx="3543301" cy="1006235"/>
+          </a:xfrm>
+          <a:prstGeom prst="roundRect">
+            <a:avLst>
+              <a:gd name="adj" fmla="val 50000"/>
+            </a:avLst>
+          </a:prstGeom>
+          <a:solidFill>
+            <a:srgbClr val="9C5BD1"/>
+          </a:solidFill>
+          <a:ln w="127000">
+            <a:solidFill>
+              <a:srgbClr val="9C5BD1"/>
+            </a:solidFill>
+          </a:ln>
+          <a:effectLst/>
+        </p:spPr>
+        <p:style>
+          <a:lnRef idx="2">
+            <a:schemeClr val="accent1">
+              <a:shade val="15000"/>
+            </a:schemeClr>
+          </a:lnRef>
+          <a:fillRef idx="1">
+            <a:schemeClr val="accent1"/>
+          </a:fillRef>
+          <a:effectRef idx="0">
+            <a:schemeClr val="accent1"/>
+          </a:effectRef>
+          <a:fontRef idx="minor">
+            <a:schemeClr val="lt1"/>
+          </a:fontRef>
+        </p:style>
+        <p:txBody>
+          <a:bodyPr rtlCol="0" anchor="ctr"/>
+          <a:lstStyle/>
+          <a:p>
+            <a:pPr algn="ctr"/>
+            <a:endParaRPr lang="en-US" dirty="0"/>
+          </a:p>
+        </p:txBody>
+      </p:sp>
+      <p:sp>
+        <p:nvSpPr>
+          <p:cNvPr id="60" name="TextBox 59">
+            <a:hlinkClick r:id="rId6" action="ppaction://hlinksldjump"/>
+            <a:extLst>
+              <a:ext uri="{FF2B5EF4-FFF2-40B4-BE49-F238E27FC236}">
+                <a16:creationId xmlns:a16="http://schemas.microsoft.com/office/drawing/2014/main" id="{CAF3AA18-3C18-4777-67BE-EC5D592BC2BC}"/>
+              </a:ext>
+            </a:extLst>
+          </p:cNvPr>
+          <p:cNvSpPr txBox="1"/>
+          <p:nvPr/>
+        </p:nvSpPr>
+        <p:spPr>
+          <a:xfrm flipH="1">
+            <a:off x="8696577" y="3276964"/>
+            <a:ext cx="3040381" cy="584775"/>
+          </a:xfrm>
+          <a:prstGeom prst="rect">
+            <a:avLst/>
+          </a:prstGeom>
+          <a:noFill/>
+        </p:spPr>
+        <p:txBody>
+          <a:bodyPr wrap="square" rtlCol="0">
+            <a:spAutoFit/>
+          </a:bodyPr>
+          <a:lstStyle/>
+          <a:p>
+            <a:pPr algn="ctr"/>
+            <a:r>
+              <a:rPr lang="en-US" sz="3200" dirty="0">
+                <a:solidFill>
+                  <a:schemeClr val="bg1"/>
+                </a:solidFill>
+                <a:latin typeface="Cherry Bomb One" panose="02000000000000000000" pitchFamily="2" charset="-128"/>
+                <a:ea typeface="Cherry Bomb One" panose="02000000000000000000" pitchFamily="2" charset="-128"/>
+                <a:cs typeface="Fredoka" pitchFamily="2" charset="-79"/>
+              </a:rPr>
+              <a:t>Videos</a:t>
+            </a:r>
+          </a:p>
+        </p:txBody>
+      </p:sp>
+      <p:sp>
+        <p:nvSpPr>
+          <p:cNvPr id="63" name="TextBox 62">
+            <a:extLst>
+              <a:ext uri="{FF2B5EF4-FFF2-40B4-BE49-F238E27FC236}">
+                <a16:creationId xmlns:a16="http://schemas.microsoft.com/office/drawing/2014/main" id="{94AEAED4-91D2-2E48-C26D-682154209132}"/>
+              </a:ext>
+            </a:extLst>
+          </p:cNvPr>
+          <p:cNvSpPr txBox="1"/>
+          <p:nvPr/>
+        </p:nvSpPr>
+        <p:spPr>
+          <a:xfrm>
+            <a:off x="2873000" y="-6285875"/>
+            <a:ext cx="6445995" cy="1446550"/>
+          </a:xfrm>
+          <a:prstGeom prst="rect">
+            <a:avLst/>
+          </a:prstGeom>
+          <a:noFill/>
+        </p:spPr>
+        <p:txBody>
+          <a:bodyPr wrap="none" rtlCol="0">
+            <a:spAutoFit/>
+          </a:bodyPr>
+          <a:lstStyle/>
+          <a:p>
+            <a:pPr algn="ctr"/>
+            <a:r>
+              <a:rPr lang="en-US" sz="8800" dirty="0">
+                <a:solidFill>
+                  <a:schemeClr val="bg1"/>
+                </a:solidFill>
+                <a:latin typeface="OhChewy" panose="02000503050000020003" pitchFamily="2" charset="0"/>
+                <a:cs typeface="Fredoka" pitchFamily="2" charset="-79"/>
+              </a:rPr>
+              <a:t>Grade 5 English</a:t>
+            </a:r>
+          </a:p>
+        </p:txBody>
+      </p:sp>
+      <p:sp>
+        <p:nvSpPr>
+          <p:cNvPr id="64" name="TextBox 63">
+            <a:extLst>
+              <a:ext uri="{FF2B5EF4-FFF2-40B4-BE49-F238E27FC236}">
+                <a16:creationId xmlns:a16="http://schemas.microsoft.com/office/drawing/2014/main" id="{DEE4F736-0FDB-3FB1-EED2-A660D6B12420}"/>
+              </a:ext>
+            </a:extLst>
+          </p:cNvPr>
+          <p:cNvSpPr txBox="1"/>
+          <p:nvPr/>
+        </p:nvSpPr>
+        <p:spPr>
+          <a:xfrm>
+            <a:off x="2873000" y="57775"/>
+            <a:ext cx="6445995" cy="1446550"/>
+          </a:xfrm>
+          <a:prstGeom prst="rect">
+            <a:avLst/>
+          </a:prstGeom>
+          <a:noFill/>
+        </p:spPr>
+        <p:txBody>
+          <a:bodyPr wrap="none" rtlCol="0">
+            <a:spAutoFit/>
+          </a:bodyPr>
+          <a:lstStyle/>
+          <a:p>
+            <a:pPr algn="ctr"/>
+            <a:r>
+              <a:rPr lang="en-US" sz="8800" dirty="0">
+                <a:solidFill>
+                  <a:schemeClr val="bg1"/>
+                </a:solidFill>
+                <a:latin typeface="OhChewy" panose="02000503050000020003" pitchFamily="2" charset="0"/>
+                <a:cs typeface="Fredoka" pitchFamily="2" charset="-79"/>
+              </a:rPr>
+              <a:t>Grade 5 English</a:t>
+            </a:r>
+          </a:p>
+        </p:txBody>
+      </p:sp>
+    </p:spTree>
+    <p:extLst>
+      <p:ext uri="{BB962C8B-B14F-4D97-AF65-F5344CB8AC3E}">
+        <p14:creationId xmlns:p14="http://schemas.microsoft.com/office/powerpoint/2010/main" val="2230552935"/>
+      </p:ext>
+    </p:extLst>
+  </p:cSld>
+  <p:clrMapOvr>
+    <a:masterClrMapping/>
+  </p:clrMapOvr>
+  <mc:AlternateContent xmlns:mc="http://schemas.openxmlformats.org/markup-compatibility/2006">
+    <mc:Choice xmlns:p159="http://schemas.microsoft.com/office/powerpoint/2015/09/main" Requires="p159">
+      <p:transition xmlns:p14="http://schemas.microsoft.com/office/powerpoint/2010/main" spd="slow" p14:dur="800">
+        <p159:morph option="byObject"/>
+      </p:transition>
+    </mc:Choice>
+    <mc:Fallback>
+      <p:transition spd="slow">
+        <p:fade/>
+      </p:transition>
+    </mc:Fallback>
+  </mc:AlternateContent>
+</p:sld>
+</file>
+
+<file path=ppt/slides/slide8.xml><?xml version="1.0" encoding="utf-8"?>
+<p:sld xmlns:a="http://schemas.openxmlformats.org/drawingml/2006/main" xmlns:r="http://schemas.openxmlformats.org/officeDocument/2006/relationships" xmlns:p="http://schemas.openxmlformats.org/presentationml/2006/main">
+  <p:cSld>
+    <p:spTree>
+      <p:nvGrpSpPr>
+        <p:cNvPr id="1" name="">
+          <a:extLst>
+            <a:ext uri="{FF2B5EF4-FFF2-40B4-BE49-F238E27FC236}">
+              <a16:creationId xmlns:a16="http://schemas.microsoft.com/office/drawing/2014/main" id="{ECAE37CB-14FD-FCDA-0ED6-425AC00F089D}"/>
+            </a:ext>
+          </a:extLst>
+        </p:cNvPr>
+        <p:cNvGrpSpPr/>
+        <p:nvPr/>
+      </p:nvGrpSpPr>
+      <p:grpSpPr>
+        <a:xfrm>
+          <a:off x="0" y="0"/>
+          <a:ext cx="0" cy="0"/>
+          <a:chOff x="0" y="0"/>
+          <a:chExt cx="0" cy="0"/>
+        </a:xfrm>
+      </p:grpSpPr>
+      <p:pic>
+        <p:nvPicPr>
+          <p:cNvPr id="7" name="Picture 6" descr="Cartoon characters on a green field&#10;&#10;AI-generated content may be incorrect.">
+            <a:extLst>
+              <a:ext uri="{FF2B5EF4-FFF2-40B4-BE49-F238E27FC236}">
+                <a16:creationId xmlns:a16="http://schemas.microsoft.com/office/drawing/2014/main" id="{FBFD4D9D-2B20-17AF-64D7-363A33300E46}"/>
+              </a:ext>
+            </a:extLst>
+          </p:cNvPr>
+          <p:cNvPicPr>
+            <a:picLocks noChangeAspect="1"/>
+          </p:cNvPicPr>
+          <p:nvPr/>
+        </p:nvPicPr>
+        <p:blipFill>
+          <a:blip r:embed="rId2">
+            <a:extLst>
+              <a:ext uri="{28A0092B-C50C-407E-A947-70E740481C1C}">
+                <a14:useLocalDpi xmlns:a14="http://schemas.microsoft.com/office/drawing/2010/main" val="0"/>
+              </a:ext>
+            </a:extLst>
+          </a:blip>
+          <a:stretch>
+            <a:fillRect/>
+          </a:stretch>
+        </p:blipFill>
+        <p:spPr>
+          <a:xfrm>
+            <a:off x="-15240" y="-1280160"/>
+            <a:ext cx="12207240" cy="8138160"/>
+          </a:xfrm>
+          <a:prstGeom prst="rect">
+            <a:avLst/>
+          </a:prstGeom>
+        </p:spPr>
+      </p:pic>
+      <p:sp>
+        <p:nvSpPr>
+          <p:cNvPr id="9" name="Rectangle: Rounded Corners 8">
+            <a:extLst>
+              <a:ext uri="{FF2B5EF4-FFF2-40B4-BE49-F238E27FC236}">
+                <a16:creationId xmlns:a16="http://schemas.microsoft.com/office/drawing/2014/main" id="{D75ED1C2-B1B7-CBF7-B7E8-BA528D374B14}"/>
+              </a:ext>
+            </a:extLst>
+          </p:cNvPr>
+          <p:cNvSpPr/>
+          <p:nvPr/>
+        </p:nvSpPr>
+        <p:spPr>
+          <a:xfrm>
+            <a:off x="5059349" y="-3645988"/>
+            <a:ext cx="2058061" cy="584012"/>
+          </a:xfrm>
+          <a:prstGeom prst="roundRect">
+            <a:avLst>
+              <a:gd name="adj" fmla="val 50000"/>
+            </a:avLst>
+          </a:prstGeom>
+          <a:gradFill flip="none" rotWithShape="1">
+            <a:gsLst>
+              <a:gs pos="14000">
+                <a:srgbClr val="7BE753"/>
+              </a:gs>
+              <a:gs pos="100000">
+                <a:srgbClr val="279415"/>
+              </a:gs>
+            </a:gsLst>
+            <a:lin ang="2700000" scaled="1"/>
+            <a:tileRect/>
+          </a:gradFill>
+          <a:ln>
+            <a:solidFill>
+              <a:srgbClr val="279415"/>
+            </a:solidFill>
+          </a:ln>
+        </p:spPr>
+        <p:style>
+          <a:lnRef idx="2">
+            <a:schemeClr val="accent1">
+              <a:shade val="15000"/>
+            </a:schemeClr>
+          </a:lnRef>
+          <a:fillRef idx="1">
+            <a:schemeClr val="accent1"/>
+          </a:fillRef>
+          <a:effectRef idx="0">
+            <a:schemeClr val="accent1"/>
+          </a:effectRef>
+          <a:fontRef idx="minor">
+            <a:schemeClr val="lt1"/>
+          </a:fontRef>
+        </p:style>
+        <p:txBody>
+          <a:bodyPr rtlCol="0" anchor="ctr"/>
+          <a:lstStyle/>
+          <a:p>
+            <a:pPr algn="ctr"/>
+            <a:r>
+              <a:rPr lang="en-US" sz="2800" b="1" dirty="0">
+                <a:latin typeface="Fredoka" pitchFamily="2" charset="-79"/>
+                <a:cs typeface="Fredoka" pitchFamily="2" charset="-79"/>
+              </a:rPr>
+              <a:t>Start</a:t>
+            </a:r>
+            <a:endParaRPr lang="en-US" sz="3200" b="1" dirty="0">
+              <a:latin typeface="Fredoka" pitchFamily="2" charset="-79"/>
+              <a:cs typeface="Fredoka" pitchFamily="2" charset="-79"/>
+            </a:endParaRPr>
+          </a:p>
+        </p:txBody>
+      </p:sp>
+      <p:sp>
+        <p:nvSpPr>
+          <p:cNvPr id="18" name="Rectangle: Rounded Corners 17">
+            <a:extLst>
+              <a:ext uri="{FF2B5EF4-FFF2-40B4-BE49-F238E27FC236}">
+                <a16:creationId xmlns:a16="http://schemas.microsoft.com/office/drawing/2014/main" id="{99D9D35F-A72F-10F7-0AE3-5A7237525D42}"/>
+              </a:ext>
+            </a:extLst>
+          </p:cNvPr>
+          <p:cNvSpPr/>
+          <p:nvPr/>
+        </p:nvSpPr>
+        <p:spPr>
+          <a:xfrm>
+            <a:off x="4394761" y="1583125"/>
+            <a:ext cx="3543301" cy="4390392"/>
+          </a:xfrm>
+          <a:prstGeom prst="roundRect">
+            <a:avLst/>
+          </a:prstGeom>
+          <a:solidFill>
+            <a:srgbClr val="49BB92"/>
+          </a:solidFill>
+          <a:ln w="127000">
+            <a:solidFill>
+              <a:srgbClr val="006F96"/>
+            </a:solidFill>
+          </a:ln>
+          <a:effectLst/>
+        </p:spPr>
+        <p:style>
+          <a:lnRef idx="2">
+            <a:schemeClr val="accent1">
+              <a:shade val="15000"/>
+            </a:schemeClr>
+          </a:lnRef>
+          <a:fillRef idx="1">
+            <a:schemeClr val="accent1"/>
+          </a:fillRef>
+          <a:effectRef idx="0">
+            <a:schemeClr val="accent1"/>
+          </a:effectRef>
+          <a:fontRef idx="minor">
+            <a:schemeClr val="lt1"/>
+          </a:fontRef>
+        </p:style>
+        <p:txBody>
+          <a:bodyPr rtlCol="0" anchor="ctr"/>
+          <a:lstStyle/>
+          <a:p>
+            <a:pPr algn="ctr"/>
+            <a:endParaRPr lang="en-US" dirty="0"/>
+          </a:p>
+        </p:txBody>
+      </p:sp>
+      <p:sp>
+        <p:nvSpPr>
+          <p:cNvPr id="19" name="Rectangle: Rounded Corners 18">
+            <a:extLst>
+              <a:ext uri="{FF2B5EF4-FFF2-40B4-BE49-F238E27FC236}">
+                <a16:creationId xmlns:a16="http://schemas.microsoft.com/office/drawing/2014/main" id="{FC50299C-B669-BECA-9AA3-B1F701F7730E}"/>
+              </a:ext>
+            </a:extLst>
+          </p:cNvPr>
+          <p:cNvSpPr/>
+          <p:nvPr/>
+        </p:nvSpPr>
+        <p:spPr>
+          <a:xfrm>
+            <a:off x="4319220" y="1530385"/>
+            <a:ext cx="3543301" cy="4390392"/>
+          </a:xfrm>
+          <a:prstGeom prst="roundRect">
+            <a:avLst/>
+          </a:prstGeom>
+          <a:solidFill>
+            <a:srgbClr val="00B0F0"/>
+          </a:solidFill>
+          <a:ln w="127000">
+            <a:solidFill>
+              <a:srgbClr val="00B0F0"/>
+            </a:solidFill>
+          </a:ln>
+          <a:effectLst/>
+        </p:spPr>
+        <p:style>
+          <a:lnRef idx="2">
+            <a:schemeClr val="accent1">
+              <a:shade val="15000"/>
+            </a:schemeClr>
+          </a:lnRef>
+          <a:fillRef idx="1">
+            <a:schemeClr val="accent1"/>
+          </a:fillRef>
+          <a:effectRef idx="0">
+            <a:schemeClr val="accent1"/>
+          </a:effectRef>
+          <a:fontRef idx="minor">
+            <a:schemeClr val="lt1"/>
+          </a:fontRef>
+        </p:style>
+        <p:txBody>
+          <a:bodyPr rtlCol="0" anchor="ctr"/>
+          <a:lstStyle/>
+          <a:p>
+            <a:pPr algn="ctr"/>
+            <a:endParaRPr lang="en-US" dirty="0"/>
+          </a:p>
+        </p:txBody>
+      </p:sp>
+      <p:sp>
+        <p:nvSpPr>
+          <p:cNvPr id="20" name="Rectangle: Rounded Corners 19">
+            <a:extLst>
+              <a:ext uri="{FF2B5EF4-FFF2-40B4-BE49-F238E27FC236}">
+                <a16:creationId xmlns:a16="http://schemas.microsoft.com/office/drawing/2014/main" id="{F400C0BC-6D8C-EBA8-659B-B236B521A486}"/>
+              </a:ext>
+            </a:extLst>
+          </p:cNvPr>
+          <p:cNvSpPr/>
+          <p:nvPr/>
+        </p:nvSpPr>
+        <p:spPr>
+          <a:xfrm>
+            <a:off x="4319220" y="2220640"/>
+            <a:ext cx="3543301" cy="3428675"/>
+          </a:xfrm>
+          <a:prstGeom prst="roundRect">
+            <a:avLst/>
+          </a:prstGeom>
+          <a:solidFill>
+            <a:srgbClr val="F4F1EC"/>
+          </a:solidFill>
+          <a:ln w="127000">
+            <a:solidFill>
+              <a:srgbClr val="00B0F0"/>
+            </a:solidFill>
+          </a:ln>
+        </p:spPr>
+        <p:style>
+          <a:lnRef idx="2">
+            <a:schemeClr val="accent1">
+              <a:shade val="15000"/>
+            </a:schemeClr>
+          </a:lnRef>
+          <a:fillRef idx="1">
+            <a:schemeClr val="accent1"/>
+          </a:fillRef>
+          <a:effectRef idx="0">
+            <a:schemeClr val="accent1"/>
+          </a:effectRef>
+          <a:fontRef idx="minor">
+            <a:schemeClr val="lt1"/>
+          </a:fontRef>
+        </p:style>
+        <p:txBody>
+          <a:bodyPr rtlCol="0" anchor="ctr"/>
+          <a:lstStyle/>
+          <a:p>
+            <a:pPr algn="ctr"/>
+            <a:endParaRPr lang="en-US"/>
+          </a:p>
+        </p:txBody>
+      </p:sp>
+      <p:sp>
+        <p:nvSpPr>
+          <p:cNvPr id="21" name="TextBox 20">
+            <a:extLst>
+              <a:ext uri="{FF2B5EF4-FFF2-40B4-BE49-F238E27FC236}">
+                <a16:creationId xmlns:a16="http://schemas.microsoft.com/office/drawing/2014/main" id="{644C06BA-C5D2-1A02-1F54-74E319C63EAC}"/>
+              </a:ext>
+            </a:extLst>
+          </p:cNvPr>
+          <p:cNvSpPr txBox="1"/>
+          <p:nvPr/>
+        </p:nvSpPr>
+        <p:spPr>
+          <a:xfrm flipH="1">
+            <a:off x="4575809" y="1583125"/>
+            <a:ext cx="3040381" cy="584775"/>
+          </a:xfrm>
+          <a:prstGeom prst="rect">
+            <a:avLst/>
+          </a:prstGeom>
+          <a:noFill/>
+        </p:spPr>
+        <p:txBody>
+          <a:bodyPr wrap="square" rtlCol="0">
+            <a:spAutoFit/>
+          </a:bodyPr>
+          <a:lstStyle/>
+          <a:p>
+            <a:pPr algn="ctr"/>
+            <a:r>
+              <a:rPr lang="en-US" sz="3200" dirty="0">
+                <a:solidFill>
+                  <a:schemeClr val="bg1"/>
+                </a:solidFill>
+                <a:latin typeface="Cherry Bomb One" panose="02000000000000000000" pitchFamily="2" charset="-128"/>
+                <a:ea typeface="Cherry Bomb One" panose="02000000000000000000" pitchFamily="2" charset="-128"/>
+                <a:cs typeface="Fredoka" pitchFamily="2" charset="-79"/>
+              </a:rPr>
+              <a:t>Exercises</a:t>
+            </a:r>
+          </a:p>
+        </p:txBody>
+      </p:sp>
+      <p:sp>
+        <p:nvSpPr>
+          <p:cNvPr id="22" name="Rectangle: Rounded Corners 21">
+            <a:extLst>
+              <a:ext uri="{FF2B5EF4-FFF2-40B4-BE49-F238E27FC236}">
+                <a16:creationId xmlns:a16="http://schemas.microsoft.com/office/drawing/2014/main" id="{D09AA44F-90E8-890F-4CA8-E0D34BEA874E}"/>
+              </a:ext>
+            </a:extLst>
+          </p:cNvPr>
+          <p:cNvSpPr/>
+          <p:nvPr/>
+        </p:nvSpPr>
+        <p:spPr>
+          <a:xfrm>
+            <a:off x="4570679" y="2534639"/>
+            <a:ext cx="3040381" cy="342900"/>
+          </a:xfrm>
+          <a:prstGeom prst="roundRect">
+            <a:avLst>
+              <a:gd name="adj" fmla="val 30000"/>
+            </a:avLst>
+          </a:prstGeom>
+          <a:solidFill>
+            <a:srgbClr val="E8D9C6"/>
+          </a:solidFill>
+          <a:ln w="28575">
+            <a:solidFill>
+              <a:srgbClr val="D4C1A9"/>
+            </a:solidFill>
+          </a:ln>
+        </p:spPr>
+        <p:style>
+          <a:lnRef idx="2">
+            <a:schemeClr val="accent1">
+              <a:shade val="15000"/>
+            </a:schemeClr>
+          </a:lnRef>
+          <a:fillRef idx="1">
+            <a:schemeClr val="accent1"/>
+          </a:fillRef>
+          <a:effectRef idx="0">
+            <a:schemeClr val="accent1"/>
+          </a:effectRef>
+          <a:fontRef idx="minor">
+            <a:schemeClr val="lt1"/>
+          </a:fontRef>
+        </p:style>
+        <p:txBody>
+          <a:bodyPr rtlCol="0" anchor="ctr"/>
+          <a:lstStyle/>
+          <a:p>
+            <a:pPr algn="ctr"/>
+            <a:r>
+              <a:rPr lang="en-US" b="1" dirty="0">
+                <a:latin typeface="Irish Grover" panose="02000000000000000000" pitchFamily="2" charset="0"/>
+                <a:cs typeface="Fredoka" pitchFamily="2" charset="-79"/>
+              </a:rPr>
+              <a:t>Unit 1</a:t>
+            </a:r>
+          </a:p>
+        </p:txBody>
+      </p:sp>
+      <p:sp>
+        <p:nvSpPr>
+          <p:cNvPr id="23" name="Rectangle: Rounded Corners 22">
+            <a:extLst>
+              <a:ext uri="{FF2B5EF4-FFF2-40B4-BE49-F238E27FC236}">
+                <a16:creationId xmlns:a16="http://schemas.microsoft.com/office/drawing/2014/main" id="{D8863B06-CAA3-832A-F435-6BCB993091B0}"/>
+              </a:ext>
+            </a:extLst>
+          </p:cNvPr>
+          <p:cNvSpPr/>
+          <p:nvPr/>
+        </p:nvSpPr>
+        <p:spPr>
+          <a:xfrm>
+            <a:off x="4570679" y="3020088"/>
+            <a:ext cx="3040381" cy="342900"/>
+          </a:xfrm>
+          <a:prstGeom prst="roundRect">
+            <a:avLst>
+              <a:gd name="adj" fmla="val 30000"/>
+            </a:avLst>
+          </a:prstGeom>
+          <a:solidFill>
+            <a:srgbClr val="E8D9C6"/>
+          </a:solidFill>
+          <a:ln w="28575">
+            <a:solidFill>
+              <a:srgbClr val="D4C1A9"/>
+            </a:solidFill>
+          </a:ln>
+        </p:spPr>
+        <p:style>
+          <a:lnRef idx="2">
+            <a:schemeClr val="accent1">
+              <a:shade val="15000"/>
+            </a:schemeClr>
+          </a:lnRef>
+          <a:fillRef idx="1">
+            <a:schemeClr val="accent1"/>
+          </a:fillRef>
+          <a:effectRef idx="0">
+            <a:schemeClr val="accent1"/>
+          </a:effectRef>
+          <a:fontRef idx="minor">
+            <a:schemeClr val="lt1"/>
+          </a:fontRef>
+        </p:style>
+        <p:txBody>
+          <a:bodyPr rtlCol="0" anchor="ctr"/>
+          <a:lstStyle/>
+          <a:p>
+            <a:pPr algn="ctr"/>
+            <a:r>
+              <a:rPr lang="en-US" b="1" dirty="0">
+                <a:latin typeface="Irish Grover" panose="02000000000000000000" pitchFamily="2" charset="0"/>
+                <a:cs typeface="Fredoka" pitchFamily="2" charset="-79"/>
+              </a:rPr>
+              <a:t>Unit 2</a:t>
+            </a:r>
+          </a:p>
+        </p:txBody>
+      </p:sp>
+      <p:sp>
+        <p:nvSpPr>
+          <p:cNvPr id="24" name="Rectangle: Rounded Corners 23">
+            <a:extLst>
+              <a:ext uri="{FF2B5EF4-FFF2-40B4-BE49-F238E27FC236}">
+                <a16:creationId xmlns:a16="http://schemas.microsoft.com/office/drawing/2014/main" id="{87A6E2C7-9AF2-D503-66FB-3C8D3FDD580D}"/>
+              </a:ext>
+            </a:extLst>
+          </p:cNvPr>
+          <p:cNvSpPr/>
+          <p:nvPr/>
+        </p:nvSpPr>
+        <p:spPr>
+          <a:xfrm>
+            <a:off x="4570678" y="3506352"/>
+            <a:ext cx="3040381" cy="342900"/>
+          </a:xfrm>
+          <a:prstGeom prst="roundRect">
+            <a:avLst>
+              <a:gd name="adj" fmla="val 30000"/>
+            </a:avLst>
+          </a:prstGeom>
+          <a:solidFill>
+            <a:srgbClr val="E8D9C6"/>
+          </a:solidFill>
+          <a:ln w="28575">
+            <a:solidFill>
+              <a:srgbClr val="D4C1A9"/>
+            </a:solidFill>
+          </a:ln>
+        </p:spPr>
+        <p:style>
+          <a:lnRef idx="2">
+            <a:schemeClr val="accent1">
+              <a:shade val="15000"/>
+            </a:schemeClr>
+          </a:lnRef>
+          <a:fillRef idx="1">
+            <a:schemeClr val="accent1"/>
+          </a:fillRef>
+          <a:effectRef idx="0">
+            <a:schemeClr val="accent1"/>
+          </a:effectRef>
+          <a:fontRef idx="minor">
+            <a:schemeClr val="lt1"/>
+          </a:fontRef>
+        </p:style>
+        <p:txBody>
+          <a:bodyPr rtlCol="0" anchor="ctr"/>
+          <a:lstStyle/>
+          <a:p>
+            <a:pPr algn="ctr"/>
+            <a:r>
+              <a:rPr lang="en-US" b="1" dirty="0">
+                <a:latin typeface="Irish Grover" panose="02000000000000000000" pitchFamily="2" charset="0"/>
+                <a:cs typeface="Fredoka" pitchFamily="2" charset="-79"/>
+              </a:rPr>
+              <a:t>Unit 3</a:t>
+            </a:r>
+          </a:p>
+        </p:txBody>
+      </p:sp>
+      <p:sp>
+        <p:nvSpPr>
+          <p:cNvPr id="25" name="Rectangle: Rounded Corners 24">
+            <a:extLst>
+              <a:ext uri="{FF2B5EF4-FFF2-40B4-BE49-F238E27FC236}">
+                <a16:creationId xmlns:a16="http://schemas.microsoft.com/office/drawing/2014/main" id="{950D9CAA-4A01-F576-BF5D-B4C761D84255}"/>
+              </a:ext>
+            </a:extLst>
+          </p:cNvPr>
+          <p:cNvSpPr/>
+          <p:nvPr/>
+        </p:nvSpPr>
+        <p:spPr>
+          <a:xfrm>
+            <a:off x="4570677" y="3991801"/>
+            <a:ext cx="3040381" cy="342900"/>
+          </a:xfrm>
+          <a:prstGeom prst="roundRect">
+            <a:avLst>
+              <a:gd name="adj" fmla="val 30000"/>
+            </a:avLst>
+          </a:prstGeom>
+          <a:solidFill>
+            <a:srgbClr val="E8D9C6"/>
+          </a:solidFill>
+          <a:ln w="28575">
+            <a:solidFill>
+              <a:srgbClr val="D4C1A9"/>
+            </a:solidFill>
+          </a:ln>
+        </p:spPr>
+        <p:style>
+          <a:lnRef idx="2">
+            <a:schemeClr val="accent1">
+              <a:shade val="15000"/>
+            </a:schemeClr>
+          </a:lnRef>
+          <a:fillRef idx="1">
+            <a:schemeClr val="accent1"/>
+          </a:fillRef>
+          <a:effectRef idx="0">
+            <a:schemeClr val="accent1"/>
+          </a:effectRef>
+          <a:fontRef idx="minor">
+            <a:schemeClr val="lt1"/>
+          </a:fontRef>
+        </p:style>
+        <p:txBody>
+          <a:bodyPr rtlCol="0" anchor="ctr"/>
+          <a:lstStyle/>
+          <a:p>
+            <a:pPr algn="ctr"/>
+            <a:r>
+              <a:rPr lang="en-US" b="1" dirty="0">
+                <a:latin typeface="Irish Grover" panose="02000000000000000000" pitchFamily="2" charset="0"/>
+                <a:cs typeface="Fredoka" pitchFamily="2" charset="-79"/>
+              </a:rPr>
+              <a:t>Unit 4</a:t>
+            </a:r>
+          </a:p>
+        </p:txBody>
+      </p:sp>
+      <p:sp>
+        <p:nvSpPr>
+          <p:cNvPr id="26" name="Rectangle: Rounded Corners 25">
+            <a:extLst>
+              <a:ext uri="{FF2B5EF4-FFF2-40B4-BE49-F238E27FC236}">
+                <a16:creationId xmlns:a16="http://schemas.microsoft.com/office/drawing/2014/main" id="{01C172CD-46F2-523C-0494-2D5A25364276}"/>
+              </a:ext>
+            </a:extLst>
+          </p:cNvPr>
+          <p:cNvSpPr/>
+          <p:nvPr/>
+        </p:nvSpPr>
+        <p:spPr>
+          <a:xfrm>
+            <a:off x="4570676" y="4477250"/>
+            <a:ext cx="3040381" cy="342900"/>
+          </a:xfrm>
+          <a:prstGeom prst="roundRect">
+            <a:avLst>
+              <a:gd name="adj" fmla="val 30000"/>
+            </a:avLst>
+          </a:prstGeom>
+          <a:solidFill>
+            <a:srgbClr val="E8D9C6"/>
+          </a:solidFill>
+          <a:ln w="28575">
+            <a:solidFill>
+              <a:srgbClr val="D4C1A9"/>
+            </a:solidFill>
+          </a:ln>
+        </p:spPr>
+        <p:style>
+          <a:lnRef idx="2">
+            <a:schemeClr val="accent1">
+              <a:shade val="15000"/>
+            </a:schemeClr>
+          </a:lnRef>
+          <a:fillRef idx="1">
+            <a:schemeClr val="accent1"/>
+          </a:fillRef>
+          <a:effectRef idx="0">
+            <a:schemeClr val="accent1"/>
+          </a:effectRef>
+          <a:fontRef idx="minor">
+            <a:schemeClr val="lt1"/>
+          </a:fontRef>
+        </p:style>
+        <p:txBody>
+          <a:bodyPr rtlCol="0" anchor="ctr"/>
+          <a:lstStyle/>
+          <a:p>
+            <a:pPr algn="ctr"/>
+            <a:r>
+              <a:rPr lang="en-US" b="1" dirty="0">
+                <a:latin typeface="Irish Grover" panose="02000000000000000000" pitchFamily="2" charset="0"/>
+                <a:cs typeface="Fredoka" pitchFamily="2" charset="-79"/>
+              </a:rPr>
+              <a:t>Unit 5</a:t>
+            </a:r>
+          </a:p>
+        </p:txBody>
+      </p:sp>
+      <p:sp>
+        <p:nvSpPr>
+          <p:cNvPr id="27" name="Rectangle: Rounded Corners 26">
+            <a:extLst>
+              <a:ext uri="{FF2B5EF4-FFF2-40B4-BE49-F238E27FC236}">
+                <a16:creationId xmlns:a16="http://schemas.microsoft.com/office/drawing/2014/main" id="{5D481712-192A-0002-09AD-054E71A734D8}"/>
+              </a:ext>
+            </a:extLst>
+          </p:cNvPr>
+          <p:cNvSpPr/>
+          <p:nvPr/>
+        </p:nvSpPr>
+        <p:spPr>
+          <a:xfrm>
+            <a:off x="4570676" y="4939659"/>
+            <a:ext cx="3040381" cy="342900"/>
+          </a:xfrm>
+          <a:prstGeom prst="roundRect">
+            <a:avLst>
+              <a:gd name="adj" fmla="val 30000"/>
+            </a:avLst>
+          </a:prstGeom>
+          <a:solidFill>
+            <a:srgbClr val="E8D9C6"/>
+          </a:solidFill>
+          <a:ln w="28575">
+            <a:solidFill>
+              <a:srgbClr val="D4C1A9"/>
+            </a:solidFill>
+          </a:ln>
+        </p:spPr>
+        <p:style>
+          <a:lnRef idx="2">
+            <a:schemeClr val="accent1">
+              <a:shade val="15000"/>
+            </a:schemeClr>
+          </a:lnRef>
+          <a:fillRef idx="1">
+            <a:schemeClr val="accent1"/>
+          </a:fillRef>
+          <a:effectRef idx="0">
+            <a:schemeClr val="accent1"/>
+          </a:effectRef>
+          <a:fontRef idx="minor">
+            <a:schemeClr val="lt1"/>
+          </a:fontRef>
+        </p:style>
+        <p:txBody>
+          <a:bodyPr rtlCol="0" anchor="ctr"/>
+          <a:lstStyle/>
+          <a:p>
+            <a:pPr algn="ctr"/>
+            <a:r>
+              <a:rPr lang="en-US" b="1" dirty="0">
+                <a:latin typeface="Irish Grover" panose="02000000000000000000" pitchFamily="2" charset="0"/>
+                <a:cs typeface="Fredoka" pitchFamily="2" charset="-79"/>
+              </a:rPr>
+              <a:t>Unit 6</a:t>
+            </a:r>
+          </a:p>
+        </p:txBody>
+      </p:sp>
+      <p:pic>
+        <p:nvPicPr>
+          <p:cNvPr id="28" name="Picture 27">
+            <a:hlinkClick r:id="rId3" action="ppaction://hlinksldjump"/>
+            <a:extLst>
+              <a:ext uri="{FF2B5EF4-FFF2-40B4-BE49-F238E27FC236}">
+                <a16:creationId xmlns:a16="http://schemas.microsoft.com/office/drawing/2014/main" id="{FA60C6B6-374E-00EF-6188-DE4499E721FB}"/>
+              </a:ext>
+            </a:extLst>
+          </p:cNvPr>
+          <p:cNvPicPr>
+            <a:picLocks noChangeAspect="1"/>
+          </p:cNvPicPr>
+          <p:nvPr/>
+        </p:nvPicPr>
+        <p:blipFill>
+          <a:blip r:embed="rId4"/>
+          <a:stretch>
+            <a:fillRect/>
+          </a:stretch>
+        </p:blipFill>
+        <p:spPr>
+          <a:xfrm>
+            <a:off x="7509522" y="1419225"/>
+            <a:ext cx="459668" cy="459668"/>
+          </a:xfrm>
+          <a:prstGeom prst="rect">
+            <a:avLst/>
+          </a:prstGeom>
+        </p:spPr>
+      </p:pic>
+      <p:sp>
+        <p:nvSpPr>
+          <p:cNvPr id="51" name="Rectangle: Rounded Corners 50">
+            <a:extLst>
+              <a:ext uri="{FF2B5EF4-FFF2-40B4-BE49-F238E27FC236}">
+                <a16:creationId xmlns:a16="http://schemas.microsoft.com/office/drawing/2014/main" id="{0F66F0E5-32D7-43D4-6588-AD284B484D0B}"/>
+              </a:ext>
+            </a:extLst>
+          </p:cNvPr>
+          <p:cNvSpPr/>
+          <p:nvPr/>
+        </p:nvSpPr>
+        <p:spPr>
+          <a:xfrm>
+            <a:off x="344405" y="3088075"/>
+            <a:ext cx="3543301" cy="1068035"/>
+          </a:xfrm>
+          <a:prstGeom prst="roundRect">
+            <a:avLst>
+              <a:gd name="adj" fmla="val 50000"/>
+            </a:avLst>
+          </a:prstGeom>
+          <a:solidFill>
+            <a:srgbClr val="49BB92"/>
+          </a:solidFill>
+          <a:ln w="127000">
+            <a:solidFill>
+              <a:srgbClr val="33896A"/>
+            </a:solidFill>
+          </a:ln>
+          <a:effectLst/>
+        </p:spPr>
+        <p:style>
+          <a:lnRef idx="2">
+            <a:schemeClr val="accent1">
+              <a:shade val="15000"/>
+            </a:schemeClr>
+          </a:lnRef>
+          <a:fillRef idx="1">
+            <a:schemeClr val="accent1"/>
+          </a:fillRef>
+          <a:effectRef idx="0">
+            <a:schemeClr val="accent1"/>
+          </a:effectRef>
+          <a:fontRef idx="minor">
+            <a:schemeClr val="lt1"/>
+          </a:fontRef>
+        </p:style>
+        <p:txBody>
+          <a:bodyPr rtlCol="0" anchor="ctr"/>
+          <a:lstStyle/>
+          <a:p>
+            <a:pPr algn="ctr"/>
+            <a:endParaRPr lang="en-US" dirty="0"/>
+          </a:p>
+        </p:txBody>
+      </p:sp>
+      <p:sp>
+        <p:nvSpPr>
+          <p:cNvPr id="52" name="Rectangle: Rounded Corners 51">
+            <a:hlinkClick r:id="rId5" action="ppaction://hlinksldjump"/>
+            <a:extLst>
+              <a:ext uri="{FF2B5EF4-FFF2-40B4-BE49-F238E27FC236}">
+                <a16:creationId xmlns:a16="http://schemas.microsoft.com/office/drawing/2014/main" id="{900E173A-AEF5-D696-8DF3-4DBAA4243A73}"/>
+              </a:ext>
+            </a:extLst>
+          </p:cNvPr>
+          <p:cNvSpPr/>
+          <p:nvPr/>
+        </p:nvSpPr>
+        <p:spPr>
+          <a:xfrm>
+            <a:off x="268864" y="3035335"/>
+            <a:ext cx="3543301" cy="1009615"/>
+          </a:xfrm>
+          <a:prstGeom prst="roundRect">
+            <a:avLst>
+              <a:gd name="adj" fmla="val 50000"/>
+            </a:avLst>
+          </a:prstGeom>
+          <a:solidFill>
+            <a:srgbClr val="49BB92"/>
+          </a:solidFill>
+          <a:ln w="127000">
+            <a:solidFill>
+              <a:srgbClr val="49BB92"/>
+            </a:solidFill>
+          </a:ln>
+          <a:effectLst/>
+        </p:spPr>
+        <p:style>
+          <a:lnRef idx="2">
+            <a:schemeClr val="accent1">
+              <a:shade val="15000"/>
+            </a:schemeClr>
+          </a:lnRef>
+          <a:fillRef idx="1">
+            <a:schemeClr val="accent1"/>
+          </a:fillRef>
+          <a:effectRef idx="0">
+            <a:schemeClr val="accent1"/>
+          </a:effectRef>
+          <a:fontRef idx="minor">
+            <a:schemeClr val="lt1"/>
+          </a:fontRef>
+        </p:style>
+        <p:txBody>
+          <a:bodyPr rtlCol="0" anchor="ctr"/>
+          <a:lstStyle/>
+          <a:p>
+            <a:pPr algn="ctr"/>
+            <a:endParaRPr lang="en-US" dirty="0"/>
+          </a:p>
+        </p:txBody>
+      </p:sp>
+      <p:sp>
+        <p:nvSpPr>
+          <p:cNvPr id="53" name="TextBox 52">
+            <a:hlinkClick r:id="rId5" action="ppaction://hlinksldjump"/>
+            <a:extLst>
+              <a:ext uri="{FF2B5EF4-FFF2-40B4-BE49-F238E27FC236}">
+                <a16:creationId xmlns:a16="http://schemas.microsoft.com/office/drawing/2014/main" id="{1D37C8AE-01F7-B62B-86AB-27A83C4CB811}"/>
+              </a:ext>
+            </a:extLst>
+          </p:cNvPr>
+          <p:cNvSpPr txBox="1"/>
+          <p:nvPr/>
+        </p:nvSpPr>
+        <p:spPr>
+          <a:xfrm flipH="1">
+            <a:off x="594029" y="3202615"/>
+            <a:ext cx="3040381" cy="584775"/>
+          </a:xfrm>
+          <a:prstGeom prst="rect">
+            <a:avLst/>
+          </a:prstGeom>
+          <a:noFill/>
+        </p:spPr>
+        <p:txBody>
+          <a:bodyPr wrap="square" rtlCol="0">
+            <a:spAutoFit/>
+          </a:bodyPr>
+          <a:lstStyle/>
+          <a:p>
+            <a:pPr algn="ctr"/>
+            <a:r>
+              <a:rPr lang="en-US" sz="3200" dirty="0">
+                <a:solidFill>
+                  <a:schemeClr val="bg1"/>
+                </a:solidFill>
+                <a:latin typeface="Cherry Bomb One" panose="02000000000000000000" pitchFamily="2" charset="-128"/>
+                <a:ea typeface="Cherry Bomb One" panose="02000000000000000000" pitchFamily="2" charset="-128"/>
+                <a:cs typeface="Fredoka" pitchFamily="2" charset="-79"/>
+              </a:rPr>
+              <a:t>Chapters</a:t>
+            </a:r>
+          </a:p>
+        </p:txBody>
+      </p:sp>
+      <p:sp>
+        <p:nvSpPr>
+          <p:cNvPr id="54" name="Rectangle: Rounded Corners 53">
+            <a:extLst>
+              <a:ext uri="{FF2B5EF4-FFF2-40B4-BE49-F238E27FC236}">
+                <a16:creationId xmlns:a16="http://schemas.microsoft.com/office/drawing/2014/main" id="{4F42A79D-053B-5F85-5511-C4991F6E221A}"/>
+              </a:ext>
+            </a:extLst>
+          </p:cNvPr>
+          <p:cNvSpPr/>
+          <p:nvPr/>
+        </p:nvSpPr>
+        <p:spPr>
+          <a:xfrm>
+            <a:off x="8445118" y="3091455"/>
+            <a:ext cx="3543301" cy="1064655"/>
+          </a:xfrm>
+          <a:prstGeom prst="roundRect">
+            <a:avLst>
+              <a:gd name="adj" fmla="val 50000"/>
+            </a:avLst>
+          </a:prstGeom>
+          <a:solidFill>
+            <a:srgbClr val="49BB92"/>
+          </a:solidFill>
+          <a:ln w="127000">
+            <a:solidFill>
+              <a:srgbClr val="692C9C"/>
+            </a:solidFill>
+          </a:ln>
+          <a:effectLst/>
+        </p:spPr>
+        <p:style>
+          <a:lnRef idx="2">
+            <a:schemeClr val="accent1">
+              <a:shade val="15000"/>
+            </a:schemeClr>
+          </a:lnRef>
+          <a:fillRef idx="1">
+            <a:schemeClr val="accent1"/>
+          </a:fillRef>
+          <a:effectRef idx="0">
+            <a:schemeClr val="accent1"/>
+          </a:effectRef>
+          <a:fontRef idx="minor">
+            <a:schemeClr val="lt1"/>
+          </a:fontRef>
+        </p:style>
+        <p:txBody>
+          <a:bodyPr rtlCol="0" anchor="ctr"/>
+          <a:lstStyle/>
+          <a:p>
+            <a:pPr algn="ctr"/>
+            <a:endParaRPr lang="en-US" dirty="0"/>
+          </a:p>
+        </p:txBody>
+      </p:sp>
+      <p:sp>
+        <p:nvSpPr>
+          <p:cNvPr id="55" name="Rectangle: Rounded Corners 54">
+            <a:hlinkClick r:id="rId6" action="ppaction://hlinksldjump"/>
+            <a:extLst>
+              <a:ext uri="{FF2B5EF4-FFF2-40B4-BE49-F238E27FC236}">
+                <a16:creationId xmlns:a16="http://schemas.microsoft.com/office/drawing/2014/main" id="{0131D995-7C50-D8AD-DB0E-257F2E50D94F}"/>
+              </a:ext>
+            </a:extLst>
+          </p:cNvPr>
+          <p:cNvSpPr/>
+          <p:nvPr/>
+        </p:nvSpPr>
+        <p:spPr>
+          <a:xfrm>
+            <a:off x="8369577" y="3038715"/>
+            <a:ext cx="3543301" cy="1006235"/>
+          </a:xfrm>
+          <a:prstGeom prst="roundRect">
+            <a:avLst>
+              <a:gd name="adj" fmla="val 50000"/>
+            </a:avLst>
+          </a:prstGeom>
+          <a:solidFill>
+            <a:srgbClr val="9C5BD1"/>
+          </a:solidFill>
+          <a:ln w="127000">
+            <a:solidFill>
+              <a:srgbClr val="9C5BD1"/>
+            </a:solidFill>
+          </a:ln>
+          <a:effectLst/>
+        </p:spPr>
+        <p:style>
+          <a:lnRef idx="2">
+            <a:schemeClr val="accent1">
+              <a:shade val="15000"/>
+            </a:schemeClr>
+          </a:lnRef>
+          <a:fillRef idx="1">
+            <a:schemeClr val="accent1"/>
+          </a:fillRef>
+          <a:effectRef idx="0">
+            <a:schemeClr val="accent1"/>
+          </a:effectRef>
+          <a:fontRef idx="minor">
+            <a:schemeClr val="lt1"/>
+          </a:fontRef>
+        </p:style>
+        <p:txBody>
+          <a:bodyPr rtlCol="0" anchor="ctr"/>
+          <a:lstStyle/>
+          <a:p>
+            <a:pPr algn="ctr"/>
+            <a:endParaRPr lang="en-US" dirty="0"/>
+          </a:p>
+        </p:txBody>
+      </p:sp>
+      <p:sp>
+        <p:nvSpPr>
+          <p:cNvPr id="56" name="TextBox 55">
+            <a:hlinkClick r:id="rId6" action="ppaction://hlinksldjump"/>
+            <a:extLst>
+              <a:ext uri="{FF2B5EF4-FFF2-40B4-BE49-F238E27FC236}">
+                <a16:creationId xmlns:a16="http://schemas.microsoft.com/office/drawing/2014/main" id="{64EF4E2D-2F7C-7C73-34B6-94B5F6332FE2}"/>
+              </a:ext>
+            </a:extLst>
+          </p:cNvPr>
+          <p:cNvSpPr txBox="1"/>
+          <p:nvPr/>
+        </p:nvSpPr>
+        <p:spPr>
+          <a:xfrm flipH="1">
+            <a:off x="8696577" y="3276964"/>
+            <a:ext cx="3040381" cy="584775"/>
+          </a:xfrm>
+          <a:prstGeom prst="rect">
+            <a:avLst/>
+          </a:prstGeom>
+          <a:noFill/>
+        </p:spPr>
+        <p:txBody>
+          <a:bodyPr wrap="square" rtlCol="0">
+            <a:spAutoFit/>
+          </a:bodyPr>
+          <a:lstStyle/>
+          <a:p>
+            <a:pPr algn="ctr"/>
+            <a:r>
+              <a:rPr lang="en-US" sz="3200" dirty="0">
+                <a:solidFill>
+                  <a:schemeClr val="bg1"/>
+                </a:solidFill>
+                <a:latin typeface="Cherry Bomb One" panose="02000000000000000000" pitchFamily="2" charset="-128"/>
+                <a:ea typeface="Cherry Bomb One" panose="02000000000000000000" pitchFamily="2" charset="-128"/>
+                <a:cs typeface="Fredoka" pitchFamily="2" charset="-79"/>
+              </a:rPr>
+              <a:t>Videos</a:t>
+            </a:r>
+          </a:p>
+        </p:txBody>
+      </p:sp>
+      <p:sp>
+        <p:nvSpPr>
+          <p:cNvPr id="57" name="TextBox 56">
+            <a:extLst>
+              <a:ext uri="{FF2B5EF4-FFF2-40B4-BE49-F238E27FC236}">
+                <a16:creationId xmlns:a16="http://schemas.microsoft.com/office/drawing/2014/main" id="{8377E177-DD43-878F-D5D5-704108869B39}"/>
+              </a:ext>
+            </a:extLst>
+          </p:cNvPr>
+          <p:cNvSpPr txBox="1"/>
+          <p:nvPr/>
+        </p:nvSpPr>
+        <p:spPr>
+          <a:xfrm>
+            <a:off x="2873000" y="-6285875"/>
+            <a:ext cx="6445995" cy="1446550"/>
+          </a:xfrm>
+          <a:prstGeom prst="rect">
+            <a:avLst/>
+          </a:prstGeom>
+          <a:noFill/>
+        </p:spPr>
+        <p:txBody>
+          <a:bodyPr wrap="none" rtlCol="0">
+            <a:spAutoFit/>
+          </a:bodyPr>
+          <a:lstStyle/>
+          <a:p>
+            <a:pPr algn="ctr"/>
+            <a:r>
+              <a:rPr lang="en-US" sz="8800" dirty="0">
+                <a:solidFill>
+                  <a:schemeClr val="bg1"/>
+                </a:solidFill>
+                <a:latin typeface="OhChewy" panose="02000503050000020003" pitchFamily="2" charset="0"/>
+                <a:cs typeface="Fredoka" pitchFamily="2" charset="-79"/>
+              </a:rPr>
+              <a:t>Grade 5 English</a:t>
+            </a:r>
+          </a:p>
+        </p:txBody>
+      </p:sp>
+      <p:sp>
+        <p:nvSpPr>
+          <p:cNvPr id="60" name="TextBox 59">
+            <a:extLst>
+              <a:ext uri="{FF2B5EF4-FFF2-40B4-BE49-F238E27FC236}">
+                <a16:creationId xmlns:a16="http://schemas.microsoft.com/office/drawing/2014/main" id="{02F1010E-6CEB-8E5A-04A1-949D68E35FCA}"/>
+              </a:ext>
+            </a:extLst>
+          </p:cNvPr>
+          <p:cNvSpPr txBox="1"/>
+          <p:nvPr/>
+        </p:nvSpPr>
+        <p:spPr>
+          <a:xfrm>
+            <a:off x="2873000" y="57775"/>
+            <a:ext cx="6445995" cy="1446550"/>
+          </a:xfrm>
+          <a:prstGeom prst="rect">
+            <a:avLst/>
+          </a:prstGeom>
+          <a:noFill/>
+        </p:spPr>
+        <p:txBody>
+          <a:bodyPr wrap="none" rtlCol="0">
+            <a:spAutoFit/>
+          </a:bodyPr>
+          <a:lstStyle/>
+          <a:p>
+            <a:pPr algn="ctr"/>
+            <a:r>
+              <a:rPr lang="en-US" sz="8800" dirty="0">
+                <a:solidFill>
+                  <a:schemeClr val="bg1"/>
+                </a:solidFill>
+                <a:latin typeface="OhChewy" panose="02000503050000020003" pitchFamily="2" charset="0"/>
+                <a:cs typeface="Fredoka" pitchFamily="2" charset="-79"/>
+              </a:rPr>
+              <a:t>Grade 5 English</a:t>
+            </a:r>
+          </a:p>
+        </p:txBody>
+      </p:sp>
+    </p:spTree>
+    <p:extLst>
+      <p:ext uri="{BB962C8B-B14F-4D97-AF65-F5344CB8AC3E}">
+        <p14:creationId xmlns:p14="http://schemas.microsoft.com/office/powerpoint/2010/main" val="3328242863"/>
+      </p:ext>
+    </p:extLst>
+  </p:cSld>
+  <p:clrMapOvr>
+    <a:masterClrMapping/>
+  </p:clrMapOvr>
+  <mc:AlternateContent xmlns:mc="http://schemas.openxmlformats.org/markup-compatibility/2006">
+    <mc:Choice xmlns:p159="http://schemas.microsoft.com/office/powerpoint/2015/09/main" Requires="p159">
+      <p:transition xmlns:p14="http://schemas.microsoft.com/office/powerpoint/2010/main" spd="slow" p14:dur="800">
+        <p159:morph option="byObject"/>
+      </p:transition>
+    </mc:Choice>
+    <mc:Fallback>
+      <p:transition spd="slow">
+        <p:fade/>
+      </p:transition>
+    </mc:Fallback>
+  </mc:AlternateContent>
+</p:sld>
+</file>
+
+<file path=ppt/slides/slide9.xml><?xml version="1.0" encoding="utf-8"?>
+<p:sld xmlns:a="http://schemas.openxmlformats.org/drawingml/2006/main" xmlns:r="http://schemas.openxmlformats.org/officeDocument/2006/relationships" xmlns:p="http://schemas.openxmlformats.org/presentationml/2006/main">
+  <p:cSld>
+    <p:spTree>
+      <p:nvGrpSpPr>
+        <p:cNvPr id="1" name="">
+          <a:extLst>
+            <a:ext uri="{FF2B5EF4-FFF2-40B4-BE49-F238E27FC236}">
+              <a16:creationId xmlns:a16="http://schemas.microsoft.com/office/drawing/2014/main" id="{65A5EAD7-3D33-164A-5ED8-8D343932A1CC}"/>
+            </a:ext>
+          </a:extLst>
+        </p:cNvPr>
+        <p:cNvGrpSpPr/>
+        <p:nvPr/>
+      </p:nvGrpSpPr>
+      <p:grpSpPr>
+        <a:xfrm>
+          <a:off x="0" y="0"/>
+          <a:ext cx="0" cy="0"/>
+          <a:chOff x="0" y="0"/>
+          <a:chExt cx="0" cy="0"/>
+        </a:xfrm>
+      </p:grpSpPr>
+      <p:pic>
+        <p:nvPicPr>
+          <p:cNvPr id="7" name="Picture 6" descr="Cartoon characters on a green field&#10;&#10;AI-generated content may be incorrect.">
+            <a:extLst>
+              <a:ext uri="{FF2B5EF4-FFF2-40B4-BE49-F238E27FC236}">
+                <a16:creationId xmlns:a16="http://schemas.microsoft.com/office/drawing/2014/main" id="{ECD6D728-33D6-13A1-0E8E-AA29025862FD}"/>
+              </a:ext>
+            </a:extLst>
+          </p:cNvPr>
+          <p:cNvPicPr>
+            <a:picLocks noChangeAspect="1"/>
+          </p:cNvPicPr>
+          <p:nvPr/>
+        </p:nvPicPr>
+        <p:blipFill>
+          <a:blip r:embed="rId2">
+            <a:extLst>
+              <a:ext uri="{28A0092B-C50C-407E-A947-70E740481C1C}">
+                <a14:useLocalDpi xmlns:a14="http://schemas.microsoft.com/office/drawing/2010/main" val="0"/>
+              </a:ext>
+            </a:extLst>
+          </a:blip>
+          <a:stretch>
+            <a:fillRect/>
+          </a:stretch>
+        </p:blipFill>
+        <p:spPr>
+          <a:xfrm>
+            <a:off x="-15240" y="-1280160"/>
+            <a:ext cx="12207240" cy="8138160"/>
+          </a:xfrm>
+          <a:prstGeom prst="rect">
+            <a:avLst/>
+          </a:prstGeom>
+        </p:spPr>
+      </p:pic>
+      <p:sp>
+        <p:nvSpPr>
+          <p:cNvPr id="9" name="Rectangle: Rounded Corners 8">
+            <a:extLst>
+              <a:ext uri="{FF2B5EF4-FFF2-40B4-BE49-F238E27FC236}">
+                <a16:creationId xmlns:a16="http://schemas.microsoft.com/office/drawing/2014/main" id="{9C745CBB-D1F7-989D-5D5F-1E3463827F4A}"/>
+              </a:ext>
+            </a:extLst>
+          </p:cNvPr>
+          <p:cNvSpPr/>
+          <p:nvPr/>
+        </p:nvSpPr>
+        <p:spPr>
+          <a:xfrm>
+            <a:off x="5059349" y="-3645988"/>
+            <a:ext cx="2058061" cy="584012"/>
+          </a:xfrm>
+          <a:prstGeom prst="roundRect">
+            <a:avLst>
+              <a:gd name="adj" fmla="val 50000"/>
+            </a:avLst>
+          </a:prstGeom>
+          <a:gradFill flip="none" rotWithShape="1">
+            <a:gsLst>
+              <a:gs pos="14000">
+                <a:srgbClr val="7BE753"/>
+              </a:gs>
+              <a:gs pos="100000">
+                <a:srgbClr val="279415"/>
+              </a:gs>
+            </a:gsLst>
+            <a:lin ang="2700000" scaled="1"/>
+            <a:tileRect/>
+          </a:gradFill>
+          <a:ln>
+            <a:solidFill>
+              <a:srgbClr val="279415"/>
+            </a:solidFill>
+          </a:ln>
+        </p:spPr>
+        <p:style>
+          <a:lnRef idx="2">
+            <a:schemeClr val="accent1">
+              <a:shade val="15000"/>
+            </a:schemeClr>
+          </a:lnRef>
+          <a:fillRef idx="1">
+            <a:schemeClr val="accent1"/>
+          </a:fillRef>
+          <a:effectRef idx="0">
+            <a:schemeClr val="accent1"/>
+          </a:effectRef>
+          <a:fontRef idx="minor">
+            <a:schemeClr val="lt1"/>
+          </a:fontRef>
+        </p:style>
+        <p:txBody>
+          <a:bodyPr rtlCol="0" anchor="ctr"/>
+          <a:lstStyle/>
+          <a:p>
+            <a:pPr algn="ctr"/>
+            <a:r>
+              <a:rPr lang="en-US" sz="2800" b="1" dirty="0">
+                <a:latin typeface="Fredoka" pitchFamily="2" charset="-79"/>
+                <a:cs typeface="Fredoka" pitchFamily="2" charset="-79"/>
+              </a:rPr>
+              <a:t>Start</a:t>
+            </a:r>
+            <a:endParaRPr lang="en-US" sz="3200" b="1" dirty="0">
+              <a:latin typeface="Fredoka" pitchFamily="2" charset="-79"/>
+              <a:cs typeface="Fredoka" pitchFamily="2" charset="-79"/>
+            </a:endParaRPr>
+          </a:p>
+        </p:txBody>
+      </p:sp>
+      <p:sp>
+        <p:nvSpPr>
+          <p:cNvPr id="29" name="Rectangle: Rounded Corners 28">
+            <a:extLst>
+              <a:ext uri="{FF2B5EF4-FFF2-40B4-BE49-F238E27FC236}">
+                <a16:creationId xmlns:a16="http://schemas.microsoft.com/office/drawing/2014/main" id="{D8B55262-02E6-4975-7731-C22087CC40B1}"/>
+              </a:ext>
+            </a:extLst>
+          </p:cNvPr>
+          <p:cNvSpPr/>
+          <p:nvPr/>
+        </p:nvSpPr>
+        <p:spPr>
+          <a:xfrm>
+            <a:off x="8445118" y="1586505"/>
+            <a:ext cx="3543301" cy="4390392"/>
+          </a:xfrm>
+          <a:prstGeom prst="roundRect">
+            <a:avLst/>
+          </a:prstGeom>
+          <a:solidFill>
+            <a:srgbClr val="49BB92"/>
+          </a:solidFill>
+          <a:ln w="127000">
+            <a:solidFill>
+              <a:srgbClr val="692C9C"/>
+            </a:solidFill>
+          </a:ln>
+          <a:effectLst/>
+        </p:spPr>
+        <p:style>
+          <a:lnRef idx="2">
+            <a:schemeClr val="accent1">
+              <a:shade val="15000"/>
+            </a:schemeClr>
+          </a:lnRef>
+          <a:fillRef idx="1">
+            <a:schemeClr val="accent1"/>
+          </a:fillRef>
+          <a:effectRef idx="0">
+            <a:schemeClr val="accent1"/>
+          </a:effectRef>
+          <a:fontRef idx="minor">
+            <a:schemeClr val="lt1"/>
+          </a:fontRef>
+        </p:style>
+        <p:txBody>
+          <a:bodyPr rtlCol="0" anchor="ctr"/>
+          <a:lstStyle/>
+          <a:p>
+            <a:pPr algn="ctr"/>
+            <a:endParaRPr lang="en-US" dirty="0"/>
+          </a:p>
+        </p:txBody>
+      </p:sp>
+      <p:sp>
+        <p:nvSpPr>
+          <p:cNvPr id="30" name="Rectangle: Rounded Corners 29">
+            <a:extLst>
+              <a:ext uri="{FF2B5EF4-FFF2-40B4-BE49-F238E27FC236}">
+                <a16:creationId xmlns:a16="http://schemas.microsoft.com/office/drawing/2014/main" id="{505A1106-C318-3483-F218-2865E70346D3}"/>
+              </a:ext>
+            </a:extLst>
+          </p:cNvPr>
+          <p:cNvSpPr/>
+          <p:nvPr/>
+        </p:nvSpPr>
+        <p:spPr>
+          <a:xfrm>
+            <a:off x="8369577" y="1533765"/>
+            <a:ext cx="3543301" cy="4390392"/>
+          </a:xfrm>
+          <a:prstGeom prst="roundRect">
+            <a:avLst/>
+          </a:prstGeom>
+          <a:solidFill>
+            <a:srgbClr val="9C5BD1"/>
+          </a:solidFill>
+          <a:ln w="127000">
+            <a:solidFill>
+              <a:srgbClr val="9C5BD1"/>
+            </a:solidFill>
+          </a:ln>
+          <a:effectLst/>
+        </p:spPr>
+        <p:style>
+          <a:lnRef idx="2">
+            <a:schemeClr val="accent1">
+              <a:shade val="15000"/>
+            </a:schemeClr>
+          </a:lnRef>
+          <a:fillRef idx="1">
+            <a:schemeClr val="accent1"/>
+          </a:fillRef>
+          <a:effectRef idx="0">
+            <a:schemeClr val="accent1"/>
+          </a:effectRef>
+          <a:fontRef idx="minor">
+            <a:schemeClr val="lt1"/>
+          </a:fontRef>
+        </p:style>
+        <p:txBody>
+          <a:bodyPr rtlCol="0" anchor="ctr"/>
+          <a:lstStyle/>
+          <a:p>
+            <a:pPr algn="ctr"/>
+            <a:endParaRPr lang="en-US" dirty="0"/>
+          </a:p>
+        </p:txBody>
+      </p:sp>
+      <p:sp>
+        <p:nvSpPr>
+          <p:cNvPr id="31" name="Rectangle: Rounded Corners 30">
+            <a:extLst>
+              <a:ext uri="{FF2B5EF4-FFF2-40B4-BE49-F238E27FC236}">
+                <a16:creationId xmlns:a16="http://schemas.microsoft.com/office/drawing/2014/main" id="{7A8CFB9D-75AF-1D01-3B62-29A1CC97596C}"/>
+              </a:ext>
+            </a:extLst>
+          </p:cNvPr>
+          <p:cNvSpPr/>
+          <p:nvPr/>
+        </p:nvSpPr>
+        <p:spPr>
+          <a:xfrm>
+            <a:off x="8369577" y="2224020"/>
+            <a:ext cx="3543301" cy="3428675"/>
+          </a:xfrm>
+          <a:prstGeom prst="roundRect">
+            <a:avLst/>
+          </a:prstGeom>
+          <a:solidFill>
+            <a:srgbClr val="F4F1EC"/>
+          </a:solidFill>
+          <a:ln w="127000">
+            <a:solidFill>
+              <a:srgbClr val="9C5BD1"/>
+            </a:solidFill>
+          </a:ln>
+        </p:spPr>
+        <p:style>
+          <a:lnRef idx="2">
+            <a:schemeClr val="accent1">
+              <a:shade val="15000"/>
+            </a:schemeClr>
+          </a:lnRef>
+          <a:fillRef idx="1">
+            <a:schemeClr val="accent1"/>
+          </a:fillRef>
+          <a:effectRef idx="0">
+            <a:schemeClr val="accent1"/>
+          </a:effectRef>
+          <a:fontRef idx="minor">
+            <a:schemeClr val="lt1"/>
+          </a:fontRef>
+        </p:style>
+        <p:txBody>
+          <a:bodyPr rtlCol="0" anchor="ctr"/>
+          <a:lstStyle/>
+          <a:p>
+            <a:pPr algn="ctr"/>
+            <a:endParaRPr lang="en-US"/>
+          </a:p>
+        </p:txBody>
+      </p:sp>
+      <p:sp>
+        <p:nvSpPr>
+          <p:cNvPr id="32" name="TextBox 31">
+            <a:extLst>
+              <a:ext uri="{FF2B5EF4-FFF2-40B4-BE49-F238E27FC236}">
+                <a16:creationId xmlns:a16="http://schemas.microsoft.com/office/drawing/2014/main" id="{53527821-D76A-C14C-646F-DAF6DF1073AE}"/>
+              </a:ext>
+            </a:extLst>
+          </p:cNvPr>
+          <p:cNvSpPr txBox="1"/>
+          <p:nvPr/>
+        </p:nvSpPr>
+        <p:spPr>
+          <a:xfrm flipH="1">
+            <a:off x="8626166" y="1586505"/>
+            <a:ext cx="3040381" cy="584775"/>
+          </a:xfrm>
+          <a:prstGeom prst="rect">
+            <a:avLst/>
+          </a:prstGeom>
+          <a:noFill/>
+        </p:spPr>
+        <p:txBody>
+          <a:bodyPr wrap="square" rtlCol="0">
+            <a:spAutoFit/>
+          </a:bodyPr>
+          <a:lstStyle/>
+          <a:p>
+            <a:pPr algn="ctr"/>
+            <a:r>
+              <a:rPr lang="en-US" sz="3200" dirty="0">
+                <a:solidFill>
+                  <a:schemeClr val="bg1"/>
+                </a:solidFill>
+                <a:latin typeface="Cherry Bomb One" panose="02000000000000000000" pitchFamily="2" charset="-128"/>
+                <a:ea typeface="Cherry Bomb One" panose="02000000000000000000" pitchFamily="2" charset="-128"/>
+                <a:cs typeface="Fredoka" pitchFamily="2" charset="-79"/>
+              </a:rPr>
+              <a:t>Videos</a:t>
+            </a:r>
+          </a:p>
+        </p:txBody>
+      </p:sp>
+      <p:sp>
+        <p:nvSpPr>
+          <p:cNvPr id="33" name="Rectangle: Rounded Corners 32">
+            <a:extLst>
+              <a:ext uri="{FF2B5EF4-FFF2-40B4-BE49-F238E27FC236}">
+                <a16:creationId xmlns:a16="http://schemas.microsoft.com/office/drawing/2014/main" id="{FF489E9D-0260-F5C2-7C42-6C626E0137C6}"/>
+              </a:ext>
+            </a:extLst>
+          </p:cNvPr>
+          <p:cNvSpPr/>
+          <p:nvPr/>
+        </p:nvSpPr>
+        <p:spPr>
+          <a:xfrm>
+            <a:off x="8621036" y="2538019"/>
+            <a:ext cx="3040381" cy="342900"/>
+          </a:xfrm>
+          <a:prstGeom prst="roundRect">
+            <a:avLst>
+              <a:gd name="adj" fmla="val 30000"/>
+            </a:avLst>
+          </a:prstGeom>
+          <a:solidFill>
+            <a:srgbClr val="E8D9C6"/>
+          </a:solidFill>
+          <a:ln w="28575">
+            <a:solidFill>
+              <a:srgbClr val="D4C1A9"/>
+            </a:solidFill>
+          </a:ln>
+        </p:spPr>
+        <p:style>
+          <a:lnRef idx="2">
+            <a:schemeClr val="accent1">
+              <a:shade val="15000"/>
+            </a:schemeClr>
+          </a:lnRef>
+          <a:fillRef idx="1">
+            <a:schemeClr val="accent1"/>
+          </a:fillRef>
+          <a:effectRef idx="0">
+            <a:schemeClr val="accent1"/>
+          </a:effectRef>
+          <a:fontRef idx="minor">
+            <a:schemeClr val="lt1"/>
+          </a:fontRef>
+        </p:style>
+        <p:txBody>
+          <a:bodyPr rtlCol="0" anchor="ctr"/>
+          <a:lstStyle/>
+          <a:p>
+            <a:pPr algn="ctr"/>
+            <a:r>
+              <a:rPr lang="en-US" b="1" dirty="0">
+                <a:latin typeface="Irish Grover" panose="02000000000000000000" pitchFamily="2" charset="0"/>
+                <a:cs typeface="Fredoka" pitchFamily="2" charset="-79"/>
+              </a:rPr>
+              <a:t>Unit 1</a:t>
+            </a:r>
+          </a:p>
+        </p:txBody>
+      </p:sp>
+      <p:sp>
+        <p:nvSpPr>
+          <p:cNvPr id="34" name="Rectangle: Rounded Corners 33">
+            <a:extLst>
+              <a:ext uri="{FF2B5EF4-FFF2-40B4-BE49-F238E27FC236}">
+                <a16:creationId xmlns:a16="http://schemas.microsoft.com/office/drawing/2014/main" id="{54894419-7EC5-298D-C0D6-A01AEF4B3CB8}"/>
+              </a:ext>
+            </a:extLst>
+          </p:cNvPr>
+          <p:cNvSpPr/>
+          <p:nvPr/>
+        </p:nvSpPr>
+        <p:spPr>
+          <a:xfrm>
+            <a:off x="8621036" y="3023468"/>
+            <a:ext cx="3040381" cy="342900"/>
+          </a:xfrm>
+          <a:prstGeom prst="roundRect">
+            <a:avLst>
+              <a:gd name="adj" fmla="val 30000"/>
+            </a:avLst>
+          </a:prstGeom>
+          <a:solidFill>
+            <a:srgbClr val="E8D9C6"/>
+          </a:solidFill>
+          <a:ln w="28575">
+            <a:solidFill>
+              <a:srgbClr val="D4C1A9"/>
+            </a:solidFill>
+          </a:ln>
+        </p:spPr>
+        <p:style>
+          <a:lnRef idx="2">
+            <a:schemeClr val="accent1">
+              <a:shade val="15000"/>
+            </a:schemeClr>
+          </a:lnRef>
+          <a:fillRef idx="1">
+            <a:schemeClr val="accent1"/>
+          </a:fillRef>
+          <a:effectRef idx="0">
+            <a:schemeClr val="accent1"/>
+          </a:effectRef>
+          <a:fontRef idx="minor">
+            <a:schemeClr val="lt1"/>
+          </a:fontRef>
+        </p:style>
+        <p:txBody>
+          <a:bodyPr rtlCol="0" anchor="ctr"/>
+          <a:lstStyle/>
+          <a:p>
+            <a:pPr algn="ctr"/>
+            <a:r>
+              <a:rPr lang="en-US" b="1" dirty="0">
+                <a:latin typeface="Irish Grover" panose="02000000000000000000" pitchFamily="2" charset="0"/>
+                <a:cs typeface="Fredoka" pitchFamily="2" charset="-79"/>
+              </a:rPr>
+              <a:t>Unit 2</a:t>
+            </a:r>
+          </a:p>
+        </p:txBody>
+      </p:sp>
+      <p:sp>
+        <p:nvSpPr>
+          <p:cNvPr id="35" name="Rectangle: Rounded Corners 34">
+            <a:extLst>
+              <a:ext uri="{FF2B5EF4-FFF2-40B4-BE49-F238E27FC236}">
+                <a16:creationId xmlns:a16="http://schemas.microsoft.com/office/drawing/2014/main" id="{4B319F27-1E5E-9361-A640-73BE821A28F2}"/>
+              </a:ext>
+            </a:extLst>
+          </p:cNvPr>
+          <p:cNvSpPr/>
+          <p:nvPr/>
+        </p:nvSpPr>
+        <p:spPr>
+          <a:xfrm>
+            <a:off x="8621035" y="3509732"/>
+            <a:ext cx="3040381" cy="342900"/>
+          </a:xfrm>
+          <a:prstGeom prst="roundRect">
+            <a:avLst>
+              <a:gd name="adj" fmla="val 30000"/>
+            </a:avLst>
+          </a:prstGeom>
+          <a:solidFill>
+            <a:srgbClr val="E8D9C6"/>
+          </a:solidFill>
+          <a:ln w="28575">
+            <a:solidFill>
+              <a:srgbClr val="D4C1A9"/>
+            </a:solidFill>
+          </a:ln>
+        </p:spPr>
+        <p:style>
+          <a:lnRef idx="2">
+            <a:schemeClr val="accent1">
+              <a:shade val="15000"/>
+            </a:schemeClr>
+          </a:lnRef>
+          <a:fillRef idx="1">
+            <a:schemeClr val="accent1"/>
+          </a:fillRef>
+          <a:effectRef idx="0">
+            <a:schemeClr val="accent1"/>
+          </a:effectRef>
+          <a:fontRef idx="minor">
+            <a:schemeClr val="lt1"/>
+          </a:fontRef>
+        </p:style>
+        <p:txBody>
+          <a:bodyPr rtlCol="0" anchor="ctr"/>
+          <a:lstStyle/>
+          <a:p>
+            <a:pPr algn="ctr"/>
+            <a:r>
+              <a:rPr lang="en-US" b="1" dirty="0">
+                <a:latin typeface="Irish Grover" panose="02000000000000000000" pitchFamily="2" charset="0"/>
+                <a:cs typeface="Fredoka" pitchFamily="2" charset="-79"/>
+              </a:rPr>
+              <a:t>Unit 3</a:t>
+            </a:r>
+          </a:p>
+        </p:txBody>
+      </p:sp>
+      <p:sp>
+        <p:nvSpPr>
+          <p:cNvPr id="36" name="Rectangle: Rounded Corners 35">
+            <a:extLst>
+              <a:ext uri="{FF2B5EF4-FFF2-40B4-BE49-F238E27FC236}">
+                <a16:creationId xmlns:a16="http://schemas.microsoft.com/office/drawing/2014/main" id="{4DE8B8B7-AC2A-3ED5-871B-5EDCA39B6038}"/>
+              </a:ext>
+            </a:extLst>
+          </p:cNvPr>
+          <p:cNvSpPr/>
+          <p:nvPr/>
+        </p:nvSpPr>
+        <p:spPr>
+          <a:xfrm>
+            <a:off x="8621034" y="3995181"/>
+            <a:ext cx="3040381" cy="342900"/>
+          </a:xfrm>
+          <a:prstGeom prst="roundRect">
+            <a:avLst>
+              <a:gd name="adj" fmla="val 30000"/>
+            </a:avLst>
+          </a:prstGeom>
+          <a:solidFill>
+            <a:srgbClr val="E8D9C6"/>
+          </a:solidFill>
+          <a:ln w="28575">
+            <a:solidFill>
+              <a:srgbClr val="D4C1A9"/>
+            </a:solidFill>
+          </a:ln>
+        </p:spPr>
+        <p:style>
+          <a:lnRef idx="2">
+            <a:schemeClr val="accent1">
+              <a:shade val="15000"/>
+            </a:schemeClr>
+          </a:lnRef>
+          <a:fillRef idx="1">
+            <a:schemeClr val="accent1"/>
+          </a:fillRef>
+          <a:effectRef idx="0">
+            <a:schemeClr val="accent1"/>
+          </a:effectRef>
+          <a:fontRef idx="minor">
+            <a:schemeClr val="lt1"/>
+          </a:fontRef>
+        </p:style>
+        <p:txBody>
+          <a:bodyPr rtlCol="0" anchor="ctr"/>
+          <a:lstStyle/>
+          <a:p>
+            <a:pPr algn="ctr"/>
+            <a:r>
+              <a:rPr lang="en-US" b="1" dirty="0">
+                <a:latin typeface="Irish Grover" panose="02000000000000000000" pitchFamily="2" charset="0"/>
+                <a:cs typeface="Fredoka" pitchFamily="2" charset="-79"/>
+              </a:rPr>
+              <a:t>Unit 4</a:t>
+            </a:r>
+          </a:p>
+        </p:txBody>
+      </p:sp>
+      <p:sp>
+        <p:nvSpPr>
+          <p:cNvPr id="37" name="Rectangle: Rounded Corners 36">
+            <a:extLst>
+              <a:ext uri="{FF2B5EF4-FFF2-40B4-BE49-F238E27FC236}">
+                <a16:creationId xmlns:a16="http://schemas.microsoft.com/office/drawing/2014/main" id="{75B56CDB-3E1B-7E75-4563-EECAAB31D62B}"/>
+              </a:ext>
+            </a:extLst>
+          </p:cNvPr>
+          <p:cNvSpPr/>
+          <p:nvPr/>
+        </p:nvSpPr>
+        <p:spPr>
+          <a:xfrm>
+            <a:off x="8621033" y="4480630"/>
+            <a:ext cx="3040381" cy="342900"/>
+          </a:xfrm>
+          <a:prstGeom prst="roundRect">
+            <a:avLst>
+              <a:gd name="adj" fmla="val 30000"/>
+            </a:avLst>
+          </a:prstGeom>
+          <a:solidFill>
+            <a:srgbClr val="E8D9C6"/>
+          </a:solidFill>
+          <a:ln w="28575">
+            <a:solidFill>
+              <a:srgbClr val="D4C1A9"/>
+            </a:solidFill>
+          </a:ln>
+        </p:spPr>
+        <p:style>
+          <a:lnRef idx="2">
+            <a:schemeClr val="accent1">
+              <a:shade val="15000"/>
+            </a:schemeClr>
+          </a:lnRef>
+          <a:fillRef idx="1">
+            <a:schemeClr val="accent1"/>
+          </a:fillRef>
+          <a:effectRef idx="0">
+            <a:schemeClr val="accent1"/>
+          </a:effectRef>
+          <a:fontRef idx="minor">
+            <a:schemeClr val="lt1"/>
+          </a:fontRef>
+        </p:style>
+        <p:txBody>
+          <a:bodyPr rtlCol="0" anchor="ctr"/>
+          <a:lstStyle/>
+          <a:p>
+            <a:pPr algn="ctr"/>
+            <a:r>
+              <a:rPr lang="en-US" b="1" dirty="0">
+                <a:latin typeface="Irish Grover" panose="02000000000000000000" pitchFamily="2" charset="0"/>
+                <a:cs typeface="Fredoka" pitchFamily="2" charset="-79"/>
+              </a:rPr>
+              <a:t>Unit 5</a:t>
+            </a:r>
+          </a:p>
+        </p:txBody>
+      </p:sp>
+      <p:sp>
+        <p:nvSpPr>
+          <p:cNvPr id="38" name="Rectangle: Rounded Corners 37">
+            <a:extLst>
+              <a:ext uri="{FF2B5EF4-FFF2-40B4-BE49-F238E27FC236}">
+                <a16:creationId xmlns:a16="http://schemas.microsoft.com/office/drawing/2014/main" id="{4FA95D1E-6090-659F-09BE-3F401A4781FB}"/>
+              </a:ext>
+            </a:extLst>
+          </p:cNvPr>
+          <p:cNvSpPr/>
+          <p:nvPr/>
+        </p:nvSpPr>
+        <p:spPr>
+          <a:xfrm>
+            <a:off x="8621033" y="4943039"/>
+            <a:ext cx="3040381" cy="342900"/>
+          </a:xfrm>
+          <a:prstGeom prst="roundRect">
+            <a:avLst>
+              <a:gd name="adj" fmla="val 30000"/>
+            </a:avLst>
+          </a:prstGeom>
+          <a:solidFill>
+            <a:srgbClr val="E8D9C6"/>
+          </a:solidFill>
+          <a:ln w="28575">
+            <a:solidFill>
+              <a:srgbClr val="D4C1A9"/>
+            </a:solidFill>
+          </a:ln>
+        </p:spPr>
+        <p:style>
+          <a:lnRef idx="2">
+            <a:schemeClr val="accent1">
+              <a:shade val="15000"/>
+            </a:schemeClr>
+          </a:lnRef>
+          <a:fillRef idx="1">
+            <a:schemeClr val="accent1"/>
+          </a:fillRef>
+          <a:effectRef idx="0">
+            <a:schemeClr val="accent1"/>
+          </a:effectRef>
+          <a:fontRef idx="minor">
+            <a:schemeClr val="lt1"/>
+          </a:fontRef>
+        </p:style>
+        <p:txBody>
+          <a:bodyPr rtlCol="0" anchor="ctr"/>
+          <a:lstStyle/>
+          <a:p>
+            <a:pPr algn="ctr"/>
+            <a:r>
+              <a:rPr lang="en-US" b="1" dirty="0">
+                <a:latin typeface="Irish Grover" panose="02000000000000000000" pitchFamily="2" charset="0"/>
+                <a:cs typeface="Fredoka" pitchFamily="2" charset="-79"/>
+              </a:rPr>
+              <a:t>Unit 6</a:t>
+            </a:r>
+          </a:p>
+        </p:txBody>
+      </p:sp>
+      <p:pic>
+        <p:nvPicPr>
+          <p:cNvPr id="39" name="Picture 38">
+            <a:hlinkClick r:id="rId3" action="ppaction://hlinksldjump"/>
+            <a:extLst>
+              <a:ext uri="{FF2B5EF4-FFF2-40B4-BE49-F238E27FC236}">
+                <a16:creationId xmlns:a16="http://schemas.microsoft.com/office/drawing/2014/main" id="{BCD867E5-2EE6-1E72-1B78-68DEE83C9228}"/>
+              </a:ext>
+            </a:extLst>
+          </p:cNvPr>
+          <p:cNvPicPr>
+            <a:picLocks noChangeAspect="1"/>
+          </p:cNvPicPr>
+          <p:nvPr/>
+        </p:nvPicPr>
+        <p:blipFill>
+          <a:blip r:embed="rId4"/>
+          <a:stretch>
+            <a:fillRect/>
+          </a:stretch>
+        </p:blipFill>
+        <p:spPr>
+          <a:xfrm>
+            <a:off x="11559879" y="1422605"/>
+            <a:ext cx="459668" cy="459668"/>
+          </a:xfrm>
+          <a:prstGeom prst="rect">
+            <a:avLst/>
+          </a:prstGeom>
+        </p:spPr>
+      </p:pic>
+      <p:sp>
+        <p:nvSpPr>
+          <p:cNvPr id="53" name="Rectangle: Rounded Corners 52">
+            <a:extLst>
+              <a:ext uri="{FF2B5EF4-FFF2-40B4-BE49-F238E27FC236}">
+                <a16:creationId xmlns:a16="http://schemas.microsoft.com/office/drawing/2014/main" id="{2EE61374-E686-C341-C226-15EF23550585}"/>
+              </a:ext>
+            </a:extLst>
+          </p:cNvPr>
+          <p:cNvSpPr/>
+          <p:nvPr/>
+        </p:nvSpPr>
+        <p:spPr>
+          <a:xfrm>
+            <a:off x="344405" y="3088075"/>
+            <a:ext cx="3543301" cy="1068035"/>
+          </a:xfrm>
+          <a:prstGeom prst="roundRect">
+            <a:avLst>
+              <a:gd name="adj" fmla="val 50000"/>
+            </a:avLst>
+          </a:prstGeom>
+          <a:solidFill>
+            <a:srgbClr val="49BB92"/>
+          </a:solidFill>
+          <a:ln w="127000">
+            <a:solidFill>
+              <a:srgbClr val="33896A"/>
+            </a:solidFill>
+          </a:ln>
+          <a:effectLst/>
+        </p:spPr>
+        <p:style>
+          <a:lnRef idx="2">
+            <a:schemeClr val="accent1">
+              <a:shade val="15000"/>
+            </a:schemeClr>
+          </a:lnRef>
+          <a:fillRef idx="1">
+            <a:schemeClr val="accent1"/>
+          </a:fillRef>
+          <a:effectRef idx="0">
+            <a:schemeClr val="accent1"/>
+          </a:effectRef>
+          <a:fontRef idx="minor">
+            <a:schemeClr val="lt1"/>
+          </a:fontRef>
+        </p:style>
+        <p:txBody>
+          <a:bodyPr rtlCol="0" anchor="ctr"/>
+          <a:lstStyle/>
+          <a:p>
+            <a:pPr algn="ctr"/>
+            <a:endParaRPr lang="en-US" dirty="0"/>
+          </a:p>
+        </p:txBody>
+      </p:sp>
+      <p:sp>
+        <p:nvSpPr>
+          <p:cNvPr id="54" name="Rectangle: Rounded Corners 53">
+            <a:hlinkClick r:id="rId5" action="ppaction://hlinksldjump"/>
+            <a:extLst>
+              <a:ext uri="{FF2B5EF4-FFF2-40B4-BE49-F238E27FC236}">
+                <a16:creationId xmlns:a16="http://schemas.microsoft.com/office/drawing/2014/main" id="{406C384D-A1B7-2D52-6F8F-9D582F0B5287}"/>
+              </a:ext>
+            </a:extLst>
+          </p:cNvPr>
+          <p:cNvSpPr/>
+          <p:nvPr/>
+        </p:nvSpPr>
+        <p:spPr>
+          <a:xfrm>
+            <a:off x="268864" y="3035335"/>
+            <a:ext cx="3543301" cy="1009615"/>
+          </a:xfrm>
+          <a:prstGeom prst="roundRect">
+            <a:avLst>
+              <a:gd name="adj" fmla="val 50000"/>
+            </a:avLst>
+          </a:prstGeom>
+          <a:solidFill>
+            <a:srgbClr val="49BB92"/>
+          </a:solidFill>
+          <a:ln w="127000">
+            <a:solidFill>
+              <a:srgbClr val="49BB92"/>
+            </a:solidFill>
+          </a:ln>
+          <a:effectLst/>
+        </p:spPr>
+        <p:style>
+          <a:lnRef idx="2">
+            <a:schemeClr val="accent1">
+              <a:shade val="15000"/>
+            </a:schemeClr>
+          </a:lnRef>
+          <a:fillRef idx="1">
+            <a:schemeClr val="accent1"/>
+          </a:fillRef>
+          <a:effectRef idx="0">
+            <a:schemeClr val="accent1"/>
+          </a:effectRef>
+          <a:fontRef idx="minor">
+            <a:schemeClr val="lt1"/>
+          </a:fontRef>
+        </p:style>
+        <p:txBody>
+          <a:bodyPr rtlCol="0" anchor="ctr"/>
+          <a:lstStyle/>
+          <a:p>
+            <a:pPr algn="ctr"/>
+            <a:endParaRPr lang="en-US" dirty="0"/>
+          </a:p>
+        </p:txBody>
+      </p:sp>
+      <p:sp>
+        <p:nvSpPr>
+          <p:cNvPr id="55" name="TextBox 54">
+            <a:hlinkClick r:id="rId5" action="ppaction://hlinksldjump"/>
+            <a:extLst>
+              <a:ext uri="{FF2B5EF4-FFF2-40B4-BE49-F238E27FC236}">
+                <a16:creationId xmlns:a16="http://schemas.microsoft.com/office/drawing/2014/main" id="{3D872F49-6D48-AF88-1832-C536800D44AB}"/>
+              </a:ext>
+            </a:extLst>
+          </p:cNvPr>
+          <p:cNvSpPr txBox="1"/>
+          <p:nvPr/>
+        </p:nvSpPr>
+        <p:spPr>
+          <a:xfrm flipH="1">
+            <a:off x="594029" y="3202615"/>
+            <a:ext cx="3040381" cy="584775"/>
+          </a:xfrm>
+          <a:prstGeom prst="rect">
+            <a:avLst/>
+          </a:prstGeom>
+          <a:noFill/>
+        </p:spPr>
+        <p:txBody>
+          <a:bodyPr wrap="square" rtlCol="0">
+            <a:spAutoFit/>
+          </a:bodyPr>
+          <a:lstStyle/>
+          <a:p>
+            <a:pPr algn="ctr"/>
+            <a:r>
+              <a:rPr lang="en-US" sz="3200" dirty="0">
+                <a:solidFill>
+                  <a:schemeClr val="bg1"/>
+                </a:solidFill>
+                <a:latin typeface="Cherry Bomb One" panose="02000000000000000000" pitchFamily="2" charset="-128"/>
+                <a:ea typeface="Cherry Bomb One" panose="02000000000000000000" pitchFamily="2" charset="-128"/>
+                <a:cs typeface="Fredoka" pitchFamily="2" charset="-79"/>
+              </a:rPr>
+              <a:t>Chapters</a:t>
+            </a:r>
+          </a:p>
+        </p:txBody>
+      </p:sp>
+      <p:sp>
+        <p:nvSpPr>
+          <p:cNvPr id="56" name="Rectangle: Rounded Corners 55">
+            <a:extLst>
+              <a:ext uri="{FF2B5EF4-FFF2-40B4-BE49-F238E27FC236}">
+                <a16:creationId xmlns:a16="http://schemas.microsoft.com/office/drawing/2014/main" id="{F0FA8323-FC0B-E5E4-DF19-F2C735502486}"/>
+              </a:ext>
+            </a:extLst>
+          </p:cNvPr>
+          <p:cNvSpPr/>
+          <p:nvPr/>
+        </p:nvSpPr>
+        <p:spPr>
+          <a:xfrm>
+            <a:off x="4394761" y="3088075"/>
+            <a:ext cx="3543301" cy="1126455"/>
+          </a:xfrm>
+          <a:prstGeom prst="roundRect">
+            <a:avLst>
+              <a:gd name="adj" fmla="val 50000"/>
+            </a:avLst>
+          </a:prstGeom>
+          <a:solidFill>
+            <a:srgbClr val="49BB92"/>
+          </a:solidFill>
+          <a:ln w="127000">
+            <a:solidFill>
+              <a:srgbClr val="006F96"/>
+            </a:solidFill>
+          </a:ln>
+          <a:effectLst/>
+        </p:spPr>
+        <p:style>
+          <a:lnRef idx="2">
+            <a:schemeClr val="accent1">
+              <a:shade val="15000"/>
+            </a:schemeClr>
+          </a:lnRef>
+          <a:fillRef idx="1">
+            <a:schemeClr val="accent1"/>
+          </a:fillRef>
+          <a:effectRef idx="0">
+            <a:schemeClr val="accent1"/>
+          </a:effectRef>
+          <a:fontRef idx="minor">
+            <a:schemeClr val="lt1"/>
+          </a:fontRef>
+        </p:style>
+        <p:txBody>
+          <a:bodyPr rtlCol="0" anchor="ctr"/>
+          <a:lstStyle/>
+          <a:p>
+            <a:pPr algn="ctr"/>
+            <a:endParaRPr lang="en-US" dirty="0"/>
+          </a:p>
+        </p:txBody>
+      </p:sp>
+      <p:sp>
+        <p:nvSpPr>
+          <p:cNvPr id="57" name="Rectangle: Rounded Corners 56">
+            <a:hlinkClick r:id="rId6" action="ppaction://hlinksldjump"/>
+            <a:extLst>
+              <a:ext uri="{FF2B5EF4-FFF2-40B4-BE49-F238E27FC236}">
+                <a16:creationId xmlns:a16="http://schemas.microsoft.com/office/drawing/2014/main" id="{C078A6BF-5C79-236D-0B2F-4E66201C3098}"/>
+              </a:ext>
+            </a:extLst>
+          </p:cNvPr>
+          <p:cNvSpPr/>
+          <p:nvPr/>
+        </p:nvSpPr>
+        <p:spPr>
+          <a:xfrm>
+            <a:off x="4319220" y="3035335"/>
+            <a:ext cx="3543301" cy="1068035"/>
+          </a:xfrm>
+          <a:prstGeom prst="roundRect">
+            <a:avLst>
+              <a:gd name="adj" fmla="val 50000"/>
+            </a:avLst>
+          </a:prstGeom>
+          <a:solidFill>
+            <a:srgbClr val="00B0F0"/>
+          </a:solidFill>
+          <a:ln w="127000">
+            <a:solidFill>
+              <a:srgbClr val="00B0F0"/>
+            </a:solidFill>
+          </a:ln>
+          <a:effectLst/>
+        </p:spPr>
+        <p:style>
+          <a:lnRef idx="2">
+            <a:schemeClr val="accent1">
+              <a:shade val="15000"/>
+            </a:schemeClr>
+          </a:lnRef>
+          <a:fillRef idx="1">
+            <a:schemeClr val="accent1"/>
+          </a:fillRef>
+          <a:effectRef idx="0">
+            <a:schemeClr val="accent1"/>
+          </a:effectRef>
+          <a:fontRef idx="minor">
+            <a:schemeClr val="lt1"/>
+          </a:fontRef>
+        </p:style>
+        <p:txBody>
+          <a:bodyPr rtlCol="0" anchor="ctr"/>
+          <a:lstStyle/>
+          <a:p>
+            <a:pPr algn="ctr"/>
+            <a:endParaRPr lang="en-US" dirty="0"/>
+          </a:p>
+        </p:txBody>
+      </p:sp>
+      <p:sp>
+        <p:nvSpPr>
+          <p:cNvPr id="58" name="TextBox 57">
+            <a:hlinkClick r:id="rId6" action="ppaction://hlinksldjump"/>
+            <a:extLst>
+              <a:ext uri="{FF2B5EF4-FFF2-40B4-BE49-F238E27FC236}">
+                <a16:creationId xmlns:a16="http://schemas.microsoft.com/office/drawing/2014/main" id="{009BF3A4-ADDC-1E29-3C61-1694A8B6F61C}"/>
+              </a:ext>
+            </a:extLst>
+          </p:cNvPr>
+          <p:cNvSpPr txBox="1"/>
+          <p:nvPr/>
+        </p:nvSpPr>
+        <p:spPr>
+          <a:xfrm flipH="1">
+            <a:off x="4646220" y="3255355"/>
+            <a:ext cx="3040381" cy="584775"/>
+          </a:xfrm>
+          <a:prstGeom prst="rect">
+            <a:avLst/>
+          </a:prstGeom>
+          <a:noFill/>
+        </p:spPr>
+        <p:txBody>
+          <a:bodyPr wrap="square" rtlCol="0">
+            <a:spAutoFit/>
+          </a:bodyPr>
+          <a:lstStyle/>
+          <a:p>
+            <a:pPr algn="ctr"/>
+            <a:r>
+              <a:rPr lang="en-US" sz="3200" dirty="0">
+                <a:solidFill>
+                  <a:schemeClr val="bg1"/>
+                </a:solidFill>
+                <a:latin typeface="Cherry Bomb One" panose="02000000000000000000" pitchFamily="2" charset="-128"/>
+                <a:ea typeface="Cherry Bomb One" panose="02000000000000000000" pitchFamily="2" charset="-128"/>
+                <a:cs typeface="Fredoka" pitchFamily="2" charset="-79"/>
+              </a:rPr>
+              <a:t>Exercises</a:t>
+            </a:r>
+          </a:p>
+        </p:txBody>
+      </p:sp>
+      <p:sp>
+        <p:nvSpPr>
+          <p:cNvPr id="59" name="TextBox 58">
+            <a:extLst>
+              <a:ext uri="{FF2B5EF4-FFF2-40B4-BE49-F238E27FC236}">
+                <a16:creationId xmlns:a16="http://schemas.microsoft.com/office/drawing/2014/main" id="{8948EB26-A7D9-A173-1776-918F031A2A5D}"/>
+              </a:ext>
+            </a:extLst>
+          </p:cNvPr>
+          <p:cNvSpPr txBox="1"/>
+          <p:nvPr/>
+        </p:nvSpPr>
+        <p:spPr>
+          <a:xfrm>
+            <a:off x="2873000" y="-6285875"/>
+            <a:ext cx="6445995" cy="1446550"/>
+          </a:xfrm>
+          <a:prstGeom prst="rect">
+            <a:avLst/>
+          </a:prstGeom>
+          <a:noFill/>
+        </p:spPr>
+        <p:txBody>
+          <a:bodyPr wrap="none" rtlCol="0">
+            <a:spAutoFit/>
+          </a:bodyPr>
+          <a:lstStyle/>
+          <a:p>
+            <a:pPr algn="ctr"/>
+            <a:r>
+              <a:rPr lang="en-US" sz="8800" dirty="0">
+                <a:solidFill>
+                  <a:schemeClr val="bg1"/>
+                </a:solidFill>
+                <a:latin typeface="OhChewy" panose="02000503050000020003" pitchFamily="2" charset="0"/>
+                <a:cs typeface="Fredoka" pitchFamily="2" charset="-79"/>
+              </a:rPr>
+              <a:t>Grade 5 English</a:t>
+            </a:r>
+          </a:p>
+        </p:txBody>
+      </p:sp>
+      <p:sp>
+        <p:nvSpPr>
+          <p:cNvPr id="60" name="TextBox 59">
+            <a:extLst>
+              <a:ext uri="{FF2B5EF4-FFF2-40B4-BE49-F238E27FC236}">
+                <a16:creationId xmlns:a16="http://schemas.microsoft.com/office/drawing/2014/main" id="{0209215F-2CC4-BE51-22ED-4282E21D8AF3}"/>
+              </a:ext>
+            </a:extLst>
+          </p:cNvPr>
+          <p:cNvSpPr txBox="1"/>
+          <p:nvPr/>
+        </p:nvSpPr>
+        <p:spPr>
+          <a:xfrm>
+            <a:off x="2873000" y="57775"/>
+            <a:ext cx="6445995" cy="1446550"/>
+          </a:xfrm>
+          <a:prstGeom prst="rect">
+            <a:avLst/>
+          </a:prstGeom>
+          <a:noFill/>
+        </p:spPr>
+        <p:txBody>
+          <a:bodyPr wrap="none" rtlCol="0">
+            <a:spAutoFit/>
+          </a:bodyPr>
+          <a:lstStyle/>
+          <a:p>
+            <a:pPr algn="ctr"/>
+            <a:r>
+              <a:rPr lang="en-US" sz="8800" dirty="0">
+                <a:solidFill>
+                  <a:schemeClr val="bg1"/>
+                </a:solidFill>
+                <a:latin typeface="OhChewy" panose="02000503050000020003" pitchFamily="2" charset="0"/>
+                <a:cs typeface="Fredoka" pitchFamily="2" charset="-79"/>
+              </a:rPr>
+              <a:t>Grade 5 English</a:t>
+            </a:r>
+          </a:p>
+        </p:txBody>
+      </p:sp>
+    </p:spTree>
+    <p:extLst>
+      <p:ext uri="{BB962C8B-B14F-4D97-AF65-F5344CB8AC3E}">
+        <p14:creationId xmlns:p14="http://schemas.microsoft.com/office/powerpoint/2010/main" val="2075119560"/>
+      </p:ext>
+    </p:extLst>
+  </p:cSld>
+  <p:clrMapOvr>
+    <a:masterClrMapping/>
+  </p:clrMapOvr>
+  <mc:AlternateContent xmlns:mc="http://schemas.openxmlformats.org/markup-compatibility/2006">
+    <mc:Choice xmlns:p159="http://schemas.microsoft.com/office/powerpoint/2015/09/main" Requires="p159">
+      <p:transition xmlns:p14="http://schemas.microsoft.com/office/powerpoint/2010/main" spd="slow" p14:dur="800">
+        <p159:morph option="byObject"/>
+      </p:transition>
+    </mc:Choice>
+    <mc:Fallback>
       <p:transition spd="slow">
         <p:fade/>
       </p:transition>

--- a/main.pptx
+++ b/main.pptx
@@ -5,18 +5,12 @@
     <p:sldMasterId id="2147483648" r:id="rId1"/>
   </p:sldMasterIdLst>
   <p:notesMasterIdLst>
-    <p:notesMasterId r:id="rId11"/>
+    <p:notesMasterId r:id="rId5"/>
   </p:notesMasterIdLst>
   <p:sldIdLst>
-    <p:sldId id="256" r:id="rId2"/>
-    <p:sldId id="258" r:id="rId3"/>
-    <p:sldId id="259" r:id="rId4"/>
-    <p:sldId id="266" r:id="rId5"/>
-    <p:sldId id="262" r:id="rId6"/>
-    <p:sldId id="261" r:id="rId7"/>
-    <p:sldId id="263" r:id="rId8"/>
-    <p:sldId id="264" r:id="rId9"/>
-    <p:sldId id="265" r:id="rId10"/>
+    <p:sldId id="266" r:id="rId2"/>
+    <p:sldId id="262" r:id="rId3"/>
+    <p:sldId id="261" r:id="rId4"/>
   </p:sldIdLst>
   <p:sldSz cx="12192000" cy="6858000"/>
   <p:notesSz cx="6858000" cy="9144000"/>
@@ -205,7 +199,7 @@
           <a:p>
             <a:fld id="{40658A17-5F6A-4455-A03F-32873B3CCC6C}" type="datetimeFigureOut">
               <a:rPr lang="en-US" smtClean="0"/>
-              <a:t>2025-05-20</a:t>
+              <a:t>2025-05-23</a:t>
             </a:fld>
             <a:endParaRPr lang="en-US"/>
           </a:p>
@@ -619,7 +613,7 @@
           <a:p>
             <a:fld id="{B31607B0-DB75-4F72-BD65-E742B8908D12}" type="datetimeFigureOut">
               <a:rPr lang="en-US" smtClean="0"/>
-              <a:t>2025-05-20</a:t>
+              <a:t>2025-05-23</a:t>
             </a:fld>
             <a:endParaRPr lang="en-US"/>
           </a:p>
@@ -817,7 +811,7 @@
           <a:p>
             <a:fld id="{B31607B0-DB75-4F72-BD65-E742B8908D12}" type="datetimeFigureOut">
               <a:rPr lang="en-US" smtClean="0"/>
-              <a:t>2025-05-20</a:t>
+              <a:t>2025-05-23</a:t>
             </a:fld>
             <a:endParaRPr lang="en-US"/>
           </a:p>
@@ -1025,7 +1019,7 @@
           <a:p>
             <a:fld id="{B31607B0-DB75-4F72-BD65-E742B8908D12}" type="datetimeFigureOut">
               <a:rPr lang="en-US" smtClean="0"/>
-              <a:t>2025-05-20</a:t>
+              <a:t>2025-05-23</a:t>
             </a:fld>
             <a:endParaRPr lang="en-US"/>
           </a:p>
@@ -1223,7 +1217,7 @@
           <a:p>
             <a:fld id="{B31607B0-DB75-4F72-BD65-E742B8908D12}" type="datetimeFigureOut">
               <a:rPr lang="en-US" smtClean="0"/>
-              <a:t>2025-05-20</a:t>
+              <a:t>2025-05-23</a:t>
             </a:fld>
             <a:endParaRPr lang="en-US"/>
           </a:p>
@@ -1498,7 +1492,7 @@
           <a:p>
             <a:fld id="{B31607B0-DB75-4F72-BD65-E742B8908D12}" type="datetimeFigureOut">
               <a:rPr lang="en-US" smtClean="0"/>
-              <a:t>2025-05-20</a:t>
+              <a:t>2025-05-23</a:t>
             </a:fld>
             <a:endParaRPr lang="en-US"/>
           </a:p>
@@ -1763,7 +1757,7 @@
           <a:p>
             <a:fld id="{B31607B0-DB75-4F72-BD65-E742B8908D12}" type="datetimeFigureOut">
               <a:rPr lang="en-US" smtClean="0"/>
-              <a:t>2025-05-20</a:t>
+              <a:t>2025-05-23</a:t>
             </a:fld>
             <a:endParaRPr lang="en-US"/>
           </a:p>
@@ -2175,7 +2169,7 @@
           <a:p>
             <a:fld id="{B31607B0-DB75-4F72-BD65-E742B8908D12}" type="datetimeFigureOut">
               <a:rPr lang="en-US" smtClean="0"/>
-              <a:t>2025-05-20</a:t>
+              <a:t>2025-05-23</a:t>
             </a:fld>
             <a:endParaRPr lang="en-US"/>
           </a:p>
@@ -2316,7 +2310,7 @@
           <a:p>
             <a:fld id="{B31607B0-DB75-4F72-BD65-E742B8908D12}" type="datetimeFigureOut">
               <a:rPr lang="en-US" smtClean="0"/>
-              <a:t>2025-05-20</a:t>
+              <a:t>2025-05-23</a:t>
             </a:fld>
             <a:endParaRPr lang="en-US"/>
           </a:p>
@@ -2429,7 +2423,7 @@
           <a:p>
             <a:fld id="{B31607B0-DB75-4F72-BD65-E742B8908D12}" type="datetimeFigureOut">
               <a:rPr lang="en-US" smtClean="0"/>
-              <a:t>2025-05-20</a:t>
+              <a:t>2025-05-23</a:t>
             </a:fld>
             <a:endParaRPr lang="en-US"/>
           </a:p>
@@ -2740,7 +2734,7 @@
           <a:p>
             <a:fld id="{B31607B0-DB75-4F72-BD65-E742B8908D12}" type="datetimeFigureOut">
               <a:rPr lang="en-US" smtClean="0"/>
-              <a:t>2025-05-20</a:t>
+              <a:t>2025-05-23</a:t>
             </a:fld>
             <a:endParaRPr lang="en-US"/>
           </a:p>
@@ -3028,7 +3022,7 @@
           <a:p>
             <a:fld id="{B31607B0-DB75-4F72-BD65-E742B8908D12}" type="datetimeFigureOut">
               <a:rPr lang="en-US" smtClean="0"/>
-              <a:t>2025-05-20</a:t>
+              <a:t>2025-05-23</a:t>
             </a:fld>
             <a:endParaRPr lang="en-US"/>
           </a:p>
@@ -3269,7 +3263,7 @@
           <a:p>
             <a:fld id="{B31607B0-DB75-4F72-BD65-E742B8908D12}" type="datetimeFigureOut">
               <a:rPr lang="en-US" smtClean="0"/>
-              <a:t>2025-05-20</a:t>
+              <a:t>2025-05-23</a:t>
             </a:fld>
             <a:endParaRPr lang="en-US"/>
           </a:p>
@@ -3672,1919 +3666,6 @@
 <file path=ppt/slides/slide1.xml><?xml version="1.0" encoding="utf-8"?>
 <p:sld xmlns:a="http://schemas.openxmlformats.org/drawingml/2006/main" xmlns:r="http://schemas.openxmlformats.org/officeDocument/2006/relationships" xmlns:p="http://schemas.openxmlformats.org/presentationml/2006/main">
   <p:cSld>
-    <p:bg>
-      <p:bgPr>
-        <a:blipFill dpi="0" rotWithShape="1">
-          <a:blip r:embed="rId2">
-            <a:lum/>
-          </a:blip>
-          <a:srcRect/>
-          <a:stretch>
-            <a:fillRect/>
-          </a:stretch>
-        </a:blipFill>
-        <a:effectLst/>
-      </p:bgPr>
-    </p:bg>
-    <p:spTree>
-      <p:nvGrpSpPr>
-        <p:cNvPr id="1" name=""/>
-        <p:cNvGrpSpPr/>
-        <p:nvPr/>
-      </p:nvGrpSpPr>
-      <p:grpSpPr>
-        <a:xfrm>
-          <a:off x="0" y="0"/>
-          <a:ext cx="0" cy="0"/>
-          <a:chOff x="0" y="0"/>
-          <a:chExt cx="0" cy="0"/>
-        </a:xfrm>
-      </p:grpSpPr>
-      <p:sp>
-        <p:nvSpPr>
-          <p:cNvPr id="4" name="TextBox 3">
-            <a:extLst>
-              <a:ext uri="{FF2B5EF4-FFF2-40B4-BE49-F238E27FC236}">
-                <a16:creationId xmlns:a16="http://schemas.microsoft.com/office/drawing/2014/main" id="{680EB381-61D5-C6B7-29BD-9C83A661F33F}"/>
-              </a:ext>
-            </a:extLst>
-          </p:cNvPr>
-          <p:cNvSpPr txBox="1"/>
-          <p:nvPr/>
-        </p:nvSpPr>
-        <p:spPr>
-          <a:xfrm>
-            <a:off x="4250783" y="2274838"/>
-            <a:ext cx="3690434" cy="2308324"/>
-          </a:xfrm>
-          <a:prstGeom prst="rect">
-            <a:avLst/>
-          </a:prstGeom>
-          <a:noFill/>
-        </p:spPr>
-        <p:txBody>
-          <a:bodyPr wrap="none" rtlCol="0">
-            <a:spAutoFit/>
-          </a:bodyPr>
-          <a:lstStyle/>
-          <a:p>
-            <a:r>
-              <a:rPr lang="en-US" sz="7200" dirty="0">
-                <a:solidFill>
-                  <a:schemeClr val="bg1"/>
-                </a:solidFill>
-                <a:effectLst>
-                  <a:outerShdw blurRad="63500" sx="102000" sy="102000" algn="ctr" rotWithShape="0">
-                    <a:prstClr val="black">
-                      <a:alpha val="40000"/>
-                    </a:prstClr>
-                  </a:outerShdw>
-                </a:effectLst>
-                <a:latin typeface="Lemon Tea" panose="02000600000000000000" pitchFamily="2" charset="0"/>
-              </a:rPr>
-              <a:t>Grade 4</a:t>
-            </a:r>
-          </a:p>
-          <a:p>
-            <a:pPr algn="ctr"/>
-            <a:r>
-              <a:rPr lang="en-US" sz="7200" dirty="0" err="1">
-                <a:solidFill>
-                  <a:schemeClr val="bg1"/>
-                </a:solidFill>
-                <a:effectLst>
-                  <a:outerShdw blurRad="63500" sx="102000" sy="102000" algn="ctr" rotWithShape="0">
-                    <a:prstClr val="black">
-                      <a:alpha val="40000"/>
-                    </a:prstClr>
-                  </a:outerShdw>
-                </a:effectLst>
-                <a:latin typeface="Lemon Tea" panose="02000600000000000000" pitchFamily="2" charset="0"/>
-              </a:rPr>
-              <a:t>english</a:t>
-            </a:r>
-            <a:endParaRPr lang="en-US" sz="7200" dirty="0">
-              <a:solidFill>
-                <a:schemeClr val="bg1"/>
-              </a:solidFill>
-              <a:effectLst>
-                <a:outerShdw blurRad="63500" sx="102000" sy="102000" algn="ctr" rotWithShape="0">
-                  <a:prstClr val="black">
-                    <a:alpha val="40000"/>
-                  </a:prstClr>
-                </a:outerShdw>
-              </a:effectLst>
-              <a:latin typeface="Lemon Tea" panose="02000600000000000000" pitchFamily="2" charset="0"/>
-            </a:endParaRPr>
-          </a:p>
-        </p:txBody>
-      </p:sp>
-      <p:sp>
-        <p:nvSpPr>
-          <p:cNvPr id="5" name="TextBox 4">
-            <a:extLst>
-              <a:ext uri="{FF2B5EF4-FFF2-40B4-BE49-F238E27FC236}">
-                <a16:creationId xmlns:a16="http://schemas.microsoft.com/office/drawing/2014/main" id="{9ACF971D-6F18-C61A-396C-F5730CE0852A}"/>
-              </a:ext>
-            </a:extLst>
-          </p:cNvPr>
-          <p:cNvSpPr txBox="1"/>
-          <p:nvPr/>
-        </p:nvSpPr>
-        <p:spPr>
-          <a:xfrm>
-            <a:off x="5196555" y="4583162"/>
-            <a:ext cx="1798890" cy="369332"/>
-          </a:xfrm>
-          <a:prstGeom prst="rect">
-            <a:avLst/>
-          </a:prstGeom>
-          <a:noFill/>
-        </p:spPr>
-        <p:txBody>
-          <a:bodyPr wrap="none" rtlCol="0">
-            <a:spAutoFit/>
-          </a:bodyPr>
-          <a:lstStyle/>
-          <a:p>
-            <a:pPr algn="ctr"/>
-            <a:r>
-              <a:rPr lang="en-US" dirty="0">
-                <a:solidFill>
-                  <a:schemeClr val="bg1"/>
-                </a:solidFill>
-                <a:latin typeface="Poppins" panose="00000500000000000000" pitchFamily="2" charset="0"/>
-                <a:cs typeface="Poppins" panose="00000500000000000000" pitchFamily="2" charset="0"/>
-              </a:rPr>
-              <a:t>By </a:t>
-            </a:r>
-            <a:r>
-              <a:rPr lang="en-US" b="1" dirty="0" err="1">
-                <a:solidFill>
-                  <a:schemeClr val="bg1"/>
-                </a:solidFill>
-                <a:latin typeface="Poppins" panose="00000500000000000000" pitchFamily="2" charset="0"/>
-                <a:cs typeface="Poppins" panose="00000500000000000000" pitchFamily="2" charset="0"/>
-              </a:rPr>
-              <a:t>Mr</a:t>
-            </a:r>
-            <a:r>
-              <a:rPr lang="en-US" b="1" dirty="0">
-                <a:solidFill>
-                  <a:schemeClr val="bg1"/>
-                </a:solidFill>
-                <a:latin typeface="Poppins" panose="00000500000000000000" pitchFamily="2" charset="0"/>
-                <a:cs typeface="Poppins" panose="00000500000000000000" pitchFamily="2" charset="0"/>
-              </a:rPr>
-              <a:t> Stefano</a:t>
-            </a:r>
-          </a:p>
-        </p:txBody>
-      </p:sp>
-    </p:spTree>
-    <p:extLst>
-      <p:ext uri="{BB962C8B-B14F-4D97-AF65-F5344CB8AC3E}">
-        <p14:creationId xmlns:p14="http://schemas.microsoft.com/office/powerpoint/2010/main" val="1451184400"/>
-      </p:ext>
-    </p:extLst>
-  </p:cSld>
-  <p:clrMapOvr>
-    <a:masterClrMapping/>
-  </p:clrMapOvr>
-</p:sld>
-</file>
-
-<file path=ppt/slides/slide2.xml><?xml version="1.0" encoding="utf-8"?>
-<p:sld xmlns:a="http://schemas.openxmlformats.org/drawingml/2006/main" xmlns:r="http://schemas.openxmlformats.org/officeDocument/2006/relationships" xmlns:p="http://schemas.openxmlformats.org/presentationml/2006/main">
-  <p:cSld>
-    <p:bg>
-      <p:bgPr>
-        <a:blipFill dpi="0" rotWithShape="1">
-          <a:blip r:embed="rId2">
-            <a:lum/>
-          </a:blip>
-          <a:srcRect/>
-          <a:stretch>
-            <a:fillRect/>
-          </a:stretch>
-        </a:blipFill>
-        <a:effectLst/>
-      </p:bgPr>
-    </p:bg>
-    <p:spTree>
-      <p:nvGrpSpPr>
-        <p:cNvPr id="1" name="">
-          <a:extLst>
-            <a:ext uri="{FF2B5EF4-FFF2-40B4-BE49-F238E27FC236}">
-              <a16:creationId xmlns:a16="http://schemas.microsoft.com/office/drawing/2014/main" id="{94E328FC-7C69-1FE1-97DC-3950FA3B77DC}"/>
-            </a:ext>
-          </a:extLst>
-        </p:cNvPr>
-        <p:cNvGrpSpPr/>
-        <p:nvPr/>
-      </p:nvGrpSpPr>
-      <p:grpSpPr>
-        <a:xfrm>
-          <a:off x="0" y="0"/>
-          <a:ext cx="0" cy="0"/>
-          <a:chOff x="0" y="0"/>
-          <a:chExt cx="0" cy="0"/>
-        </a:xfrm>
-      </p:grpSpPr>
-      <p:sp>
-        <p:nvSpPr>
-          <p:cNvPr id="4" name="TextBox 3">
-            <a:extLst>
-              <a:ext uri="{FF2B5EF4-FFF2-40B4-BE49-F238E27FC236}">
-                <a16:creationId xmlns:a16="http://schemas.microsoft.com/office/drawing/2014/main" id="{EC4992CD-DD1B-5F75-510F-930C405BFF46}"/>
-              </a:ext>
-            </a:extLst>
-          </p:cNvPr>
-          <p:cNvSpPr txBox="1"/>
-          <p:nvPr/>
-        </p:nvSpPr>
-        <p:spPr>
-          <a:xfrm>
-            <a:off x="290993" y="219794"/>
-            <a:ext cx="11610014" cy="1200329"/>
-          </a:xfrm>
-          <a:prstGeom prst="rect">
-            <a:avLst/>
-          </a:prstGeom>
-          <a:noFill/>
-        </p:spPr>
-        <p:txBody>
-          <a:bodyPr wrap="square" rtlCol="0">
-            <a:spAutoFit/>
-          </a:bodyPr>
-          <a:lstStyle/>
-          <a:p>
-            <a:pPr algn="ctr"/>
-            <a:r>
-              <a:rPr lang="en-US" sz="7200" dirty="0">
-                <a:solidFill>
-                  <a:schemeClr val="bg1"/>
-                </a:solidFill>
-                <a:effectLst>
-                  <a:outerShdw blurRad="63500" sx="102000" sy="102000" algn="ctr" rotWithShape="0">
-                    <a:prstClr val="black">
-                      <a:alpha val="40000"/>
-                    </a:prstClr>
-                  </a:outerShdw>
-                </a:effectLst>
-                <a:latin typeface="Lemon Tea" panose="02000600000000000000" pitchFamily="2" charset="0"/>
-              </a:rPr>
-              <a:t>Grade 4 </a:t>
-            </a:r>
-            <a:r>
-              <a:rPr lang="en-US" sz="7200" dirty="0" err="1">
-                <a:solidFill>
-                  <a:schemeClr val="bg1"/>
-                </a:solidFill>
-                <a:effectLst>
-                  <a:outerShdw blurRad="63500" sx="102000" sy="102000" algn="ctr" rotWithShape="0">
-                    <a:prstClr val="black">
-                      <a:alpha val="40000"/>
-                    </a:prstClr>
-                  </a:outerShdw>
-                </a:effectLst>
-                <a:latin typeface="Lemon Tea" panose="02000600000000000000" pitchFamily="2" charset="0"/>
-              </a:rPr>
-              <a:t>english</a:t>
-            </a:r>
-            <a:endParaRPr lang="en-US" sz="7200" dirty="0">
-              <a:solidFill>
-                <a:schemeClr val="bg1"/>
-              </a:solidFill>
-              <a:effectLst>
-                <a:outerShdw blurRad="63500" sx="102000" sy="102000" algn="ctr" rotWithShape="0">
-                  <a:prstClr val="black">
-                    <a:alpha val="40000"/>
-                  </a:prstClr>
-                </a:outerShdw>
-              </a:effectLst>
-              <a:latin typeface="Lemon Tea" panose="02000600000000000000" pitchFamily="2" charset="0"/>
-            </a:endParaRPr>
-          </a:p>
-        </p:txBody>
-      </p:sp>
-    </p:spTree>
-    <p:extLst>
-      <p:ext uri="{BB962C8B-B14F-4D97-AF65-F5344CB8AC3E}">
-        <p14:creationId xmlns:p14="http://schemas.microsoft.com/office/powerpoint/2010/main" val="781852429"/>
-      </p:ext>
-    </p:extLst>
-  </p:cSld>
-  <p:clrMapOvr>
-    <a:masterClrMapping/>
-  </p:clrMapOvr>
-  <mc:AlternateContent xmlns:mc="http://schemas.openxmlformats.org/markup-compatibility/2006" xmlns:p159="http://schemas.microsoft.com/office/powerpoint/2015/09/main">
-    <mc:Choice Requires="p159">
-      <p:transition xmlns:p14="http://schemas.microsoft.com/office/powerpoint/2010/main" spd="slow" p14:dur="2000">
-        <p159:morph option="byObject"/>
-      </p:transition>
-    </mc:Choice>
-    <mc:Fallback xmlns="">
-      <p:transition spd="slow">
-        <p:fade/>
-      </p:transition>
-    </mc:Fallback>
-  </mc:AlternateContent>
-</p:sld>
-</file>
-
-<file path=ppt/slides/slide3.xml><?xml version="1.0" encoding="utf-8"?>
-<p:sld xmlns:a="http://schemas.openxmlformats.org/drawingml/2006/main" xmlns:r="http://schemas.openxmlformats.org/officeDocument/2006/relationships" xmlns:p="http://schemas.openxmlformats.org/presentationml/2006/main">
-  <p:cSld>
-    <p:bg>
-      <p:bgPr>
-        <a:solidFill>
-          <a:schemeClr val="bg1"/>
-        </a:solidFill>
-        <a:effectLst/>
-      </p:bgPr>
-    </p:bg>
-    <p:spTree>
-      <p:nvGrpSpPr>
-        <p:cNvPr id="1" name="">
-          <a:extLst>
-            <a:ext uri="{FF2B5EF4-FFF2-40B4-BE49-F238E27FC236}">
-              <a16:creationId xmlns:a16="http://schemas.microsoft.com/office/drawing/2014/main" id="{5B38F32C-CF9A-888A-B7BA-D00782D2DF95}"/>
-            </a:ext>
-          </a:extLst>
-        </p:cNvPr>
-        <p:cNvGrpSpPr/>
-        <p:nvPr/>
-      </p:nvGrpSpPr>
-      <p:grpSpPr>
-        <a:xfrm>
-          <a:off x="0" y="0"/>
-          <a:ext cx="0" cy="0"/>
-          <a:chOff x="0" y="0"/>
-          <a:chExt cx="0" cy="0"/>
-        </a:xfrm>
-      </p:grpSpPr>
-      <p:sp>
-        <p:nvSpPr>
-          <p:cNvPr id="14" name="Rectangle: Rounded Corners 13">
-            <a:extLst>
-              <a:ext uri="{FF2B5EF4-FFF2-40B4-BE49-F238E27FC236}">
-                <a16:creationId xmlns:a16="http://schemas.microsoft.com/office/drawing/2014/main" id="{D6FF17E0-BCED-0809-29DA-4C3DF0472632}"/>
-              </a:ext>
-            </a:extLst>
-          </p:cNvPr>
-          <p:cNvSpPr/>
-          <p:nvPr/>
-        </p:nvSpPr>
-        <p:spPr>
-          <a:xfrm>
-            <a:off x="761340" y="2134586"/>
-            <a:ext cx="3543301" cy="4390392"/>
-          </a:xfrm>
-          <a:prstGeom prst="roundRect">
-            <a:avLst/>
-          </a:prstGeom>
-          <a:solidFill>
-            <a:srgbClr val="49BB92"/>
-          </a:solidFill>
-          <a:ln w="127000">
-            <a:solidFill>
-              <a:srgbClr val="33896A"/>
-            </a:solidFill>
-          </a:ln>
-          <a:effectLst/>
-        </p:spPr>
-        <p:style>
-          <a:lnRef idx="2">
-            <a:schemeClr val="accent1">
-              <a:shade val="15000"/>
-            </a:schemeClr>
-          </a:lnRef>
-          <a:fillRef idx="1">
-            <a:schemeClr val="accent1"/>
-          </a:fillRef>
-          <a:effectRef idx="0">
-            <a:schemeClr val="accent1"/>
-          </a:effectRef>
-          <a:fontRef idx="minor">
-            <a:schemeClr val="lt1"/>
-          </a:fontRef>
-        </p:style>
-        <p:txBody>
-          <a:bodyPr rtlCol="0" anchor="ctr"/>
-          <a:lstStyle/>
-          <a:p>
-            <a:pPr algn="ctr"/>
-            <a:endParaRPr lang="en-US" dirty="0"/>
-          </a:p>
-        </p:txBody>
-      </p:sp>
-      <p:pic>
-        <p:nvPicPr>
-          <p:cNvPr id="3" name="Picture 2" descr="A group of colorful bubbles&#10;&#10;AI-generated content may be incorrect.">
-            <a:extLst>
-              <a:ext uri="{FF2B5EF4-FFF2-40B4-BE49-F238E27FC236}">
-                <a16:creationId xmlns:a16="http://schemas.microsoft.com/office/drawing/2014/main" id="{D12D84F0-9370-7F24-4B41-821FCAA4833D}"/>
-              </a:ext>
-            </a:extLst>
-          </p:cNvPr>
-          <p:cNvPicPr>
-            <a:picLocks noChangeAspect="1"/>
-          </p:cNvPicPr>
-          <p:nvPr/>
-        </p:nvPicPr>
-        <p:blipFill>
-          <a:blip r:embed="rId2">
-            <a:extLst>
-              <a:ext uri="{28A0092B-C50C-407E-A947-70E740481C1C}">
-                <a14:useLocalDpi xmlns:a14="http://schemas.microsoft.com/office/drawing/2010/main" val="0"/>
-              </a:ext>
-            </a:extLst>
-          </a:blip>
-          <a:stretch>
-            <a:fillRect/>
-          </a:stretch>
-        </p:blipFill>
-        <p:spPr>
-          <a:xfrm>
-            <a:off x="0" y="-5177039"/>
-            <a:ext cx="12192000" cy="6858000"/>
-          </a:xfrm>
-          <a:prstGeom prst="rect">
-            <a:avLst/>
-          </a:prstGeom>
-        </p:spPr>
-      </p:pic>
-      <p:sp>
-        <p:nvSpPr>
-          <p:cNvPr id="4" name="TextBox 3">
-            <a:extLst>
-              <a:ext uri="{FF2B5EF4-FFF2-40B4-BE49-F238E27FC236}">
-                <a16:creationId xmlns:a16="http://schemas.microsoft.com/office/drawing/2014/main" id="{703A3681-10E0-AE30-5EAA-351A07B31F09}"/>
-              </a:ext>
-            </a:extLst>
-          </p:cNvPr>
-          <p:cNvSpPr txBox="1"/>
-          <p:nvPr/>
-        </p:nvSpPr>
-        <p:spPr>
-          <a:xfrm>
-            <a:off x="290993" y="219794"/>
-            <a:ext cx="11610014" cy="1200329"/>
-          </a:xfrm>
-          <a:prstGeom prst="rect">
-            <a:avLst/>
-          </a:prstGeom>
-          <a:noFill/>
-        </p:spPr>
-        <p:txBody>
-          <a:bodyPr wrap="square" rtlCol="0">
-            <a:spAutoFit/>
-          </a:bodyPr>
-          <a:lstStyle/>
-          <a:p>
-            <a:pPr algn="ctr"/>
-            <a:r>
-              <a:rPr lang="en-US" sz="7200" dirty="0">
-                <a:solidFill>
-                  <a:schemeClr val="bg1"/>
-                </a:solidFill>
-                <a:effectLst>
-                  <a:outerShdw blurRad="63500" sx="102000" sy="102000" algn="ctr" rotWithShape="0">
-                    <a:prstClr val="black">
-                      <a:alpha val="40000"/>
-                    </a:prstClr>
-                  </a:outerShdw>
-                </a:effectLst>
-                <a:latin typeface="Lemon Tea" panose="02000600000000000000" pitchFamily="2" charset="0"/>
-              </a:rPr>
-              <a:t>Grade 4 </a:t>
-            </a:r>
-            <a:r>
-              <a:rPr lang="en-US" sz="7200" dirty="0" err="1">
-                <a:solidFill>
-                  <a:schemeClr val="bg1"/>
-                </a:solidFill>
-                <a:effectLst>
-                  <a:outerShdw blurRad="63500" sx="102000" sy="102000" algn="ctr" rotWithShape="0">
-                    <a:prstClr val="black">
-                      <a:alpha val="40000"/>
-                    </a:prstClr>
-                  </a:outerShdw>
-                </a:effectLst>
-                <a:latin typeface="Lemon Tea" panose="02000600000000000000" pitchFamily="2" charset="0"/>
-              </a:rPr>
-              <a:t>english</a:t>
-            </a:r>
-            <a:endParaRPr lang="en-US" sz="7200" dirty="0">
-              <a:solidFill>
-                <a:schemeClr val="bg1"/>
-              </a:solidFill>
-              <a:effectLst>
-                <a:outerShdw blurRad="63500" sx="102000" sy="102000" algn="ctr" rotWithShape="0">
-                  <a:prstClr val="black">
-                    <a:alpha val="40000"/>
-                  </a:prstClr>
-                </a:outerShdw>
-              </a:effectLst>
-              <a:latin typeface="Lemon Tea" panose="02000600000000000000" pitchFamily="2" charset="0"/>
-            </a:endParaRPr>
-          </a:p>
-        </p:txBody>
-      </p:sp>
-      <p:sp>
-        <p:nvSpPr>
-          <p:cNvPr id="5" name="Rectangle: Rounded Corners 4">
-            <a:extLst>
-              <a:ext uri="{FF2B5EF4-FFF2-40B4-BE49-F238E27FC236}">
-                <a16:creationId xmlns:a16="http://schemas.microsoft.com/office/drawing/2014/main" id="{72820AA2-99D9-8220-5896-27AEAACD1F47}"/>
-              </a:ext>
-            </a:extLst>
-          </p:cNvPr>
-          <p:cNvSpPr/>
-          <p:nvPr/>
-        </p:nvSpPr>
-        <p:spPr>
-          <a:xfrm>
-            <a:off x="9899071" y="757054"/>
-            <a:ext cx="1076185" cy="452284"/>
-          </a:xfrm>
-          <a:prstGeom prst="roundRect">
-            <a:avLst/>
-          </a:prstGeom>
-          <a:gradFill flip="none" rotWithShape="1">
-            <a:gsLst>
-              <a:gs pos="0">
-                <a:srgbClr val="00B0F0"/>
-              </a:gs>
-              <a:gs pos="100000">
-                <a:srgbClr val="0070C0"/>
-              </a:gs>
-            </a:gsLst>
-            <a:lin ang="5400000" scaled="0"/>
-            <a:tileRect/>
-          </a:gradFill>
-          <a:ln>
-            <a:noFill/>
-          </a:ln>
-        </p:spPr>
-        <p:style>
-          <a:lnRef idx="2">
-            <a:schemeClr val="accent1">
-              <a:shade val="15000"/>
-            </a:schemeClr>
-          </a:lnRef>
-          <a:fillRef idx="1">
-            <a:schemeClr val="accent1"/>
-          </a:fillRef>
-          <a:effectRef idx="0">
-            <a:schemeClr val="accent1"/>
-          </a:effectRef>
-          <a:fontRef idx="minor">
-            <a:schemeClr val="lt1"/>
-          </a:fontRef>
-        </p:style>
-        <p:txBody>
-          <a:bodyPr rtlCol="0" anchor="ctr"/>
-          <a:lstStyle/>
-          <a:p>
-            <a:pPr algn="ctr"/>
-            <a:r>
-              <a:rPr lang="en-US" dirty="0">
-                <a:latin typeface="Poppins" panose="00000500000000000000" pitchFamily="2" charset="0"/>
-                <a:cs typeface="Poppins" panose="00000500000000000000" pitchFamily="2" charset="0"/>
-              </a:rPr>
-              <a:t>Unit 1</a:t>
-            </a:r>
-          </a:p>
-        </p:txBody>
-      </p:sp>
-      <p:sp>
-        <p:nvSpPr>
-          <p:cNvPr id="2" name="Rectangle: Rounded Corners 1">
-            <a:extLst>
-              <a:ext uri="{FF2B5EF4-FFF2-40B4-BE49-F238E27FC236}">
-                <a16:creationId xmlns:a16="http://schemas.microsoft.com/office/drawing/2014/main" id="{E535DCF0-A119-29E3-883A-20D740634D7A}"/>
-              </a:ext>
-            </a:extLst>
-          </p:cNvPr>
-          <p:cNvSpPr/>
-          <p:nvPr/>
-        </p:nvSpPr>
-        <p:spPr>
-          <a:xfrm>
-            <a:off x="685799" y="2081846"/>
-            <a:ext cx="3543301" cy="4390392"/>
-          </a:xfrm>
-          <a:prstGeom prst="roundRect">
-            <a:avLst/>
-          </a:prstGeom>
-          <a:solidFill>
-            <a:srgbClr val="49BB92"/>
-          </a:solidFill>
-          <a:ln w="127000">
-            <a:solidFill>
-              <a:srgbClr val="49BB92"/>
-            </a:solidFill>
-          </a:ln>
-          <a:effectLst/>
-        </p:spPr>
-        <p:style>
-          <a:lnRef idx="2">
-            <a:schemeClr val="accent1">
-              <a:shade val="15000"/>
-            </a:schemeClr>
-          </a:lnRef>
-          <a:fillRef idx="1">
-            <a:schemeClr val="accent1"/>
-          </a:fillRef>
-          <a:effectRef idx="0">
-            <a:schemeClr val="accent1"/>
-          </a:effectRef>
-          <a:fontRef idx="minor">
-            <a:schemeClr val="lt1"/>
-          </a:fontRef>
-        </p:style>
-        <p:txBody>
-          <a:bodyPr rtlCol="0" anchor="ctr"/>
-          <a:lstStyle/>
-          <a:p>
-            <a:pPr algn="ctr"/>
-            <a:endParaRPr lang="en-US" dirty="0"/>
-          </a:p>
-        </p:txBody>
-      </p:sp>
-      <p:sp>
-        <p:nvSpPr>
-          <p:cNvPr id="6" name="Rectangle: Rounded Corners 5">
-            <a:extLst>
-              <a:ext uri="{FF2B5EF4-FFF2-40B4-BE49-F238E27FC236}">
-                <a16:creationId xmlns:a16="http://schemas.microsoft.com/office/drawing/2014/main" id="{2FF6BB30-83E5-99E1-4D0B-24C3B0CE3C3A}"/>
-              </a:ext>
-            </a:extLst>
-          </p:cNvPr>
-          <p:cNvSpPr/>
-          <p:nvPr/>
-        </p:nvSpPr>
-        <p:spPr>
-          <a:xfrm>
-            <a:off x="685799" y="2772101"/>
-            <a:ext cx="3543301" cy="3428675"/>
-          </a:xfrm>
-          <a:prstGeom prst="roundRect">
-            <a:avLst/>
-          </a:prstGeom>
-          <a:solidFill>
-            <a:srgbClr val="F4F1EC"/>
-          </a:solidFill>
-          <a:ln w="127000">
-            <a:solidFill>
-              <a:srgbClr val="49BB92"/>
-            </a:solidFill>
-          </a:ln>
-        </p:spPr>
-        <p:style>
-          <a:lnRef idx="2">
-            <a:schemeClr val="accent1">
-              <a:shade val="15000"/>
-            </a:schemeClr>
-          </a:lnRef>
-          <a:fillRef idx="1">
-            <a:schemeClr val="accent1"/>
-          </a:fillRef>
-          <a:effectRef idx="0">
-            <a:schemeClr val="accent1"/>
-          </a:effectRef>
-          <a:fontRef idx="minor">
-            <a:schemeClr val="lt1"/>
-          </a:fontRef>
-        </p:style>
-        <p:txBody>
-          <a:bodyPr rtlCol="0" anchor="ctr"/>
-          <a:lstStyle/>
-          <a:p>
-            <a:pPr algn="ctr"/>
-            <a:endParaRPr lang="en-US"/>
-          </a:p>
-        </p:txBody>
-      </p:sp>
-      <p:sp>
-        <p:nvSpPr>
-          <p:cNvPr id="7" name="TextBox 6">
-            <a:extLst>
-              <a:ext uri="{FF2B5EF4-FFF2-40B4-BE49-F238E27FC236}">
-                <a16:creationId xmlns:a16="http://schemas.microsoft.com/office/drawing/2014/main" id="{BF2B8289-4B14-47E4-DEFC-3BBD9A8FEC5A}"/>
-              </a:ext>
-            </a:extLst>
-          </p:cNvPr>
-          <p:cNvSpPr txBox="1"/>
-          <p:nvPr/>
-        </p:nvSpPr>
-        <p:spPr>
-          <a:xfrm flipH="1">
-            <a:off x="942388" y="2134586"/>
-            <a:ext cx="3040381" cy="584775"/>
-          </a:xfrm>
-          <a:prstGeom prst="rect">
-            <a:avLst/>
-          </a:prstGeom>
-          <a:noFill/>
-        </p:spPr>
-        <p:txBody>
-          <a:bodyPr wrap="square" rtlCol="0">
-            <a:spAutoFit/>
-          </a:bodyPr>
-          <a:lstStyle/>
-          <a:p>
-            <a:pPr algn="ctr"/>
-            <a:r>
-              <a:rPr lang="en-US" sz="3200" dirty="0">
-                <a:solidFill>
-                  <a:schemeClr val="bg1"/>
-                </a:solidFill>
-                <a:latin typeface="Cherry Bomb One" panose="02000000000000000000" pitchFamily="2" charset="-128"/>
-                <a:ea typeface="Cherry Bomb One" panose="02000000000000000000" pitchFamily="2" charset="-128"/>
-                <a:cs typeface="Fredoka" pitchFamily="2" charset="-79"/>
-              </a:rPr>
-              <a:t>CHAPTERS</a:t>
-            </a:r>
-          </a:p>
-        </p:txBody>
-      </p:sp>
-      <p:sp>
-        <p:nvSpPr>
-          <p:cNvPr id="8" name="Rectangle: Rounded Corners 7">
-            <a:extLst>
-              <a:ext uri="{FF2B5EF4-FFF2-40B4-BE49-F238E27FC236}">
-                <a16:creationId xmlns:a16="http://schemas.microsoft.com/office/drawing/2014/main" id="{2EEF3599-6B29-F457-DD28-80E0EE04C57D}"/>
-              </a:ext>
-            </a:extLst>
-          </p:cNvPr>
-          <p:cNvSpPr/>
-          <p:nvPr/>
-        </p:nvSpPr>
-        <p:spPr>
-          <a:xfrm>
-            <a:off x="937258" y="3086100"/>
-            <a:ext cx="3040381" cy="342900"/>
-          </a:xfrm>
-          <a:prstGeom prst="roundRect">
-            <a:avLst>
-              <a:gd name="adj" fmla="val 30000"/>
-            </a:avLst>
-          </a:prstGeom>
-          <a:solidFill>
-            <a:srgbClr val="E8D9C6"/>
-          </a:solidFill>
-          <a:ln w="28575">
-            <a:solidFill>
-              <a:srgbClr val="D4C1A9"/>
-            </a:solidFill>
-          </a:ln>
-        </p:spPr>
-        <p:style>
-          <a:lnRef idx="2">
-            <a:schemeClr val="accent1">
-              <a:shade val="15000"/>
-            </a:schemeClr>
-          </a:lnRef>
-          <a:fillRef idx="1">
-            <a:schemeClr val="accent1"/>
-          </a:fillRef>
-          <a:effectRef idx="0">
-            <a:schemeClr val="accent1"/>
-          </a:effectRef>
-          <a:fontRef idx="minor">
-            <a:schemeClr val="lt1"/>
-          </a:fontRef>
-        </p:style>
-        <p:txBody>
-          <a:bodyPr rtlCol="0" anchor="ctr"/>
-          <a:lstStyle/>
-          <a:p>
-            <a:pPr algn="ctr"/>
-            <a:r>
-              <a:rPr lang="en-US" b="1" dirty="0">
-                <a:latin typeface="Irish Grover" panose="02000000000000000000" pitchFamily="2" charset="0"/>
-                <a:cs typeface="Fredoka" pitchFamily="2" charset="-79"/>
-              </a:rPr>
-              <a:t>Unit 1</a:t>
-            </a:r>
-          </a:p>
-        </p:txBody>
-      </p:sp>
-      <p:sp>
-        <p:nvSpPr>
-          <p:cNvPr id="9" name="Rectangle: Rounded Corners 8">
-            <a:extLst>
-              <a:ext uri="{FF2B5EF4-FFF2-40B4-BE49-F238E27FC236}">
-                <a16:creationId xmlns:a16="http://schemas.microsoft.com/office/drawing/2014/main" id="{5A0042DD-8C95-8527-2BEB-6F70BC230DE1}"/>
-              </a:ext>
-            </a:extLst>
-          </p:cNvPr>
-          <p:cNvSpPr/>
-          <p:nvPr/>
-        </p:nvSpPr>
-        <p:spPr>
-          <a:xfrm>
-            <a:off x="937258" y="3571549"/>
-            <a:ext cx="3040381" cy="342900"/>
-          </a:xfrm>
-          <a:prstGeom prst="roundRect">
-            <a:avLst>
-              <a:gd name="adj" fmla="val 30000"/>
-            </a:avLst>
-          </a:prstGeom>
-          <a:solidFill>
-            <a:srgbClr val="E8D9C6"/>
-          </a:solidFill>
-          <a:ln w="28575">
-            <a:solidFill>
-              <a:srgbClr val="D4C1A9"/>
-            </a:solidFill>
-          </a:ln>
-        </p:spPr>
-        <p:style>
-          <a:lnRef idx="2">
-            <a:schemeClr val="accent1">
-              <a:shade val="15000"/>
-            </a:schemeClr>
-          </a:lnRef>
-          <a:fillRef idx="1">
-            <a:schemeClr val="accent1"/>
-          </a:fillRef>
-          <a:effectRef idx="0">
-            <a:schemeClr val="accent1"/>
-          </a:effectRef>
-          <a:fontRef idx="minor">
-            <a:schemeClr val="lt1"/>
-          </a:fontRef>
-        </p:style>
-        <p:txBody>
-          <a:bodyPr rtlCol="0" anchor="ctr"/>
-          <a:lstStyle/>
-          <a:p>
-            <a:pPr algn="ctr"/>
-            <a:r>
-              <a:rPr lang="en-US" b="1" dirty="0">
-                <a:latin typeface="Irish Grover" panose="02000000000000000000" pitchFamily="2" charset="0"/>
-                <a:cs typeface="Fredoka" pitchFamily="2" charset="-79"/>
-              </a:rPr>
-              <a:t>Unit 2</a:t>
-            </a:r>
-          </a:p>
-        </p:txBody>
-      </p:sp>
-      <p:sp>
-        <p:nvSpPr>
-          <p:cNvPr id="10" name="Rectangle: Rounded Corners 9">
-            <a:extLst>
-              <a:ext uri="{FF2B5EF4-FFF2-40B4-BE49-F238E27FC236}">
-                <a16:creationId xmlns:a16="http://schemas.microsoft.com/office/drawing/2014/main" id="{C48AE2DA-FF65-D5C9-7F84-B2B2850A000D}"/>
-              </a:ext>
-            </a:extLst>
-          </p:cNvPr>
-          <p:cNvSpPr/>
-          <p:nvPr/>
-        </p:nvSpPr>
-        <p:spPr>
-          <a:xfrm>
-            <a:off x="937257" y="4057813"/>
-            <a:ext cx="3040381" cy="342900"/>
-          </a:xfrm>
-          <a:prstGeom prst="roundRect">
-            <a:avLst>
-              <a:gd name="adj" fmla="val 30000"/>
-            </a:avLst>
-          </a:prstGeom>
-          <a:solidFill>
-            <a:srgbClr val="E8D9C6"/>
-          </a:solidFill>
-          <a:ln w="28575">
-            <a:solidFill>
-              <a:srgbClr val="D4C1A9"/>
-            </a:solidFill>
-          </a:ln>
-        </p:spPr>
-        <p:style>
-          <a:lnRef idx="2">
-            <a:schemeClr val="accent1">
-              <a:shade val="15000"/>
-            </a:schemeClr>
-          </a:lnRef>
-          <a:fillRef idx="1">
-            <a:schemeClr val="accent1"/>
-          </a:fillRef>
-          <a:effectRef idx="0">
-            <a:schemeClr val="accent1"/>
-          </a:effectRef>
-          <a:fontRef idx="minor">
-            <a:schemeClr val="lt1"/>
-          </a:fontRef>
-        </p:style>
-        <p:txBody>
-          <a:bodyPr rtlCol="0" anchor="ctr"/>
-          <a:lstStyle/>
-          <a:p>
-            <a:pPr algn="ctr"/>
-            <a:r>
-              <a:rPr lang="en-US" b="1" dirty="0">
-                <a:latin typeface="Irish Grover" panose="02000000000000000000" pitchFamily="2" charset="0"/>
-                <a:cs typeface="Fredoka" pitchFamily="2" charset="-79"/>
-              </a:rPr>
-              <a:t>Unit 3</a:t>
-            </a:r>
-          </a:p>
-        </p:txBody>
-      </p:sp>
-      <p:sp>
-        <p:nvSpPr>
-          <p:cNvPr id="11" name="Rectangle: Rounded Corners 10">
-            <a:extLst>
-              <a:ext uri="{FF2B5EF4-FFF2-40B4-BE49-F238E27FC236}">
-                <a16:creationId xmlns:a16="http://schemas.microsoft.com/office/drawing/2014/main" id="{D67DA627-3A72-D5E4-5CB6-3AA59859C60F}"/>
-              </a:ext>
-            </a:extLst>
-          </p:cNvPr>
-          <p:cNvSpPr/>
-          <p:nvPr/>
-        </p:nvSpPr>
-        <p:spPr>
-          <a:xfrm>
-            <a:off x="937256" y="4543262"/>
-            <a:ext cx="3040381" cy="342900"/>
-          </a:xfrm>
-          <a:prstGeom prst="roundRect">
-            <a:avLst>
-              <a:gd name="adj" fmla="val 30000"/>
-            </a:avLst>
-          </a:prstGeom>
-          <a:solidFill>
-            <a:srgbClr val="E8D9C6"/>
-          </a:solidFill>
-          <a:ln w="28575">
-            <a:solidFill>
-              <a:srgbClr val="D4C1A9"/>
-            </a:solidFill>
-          </a:ln>
-        </p:spPr>
-        <p:style>
-          <a:lnRef idx="2">
-            <a:schemeClr val="accent1">
-              <a:shade val="15000"/>
-            </a:schemeClr>
-          </a:lnRef>
-          <a:fillRef idx="1">
-            <a:schemeClr val="accent1"/>
-          </a:fillRef>
-          <a:effectRef idx="0">
-            <a:schemeClr val="accent1"/>
-          </a:effectRef>
-          <a:fontRef idx="minor">
-            <a:schemeClr val="lt1"/>
-          </a:fontRef>
-        </p:style>
-        <p:txBody>
-          <a:bodyPr rtlCol="0" anchor="ctr"/>
-          <a:lstStyle/>
-          <a:p>
-            <a:pPr algn="ctr"/>
-            <a:r>
-              <a:rPr lang="en-US" b="1" dirty="0">
-                <a:latin typeface="Irish Grover" panose="02000000000000000000" pitchFamily="2" charset="0"/>
-                <a:cs typeface="Fredoka" pitchFamily="2" charset="-79"/>
-              </a:rPr>
-              <a:t>Unit 4</a:t>
-            </a:r>
-          </a:p>
-        </p:txBody>
-      </p:sp>
-      <p:sp>
-        <p:nvSpPr>
-          <p:cNvPr id="12" name="Rectangle: Rounded Corners 11">
-            <a:extLst>
-              <a:ext uri="{FF2B5EF4-FFF2-40B4-BE49-F238E27FC236}">
-                <a16:creationId xmlns:a16="http://schemas.microsoft.com/office/drawing/2014/main" id="{287D23B7-1C66-15F7-C468-31A00C390FB1}"/>
-              </a:ext>
-            </a:extLst>
-          </p:cNvPr>
-          <p:cNvSpPr/>
-          <p:nvPr/>
-        </p:nvSpPr>
-        <p:spPr>
-          <a:xfrm>
-            <a:off x="937255" y="5028711"/>
-            <a:ext cx="3040381" cy="342900"/>
-          </a:xfrm>
-          <a:prstGeom prst="roundRect">
-            <a:avLst>
-              <a:gd name="adj" fmla="val 30000"/>
-            </a:avLst>
-          </a:prstGeom>
-          <a:solidFill>
-            <a:srgbClr val="E8D9C6"/>
-          </a:solidFill>
-          <a:ln w="28575">
-            <a:solidFill>
-              <a:srgbClr val="D4C1A9"/>
-            </a:solidFill>
-          </a:ln>
-        </p:spPr>
-        <p:style>
-          <a:lnRef idx="2">
-            <a:schemeClr val="accent1">
-              <a:shade val="15000"/>
-            </a:schemeClr>
-          </a:lnRef>
-          <a:fillRef idx="1">
-            <a:schemeClr val="accent1"/>
-          </a:fillRef>
-          <a:effectRef idx="0">
-            <a:schemeClr val="accent1"/>
-          </a:effectRef>
-          <a:fontRef idx="minor">
-            <a:schemeClr val="lt1"/>
-          </a:fontRef>
-        </p:style>
-        <p:txBody>
-          <a:bodyPr rtlCol="0" anchor="ctr"/>
-          <a:lstStyle/>
-          <a:p>
-            <a:pPr algn="ctr"/>
-            <a:r>
-              <a:rPr lang="en-US" b="1" dirty="0">
-                <a:latin typeface="Irish Grover" panose="02000000000000000000" pitchFamily="2" charset="0"/>
-                <a:cs typeface="Fredoka" pitchFamily="2" charset="-79"/>
-              </a:rPr>
-              <a:t>Unit 5</a:t>
-            </a:r>
-          </a:p>
-        </p:txBody>
-      </p:sp>
-      <p:sp>
-        <p:nvSpPr>
-          <p:cNvPr id="13" name="Rectangle: Rounded Corners 12">
-            <a:extLst>
-              <a:ext uri="{FF2B5EF4-FFF2-40B4-BE49-F238E27FC236}">
-                <a16:creationId xmlns:a16="http://schemas.microsoft.com/office/drawing/2014/main" id="{5D3591BD-5A6F-F6AD-3597-ACF92B9518ED}"/>
-              </a:ext>
-            </a:extLst>
-          </p:cNvPr>
-          <p:cNvSpPr/>
-          <p:nvPr/>
-        </p:nvSpPr>
-        <p:spPr>
-          <a:xfrm>
-            <a:off x="937255" y="5491120"/>
-            <a:ext cx="3040381" cy="342900"/>
-          </a:xfrm>
-          <a:prstGeom prst="roundRect">
-            <a:avLst>
-              <a:gd name="adj" fmla="val 30000"/>
-            </a:avLst>
-          </a:prstGeom>
-          <a:solidFill>
-            <a:srgbClr val="E8D9C6"/>
-          </a:solidFill>
-          <a:ln w="28575">
-            <a:solidFill>
-              <a:srgbClr val="D4C1A9"/>
-            </a:solidFill>
-          </a:ln>
-        </p:spPr>
-        <p:style>
-          <a:lnRef idx="2">
-            <a:schemeClr val="accent1">
-              <a:shade val="15000"/>
-            </a:schemeClr>
-          </a:lnRef>
-          <a:fillRef idx="1">
-            <a:schemeClr val="accent1"/>
-          </a:fillRef>
-          <a:effectRef idx="0">
-            <a:schemeClr val="accent1"/>
-          </a:effectRef>
-          <a:fontRef idx="minor">
-            <a:schemeClr val="lt1"/>
-          </a:fontRef>
-        </p:style>
-        <p:txBody>
-          <a:bodyPr rtlCol="0" anchor="ctr"/>
-          <a:lstStyle/>
-          <a:p>
-            <a:pPr algn="ctr"/>
-            <a:r>
-              <a:rPr lang="en-US" b="1" dirty="0">
-                <a:latin typeface="Irish Grover" panose="02000000000000000000" pitchFamily="2" charset="0"/>
-                <a:cs typeface="Fredoka" pitchFamily="2" charset="-79"/>
-              </a:rPr>
-              <a:t>Unit 6</a:t>
-            </a:r>
-          </a:p>
-        </p:txBody>
-      </p:sp>
-      <p:pic>
-        <p:nvPicPr>
-          <p:cNvPr id="16" name="Picture 15">
-            <a:extLst>
-              <a:ext uri="{FF2B5EF4-FFF2-40B4-BE49-F238E27FC236}">
-                <a16:creationId xmlns:a16="http://schemas.microsoft.com/office/drawing/2014/main" id="{439376A8-C491-1D88-D9A5-683134B0DFFA}"/>
-              </a:ext>
-            </a:extLst>
-          </p:cNvPr>
-          <p:cNvPicPr>
-            <a:picLocks noChangeAspect="1"/>
-          </p:cNvPicPr>
-          <p:nvPr/>
-        </p:nvPicPr>
-        <p:blipFill>
-          <a:blip r:embed="rId3"/>
-          <a:stretch>
-            <a:fillRect/>
-          </a:stretch>
-        </p:blipFill>
-        <p:spPr>
-          <a:xfrm>
-            <a:off x="3876101" y="1970686"/>
-            <a:ext cx="459668" cy="459668"/>
-          </a:xfrm>
-          <a:prstGeom prst="rect">
-            <a:avLst/>
-          </a:prstGeom>
-        </p:spPr>
-      </p:pic>
-      <p:sp>
-        <p:nvSpPr>
-          <p:cNvPr id="17" name="Rectangle: Rounded Corners 16">
-            <a:extLst>
-              <a:ext uri="{FF2B5EF4-FFF2-40B4-BE49-F238E27FC236}">
-                <a16:creationId xmlns:a16="http://schemas.microsoft.com/office/drawing/2014/main" id="{2F72D6D2-433A-B02C-0148-2D4A505BA2CD}"/>
-              </a:ext>
-            </a:extLst>
-          </p:cNvPr>
-          <p:cNvSpPr/>
-          <p:nvPr/>
-        </p:nvSpPr>
-        <p:spPr>
-          <a:xfrm>
-            <a:off x="9218252" y="1424774"/>
-            <a:ext cx="2058061" cy="584012"/>
-          </a:xfrm>
-          <a:prstGeom prst="roundRect">
-            <a:avLst>
-              <a:gd name="adj" fmla="val 50000"/>
-            </a:avLst>
-          </a:prstGeom>
-          <a:gradFill flip="none" rotWithShape="1">
-            <a:gsLst>
-              <a:gs pos="14000">
-                <a:srgbClr val="7BE753"/>
-              </a:gs>
-              <a:gs pos="100000">
-                <a:srgbClr val="279415"/>
-              </a:gs>
-            </a:gsLst>
-            <a:lin ang="2700000" scaled="1"/>
-            <a:tileRect/>
-          </a:gradFill>
-          <a:ln>
-            <a:solidFill>
-              <a:srgbClr val="279415"/>
-            </a:solidFill>
-          </a:ln>
-        </p:spPr>
-        <p:style>
-          <a:lnRef idx="2">
-            <a:schemeClr val="accent1">
-              <a:shade val="15000"/>
-            </a:schemeClr>
-          </a:lnRef>
-          <a:fillRef idx="1">
-            <a:schemeClr val="accent1"/>
-          </a:fillRef>
-          <a:effectRef idx="0">
-            <a:schemeClr val="accent1"/>
-          </a:effectRef>
-          <a:fontRef idx="minor">
-            <a:schemeClr val="lt1"/>
-          </a:fontRef>
-        </p:style>
-        <p:txBody>
-          <a:bodyPr rtlCol="0" anchor="ctr"/>
-          <a:lstStyle/>
-          <a:p>
-            <a:pPr algn="ctr"/>
-            <a:r>
-              <a:rPr lang="en-US" sz="2800" b="1" dirty="0">
-                <a:latin typeface="Fredoka" pitchFamily="2" charset="-79"/>
-                <a:cs typeface="Fredoka" pitchFamily="2" charset="-79"/>
-              </a:rPr>
-              <a:t>Start</a:t>
-            </a:r>
-            <a:endParaRPr lang="en-US" sz="3200" b="1" dirty="0">
-              <a:latin typeface="Fredoka" pitchFamily="2" charset="-79"/>
-              <a:cs typeface="Fredoka" pitchFamily="2" charset="-79"/>
-            </a:endParaRPr>
-          </a:p>
-        </p:txBody>
-      </p:sp>
-      <p:pic>
-        <p:nvPicPr>
-          <p:cNvPr id="27" name="Picture 26">
-            <a:extLst>
-              <a:ext uri="{FF2B5EF4-FFF2-40B4-BE49-F238E27FC236}">
-                <a16:creationId xmlns:a16="http://schemas.microsoft.com/office/drawing/2014/main" id="{A9B6F6E3-AF7E-3A84-55A1-BE1084A27BB2}"/>
-              </a:ext>
-            </a:extLst>
-          </p:cNvPr>
-          <p:cNvPicPr>
-            <a:picLocks noChangeAspect="1"/>
-          </p:cNvPicPr>
-          <p:nvPr/>
-        </p:nvPicPr>
-        <p:blipFill>
-          <a:blip r:embed="rId4"/>
-          <a:stretch>
-            <a:fillRect/>
-          </a:stretch>
-        </p:blipFill>
-        <p:spPr>
-          <a:xfrm>
-            <a:off x="8454700" y="-849149"/>
-            <a:ext cx="1800476" cy="1495634"/>
-          </a:xfrm>
-          <a:prstGeom prst="rect">
-            <a:avLst/>
-          </a:prstGeom>
-        </p:spPr>
-      </p:pic>
-      <p:pic>
-        <p:nvPicPr>
-          <p:cNvPr id="29" name="Picture 28">
-            <a:extLst>
-              <a:ext uri="{FF2B5EF4-FFF2-40B4-BE49-F238E27FC236}">
-                <a16:creationId xmlns:a16="http://schemas.microsoft.com/office/drawing/2014/main" id="{6DD98306-9377-B041-3E70-2C0AA7B78ED7}"/>
-              </a:ext>
-            </a:extLst>
-          </p:cNvPr>
-          <p:cNvPicPr>
-            <a:picLocks noChangeAspect="1"/>
-          </p:cNvPicPr>
-          <p:nvPr/>
-        </p:nvPicPr>
-        <p:blipFill>
-          <a:blip r:embed="rId5"/>
-          <a:stretch>
-            <a:fillRect/>
-          </a:stretch>
-        </p:blipFill>
-        <p:spPr>
-          <a:xfrm>
-            <a:off x="9889883" y="-698601"/>
-            <a:ext cx="1619476" cy="1305107"/>
-          </a:xfrm>
-          <a:prstGeom prst="rect">
-            <a:avLst/>
-          </a:prstGeom>
-        </p:spPr>
-      </p:pic>
-      <p:sp>
-        <p:nvSpPr>
-          <p:cNvPr id="30" name="Rectangle: Rounded Corners 29">
-            <a:extLst>
-              <a:ext uri="{FF2B5EF4-FFF2-40B4-BE49-F238E27FC236}">
-                <a16:creationId xmlns:a16="http://schemas.microsoft.com/office/drawing/2014/main" id="{22B8F4E0-72AF-929F-C6A4-630174359DC6}"/>
-              </a:ext>
-            </a:extLst>
-          </p:cNvPr>
-          <p:cNvSpPr/>
-          <p:nvPr/>
-        </p:nvSpPr>
-        <p:spPr>
-          <a:xfrm>
-            <a:off x="4744628" y="2137966"/>
-            <a:ext cx="3543301" cy="4390392"/>
-          </a:xfrm>
-          <a:prstGeom prst="roundRect">
-            <a:avLst/>
-          </a:prstGeom>
-          <a:solidFill>
-            <a:srgbClr val="49BB92"/>
-          </a:solidFill>
-          <a:ln w="127000">
-            <a:solidFill>
-              <a:srgbClr val="692C9C"/>
-            </a:solidFill>
-          </a:ln>
-          <a:effectLst/>
-        </p:spPr>
-        <p:style>
-          <a:lnRef idx="2">
-            <a:schemeClr val="accent1">
-              <a:shade val="15000"/>
-            </a:schemeClr>
-          </a:lnRef>
-          <a:fillRef idx="1">
-            <a:schemeClr val="accent1"/>
-          </a:fillRef>
-          <a:effectRef idx="0">
-            <a:schemeClr val="accent1"/>
-          </a:effectRef>
-          <a:fontRef idx="minor">
-            <a:schemeClr val="lt1"/>
-          </a:fontRef>
-        </p:style>
-        <p:txBody>
-          <a:bodyPr rtlCol="0" anchor="ctr"/>
-          <a:lstStyle/>
-          <a:p>
-            <a:pPr algn="ctr"/>
-            <a:endParaRPr lang="en-US" dirty="0"/>
-          </a:p>
-        </p:txBody>
-      </p:sp>
-      <p:sp>
-        <p:nvSpPr>
-          <p:cNvPr id="31" name="Rectangle: Rounded Corners 30">
-            <a:extLst>
-              <a:ext uri="{FF2B5EF4-FFF2-40B4-BE49-F238E27FC236}">
-                <a16:creationId xmlns:a16="http://schemas.microsoft.com/office/drawing/2014/main" id="{5ED5142B-3A64-8DD3-615F-3DCF87FF6DD5}"/>
-              </a:ext>
-            </a:extLst>
-          </p:cNvPr>
-          <p:cNvSpPr/>
-          <p:nvPr/>
-        </p:nvSpPr>
-        <p:spPr>
-          <a:xfrm>
-            <a:off x="4669087" y="2085226"/>
-            <a:ext cx="3543301" cy="4390392"/>
-          </a:xfrm>
-          <a:prstGeom prst="roundRect">
-            <a:avLst/>
-          </a:prstGeom>
-          <a:solidFill>
-            <a:srgbClr val="9C5BD1"/>
-          </a:solidFill>
-          <a:ln w="127000">
-            <a:solidFill>
-              <a:srgbClr val="9C5BD1"/>
-            </a:solidFill>
-          </a:ln>
-          <a:effectLst/>
-        </p:spPr>
-        <p:style>
-          <a:lnRef idx="2">
-            <a:schemeClr val="accent1">
-              <a:shade val="15000"/>
-            </a:schemeClr>
-          </a:lnRef>
-          <a:fillRef idx="1">
-            <a:schemeClr val="accent1"/>
-          </a:fillRef>
-          <a:effectRef idx="0">
-            <a:schemeClr val="accent1"/>
-          </a:effectRef>
-          <a:fontRef idx="minor">
-            <a:schemeClr val="lt1"/>
-          </a:fontRef>
-        </p:style>
-        <p:txBody>
-          <a:bodyPr rtlCol="0" anchor="ctr"/>
-          <a:lstStyle/>
-          <a:p>
-            <a:pPr algn="ctr"/>
-            <a:endParaRPr lang="en-US" dirty="0"/>
-          </a:p>
-        </p:txBody>
-      </p:sp>
-      <p:sp>
-        <p:nvSpPr>
-          <p:cNvPr id="32" name="Rectangle: Rounded Corners 31">
-            <a:extLst>
-              <a:ext uri="{FF2B5EF4-FFF2-40B4-BE49-F238E27FC236}">
-                <a16:creationId xmlns:a16="http://schemas.microsoft.com/office/drawing/2014/main" id="{4C89FEB9-E324-BE74-B33F-97E3EA9100B6}"/>
-              </a:ext>
-            </a:extLst>
-          </p:cNvPr>
-          <p:cNvSpPr/>
-          <p:nvPr/>
-        </p:nvSpPr>
-        <p:spPr>
-          <a:xfrm>
-            <a:off x="4669087" y="2775481"/>
-            <a:ext cx="3543301" cy="3428675"/>
-          </a:xfrm>
-          <a:prstGeom prst="roundRect">
-            <a:avLst/>
-          </a:prstGeom>
-          <a:solidFill>
-            <a:srgbClr val="F4F1EC"/>
-          </a:solidFill>
-          <a:ln w="127000">
-            <a:solidFill>
-              <a:srgbClr val="9C5BD1"/>
-            </a:solidFill>
-          </a:ln>
-        </p:spPr>
-        <p:style>
-          <a:lnRef idx="2">
-            <a:schemeClr val="accent1">
-              <a:shade val="15000"/>
-            </a:schemeClr>
-          </a:lnRef>
-          <a:fillRef idx="1">
-            <a:schemeClr val="accent1"/>
-          </a:fillRef>
-          <a:effectRef idx="0">
-            <a:schemeClr val="accent1"/>
-          </a:effectRef>
-          <a:fontRef idx="minor">
-            <a:schemeClr val="lt1"/>
-          </a:fontRef>
-        </p:style>
-        <p:txBody>
-          <a:bodyPr rtlCol="0" anchor="ctr"/>
-          <a:lstStyle/>
-          <a:p>
-            <a:pPr algn="ctr"/>
-            <a:endParaRPr lang="en-US"/>
-          </a:p>
-        </p:txBody>
-      </p:sp>
-      <p:sp>
-        <p:nvSpPr>
-          <p:cNvPr id="33" name="TextBox 32">
-            <a:extLst>
-              <a:ext uri="{FF2B5EF4-FFF2-40B4-BE49-F238E27FC236}">
-                <a16:creationId xmlns:a16="http://schemas.microsoft.com/office/drawing/2014/main" id="{04647DAB-B59D-8C75-9946-DE604526D486}"/>
-              </a:ext>
-            </a:extLst>
-          </p:cNvPr>
-          <p:cNvSpPr txBox="1"/>
-          <p:nvPr/>
-        </p:nvSpPr>
-        <p:spPr>
-          <a:xfrm flipH="1">
-            <a:off x="4925676" y="2137966"/>
-            <a:ext cx="3040381" cy="584775"/>
-          </a:xfrm>
-          <a:prstGeom prst="rect">
-            <a:avLst/>
-          </a:prstGeom>
-          <a:noFill/>
-        </p:spPr>
-        <p:txBody>
-          <a:bodyPr wrap="square" rtlCol="0">
-            <a:spAutoFit/>
-          </a:bodyPr>
-          <a:lstStyle/>
-          <a:p>
-            <a:pPr algn="ctr"/>
-            <a:r>
-              <a:rPr lang="en-US" sz="3200" dirty="0">
-                <a:solidFill>
-                  <a:schemeClr val="bg1"/>
-                </a:solidFill>
-                <a:latin typeface="Cherry Bomb One" panose="02000000000000000000" pitchFamily="2" charset="-128"/>
-                <a:ea typeface="Cherry Bomb One" panose="02000000000000000000" pitchFamily="2" charset="-128"/>
-                <a:cs typeface="Fredoka" pitchFamily="2" charset="-79"/>
-              </a:rPr>
-              <a:t>Exercises</a:t>
-            </a:r>
-          </a:p>
-        </p:txBody>
-      </p:sp>
-      <p:sp>
-        <p:nvSpPr>
-          <p:cNvPr id="34" name="Rectangle: Rounded Corners 33">
-            <a:extLst>
-              <a:ext uri="{FF2B5EF4-FFF2-40B4-BE49-F238E27FC236}">
-                <a16:creationId xmlns:a16="http://schemas.microsoft.com/office/drawing/2014/main" id="{8589D716-AEE0-1BD1-A9CE-DE629B1D445D}"/>
-              </a:ext>
-            </a:extLst>
-          </p:cNvPr>
-          <p:cNvSpPr/>
-          <p:nvPr/>
-        </p:nvSpPr>
-        <p:spPr>
-          <a:xfrm>
-            <a:off x="4920546" y="3089480"/>
-            <a:ext cx="3040381" cy="342900"/>
-          </a:xfrm>
-          <a:prstGeom prst="roundRect">
-            <a:avLst>
-              <a:gd name="adj" fmla="val 30000"/>
-            </a:avLst>
-          </a:prstGeom>
-          <a:solidFill>
-            <a:srgbClr val="E8D9C6"/>
-          </a:solidFill>
-          <a:ln w="28575">
-            <a:solidFill>
-              <a:srgbClr val="D4C1A9"/>
-            </a:solidFill>
-          </a:ln>
-        </p:spPr>
-        <p:style>
-          <a:lnRef idx="2">
-            <a:schemeClr val="accent1">
-              <a:shade val="15000"/>
-            </a:schemeClr>
-          </a:lnRef>
-          <a:fillRef idx="1">
-            <a:schemeClr val="accent1"/>
-          </a:fillRef>
-          <a:effectRef idx="0">
-            <a:schemeClr val="accent1"/>
-          </a:effectRef>
-          <a:fontRef idx="minor">
-            <a:schemeClr val="lt1"/>
-          </a:fontRef>
-        </p:style>
-        <p:txBody>
-          <a:bodyPr rtlCol="0" anchor="ctr"/>
-          <a:lstStyle/>
-          <a:p>
-            <a:pPr algn="ctr"/>
-            <a:r>
-              <a:rPr lang="en-US" b="1" dirty="0">
-                <a:latin typeface="Irish Grover" panose="02000000000000000000" pitchFamily="2" charset="0"/>
-                <a:cs typeface="Fredoka" pitchFamily="2" charset="-79"/>
-              </a:rPr>
-              <a:t>Unit 1</a:t>
-            </a:r>
-          </a:p>
-        </p:txBody>
-      </p:sp>
-      <p:sp>
-        <p:nvSpPr>
-          <p:cNvPr id="35" name="Rectangle: Rounded Corners 34">
-            <a:extLst>
-              <a:ext uri="{FF2B5EF4-FFF2-40B4-BE49-F238E27FC236}">
-                <a16:creationId xmlns:a16="http://schemas.microsoft.com/office/drawing/2014/main" id="{A128A425-63C2-4BBD-5674-B782474014FF}"/>
-              </a:ext>
-            </a:extLst>
-          </p:cNvPr>
-          <p:cNvSpPr/>
-          <p:nvPr/>
-        </p:nvSpPr>
-        <p:spPr>
-          <a:xfrm>
-            <a:off x="4920546" y="3574929"/>
-            <a:ext cx="3040381" cy="342900"/>
-          </a:xfrm>
-          <a:prstGeom prst="roundRect">
-            <a:avLst>
-              <a:gd name="adj" fmla="val 30000"/>
-            </a:avLst>
-          </a:prstGeom>
-          <a:solidFill>
-            <a:srgbClr val="E8D9C6"/>
-          </a:solidFill>
-          <a:ln w="28575">
-            <a:solidFill>
-              <a:srgbClr val="D4C1A9"/>
-            </a:solidFill>
-          </a:ln>
-        </p:spPr>
-        <p:style>
-          <a:lnRef idx="2">
-            <a:schemeClr val="accent1">
-              <a:shade val="15000"/>
-            </a:schemeClr>
-          </a:lnRef>
-          <a:fillRef idx="1">
-            <a:schemeClr val="accent1"/>
-          </a:fillRef>
-          <a:effectRef idx="0">
-            <a:schemeClr val="accent1"/>
-          </a:effectRef>
-          <a:fontRef idx="minor">
-            <a:schemeClr val="lt1"/>
-          </a:fontRef>
-        </p:style>
-        <p:txBody>
-          <a:bodyPr rtlCol="0" anchor="ctr"/>
-          <a:lstStyle/>
-          <a:p>
-            <a:pPr algn="ctr"/>
-            <a:r>
-              <a:rPr lang="en-US" b="1" dirty="0">
-                <a:latin typeface="Irish Grover" panose="02000000000000000000" pitchFamily="2" charset="0"/>
-                <a:cs typeface="Fredoka" pitchFamily="2" charset="-79"/>
-              </a:rPr>
-              <a:t>Unit 2</a:t>
-            </a:r>
-          </a:p>
-        </p:txBody>
-      </p:sp>
-      <p:sp>
-        <p:nvSpPr>
-          <p:cNvPr id="36" name="Rectangle: Rounded Corners 35">
-            <a:extLst>
-              <a:ext uri="{FF2B5EF4-FFF2-40B4-BE49-F238E27FC236}">
-                <a16:creationId xmlns:a16="http://schemas.microsoft.com/office/drawing/2014/main" id="{9AE8EDE7-3796-DC38-1C6B-B92FBBA7D8BB}"/>
-              </a:ext>
-            </a:extLst>
-          </p:cNvPr>
-          <p:cNvSpPr/>
-          <p:nvPr/>
-        </p:nvSpPr>
-        <p:spPr>
-          <a:xfrm>
-            <a:off x="4920545" y="4061193"/>
-            <a:ext cx="3040381" cy="342900"/>
-          </a:xfrm>
-          <a:prstGeom prst="roundRect">
-            <a:avLst>
-              <a:gd name="adj" fmla="val 30000"/>
-            </a:avLst>
-          </a:prstGeom>
-          <a:solidFill>
-            <a:srgbClr val="E8D9C6"/>
-          </a:solidFill>
-          <a:ln w="28575">
-            <a:solidFill>
-              <a:srgbClr val="D4C1A9"/>
-            </a:solidFill>
-          </a:ln>
-        </p:spPr>
-        <p:style>
-          <a:lnRef idx="2">
-            <a:schemeClr val="accent1">
-              <a:shade val="15000"/>
-            </a:schemeClr>
-          </a:lnRef>
-          <a:fillRef idx="1">
-            <a:schemeClr val="accent1"/>
-          </a:fillRef>
-          <a:effectRef idx="0">
-            <a:schemeClr val="accent1"/>
-          </a:effectRef>
-          <a:fontRef idx="minor">
-            <a:schemeClr val="lt1"/>
-          </a:fontRef>
-        </p:style>
-        <p:txBody>
-          <a:bodyPr rtlCol="0" anchor="ctr"/>
-          <a:lstStyle/>
-          <a:p>
-            <a:pPr algn="ctr"/>
-            <a:r>
-              <a:rPr lang="en-US" b="1" dirty="0">
-                <a:latin typeface="Irish Grover" panose="02000000000000000000" pitchFamily="2" charset="0"/>
-                <a:cs typeface="Fredoka" pitchFamily="2" charset="-79"/>
-              </a:rPr>
-              <a:t>Unit 3</a:t>
-            </a:r>
-          </a:p>
-        </p:txBody>
-      </p:sp>
-      <p:sp>
-        <p:nvSpPr>
-          <p:cNvPr id="37" name="Rectangle: Rounded Corners 36">
-            <a:extLst>
-              <a:ext uri="{FF2B5EF4-FFF2-40B4-BE49-F238E27FC236}">
-                <a16:creationId xmlns:a16="http://schemas.microsoft.com/office/drawing/2014/main" id="{6BC58F3E-A593-E66B-0D11-046F5448A44E}"/>
-              </a:ext>
-            </a:extLst>
-          </p:cNvPr>
-          <p:cNvSpPr/>
-          <p:nvPr/>
-        </p:nvSpPr>
-        <p:spPr>
-          <a:xfrm>
-            <a:off x="4920544" y="4546642"/>
-            <a:ext cx="3040381" cy="342900"/>
-          </a:xfrm>
-          <a:prstGeom prst="roundRect">
-            <a:avLst>
-              <a:gd name="adj" fmla="val 30000"/>
-            </a:avLst>
-          </a:prstGeom>
-          <a:solidFill>
-            <a:srgbClr val="E8D9C6"/>
-          </a:solidFill>
-          <a:ln w="28575">
-            <a:solidFill>
-              <a:srgbClr val="D4C1A9"/>
-            </a:solidFill>
-          </a:ln>
-        </p:spPr>
-        <p:style>
-          <a:lnRef idx="2">
-            <a:schemeClr val="accent1">
-              <a:shade val="15000"/>
-            </a:schemeClr>
-          </a:lnRef>
-          <a:fillRef idx="1">
-            <a:schemeClr val="accent1"/>
-          </a:fillRef>
-          <a:effectRef idx="0">
-            <a:schemeClr val="accent1"/>
-          </a:effectRef>
-          <a:fontRef idx="minor">
-            <a:schemeClr val="lt1"/>
-          </a:fontRef>
-        </p:style>
-        <p:txBody>
-          <a:bodyPr rtlCol="0" anchor="ctr"/>
-          <a:lstStyle/>
-          <a:p>
-            <a:pPr algn="ctr"/>
-            <a:r>
-              <a:rPr lang="en-US" b="1" dirty="0">
-                <a:latin typeface="Irish Grover" panose="02000000000000000000" pitchFamily="2" charset="0"/>
-                <a:cs typeface="Fredoka" pitchFamily="2" charset="-79"/>
-              </a:rPr>
-              <a:t>Unit 4</a:t>
-            </a:r>
-          </a:p>
-        </p:txBody>
-      </p:sp>
-      <p:sp>
-        <p:nvSpPr>
-          <p:cNvPr id="38" name="Rectangle: Rounded Corners 37">
-            <a:extLst>
-              <a:ext uri="{FF2B5EF4-FFF2-40B4-BE49-F238E27FC236}">
-                <a16:creationId xmlns:a16="http://schemas.microsoft.com/office/drawing/2014/main" id="{C70C62CC-3479-996B-FCDD-B7F58AB4C874}"/>
-              </a:ext>
-            </a:extLst>
-          </p:cNvPr>
-          <p:cNvSpPr/>
-          <p:nvPr/>
-        </p:nvSpPr>
-        <p:spPr>
-          <a:xfrm>
-            <a:off x="4920543" y="5032091"/>
-            <a:ext cx="3040381" cy="342900"/>
-          </a:xfrm>
-          <a:prstGeom prst="roundRect">
-            <a:avLst>
-              <a:gd name="adj" fmla="val 30000"/>
-            </a:avLst>
-          </a:prstGeom>
-          <a:solidFill>
-            <a:srgbClr val="E8D9C6"/>
-          </a:solidFill>
-          <a:ln w="28575">
-            <a:solidFill>
-              <a:srgbClr val="D4C1A9"/>
-            </a:solidFill>
-          </a:ln>
-        </p:spPr>
-        <p:style>
-          <a:lnRef idx="2">
-            <a:schemeClr val="accent1">
-              <a:shade val="15000"/>
-            </a:schemeClr>
-          </a:lnRef>
-          <a:fillRef idx="1">
-            <a:schemeClr val="accent1"/>
-          </a:fillRef>
-          <a:effectRef idx="0">
-            <a:schemeClr val="accent1"/>
-          </a:effectRef>
-          <a:fontRef idx="minor">
-            <a:schemeClr val="lt1"/>
-          </a:fontRef>
-        </p:style>
-        <p:txBody>
-          <a:bodyPr rtlCol="0" anchor="ctr"/>
-          <a:lstStyle/>
-          <a:p>
-            <a:pPr algn="ctr"/>
-            <a:r>
-              <a:rPr lang="en-US" b="1" dirty="0">
-                <a:latin typeface="Irish Grover" panose="02000000000000000000" pitchFamily="2" charset="0"/>
-                <a:cs typeface="Fredoka" pitchFamily="2" charset="-79"/>
-              </a:rPr>
-              <a:t>Unit 5</a:t>
-            </a:r>
-          </a:p>
-        </p:txBody>
-      </p:sp>
-      <p:sp>
-        <p:nvSpPr>
-          <p:cNvPr id="39" name="Rectangle: Rounded Corners 38">
-            <a:extLst>
-              <a:ext uri="{FF2B5EF4-FFF2-40B4-BE49-F238E27FC236}">
-                <a16:creationId xmlns:a16="http://schemas.microsoft.com/office/drawing/2014/main" id="{78494BBA-5CD2-72A4-5A7A-D7984E8B387E}"/>
-              </a:ext>
-            </a:extLst>
-          </p:cNvPr>
-          <p:cNvSpPr/>
-          <p:nvPr/>
-        </p:nvSpPr>
-        <p:spPr>
-          <a:xfrm>
-            <a:off x="4920543" y="5494500"/>
-            <a:ext cx="3040381" cy="342900"/>
-          </a:xfrm>
-          <a:prstGeom prst="roundRect">
-            <a:avLst>
-              <a:gd name="adj" fmla="val 30000"/>
-            </a:avLst>
-          </a:prstGeom>
-          <a:solidFill>
-            <a:srgbClr val="E8D9C6"/>
-          </a:solidFill>
-          <a:ln w="28575">
-            <a:solidFill>
-              <a:srgbClr val="D4C1A9"/>
-            </a:solidFill>
-          </a:ln>
-        </p:spPr>
-        <p:style>
-          <a:lnRef idx="2">
-            <a:schemeClr val="accent1">
-              <a:shade val="15000"/>
-            </a:schemeClr>
-          </a:lnRef>
-          <a:fillRef idx="1">
-            <a:schemeClr val="accent1"/>
-          </a:fillRef>
-          <a:effectRef idx="0">
-            <a:schemeClr val="accent1"/>
-          </a:effectRef>
-          <a:fontRef idx="minor">
-            <a:schemeClr val="lt1"/>
-          </a:fontRef>
-        </p:style>
-        <p:txBody>
-          <a:bodyPr rtlCol="0" anchor="ctr"/>
-          <a:lstStyle/>
-          <a:p>
-            <a:pPr algn="ctr"/>
-            <a:r>
-              <a:rPr lang="en-US" b="1" dirty="0">
-                <a:latin typeface="Irish Grover" panose="02000000000000000000" pitchFamily="2" charset="0"/>
-                <a:cs typeface="Fredoka" pitchFamily="2" charset="-79"/>
-              </a:rPr>
-              <a:t>Unit 6</a:t>
-            </a:r>
-          </a:p>
-        </p:txBody>
-      </p:sp>
-      <p:pic>
-        <p:nvPicPr>
-          <p:cNvPr id="40" name="Picture 39">
-            <a:extLst>
-              <a:ext uri="{FF2B5EF4-FFF2-40B4-BE49-F238E27FC236}">
-                <a16:creationId xmlns:a16="http://schemas.microsoft.com/office/drawing/2014/main" id="{65132173-CFD4-D7D6-23E3-FC09AC19E0CE}"/>
-              </a:ext>
-            </a:extLst>
-          </p:cNvPr>
-          <p:cNvPicPr>
-            <a:picLocks noChangeAspect="1"/>
-          </p:cNvPicPr>
-          <p:nvPr/>
-        </p:nvPicPr>
-        <p:blipFill>
-          <a:blip r:embed="rId3"/>
-          <a:stretch>
-            <a:fillRect/>
-          </a:stretch>
-        </p:blipFill>
-        <p:spPr>
-          <a:xfrm>
-            <a:off x="7859389" y="1974066"/>
-            <a:ext cx="459668" cy="459668"/>
-          </a:xfrm>
-          <a:prstGeom prst="rect">
-            <a:avLst/>
-          </a:prstGeom>
-        </p:spPr>
-      </p:pic>
-    </p:spTree>
-    <p:extLst>
-      <p:ext uri="{BB962C8B-B14F-4D97-AF65-F5344CB8AC3E}">
-        <p14:creationId xmlns:p14="http://schemas.microsoft.com/office/powerpoint/2010/main" val="781904929"/>
-      </p:ext>
-    </p:extLst>
-  </p:cSld>
-  <p:clrMapOvr>
-    <a:masterClrMapping/>
-  </p:clrMapOvr>
-  <mc:AlternateContent xmlns:mc="http://schemas.openxmlformats.org/markup-compatibility/2006" xmlns:p159="http://schemas.microsoft.com/office/powerpoint/2015/09/main">
-    <mc:Choice Requires="p159">
-      <p:transition xmlns:p14="http://schemas.microsoft.com/office/powerpoint/2010/main" spd="slow" p14:dur="2000">
-        <p159:morph option="byObject"/>
-      </p:transition>
-    </mc:Choice>
-    <mc:Fallback xmlns="">
-      <p:transition spd="slow">
-        <p:fade/>
-      </p:transition>
-    </mc:Fallback>
-  </mc:AlternateContent>
-</p:sld>
-</file>
-
-<file path=ppt/slides/slide4.xml><?xml version="1.0" encoding="utf-8"?>
-<p:sld xmlns:a="http://schemas.openxmlformats.org/drawingml/2006/main" xmlns:r="http://schemas.openxmlformats.org/officeDocument/2006/relationships" xmlns:p="http://schemas.openxmlformats.org/presentationml/2006/main">
-  <p:cSld>
     <p:spTree>
       <p:nvGrpSpPr>
         <p:cNvPr id="1" name="">
@@ -6230,6 +4311,687 @@
           </a:p>
         </p:txBody>
       </p:sp>
+      <p:sp>
+        <p:nvSpPr>
+          <p:cNvPr id="2" name="TextBox 1">
+            <a:extLst>
+              <a:ext uri="{FF2B5EF4-FFF2-40B4-BE49-F238E27FC236}">
+                <a16:creationId xmlns:a16="http://schemas.microsoft.com/office/drawing/2014/main" id="{91AD390D-8946-97AA-856A-B3077436A235}"/>
+              </a:ext>
+            </a:extLst>
+          </p:cNvPr>
+          <p:cNvSpPr txBox="1"/>
+          <p:nvPr/>
+        </p:nvSpPr>
+        <p:spPr>
+          <a:xfrm>
+            <a:off x="3260459" y="3939454"/>
+            <a:ext cx="1798890" cy="369332"/>
+          </a:xfrm>
+          <a:prstGeom prst="rect">
+            <a:avLst/>
+          </a:prstGeom>
+          <a:noFill/>
+        </p:spPr>
+        <p:txBody>
+          <a:bodyPr wrap="none" rtlCol="0">
+            <a:spAutoFit/>
+          </a:bodyPr>
+          <a:lstStyle/>
+          <a:p>
+            <a:r>
+              <a:rPr lang="en-US" dirty="0">
+                <a:solidFill>
+                  <a:schemeClr val="bg1"/>
+                </a:solidFill>
+                <a:latin typeface="Roboto Flex ExtraBold" panose="02000000000000000000" pitchFamily="2" charset="0"/>
+                <a:ea typeface="Roboto Flex ExtraBold" panose="02000000000000000000" pitchFamily="2" charset="0"/>
+              </a:rPr>
+              <a:t>By </a:t>
+            </a:r>
+            <a:r>
+              <a:rPr lang="en-US" dirty="0" err="1">
+                <a:solidFill>
+                  <a:schemeClr val="bg1"/>
+                </a:solidFill>
+                <a:latin typeface="Roboto Flex ExtraBold" panose="02000000000000000000" pitchFamily="2" charset="0"/>
+                <a:ea typeface="Roboto Flex ExtraBold" panose="02000000000000000000" pitchFamily="2" charset="0"/>
+              </a:rPr>
+              <a:t>Mr</a:t>
+            </a:r>
+            <a:r>
+              <a:rPr lang="en-US" dirty="0">
+                <a:solidFill>
+                  <a:schemeClr val="bg1"/>
+                </a:solidFill>
+                <a:latin typeface="Roboto Flex ExtraBold" panose="02000000000000000000" pitchFamily="2" charset="0"/>
+                <a:ea typeface="Roboto Flex ExtraBold" panose="02000000000000000000" pitchFamily="2" charset="0"/>
+              </a:rPr>
+              <a:t> Stefano.</a:t>
+            </a:r>
+          </a:p>
+        </p:txBody>
+      </p:sp>
+      <p:pic>
+        <p:nvPicPr>
+          <p:cNvPr id="4" name="Picture 3" descr="A logo of a book and crown&#10;&#10;AI-generated content may be incorrect.">
+            <a:extLst>
+              <a:ext uri="{FF2B5EF4-FFF2-40B4-BE49-F238E27FC236}">
+                <a16:creationId xmlns:a16="http://schemas.microsoft.com/office/drawing/2014/main" id="{2FF6B3DC-AEA0-C621-F7E1-39194E33D42C}"/>
+              </a:ext>
+            </a:extLst>
+          </p:cNvPr>
+          <p:cNvPicPr>
+            <a:picLocks noChangeAspect="1"/>
+          </p:cNvPicPr>
+          <p:nvPr/>
+        </p:nvPicPr>
+        <p:blipFill>
+          <a:blip r:embed="rId4">
+            <a:extLst>
+              <a:ext uri="{28A0092B-C50C-407E-A947-70E740481C1C}">
+                <a14:useLocalDpi xmlns:a14="http://schemas.microsoft.com/office/drawing/2010/main" val="0"/>
+              </a:ext>
+            </a:extLst>
+          </a:blip>
+          <a:stretch>
+            <a:fillRect/>
+          </a:stretch>
+        </p:blipFill>
+        <p:spPr>
+          <a:xfrm>
+            <a:off x="-15240" y="0"/>
+            <a:ext cx="986594" cy="718157"/>
+          </a:xfrm>
+          <a:prstGeom prst="rect">
+            <a:avLst/>
+          </a:prstGeom>
+        </p:spPr>
+      </p:pic>
+      <p:pic>
+        <p:nvPicPr>
+          <p:cNvPr id="11" name="Picture 10">
+            <a:extLst>
+              <a:ext uri="{FF2B5EF4-FFF2-40B4-BE49-F238E27FC236}">
+                <a16:creationId xmlns:a16="http://schemas.microsoft.com/office/drawing/2014/main" id="{B9663FF7-C3DC-6803-075A-638011FEF920}"/>
+              </a:ext>
+            </a:extLst>
+          </p:cNvPr>
+          <p:cNvPicPr>
+            <a:picLocks noChangeAspect="1"/>
+          </p:cNvPicPr>
+          <p:nvPr/>
+        </p:nvPicPr>
+        <p:blipFill>
+          <a:blip r:embed="rId5">
+            <a:extLst>
+              <a:ext uri="{28A0092B-C50C-407E-A947-70E740481C1C}">
+                <a14:useLocalDpi xmlns:a14="http://schemas.microsoft.com/office/drawing/2010/main" val="0"/>
+              </a:ext>
+            </a:extLst>
+          </a:blip>
+          <a:stretch>
+            <a:fillRect/>
+          </a:stretch>
+        </p:blipFill>
+        <p:spPr>
+          <a:xfrm>
+            <a:off x="905167" y="0"/>
+            <a:ext cx="718157" cy="718157"/>
+          </a:xfrm>
+          <a:prstGeom prst="rect">
+            <a:avLst/>
+          </a:prstGeom>
+        </p:spPr>
+      </p:pic>
+      <p:grpSp>
+        <p:nvGrpSpPr>
+          <p:cNvPr id="12" name="Group 11">
+            <a:extLst>
+              <a:ext uri="{FF2B5EF4-FFF2-40B4-BE49-F238E27FC236}">
+                <a16:creationId xmlns:a16="http://schemas.microsoft.com/office/drawing/2014/main" id="{DD77F625-DF64-9232-2A97-919A1D395502}"/>
+              </a:ext>
+            </a:extLst>
+          </p:cNvPr>
+          <p:cNvGrpSpPr>
+            <a:grpSpLocks noChangeAspect="1"/>
+          </p:cNvGrpSpPr>
+          <p:nvPr/>
+        </p:nvGrpSpPr>
+        <p:grpSpPr>
+          <a:xfrm>
+            <a:off x="11149875" y="-1393585"/>
+            <a:ext cx="763003" cy="746163"/>
+            <a:chOff x="0" y="-7620"/>
+            <a:chExt cx="4833620" cy="4726940"/>
+          </a:xfrm>
+        </p:grpSpPr>
+        <p:sp>
+          <p:nvSpPr>
+            <p:cNvPr id="16" name="Freeform 15">
+              <a:extLst>
+                <a:ext uri="{FF2B5EF4-FFF2-40B4-BE49-F238E27FC236}">
+                  <a16:creationId xmlns:a16="http://schemas.microsoft.com/office/drawing/2014/main" id="{B6C9E9B8-E1B1-23F6-2DAB-1837716D8653}"/>
+                </a:ext>
+              </a:extLst>
+            </p:cNvPr>
+            <p:cNvSpPr/>
+            <p:nvPr/>
+          </p:nvSpPr>
+          <p:spPr>
+            <a:xfrm>
+              <a:off x="0" y="-7620"/>
+              <a:ext cx="4833620" cy="4726940"/>
+            </a:xfrm>
+            <a:custGeom>
+              <a:avLst/>
+              <a:gdLst/>
+              <a:ahLst/>
+              <a:cxnLst/>
+              <a:rect l="l" t="t" r="r" b="b"/>
+              <a:pathLst>
+                <a:path w="4833620" h="4726940">
+                  <a:moveTo>
+                    <a:pt x="3416300" y="4662170"/>
+                  </a:moveTo>
+                  <a:cubicBezTo>
+                    <a:pt x="3388360" y="4669790"/>
+                    <a:pt x="3366770" y="4679950"/>
+                    <a:pt x="3345180" y="4682490"/>
+                  </a:cubicBezTo>
+                  <a:cubicBezTo>
+                    <a:pt x="3223260" y="4692650"/>
+                    <a:pt x="3102610" y="4702810"/>
+                    <a:pt x="2980690" y="4711700"/>
+                  </a:cubicBezTo>
+                  <a:cubicBezTo>
+                    <a:pt x="2918460" y="4715510"/>
+                    <a:pt x="2856230" y="4719320"/>
+                    <a:pt x="2794000" y="4720590"/>
+                  </a:cubicBezTo>
+                  <a:cubicBezTo>
+                    <a:pt x="2726690" y="4723130"/>
+                    <a:pt x="2659380" y="4726940"/>
+                    <a:pt x="2593340" y="4724400"/>
+                  </a:cubicBezTo>
+                  <a:cubicBezTo>
+                    <a:pt x="2529840" y="4723130"/>
+                    <a:pt x="2466340" y="4719320"/>
+                    <a:pt x="2405380" y="4707890"/>
+                  </a:cubicBezTo>
+                  <a:cubicBezTo>
+                    <a:pt x="2326640" y="4693920"/>
+                    <a:pt x="2246630" y="4693920"/>
+                    <a:pt x="2169160" y="4681220"/>
+                  </a:cubicBezTo>
+                  <a:cubicBezTo>
+                    <a:pt x="1967230" y="4648200"/>
+                    <a:pt x="1761490" y="4657090"/>
+                    <a:pt x="1558290" y="4643120"/>
+                  </a:cubicBezTo>
+                  <a:cubicBezTo>
+                    <a:pt x="1443990" y="4635500"/>
+                    <a:pt x="1329690" y="4617720"/>
+                    <a:pt x="1215390" y="4602480"/>
+                  </a:cubicBezTo>
+                  <a:cubicBezTo>
+                    <a:pt x="1085850" y="4585970"/>
+                    <a:pt x="956310" y="4566920"/>
+                    <a:pt x="825500" y="4549140"/>
+                  </a:cubicBezTo>
+                  <a:cubicBezTo>
+                    <a:pt x="730250" y="4536440"/>
+                    <a:pt x="633730" y="4523740"/>
+                    <a:pt x="538480" y="4511040"/>
+                  </a:cubicBezTo>
+                  <a:cubicBezTo>
+                    <a:pt x="535940" y="4511040"/>
+                    <a:pt x="533400" y="4509770"/>
+                    <a:pt x="530860" y="4509770"/>
+                  </a:cubicBezTo>
+                  <a:cubicBezTo>
+                    <a:pt x="450850" y="4475479"/>
+                    <a:pt x="365760" y="4448810"/>
+                    <a:pt x="292100" y="4404360"/>
+                  </a:cubicBezTo>
+                  <a:cubicBezTo>
+                    <a:pt x="167640" y="4328160"/>
+                    <a:pt x="114300" y="4206240"/>
+                    <a:pt x="109220" y="4062730"/>
+                  </a:cubicBezTo>
+                  <a:cubicBezTo>
+                    <a:pt x="107950" y="4013200"/>
+                    <a:pt x="101600" y="3964940"/>
+                    <a:pt x="101600" y="3915410"/>
+                  </a:cubicBezTo>
+                  <a:cubicBezTo>
+                    <a:pt x="102870" y="3846830"/>
+                    <a:pt x="107950" y="3779520"/>
+                    <a:pt x="111760" y="3712210"/>
+                  </a:cubicBezTo>
+                  <a:cubicBezTo>
+                    <a:pt x="121920" y="3511550"/>
+                    <a:pt x="127000" y="3310890"/>
+                    <a:pt x="111760" y="3110230"/>
+                  </a:cubicBezTo>
+                  <a:cubicBezTo>
+                    <a:pt x="97790" y="2929890"/>
+                    <a:pt x="85090" y="2750820"/>
+                    <a:pt x="71120" y="2570480"/>
+                  </a:cubicBezTo>
+                  <a:cubicBezTo>
+                    <a:pt x="62230" y="2454910"/>
+                    <a:pt x="50800" y="2340610"/>
+                    <a:pt x="43180" y="2225040"/>
+                  </a:cubicBezTo>
+                  <a:cubicBezTo>
+                    <a:pt x="38100" y="2148840"/>
+                    <a:pt x="39370" y="2071370"/>
+                    <a:pt x="34290" y="1995170"/>
+                  </a:cubicBezTo>
+                  <a:cubicBezTo>
+                    <a:pt x="31750" y="1951990"/>
+                    <a:pt x="17780" y="1910080"/>
+                    <a:pt x="16510" y="1866900"/>
+                  </a:cubicBezTo>
+                  <a:cubicBezTo>
+                    <a:pt x="11430" y="1762760"/>
+                    <a:pt x="10160" y="1657350"/>
+                    <a:pt x="7620" y="1551940"/>
+                  </a:cubicBezTo>
+                  <a:cubicBezTo>
+                    <a:pt x="6350" y="1511300"/>
+                    <a:pt x="0" y="1470660"/>
+                    <a:pt x="1270" y="1430020"/>
+                  </a:cubicBezTo>
+                  <a:cubicBezTo>
+                    <a:pt x="2540" y="1366520"/>
+                    <a:pt x="10160" y="1303020"/>
+                    <a:pt x="11430" y="1239520"/>
+                  </a:cubicBezTo>
+                  <a:cubicBezTo>
+                    <a:pt x="12700" y="1165860"/>
+                    <a:pt x="5080" y="1092200"/>
+                    <a:pt x="7620" y="1019810"/>
+                  </a:cubicBezTo>
+                  <a:cubicBezTo>
+                    <a:pt x="7620" y="949960"/>
+                    <a:pt x="16510" y="881380"/>
+                    <a:pt x="25400" y="811530"/>
+                  </a:cubicBezTo>
+                  <a:cubicBezTo>
+                    <a:pt x="27940" y="787400"/>
+                    <a:pt x="45720" y="765810"/>
+                    <a:pt x="50800" y="741680"/>
+                  </a:cubicBezTo>
+                  <a:cubicBezTo>
+                    <a:pt x="72390" y="622300"/>
+                    <a:pt x="95250" y="502920"/>
+                    <a:pt x="151130" y="392430"/>
+                  </a:cubicBezTo>
+                  <a:cubicBezTo>
+                    <a:pt x="163830" y="368300"/>
+                    <a:pt x="184150" y="346710"/>
+                    <a:pt x="203200" y="327660"/>
+                  </a:cubicBezTo>
+                  <a:cubicBezTo>
+                    <a:pt x="209550" y="321310"/>
+                    <a:pt x="224790" y="325120"/>
+                    <a:pt x="228600" y="325120"/>
+                  </a:cubicBezTo>
+                  <a:cubicBezTo>
+                    <a:pt x="237490" y="308610"/>
+                    <a:pt x="242570" y="292100"/>
+                    <a:pt x="252730" y="284480"/>
+                  </a:cubicBezTo>
+                  <a:cubicBezTo>
+                    <a:pt x="307340" y="242570"/>
+                    <a:pt x="364490" y="212090"/>
+                    <a:pt x="435610" y="204470"/>
+                  </a:cubicBezTo>
+                  <a:cubicBezTo>
+                    <a:pt x="488950" y="198120"/>
+                    <a:pt x="541020" y="175260"/>
+                    <a:pt x="594360" y="162560"/>
+                  </a:cubicBezTo>
+                  <a:cubicBezTo>
+                    <a:pt x="659130" y="147320"/>
+                    <a:pt x="723900" y="129540"/>
+                    <a:pt x="791210" y="120650"/>
+                  </a:cubicBezTo>
+                  <a:cubicBezTo>
+                    <a:pt x="852170" y="113030"/>
+                    <a:pt x="910590" y="96520"/>
+                    <a:pt x="972820" y="91440"/>
+                  </a:cubicBezTo>
+                  <a:cubicBezTo>
+                    <a:pt x="1036320" y="86360"/>
+                    <a:pt x="1099820" y="71120"/>
+                    <a:pt x="1164590" y="66040"/>
+                  </a:cubicBezTo>
+                  <a:cubicBezTo>
+                    <a:pt x="1339850" y="53340"/>
+                    <a:pt x="1516380" y="44450"/>
+                    <a:pt x="1691640" y="34290"/>
+                  </a:cubicBezTo>
+                  <a:cubicBezTo>
+                    <a:pt x="1734820" y="31750"/>
+                    <a:pt x="1778000" y="34290"/>
+                    <a:pt x="1821180" y="35560"/>
+                  </a:cubicBezTo>
+                  <a:cubicBezTo>
+                    <a:pt x="1842770" y="36830"/>
+                    <a:pt x="1864360" y="41910"/>
+                    <a:pt x="1887220" y="44450"/>
+                  </a:cubicBezTo>
+                  <a:cubicBezTo>
+                    <a:pt x="1897380" y="45720"/>
+                    <a:pt x="1907540" y="41910"/>
+                    <a:pt x="1917700" y="41910"/>
+                  </a:cubicBezTo>
+                  <a:cubicBezTo>
+                    <a:pt x="1948180" y="41910"/>
+                    <a:pt x="1979930" y="41910"/>
+                    <a:pt x="2010410" y="40640"/>
+                  </a:cubicBezTo>
+                  <a:cubicBezTo>
+                    <a:pt x="2068830" y="38100"/>
+                    <a:pt x="2128520" y="31750"/>
+                    <a:pt x="2186940" y="31750"/>
+                  </a:cubicBezTo>
+                  <a:cubicBezTo>
+                    <a:pt x="2244090" y="31750"/>
+                    <a:pt x="2301240" y="35560"/>
+                    <a:pt x="2358390" y="38100"/>
+                  </a:cubicBezTo>
+                  <a:lnTo>
+                    <a:pt x="2404110" y="38100"/>
+                  </a:lnTo>
+                  <a:cubicBezTo>
+                    <a:pt x="2473960" y="35560"/>
+                    <a:pt x="2542540" y="35560"/>
+                    <a:pt x="2612390" y="31750"/>
+                  </a:cubicBezTo>
+                  <a:cubicBezTo>
+                    <a:pt x="2679700" y="27940"/>
+                    <a:pt x="2745740" y="19050"/>
+                    <a:pt x="2813050" y="15240"/>
+                  </a:cubicBezTo>
+                  <a:cubicBezTo>
+                    <a:pt x="2844800" y="12700"/>
+                    <a:pt x="2877820" y="12700"/>
+                    <a:pt x="2909570" y="19050"/>
+                  </a:cubicBezTo>
+                  <a:cubicBezTo>
+                    <a:pt x="2957830" y="27940"/>
+                    <a:pt x="3003550" y="33020"/>
+                    <a:pt x="3051810" y="19050"/>
+                  </a:cubicBezTo>
+                  <a:cubicBezTo>
+                    <a:pt x="3069590" y="13970"/>
+                    <a:pt x="3092450" y="22860"/>
+                    <a:pt x="3112770" y="25400"/>
+                  </a:cubicBezTo>
+                  <a:cubicBezTo>
+                    <a:pt x="3121660" y="26670"/>
+                    <a:pt x="3131820" y="29210"/>
+                    <a:pt x="3136900" y="25400"/>
+                  </a:cubicBezTo>
+                  <a:cubicBezTo>
+                    <a:pt x="3171190" y="0"/>
+                    <a:pt x="3202940" y="6350"/>
+                    <a:pt x="3235960" y="27940"/>
+                  </a:cubicBezTo>
+                  <a:cubicBezTo>
+                    <a:pt x="3239770" y="30480"/>
+                    <a:pt x="3249930" y="24130"/>
+                    <a:pt x="3257550" y="24130"/>
+                  </a:cubicBezTo>
+                  <a:cubicBezTo>
+                    <a:pt x="3288030" y="24130"/>
+                    <a:pt x="3318510" y="24130"/>
+                    <a:pt x="3350260" y="25400"/>
+                  </a:cubicBezTo>
+                  <a:cubicBezTo>
+                    <a:pt x="3373120" y="26670"/>
+                    <a:pt x="3394710" y="34290"/>
+                    <a:pt x="3417570" y="36830"/>
+                  </a:cubicBezTo>
+                  <a:cubicBezTo>
+                    <a:pt x="3467100" y="43180"/>
+                    <a:pt x="3517900" y="53340"/>
+                    <a:pt x="3568700" y="53340"/>
+                  </a:cubicBezTo>
+                  <a:cubicBezTo>
+                    <a:pt x="3663950" y="54610"/>
+                    <a:pt x="3759200" y="58420"/>
+                    <a:pt x="3853180" y="78740"/>
+                  </a:cubicBezTo>
+                  <a:cubicBezTo>
+                    <a:pt x="3940809" y="97790"/>
+                    <a:pt x="4030980" y="97790"/>
+                    <a:pt x="4119880" y="113030"/>
+                  </a:cubicBezTo>
+                  <a:cubicBezTo>
+                    <a:pt x="4173220" y="121920"/>
+                    <a:pt x="4227830" y="138430"/>
+                    <a:pt x="4273550" y="165100"/>
+                  </a:cubicBezTo>
+                  <a:cubicBezTo>
+                    <a:pt x="4323080" y="193040"/>
+                    <a:pt x="4361180" y="238760"/>
+                    <a:pt x="4405630" y="276860"/>
+                  </a:cubicBezTo>
+                  <a:cubicBezTo>
+                    <a:pt x="4422139" y="290830"/>
+                    <a:pt x="4446270" y="300990"/>
+                    <a:pt x="4457700" y="318770"/>
+                  </a:cubicBezTo>
+                  <a:cubicBezTo>
+                    <a:pt x="4490720" y="367030"/>
+                    <a:pt x="4519930" y="417830"/>
+                    <a:pt x="4549140" y="468630"/>
+                  </a:cubicBezTo>
+                  <a:cubicBezTo>
+                    <a:pt x="4570730" y="505460"/>
+                    <a:pt x="4592320" y="543560"/>
+                    <a:pt x="4608830" y="581660"/>
+                  </a:cubicBezTo>
+                  <a:cubicBezTo>
+                    <a:pt x="4626610" y="626110"/>
+                    <a:pt x="4640580" y="671830"/>
+                    <a:pt x="4654550" y="718820"/>
+                  </a:cubicBezTo>
+                  <a:cubicBezTo>
+                    <a:pt x="4676140" y="792480"/>
+                    <a:pt x="4701540" y="866140"/>
+                    <a:pt x="4715510" y="942340"/>
+                  </a:cubicBezTo>
+                  <a:cubicBezTo>
+                    <a:pt x="4735830" y="1049020"/>
+                    <a:pt x="4745990" y="1158240"/>
+                    <a:pt x="4761230" y="1266190"/>
+                  </a:cubicBezTo>
+                  <a:cubicBezTo>
+                    <a:pt x="4766310" y="1301750"/>
+                    <a:pt x="4772660" y="1337310"/>
+                    <a:pt x="4775200" y="1372870"/>
+                  </a:cubicBezTo>
+                  <a:cubicBezTo>
+                    <a:pt x="4782820" y="1474470"/>
+                    <a:pt x="4787900" y="1574800"/>
+                    <a:pt x="4794250" y="1676400"/>
+                  </a:cubicBezTo>
+                  <a:cubicBezTo>
+                    <a:pt x="4803140" y="1802130"/>
+                    <a:pt x="4815840" y="1926590"/>
+                    <a:pt x="4822190" y="2052320"/>
+                  </a:cubicBezTo>
+                  <a:cubicBezTo>
+                    <a:pt x="4828540" y="2172970"/>
+                    <a:pt x="4833620" y="2294890"/>
+                    <a:pt x="4831080" y="2416810"/>
+                  </a:cubicBezTo>
+                  <a:cubicBezTo>
+                    <a:pt x="4827270" y="2620010"/>
+                    <a:pt x="4817110" y="2821940"/>
+                    <a:pt x="4806950" y="3025140"/>
+                  </a:cubicBezTo>
+                  <a:cubicBezTo>
+                    <a:pt x="4800600" y="3150870"/>
+                    <a:pt x="4791710" y="3275330"/>
+                    <a:pt x="4779010" y="3399790"/>
+                  </a:cubicBezTo>
+                  <a:cubicBezTo>
+                    <a:pt x="4766310" y="3524250"/>
+                    <a:pt x="4747260" y="3647440"/>
+                    <a:pt x="4733290" y="3771900"/>
+                  </a:cubicBezTo>
+                  <a:cubicBezTo>
+                    <a:pt x="4723130" y="3858260"/>
+                    <a:pt x="4720590" y="3944620"/>
+                    <a:pt x="4709160" y="4029710"/>
+                  </a:cubicBezTo>
+                  <a:cubicBezTo>
+                    <a:pt x="4699000" y="4107180"/>
+                    <a:pt x="4660900" y="4175760"/>
+                    <a:pt x="4610100" y="4232910"/>
+                  </a:cubicBezTo>
+                  <a:cubicBezTo>
+                    <a:pt x="4568191" y="4281170"/>
+                    <a:pt x="4535170" y="4335780"/>
+                    <a:pt x="4491991" y="4382770"/>
+                  </a:cubicBezTo>
+                  <a:cubicBezTo>
+                    <a:pt x="4453891" y="4424679"/>
+                    <a:pt x="4411981" y="4466590"/>
+                    <a:pt x="4345941" y="4467860"/>
+                  </a:cubicBezTo>
+                  <a:cubicBezTo>
+                    <a:pt x="4330700" y="4467860"/>
+                    <a:pt x="4316731" y="4483100"/>
+                    <a:pt x="4301491" y="4490720"/>
+                  </a:cubicBezTo>
+                  <a:cubicBezTo>
+                    <a:pt x="4236720" y="4518660"/>
+                    <a:pt x="4169411" y="4542790"/>
+                    <a:pt x="4105911" y="4573270"/>
+                  </a:cubicBezTo>
+                  <a:cubicBezTo>
+                    <a:pt x="3989070" y="4629150"/>
+                    <a:pt x="3863341" y="4638040"/>
+                    <a:pt x="3737611" y="4643120"/>
+                  </a:cubicBezTo>
+                  <a:cubicBezTo>
+                    <a:pt x="3689351" y="4645660"/>
+                    <a:pt x="3639820" y="4641850"/>
+                    <a:pt x="3591561" y="4645660"/>
+                  </a:cubicBezTo>
+                  <a:cubicBezTo>
+                    <a:pt x="3567431" y="4646930"/>
+                    <a:pt x="3544570" y="4658360"/>
+                    <a:pt x="3521711" y="4663440"/>
+                  </a:cubicBezTo>
+                  <a:cubicBezTo>
+                    <a:pt x="3511551" y="4665980"/>
+                    <a:pt x="3501391" y="4664710"/>
+                    <a:pt x="3489961" y="4665980"/>
+                  </a:cubicBezTo>
+                  <a:cubicBezTo>
+                    <a:pt x="3474720" y="4667250"/>
+                    <a:pt x="3459481" y="4671060"/>
+                    <a:pt x="3444241" y="4669790"/>
+                  </a:cubicBezTo>
+                  <a:cubicBezTo>
+                    <a:pt x="3429000" y="4667250"/>
+                    <a:pt x="3418841" y="4662170"/>
+                    <a:pt x="3416300" y="4662170"/>
+                  </a:cubicBezTo>
+                  <a:close/>
+                </a:path>
+              </a:pathLst>
+            </a:custGeom>
+            <a:blipFill>
+              <a:blip r:embed="rId6"/>
+              <a:stretch>
+                <a:fillRect t="-1211" b="-1211"/>
+              </a:stretch>
+            </a:blipFill>
+          </p:spPr>
+          <p:txBody>
+            <a:bodyPr/>
+            <a:lstStyle/>
+            <a:p>
+              <a:endParaRPr lang="en-US"/>
+            </a:p>
+          </p:txBody>
+        </p:sp>
+      </p:grpSp>
+      <p:sp>
+        <p:nvSpPr>
+          <p:cNvPr id="17" name="Thought Bubble: Cloud 16">
+            <a:extLst>
+              <a:ext uri="{FF2B5EF4-FFF2-40B4-BE49-F238E27FC236}">
+                <a16:creationId xmlns:a16="http://schemas.microsoft.com/office/drawing/2014/main" id="{AF988010-7C84-F517-76BB-DF8A1EF1CBA5}"/>
+              </a:ext>
+            </a:extLst>
+          </p:cNvPr>
+          <p:cNvSpPr/>
+          <p:nvPr/>
+        </p:nvSpPr>
+        <p:spPr>
+          <a:xfrm rot="19886579" flipH="1">
+            <a:off x="9999903" y="-1391991"/>
+            <a:ext cx="1170622" cy="622019"/>
+          </a:xfrm>
+          <a:prstGeom prst="cloudCallout">
+            <a:avLst/>
+          </a:prstGeom>
+          <a:solidFill>
+            <a:schemeClr val="bg1"/>
+          </a:solidFill>
+          <a:ln>
+            <a:solidFill>
+              <a:schemeClr val="bg2">
+                <a:lumMod val="90000"/>
+              </a:schemeClr>
+            </a:solidFill>
+          </a:ln>
+        </p:spPr>
+        <p:style>
+          <a:lnRef idx="2">
+            <a:schemeClr val="accent1">
+              <a:shade val="15000"/>
+            </a:schemeClr>
+          </a:lnRef>
+          <a:fillRef idx="1">
+            <a:schemeClr val="accent1"/>
+          </a:fillRef>
+          <a:effectRef idx="0">
+            <a:schemeClr val="accent1"/>
+          </a:effectRef>
+          <a:fontRef idx="minor">
+            <a:schemeClr val="lt1"/>
+          </a:fontRef>
+        </p:style>
+        <p:txBody>
+          <a:bodyPr rtlCol="0" anchor="ctr"/>
+          <a:lstStyle/>
+          <a:p>
+            <a:pPr algn="ctr"/>
+            <a:r>
+              <a:rPr lang="en-US" sz="900" dirty="0">
+                <a:solidFill>
+                  <a:schemeClr val="tx1"/>
+                </a:solidFill>
+                <a:latin typeface="Roboto Flex" panose="02000000000000000000" pitchFamily="2" charset="0"/>
+                <a:ea typeface="Roboto Flex" panose="02000000000000000000" pitchFamily="2" charset="0"/>
+              </a:rPr>
+              <a:t>Click to learn about me!</a:t>
+            </a:r>
+          </a:p>
+        </p:txBody>
+      </p:sp>
     </p:spTree>
     <p:extLst>
       <p:ext uri="{BB962C8B-B14F-4D97-AF65-F5344CB8AC3E}">
@@ -6252,6 +5014,9 @@
                     <p:cTn id="3" fill="hold">
                       <p:stCondLst>
                         <p:cond delay="indefinite"/>
+                        <p:cond evt="onBegin" delay="0">
+                          <p:tn val="2"/>
+                        </p:cond>
                       </p:stCondLst>
                       <p:childTnLst>
                         <p:par>
@@ -6261,7 +5026,7 @@
                             </p:stCondLst>
                             <p:childTnLst>
                               <p:par>
-                                <p:cTn id="5" presetID="10" presetClass="entr" presetSubtype="0" fill="hold" grpId="0" nodeType="clickEffect">
+                                <p:cTn id="5" presetID="10" presetClass="entr" presetSubtype="0" fill="hold" nodeType="withEffect">
                                   <p:stCondLst>
                                     <p:cond delay="0"/>
                                   </p:stCondLst>
@@ -6330,6 +5095,279 @@
                                   </p:childTnLst>
                                 </p:cTn>
                               </p:par>
+                              <p:par>
+                                <p:cTn id="11" presetID="10" presetClass="entr" presetSubtype="0" fill="hold" grpId="0" nodeType="withEffect">
+                                  <p:stCondLst>
+                                    <p:cond delay="0"/>
+                                  </p:stCondLst>
+                                  <p:childTnLst>
+                                    <p:set>
+                                      <p:cBhvr>
+                                        <p:cTn id="12" dur="1" fill="hold">
+                                          <p:stCondLst>
+                                            <p:cond delay="0"/>
+                                          </p:stCondLst>
+                                        </p:cTn>
+                                        <p:tgtEl>
+                                          <p:spTgt spid="2"/>
+                                        </p:tgtEl>
+                                        <p:attrNameLst>
+                                          <p:attrName>style.visibility</p:attrName>
+                                        </p:attrNameLst>
+                                      </p:cBhvr>
+                                      <p:to>
+                                        <p:strVal val="visible"/>
+                                      </p:to>
+                                    </p:set>
+                                    <p:animEffect transition="in" filter="fade">
+                                      <p:cBhvr>
+                                        <p:cTn id="13" dur="500"/>
+                                        <p:tgtEl>
+                                          <p:spTgt spid="2"/>
+                                        </p:tgtEl>
+                                      </p:cBhvr>
+                                    </p:animEffect>
+                                  </p:childTnLst>
+                                </p:cTn>
+                              </p:par>
+                              <p:par>
+                                <p:cTn id="14" presetID="10" presetClass="entr" presetSubtype="0" fill="hold" nodeType="withEffect">
+                                  <p:stCondLst>
+                                    <p:cond delay="0"/>
+                                  </p:stCondLst>
+                                  <p:childTnLst>
+                                    <p:set>
+                                      <p:cBhvr>
+                                        <p:cTn id="15" dur="1" fill="hold">
+                                          <p:stCondLst>
+                                            <p:cond delay="0"/>
+                                          </p:stCondLst>
+                                        </p:cTn>
+                                        <p:tgtEl>
+                                          <p:spTgt spid="4"/>
+                                        </p:tgtEl>
+                                        <p:attrNameLst>
+                                          <p:attrName>style.visibility</p:attrName>
+                                        </p:attrNameLst>
+                                      </p:cBhvr>
+                                      <p:to>
+                                        <p:strVal val="visible"/>
+                                      </p:to>
+                                    </p:set>
+                                    <p:animEffect transition="in" filter="fade">
+                                      <p:cBhvr>
+                                        <p:cTn id="16" dur="500"/>
+                                        <p:tgtEl>
+                                          <p:spTgt spid="4"/>
+                                        </p:tgtEl>
+                                      </p:cBhvr>
+                                    </p:animEffect>
+                                  </p:childTnLst>
+                                </p:cTn>
+                              </p:par>
+                              <p:par>
+                                <p:cTn id="17" presetID="10" presetClass="entr" presetSubtype="0" fill="hold" nodeType="withEffect">
+                                  <p:stCondLst>
+                                    <p:cond delay="0"/>
+                                  </p:stCondLst>
+                                  <p:childTnLst>
+                                    <p:set>
+                                      <p:cBhvr>
+                                        <p:cTn id="18" dur="1" fill="hold">
+                                          <p:stCondLst>
+                                            <p:cond delay="0"/>
+                                          </p:stCondLst>
+                                        </p:cTn>
+                                        <p:tgtEl>
+                                          <p:spTgt spid="11"/>
+                                        </p:tgtEl>
+                                        <p:attrNameLst>
+                                          <p:attrName>style.visibility</p:attrName>
+                                        </p:attrNameLst>
+                                      </p:cBhvr>
+                                      <p:to>
+                                        <p:strVal val="visible"/>
+                                      </p:to>
+                                    </p:set>
+                                    <p:animEffect transition="in" filter="fade">
+                                      <p:cBhvr>
+                                        <p:cTn id="19" dur="500"/>
+                                        <p:tgtEl>
+                                          <p:spTgt spid="11"/>
+                                        </p:tgtEl>
+                                      </p:cBhvr>
+                                    </p:animEffect>
+                                  </p:childTnLst>
+                                </p:cTn>
+                              </p:par>
+                              <p:par>
+                                <p:cTn id="20" presetID="32" presetClass="emph" presetSubtype="0" repeatCount="indefinite" fill="hold" nodeType="withEffect">
+                                  <p:stCondLst>
+                                    <p:cond delay="0"/>
+                                  </p:stCondLst>
+                                  <p:childTnLst>
+                                    <p:animRot by="120000">
+                                      <p:cBhvr>
+                                        <p:cTn id="21" dur="100" fill="hold">
+                                          <p:stCondLst>
+                                            <p:cond delay="0"/>
+                                          </p:stCondLst>
+                                        </p:cTn>
+                                        <p:tgtEl>
+                                          <p:spTgt spid="12"/>
+                                        </p:tgtEl>
+                                        <p:attrNameLst>
+                                          <p:attrName>r</p:attrName>
+                                        </p:attrNameLst>
+                                      </p:cBhvr>
+                                    </p:animRot>
+                                    <p:animRot by="-240000">
+                                      <p:cBhvr>
+                                        <p:cTn id="22" dur="200" fill="hold">
+                                          <p:stCondLst>
+                                            <p:cond delay="200"/>
+                                          </p:stCondLst>
+                                        </p:cTn>
+                                        <p:tgtEl>
+                                          <p:spTgt spid="12"/>
+                                        </p:tgtEl>
+                                        <p:attrNameLst>
+                                          <p:attrName>r</p:attrName>
+                                        </p:attrNameLst>
+                                      </p:cBhvr>
+                                    </p:animRot>
+                                    <p:animRot by="240000">
+                                      <p:cBhvr>
+                                        <p:cTn id="23" dur="200" fill="hold">
+                                          <p:stCondLst>
+                                            <p:cond delay="400"/>
+                                          </p:stCondLst>
+                                        </p:cTn>
+                                        <p:tgtEl>
+                                          <p:spTgt spid="12"/>
+                                        </p:tgtEl>
+                                        <p:attrNameLst>
+                                          <p:attrName>r</p:attrName>
+                                        </p:attrNameLst>
+                                      </p:cBhvr>
+                                    </p:animRot>
+                                    <p:animRot by="-240000">
+                                      <p:cBhvr>
+                                        <p:cTn id="24" dur="200" fill="hold">
+                                          <p:stCondLst>
+                                            <p:cond delay="600"/>
+                                          </p:stCondLst>
+                                        </p:cTn>
+                                        <p:tgtEl>
+                                          <p:spTgt spid="12"/>
+                                        </p:tgtEl>
+                                        <p:attrNameLst>
+                                          <p:attrName>r</p:attrName>
+                                        </p:attrNameLst>
+                                      </p:cBhvr>
+                                    </p:animRot>
+                                    <p:animRot by="120000">
+                                      <p:cBhvr>
+                                        <p:cTn id="25" dur="200" fill="hold">
+                                          <p:stCondLst>
+                                            <p:cond delay="800"/>
+                                          </p:stCondLst>
+                                        </p:cTn>
+                                        <p:tgtEl>
+                                          <p:spTgt spid="12"/>
+                                        </p:tgtEl>
+                                        <p:attrNameLst>
+                                          <p:attrName>r</p:attrName>
+                                        </p:attrNameLst>
+                                      </p:cBhvr>
+                                    </p:animRot>
+                                  </p:childTnLst>
+                                </p:cTn>
+                              </p:par>
+                              <p:par>
+                                <p:cTn id="26" presetID="32" presetClass="emph" presetSubtype="0" repeatCount="indefinite" fill="hold" grpId="0" nodeType="withEffect">
+                                  <p:stCondLst>
+                                    <p:cond delay="0"/>
+                                  </p:stCondLst>
+                                  <p:childTnLst>
+                                    <p:animRot by="120000">
+                                      <p:cBhvr>
+                                        <p:cTn id="27" dur="100" fill="hold">
+                                          <p:stCondLst>
+                                            <p:cond delay="0"/>
+                                          </p:stCondLst>
+                                        </p:cTn>
+                                        <p:tgtEl>
+                                          <p:spTgt spid="17"/>
+                                        </p:tgtEl>
+                                        <p:attrNameLst>
+                                          <p:attrName>r</p:attrName>
+                                        </p:attrNameLst>
+                                      </p:cBhvr>
+                                    </p:animRot>
+                                    <p:animRot by="-240000">
+                                      <p:cBhvr>
+                                        <p:cTn id="28" dur="200" fill="hold">
+                                          <p:stCondLst>
+                                            <p:cond delay="200"/>
+                                          </p:stCondLst>
+                                        </p:cTn>
+                                        <p:tgtEl>
+                                          <p:spTgt spid="17"/>
+                                        </p:tgtEl>
+                                        <p:attrNameLst>
+                                          <p:attrName>r</p:attrName>
+                                        </p:attrNameLst>
+                                      </p:cBhvr>
+                                    </p:animRot>
+                                    <p:animRot by="240000">
+                                      <p:cBhvr>
+                                        <p:cTn id="29" dur="200" fill="hold">
+                                          <p:stCondLst>
+                                            <p:cond delay="400"/>
+                                          </p:stCondLst>
+                                        </p:cTn>
+                                        <p:tgtEl>
+                                          <p:spTgt spid="17"/>
+                                        </p:tgtEl>
+                                        <p:attrNameLst>
+                                          <p:attrName>r</p:attrName>
+                                        </p:attrNameLst>
+                                      </p:cBhvr>
+                                    </p:animRot>
+                                    <p:animRot by="-240000">
+                                      <p:cBhvr>
+                                        <p:cTn id="30" dur="200" fill="hold">
+                                          <p:stCondLst>
+                                            <p:cond delay="600"/>
+                                          </p:stCondLst>
+                                        </p:cTn>
+                                        <p:tgtEl>
+                                          <p:spTgt spid="17"/>
+                                        </p:tgtEl>
+                                        <p:attrNameLst>
+                                          <p:attrName>r</p:attrName>
+                                        </p:attrNameLst>
+                                      </p:cBhvr>
+                                    </p:animRot>
+                                    <p:animRot by="120000">
+                                      <p:cBhvr>
+                                        <p:cTn id="31" dur="200" fill="hold">
+                                          <p:stCondLst>
+                                            <p:cond delay="800"/>
+                                          </p:stCondLst>
+                                        </p:cTn>
+                                        <p:tgtEl>
+                                          <p:spTgt spid="17"/>
+                                        </p:tgtEl>
+                                        <p:attrNameLst>
+                                          <p:attrName>r</p:attrName>
+                                        </p:attrNameLst>
+                                      </p:cBhvr>
+                                    </p:animRot>
+                                  </p:childTnLst>
+                                </p:cTn>
+                              </p:par>
                             </p:childTnLst>
                           </p:cTn>
                         </p:par>
@@ -6359,13 +5397,14 @@
     </p:tnLst>
     <p:bldLst>
       <p:bldP spid="8" grpId="0"/>
-      <p:bldP spid="9" grpId="0" animBg="1"/>
+      <p:bldP spid="2" grpId="0"/>
+      <p:bldP spid="17" grpId="0" animBg="1"/>
     </p:bldLst>
   </p:timing>
 </p:sld>
 </file>
 
-<file path=ppt/slides/slide5.xml><?xml version="1.0" encoding="utf-8"?>
+<file path=ppt/slides/slide2.xml><?xml version="1.0" encoding="utf-8"?>
 <p:sld xmlns:a="http://schemas.openxmlformats.org/drawingml/2006/main" xmlns:r="http://schemas.openxmlformats.org/officeDocument/2006/relationships" xmlns:p="http://schemas.openxmlformats.org/presentationml/2006/main">
   <p:cSld>
     <p:spTree>
@@ -6484,7 +5523,7 @@
       <p:sp>
         <p:nvSpPr>
           <p:cNvPr id="3" name="Rectangle: Rounded Corners 2">
-            <a:hlinkClick r:id="rId3" action="ppaction://hlinksldjump"/>
+            <a:hlinkClick r:id="" action="ppaction://noaction"/>
             <a:extLst>
               <a:ext uri="{FF2B5EF4-FFF2-40B4-BE49-F238E27FC236}">
                 <a16:creationId xmlns:a16="http://schemas.microsoft.com/office/drawing/2014/main" id="{8FC98C30-2C68-6BE2-672A-739C98EFBC29}"/>
@@ -6542,7 +5581,7 @@
       <p:sp>
         <p:nvSpPr>
           <p:cNvPr id="5" name="TextBox 4">
-            <a:hlinkClick r:id="rId3" action="ppaction://hlinksldjump"/>
+            <a:hlinkClick r:id="" action="ppaction://noaction"/>
             <a:extLst>
               <a:ext uri="{FF2B5EF4-FFF2-40B4-BE49-F238E27FC236}">
                 <a16:creationId xmlns:a16="http://schemas.microsoft.com/office/drawing/2014/main" id="{ACEC1AE8-A135-1787-00AE-82240AD568CD}"/>
@@ -6578,7 +5617,7 @@
                 <a:ea typeface="Cherry Bomb One" panose="02000000000000000000" pitchFamily="2" charset="-128"/>
                 <a:cs typeface="Fredoka" pitchFamily="2" charset="-79"/>
               </a:rPr>
-              <a:t>Chapters</a:t>
+              <a:t>Lessons</a:t>
             </a:r>
           </a:p>
         </p:txBody>
@@ -6643,7 +5682,7 @@
       <p:sp>
         <p:nvSpPr>
           <p:cNvPr id="19" name="Rectangle: Rounded Corners 18">
-            <a:hlinkClick r:id="rId4" action="ppaction://hlinksldjump"/>
+            <a:hlinkClick r:id="" action="ppaction://noaction"/>
             <a:extLst>
               <a:ext uri="{FF2B5EF4-FFF2-40B4-BE49-F238E27FC236}">
                 <a16:creationId xmlns:a16="http://schemas.microsoft.com/office/drawing/2014/main" id="{ECCBC911-58C8-CB68-D0D9-1AA001D34A25}"/>
@@ -6701,7 +5740,7 @@
       <p:sp>
         <p:nvSpPr>
           <p:cNvPr id="21" name="TextBox 20">
-            <a:hlinkClick r:id="rId4" action="ppaction://hlinksldjump"/>
+            <a:hlinkClick r:id="" action="ppaction://noaction"/>
             <a:extLst>
               <a:ext uri="{FF2B5EF4-FFF2-40B4-BE49-F238E27FC236}">
                 <a16:creationId xmlns:a16="http://schemas.microsoft.com/office/drawing/2014/main" id="{701C27A8-6F85-B613-591E-4F9E03690D9B}"/>
@@ -6802,7 +5841,7 @@
       <p:sp>
         <p:nvSpPr>
           <p:cNvPr id="30" name="Rectangle: Rounded Corners 29">
-            <a:hlinkClick r:id="rId5" action="ppaction://hlinksldjump"/>
+            <a:hlinkClick r:id="" action="ppaction://noaction"/>
             <a:extLst>
               <a:ext uri="{FF2B5EF4-FFF2-40B4-BE49-F238E27FC236}">
                 <a16:creationId xmlns:a16="http://schemas.microsoft.com/office/drawing/2014/main" id="{7C39083B-1749-EEB9-B834-A96AE1765A8E}"/>
@@ -6860,7 +5899,7 @@
       <p:sp>
         <p:nvSpPr>
           <p:cNvPr id="32" name="TextBox 31">
-            <a:hlinkClick r:id="rId5" action="ppaction://hlinksldjump"/>
+            <a:hlinkClick r:id="" action="ppaction://noaction"/>
             <a:extLst>
               <a:ext uri="{FF2B5EF4-FFF2-40B4-BE49-F238E27FC236}">
                 <a16:creationId xmlns:a16="http://schemas.microsoft.com/office/drawing/2014/main" id="{C1A32CF4-D376-EFBE-BF39-220027F1B571}"/>
@@ -6939,6 +5978,687 @@
                 <a:cs typeface="Fredoka" pitchFamily="2" charset="-79"/>
               </a:rPr>
               <a:t>Grade 5 English</a:t>
+            </a:r>
+          </a:p>
+        </p:txBody>
+      </p:sp>
+      <p:sp>
+        <p:nvSpPr>
+          <p:cNvPr id="10" name="TextBox 9">
+            <a:extLst>
+              <a:ext uri="{FF2B5EF4-FFF2-40B4-BE49-F238E27FC236}">
+                <a16:creationId xmlns:a16="http://schemas.microsoft.com/office/drawing/2014/main" id="{29D5272E-274B-E93C-F16C-40EE409A6EC2}"/>
+              </a:ext>
+            </a:extLst>
+          </p:cNvPr>
+          <p:cNvSpPr txBox="1"/>
+          <p:nvPr/>
+        </p:nvSpPr>
+        <p:spPr>
+          <a:xfrm>
+            <a:off x="3260459" y="1281849"/>
+            <a:ext cx="1798890" cy="369332"/>
+          </a:xfrm>
+          <a:prstGeom prst="rect">
+            <a:avLst/>
+          </a:prstGeom>
+          <a:noFill/>
+        </p:spPr>
+        <p:txBody>
+          <a:bodyPr wrap="none" rtlCol="0">
+            <a:spAutoFit/>
+          </a:bodyPr>
+          <a:lstStyle/>
+          <a:p>
+            <a:r>
+              <a:rPr lang="en-US" dirty="0">
+                <a:solidFill>
+                  <a:schemeClr val="bg1"/>
+                </a:solidFill>
+                <a:latin typeface="Roboto Flex ExtraBold" panose="02000000000000000000" pitchFamily="2" charset="0"/>
+                <a:ea typeface="Roboto Flex ExtraBold" panose="02000000000000000000" pitchFamily="2" charset="0"/>
+              </a:rPr>
+              <a:t>By </a:t>
+            </a:r>
+            <a:r>
+              <a:rPr lang="en-US" dirty="0" err="1">
+                <a:solidFill>
+                  <a:schemeClr val="bg1"/>
+                </a:solidFill>
+                <a:latin typeface="Roboto Flex ExtraBold" panose="02000000000000000000" pitchFamily="2" charset="0"/>
+                <a:ea typeface="Roboto Flex ExtraBold" panose="02000000000000000000" pitchFamily="2" charset="0"/>
+              </a:rPr>
+              <a:t>Mr</a:t>
+            </a:r>
+            <a:r>
+              <a:rPr lang="en-US" dirty="0">
+                <a:solidFill>
+                  <a:schemeClr val="bg1"/>
+                </a:solidFill>
+                <a:latin typeface="Roboto Flex ExtraBold" panose="02000000000000000000" pitchFamily="2" charset="0"/>
+                <a:ea typeface="Roboto Flex ExtraBold" panose="02000000000000000000" pitchFamily="2" charset="0"/>
+              </a:rPr>
+              <a:t> Stefano.</a:t>
+            </a:r>
+          </a:p>
+        </p:txBody>
+      </p:sp>
+      <p:pic>
+        <p:nvPicPr>
+          <p:cNvPr id="11" name="Picture 10" descr="A logo of a book and crown&#10;&#10;AI-generated content may be incorrect.">
+            <a:extLst>
+              <a:ext uri="{FF2B5EF4-FFF2-40B4-BE49-F238E27FC236}">
+                <a16:creationId xmlns:a16="http://schemas.microsoft.com/office/drawing/2014/main" id="{5A4C31FE-D9AF-9293-8A5C-4BCFF90451CA}"/>
+              </a:ext>
+            </a:extLst>
+          </p:cNvPr>
+          <p:cNvPicPr>
+            <a:picLocks noChangeAspect="1"/>
+          </p:cNvPicPr>
+          <p:nvPr/>
+        </p:nvPicPr>
+        <p:blipFill>
+          <a:blip r:embed="rId3">
+            <a:extLst>
+              <a:ext uri="{28A0092B-C50C-407E-A947-70E740481C1C}">
+                <a14:useLocalDpi xmlns:a14="http://schemas.microsoft.com/office/drawing/2010/main" val="0"/>
+              </a:ext>
+            </a:extLst>
+          </a:blip>
+          <a:stretch>
+            <a:fillRect/>
+          </a:stretch>
+        </p:blipFill>
+        <p:spPr>
+          <a:xfrm>
+            <a:off x="-15240" y="0"/>
+            <a:ext cx="986594" cy="718157"/>
+          </a:xfrm>
+          <a:prstGeom prst="rect">
+            <a:avLst/>
+          </a:prstGeom>
+        </p:spPr>
+      </p:pic>
+      <p:pic>
+        <p:nvPicPr>
+          <p:cNvPr id="12" name="Picture 11">
+            <a:extLst>
+              <a:ext uri="{FF2B5EF4-FFF2-40B4-BE49-F238E27FC236}">
+                <a16:creationId xmlns:a16="http://schemas.microsoft.com/office/drawing/2014/main" id="{DF0DBF25-5F87-9690-C6C7-2AC8DD5D67D4}"/>
+              </a:ext>
+            </a:extLst>
+          </p:cNvPr>
+          <p:cNvPicPr>
+            <a:picLocks noChangeAspect="1"/>
+          </p:cNvPicPr>
+          <p:nvPr/>
+        </p:nvPicPr>
+        <p:blipFill>
+          <a:blip r:embed="rId4">
+            <a:extLst>
+              <a:ext uri="{28A0092B-C50C-407E-A947-70E740481C1C}">
+                <a14:useLocalDpi xmlns:a14="http://schemas.microsoft.com/office/drawing/2010/main" val="0"/>
+              </a:ext>
+            </a:extLst>
+          </a:blip>
+          <a:stretch>
+            <a:fillRect/>
+          </a:stretch>
+        </p:blipFill>
+        <p:spPr>
+          <a:xfrm>
+            <a:off x="905167" y="0"/>
+            <a:ext cx="718157" cy="718157"/>
+          </a:xfrm>
+          <a:prstGeom prst="rect">
+            <a:avLst/>
+          </a:prstGeom>
+        </p:spPr>
+      </p:pic>
+      <p:grpSp>
+        <p:nvGrpSpPr>
+          <p:cNvPr id="13" name="Group 12">
+            <a:extLst>
+              <a:ext uri="{FF2B5EF4-FFF2-40B4-BE49-F238E27FC236}">
+                <a16:creationId xmlns:a16="http://schemas.microsoft.com/office/drawing/2014/main" id="{0CBB838D-DDFC-992A-0ED3-61E2A9C3C70E}"/>
+              </a:ext>
+            </a:extLst>
+          </p:cNvPr>
+          <p:cNvGrpSpPr>
+            <a:grpSpLocks noChangeAspect="1"/>
+          </p:cNvGrpSpPr>
+          <p:nvPr/>
+        </p:nvGrpSpPr>
+        <p:grpSpPr>
+          <a:xfrm>
+            <a:off x="11149875" y="225665"/>
+            <a:ext cx="763003" cy="746163"/>
+            <a:chOff x="0" y="-7620"/>
+            <a:chExt cx="4833620" cy="4726940"/>
+          </a:xfrm>
+        </p:grpSpPr>
+        <p:sp>
+          <p:nvSpPr>
+            <p:cNvPr id="14" name="Freeform 15">
+              <a:extLst>
+                <a:ext uri="{FF2B5EF4-FFF2-40B4-BE49-F238E27FC236}">
+                  <a16:creationId xmlns:a16="http://schemas.microsoft.com/office/drawing/2014/main" id="{955FE9C6-5C49-6833-E7D5-FA03C5785A37}"/>
+                </a:ext>
+              </a:extLst>
+            </p:cNvPr>
+            <p:cNvSpPr/>
+            <p:nvPr/>
+          </p:nvSpPr>
+          <p:spPr>
+            <a:xfrm>
+              <a:off x="0" y="-7620"/>
+              <a:ext cx="4833620" cy="4726940"/>
+            </a:xfrm>
+            <a:custGeom>
+              <a:avLst/>
+              <a:gdLst/>
+              <a:ahLst/>
+              <a:cxnLst/>
+              <a:rect l="l" t="t" r="r" b="b"/>
+              <a:pathLst>
+                <a:path w="4833620" h="4726940">
+                  <a:moveTo>
+                    <a:pt x="3416300" y="4662170"/>
+                  </a:moveTo>
+                  <a:cubicBezTo>
+                    <a:pt x="3388360" y="4669790"/>
+                    <a:pt x="3366770" y="4679950"/>
+                    <a:pt x="3345180" y="4682490"/>
+                  </a:cubicBezTo>
+                  <a:cubicBezTo>
+                    <a:pt x="3223260" y="4692650"/>
+                    <a:pt x="3102610" y="4702810"/>
+                    <a:pt x="2980690" y="4711700"/>
+                  </a:cubicBezTo>
+                  <a:cubicBezTo>
+                    <a:pt x="2918460" y="4715510"/>
+                    <a:pt x="2856230" y="4719320"/>
+                    <a:pt x="2794000" y="4720590"/>
+                  </a:cubicBezTo>
+                  <a:cubicBezTo>
+                    <a:pt x="2726690" y="4723130"/>
+                    <a:pt x="2659380" y="4726940"/>
+                    <a:pt x="2593340" y="4724400"/>
+                  </a:cubicBezTo>
+                  <a:cubicBezTo>
+                    <a:pt x="2529840" y="4723130"/>
+                    <a:pt x="2466340" y="4719320"/>
+                    <a:pt x="2405380" y="4707890"/>
+                  </a:cubicBezTo>
+                  <a:cubicBezTo>
+                    <a:pt x="2326640" y="4693920"/>
+                    <a:pt x="2246630" y="4693920"/>
+                    <a:pt x="2169160" y="4681220"/>
+                  </a:cubicBezTo>
+                  <a:cubicBezTo>
+                    <a:pt x="1967230" y="4648200"/>
+                    <a:pt x="1761490" y="4657090"/>
+                    <a:pt x="1558290" y="4643120"/>
+                  </a:cubicBezTo>
+                  <a:cubicBezTo>
+                    <a:pt x="1443990" y="4635500"/>
+                    <a:pt x="1329690" y="4617720"/>
+                    <a:pt x="1215390" y="4602480"/>
+                  </a:cubicBezTo>
+                  <a:cubicBezTo>
+                    <a:pt x="1085850" y="4585970"/>
+                    <a:pt x="956310" y="4566920"/>
+                    <a:pt x="825500" y="4549140"/>
+                  </a:cubicBezTo>
+                  <a:cubicBezTo>
+                    <a:pt x="730250" y="4536440"/>
+                    <a:pt x="633730" y="4523740"/>
+                    <a:pt x="538480" y="4511040"/>
+                  </a:cubicBezTo>
+                  <a:cubicBezTo>
+                    <a:pt x="535940" y="4511040"/>
+                    <a:pt x="533400" y="4509770"/>
+                    <a:pt x="530860" y="4509770"/>
+                  </a:cubicBezTo>
+                  <a:cubicBezTo>
+                    <a:pt x="450850" y="4475479"/>
+                    <a:pt x="365760" y="4448810"/>
+                    <a:pt x="292100" y="4404360"/>
+                  </a:cubicBezTo>
+                  <a:cubicBezTo>
+                    <a:pt x="167640" y="4328160"/>
+                    <a:pt x="114300" y="4206240"/>
+                    <a:pt x="109220" y="4062730"/>
+                  </a:cubicBezTo>
+                  <a:cubicBezTo>
+                    <a:pt x="107950" y="4013200"/>
+                    <a:pt x="101600" y="3964940"/>
+                    <a:pt x="101600" y="3915410"/>
+                  </a:cubicBezTo>
+                  <a:cubicBezTo>
+                    <a:pt x="102870" y="3846830"/>
+                    <a:pt x="107950" y="3779520"/>
+                    <a:pt x="111760" y="3712210"/>
+                  </a:cubicBezTo>
+                  <a:cubicBezTo>
+                    <a:pt x="121920" y="3511550"/>
+                    <a:pt x="127000" y="3310890"/>
+                    <a:pt x="111760" y="3110230"/>
+                  </a:cubicBezTo>
+                  <a:cubicBezTo>
+                    <a:pt x="97790" y="2929890"/>
+                    <a:pt x="85090" y="2750820"/>
+                    <a:pt x="71120" y="2570480"/>
+                  </a:cubicBezTo>
+                  <a:cubicBezTo>
+                    <a:pt x="62230" y="2454910"/>
+                    <a:pt x="50800" y="2340610"/>
+                    <a:pt x="43180" y="2225040"/>
+                  </a:cubicBezTo>
+                  <a:cubicBezTo>
+                    <a:pt x="38100" y="2148840"/>
+                    <a:pt x="39370" y="2071370"/>
+                    <a:pt x="34290" y="1995170"/>
+                  </a:cubicBezTo>
+                  <a:cubicBezTo>
+                    <a:pt x="31750" y="1951990"/>
+                    <a:pt x="17780" y="1910080"/>
+                    <a:pt x="16510" y="1866900"/>
+                  </a:cubicBezTo>
+                  <a:cubicBezTo>
+                    <a:pt x="11430" y="1762760"/>
+                    <a:pt x="10160" y="1657350"/>
+                    <a:pt x="7620" y="1551940"/>
+                  </a:cubicBezTo>
+                  <a:cubicBezTo>
+                    <a:pt x="6350" y="1511300"/>
+                    <a:pt x="0" y="1470660"/>
+                    <a:pt x="1270" y="1430020"/>
+                  </a:cubicBezTo>
+                  <a:cubicBezTo>
+                    <a:pt x="2540" y="1366520"/>
+                    <a:pt x="10160" y="1303020"/>
+                    <a:pt x="11430" y="1239520"/>
+                  </a:cubicBezTo>
+                  <a:cubicBezTo>
+                    <a:pt x="12700" y="1165860"/>
+                    <a:pt x="5080" y="1092200"/>
+                    <a:pt x="7620" y="1019810"/>
+                  </a:cubicBezTo>
+                  <a:cubicBezTo>
+                    <a:pt x="7620" y="949960"/>
+                    <a:pt x="16510" y="881380"/>
+                    <a:pt x="25400" y="811530"/>
+                  </a:cubicBezTo>
+                  <a:cubicBezTo>
+                    <a:pt x="27940" y="787400"/>
+                    <a:pt x="45720" y="765810"/>
+                    <a:pt x="50800" y="741680"/>
+                  </a:cubicBezTo>
+                  <a:cubicBezTo>
+                    <a:pt x="72390" y="622300"/>
+                    <a:pt x="95250" y="502920"/>
+                    <a:pt x="151130" y="392430"/>
+                  </a:cubicBezTo>
+                  <a:cubicBezTo>
+                    <a:pt x="163830" y="368300"/>
+                    <a:pt x="184150" y="346710"/>
+                    <a:pt x="203200" y="327660"/>
+                  </a:cubicBezTo>
+                  <a:cubicBezTo>
+                    <a:pt x="209550" y="321310"/>
+                    <a:pt x="224790" y="325120"/>
+                    <a:pt x="228600" y="325120"/>
+                  </a:cubicBezTo>
+                  <a:cubicBezTo>
+                    <a:pt x="237490" y="308610"/>
+                    <a:pt x="242570" y="292100"/>
+                    <a:pt x="252730" y="284480"/>
+                  </a:cubicBezTo>
+                  <a:cubicBezTo>
+                    <a:pt x="307340" y="242570"/>
+                    <a:pt x="364490" y="212090"/>
+                    <a:pt x="435610" y="204470"/>
+                  </a:cubicBezTo>
+                  <a:cubicBezTo>
+                    <a:pt x="488950" y="198120"/>
+                    <a:pt x="541020" y="175260"/>
+                    <a:pt x="594360" y="162560"/>
+                  </a:cubicBezTo>
+                  <a:cubicBezTo>
+                    <a:pt x="659130" y="147320"/>
+                    <a:pt x="723900" y="129540"/>
+                    <a:pt x="791210" y="120650"/>
+                  </a:cubicBezTo>
+                  <a:cubicBezTo>
+                    <a:pt x="852170" y="113030"/>
+                    <a:pt x="910590" y="96520"/>
+                    <a:pt x="972820" y="91440"/>
+                  </a:cubicBezTo>
+                  <a:cubicBezTo>
+                    <a:pt x="1036320" y="86360"/>
+                    <a:pt x="1099820" y="71120"/>
+                    <a:pt x="1164590" y="66040"/>
+                  </a:cubicBezTo>
+                  <a:cubicBezTo>
+                    <a:pt x="1339850" y="53340"/>
+                    <a:pt x="1516380" y="44450"/>
+                    <a:pt x="1691640" y="34290"/>
+                  </a:cubicBezTo>
+                  <a:cubicBezTo>
+                    <a:pt x="1734820" y="31750"/>
+                    <a:pt x="1778000" y="34290"/>
+                    <a:pt x="1821180" y="35560"/>
+                  </a:cubicBezTo>
+                  <a:cubicBezTo>
+                    <a:pt x="1842770" y="36830"/>
+                    <a:pt x="1864360" y="41910"/>
+                    <a:pt x="1887220" y="44450"/>
+                  </a:cubicBezTo>
+                  <a:cubicBezTo>
+                    <a:pt x="1897380" y="45720"/>
+                    <a:pt x="1907540" y="41910"/>
+                    <a:pt x="1917700" y="41910"/>
+                  </a:cubicBezTo>
+                  <a:cubicBezTo>
+                    <a:pt x="1948180" y="41910"/>
+                    <a:pt x="1979930" y="41910"/>
+                    <a:pt x="2010410" y="40640"/>
+                  </a:cubicBezTo>
+                  <a:cubicBezTo>
+                    <a:pt x="2068830" y="38100"/>
+                    <a:pt x="2128520" y="31750"/>
+                    <a:pt x="2186940" y="31750"/>
+                  </a:cubicBezTo>
+                  <a:cubicBezTo>
+                    <a:pt x="2244090" y="31750"/>
+                    <a:pt x="2301240" y="35560"/>
+                    <a:pt x="2358390" y="38100"/>
+                  </a:cubicBezTo>
+                  <a:lnTo>
+                    <a:pt x="2404110" y="38100"/>
+                  </a:lnTo>
+                  <a:cubicBezTo>
+                    <a:pt x="2473960" y="35560"/>
+                    <a:pt x="2542540" y="35560"/>
+                    <a:pt x="2612390" y="31750"/>
+                  </a:cubicBezTo>
+                  <a:cubicBezTo>
+                    <a:pt x="2679700" y="27940"/>
+                    <a:pt x="2745740" y="19050"/>
+                    <a:pt x="2813050" y="15240"/>
+                  </a:cubicBezTo>
+                  <a:cubicBezTo>
+                    <a:pt x="2844800" y="12700"/>
+                    <a:pt x="2877820" y="12700"/>
+                    <a:pt x="2909570" y="19050"/>
+                  </a:cubicBezTo>
+                  <a:cubicBezTo>
+                    <a:pt x="2957830" y="27940"/>
+                    <a:pt x="3003550" y="33020"/>
+                    <a:pt x="3051810" y="19050"/>
+                  </a:cubicBezTo>
+                  <a:cubicBezTo>
+                    <a:pt x="3069590" y="13970"/>
+                    <a:pt x="3092450" y="22860"/>
+                    <a:pt x="3112770" y="25400"/>
+                  </a:cubicBezTo>
+                  <a:cubicBezTo>
+                    <a:pt x="3121660" y="26670"/>
+                    <a:pt x="3131820" y="29210"/>
+                    <a:pt x="3136900" y="25400"/>
+                  </a:cubicBezTo>
+                  <a:cubicBezTo>
+                    <a:pt x="3171190" y="0"/>
+                    <a:pt x="3202940" y="6350"/>
+                    <a:pt x="3235960" y="27940"/>
+                  </a:cubicBezTo>
+                  <a:cubicBezTo>
+                    <a:pt x="3239770" y="30480"/>
+                    <a:pt x="3249930" y="24130"/>
+                    <a:pt x="3257550" y="24130"/>
+                  </a:cubicBezTo>
+                  <a:cubicBezTo>
+                    <a:pt x="3288030" y="24130"/>
+                    <a:pt x="3318510" y="24130"/>
+                    <a:pt x="3350260" y="25400"/>
+                  </a:cubicBezTo>
+                  <a:cubicBezTo>
+                    <a:pt x="3373120" y="26670"/>
+                    <a:pt x="3394710" y="34290"/>
+                    <a:pt x="3417570" y="36830"/>
+                  </a:cubicBezTo>
+                  <a:cubicBezTo>
+                    <a:pt x="3467100" y="43180"/>
+                    <a:pt x="3517900" y="53340"/>
+                    <a:pt x="3568700" y="53340"/>
+                  </a:cubicBezTo>
+                  <a:cubicBezTo>
+                    <a:pt x="3663950" y="54610"/>
+                    <a:pt x="3759200" y="58420"/>
+                    <a:pt x="3853180" y="78740"/>
+                  </a:cubicBezTo>
+                  <a:cubicBezTo>
+                    <a:pt x="3940809" y="97790"/>
+                    <a:pt x="4030980" y="97790"/>
+                    <a:pt x="4119880" y="113030"/>
+                  </a:cubicBezTo>
+                  <a:cubicBezTo>
+                    <a:pt x="4173220" y="121920"/>
+                    <a:pt x="4227830" y="138430"/>
+                    <a:pt x="4273550" y="165100"/>
+                  </a:cubicBezTo>
+                  <a:cubicBezTo>
+                    <a:pt x="4323080" y="193040"/>
+                    <a:pt x="4361180" y="238760"/>
+                    <a:pt x="4405630" y="276860"/>
+                  </a:cubicBezTo>
+                  <a:cubicBezTo>
+                    <a:pt x="4422139" y="290830"/>
+                    <a:pt x="4446270" y="300990"/>
+                    <a:pt x="4457700" y="318770"/>
+                  </a:cubicBezTo>
+                  <a:cubicBezTo>
+                    <a:pt x="4490720" y="367030"/>
+                    <a:pt x="4519930" y="417830"/>
+                    <a:pt x="4549140" y="468630"/>
+                  </a:cubicBezTo>
+                  <a:cubicBezTo>
+                    <a:pt x="4570730" y="505460"/>
+                    <a:pt x="4592320" y="543560"/>
+                    <a:pt x="4608830" y="581660"/>
+                  </a:cubicBezTo>
+                  <a:cubicBezTo>
+                    <a:pt x="4626610" y="626110"/>
+                    <a:pt x="4640580" y="671830"/>
+                    <a:pt x="4654550" y="718820"/>
+                  </a:cubicBezTo>
+                  <a:cubicBezTo>
+                    <a:pt x="4676140" y="792480"/>
+                    <a:pt x="4701540" y="866140"/>
+                    <a:pt x="4715510" y="942340"/>
+                  </a:cubicBezTo>
+                  <a:cubicBezTo>
+                    <a:pt x="4735830" y="1049020"/>
+                    <a:pt x="4745990" y="1158240"/>
+                    <a:pt x="4761230" y="1266190"/>
+                  </a:cubicBezTo>
+                  <a:cubicBezTo>
+                    <a:pt x="4766310" y="1301750"/>
+                    <a:pt x="4772660" y="1337310"/>
+                    <a:pt x="4775200" y="1372870"/>
+                  </a:cubicBezTo>
+                  <a:cubicBezTo>
+                    <a:pt x="4782820" y="1474470"/>
+                    <a:pt x="4787900" y="1574800"/>
+                    <a:pt x="4794250" y="1676400"/>
+                  </a:cubicBezTo>
+                  <a:cubicBezTo>
+                    <a:pt x="4803140" y="1802130"/>
+                    <a:pt x="4815840" y="1926590"/>
+                    <a:pt x="4822190" y="2052320"/>
+                  </a:cubicBezTo>
+                  <a:cubicBezTo>
+                    <a:pt x="4828540" y="2172970"/>
+                    <a:pt x="4833620" y="2294890"/>
+                    <a:pt x="4831080" y="2416810"/>
+                  </a:cubicBezTo>
+                  <a:cubicBezTo>
+                    <a:pt x="4827270" y="2620010"/>
+                    <a:pt x="4817110" y="2821940"/>
+                    <a:pt x="4806950" y="3025140"/>
+                  </a:cubicBezTo>
+                  <a:cubicBezTo>
+                    <a:pt x="4800600" y="3150870"/>
+                    <a:pt x="4791710" y="3275330"/>
+                    <a:pt x="4779010" y="3399790"/>
+                  </a:cubicBezTo>
+                  <a:cubicBezTo>
+                    <a:pt x="4766310" y="3524250"/>
+                    <a:pt x="4747260" y="3647440"/>
+                    <a:pt x="4733290" y="3771900"/>
+                  </a:cubicBezTo>
+                  <a:cubicBezTo>
+                    <a:pt x="4723130" y="3858260"/>
+                    <a:pt x="4720590" y="3944620"/>
+                    <a:pt x="4709160" y="4029710"/>
+                  </a:cubicBezTo>
+                  <a:cubicBezTo>
+                    <a:pt x="4699000" y="4107180"/>
+                    <a:pt x="4660900" y="4175760"/>
+                    <a:pt x="4610100" y="4232910"/>
+                  </a:cubicBezTo>
+                  <a:cubicBezTo>
+                    <a:pt x="4568191" y="4281170"/>
+                    <a:pt x="4535170" y="4335780"/>
+                    <a:pt x="4491991" y="4382770"/>
+                  </a:cubicBezTo>
+                  <a:cubicBezTo>
+                    <a:pt x="4453891" y="4424679"/>
+                    <a:pt x="4411981" y="4466590"/>
+                    <a:pt x="4345941" y="4467860"/>
+                  </a:cubicBezTo>
+                  <a:cubicBezTo>
+                    <a:pt x="4330700" y="4467860"/>
+                    <a:pt x="4316731" y="4483100"/>
+                    <a:pt x="4301491" y="4490720"/>
+                  </a:cubicBezTo>
+                  <a:cubicBezTo>
+                    <a:pt x="4236720" y="4518660"/>
+                    <a:pt x="4169411" y="4542790"/>
+                    <a:pt x="4105911" y="4573270"/>
+                  </a:cubicBezTo>
+                  <a:cubicBezTo>
+                    <a:pt x="3989070" y="4629150"/>
+                    <a:pt x="3863341" y="4638040"/>
+                    <a:pt x="3737611" y="4643120"/>
+                  </a:cubicBezTo>
+                  <a:cubicBezTo>
+                    <a:pt x="3689351" y="4645660"/>
+                    <a:pt x="3639820" y="4641850"/>
+                    <a:pt x="3591561" y="4645660"/>
+                  </a:cubicBezTo>
+                  <a:cubicBezTo>
+                    <a:pt x="3567431" y="4646930"/>
+                    <a:pt x="3544570" y="4658360"/>
+                    <a:pt x="3521711" y="4663440"/>
+                  </a:cubicBezTo>
+                  <a:cubicBezTo>
+                    <a:pt x="3511551" y="4665980"/>
+                    <a:pt x="3501391" y="4664710"/>
+                    <a:pt x="3489961" y="4665980"/>
+                  </a:cubicBezTo>
+                  <a:cubicBezTo>
+                    <a:pt x="3474720" y="4667250"/>
+                    <a:pt x="3459481" y="4671060"/>
+                    <a:pt x="3444241" y="4669790"/>
+                  </a:cubicBezTo>
+                  <a:cubicBezTo>
+                    <a:pt x="3429000" y="4667250"/>
+                    <a:pt x="3418841" y="4662170"/>
+                    <a:pt x="3416300" y="4662170"/>
+                  </a:cubicBezTo>
+                  <a:close/>
+                </a:path>
+              </a:pathLst>
+            </a:custGeom>
+            <a:blipFill>
+              <a:blip r:embed="rId5"/>
+              <a:stretch>
+                <a:fillRect t="-1211" b="-1211"/>
+              </a:stretch>
+            </a:blipFill>
+          </p:spPr>
+          <p:txBody>
+            <a:bodyPr/>
+            <a:lstStyle/>
+            <a:p>
+              <a:endParaRPr lang="en-US"/>
+            </a:p>
+          </p:txBody>
+        </p:sp>
+      </p:grpSp>
+      <p:sp>
+        <p:nvSpPr>
+          <p:cNvPr id="15" name="Thought Bubble: Cloud 14">
+            <a:extLst>
+              <a:ext uri="{FF2B5EF4-FFF2-40B4-BE49-F238E27FC236}">
+                <a16:creationId xmlns:a16="http://schemas.microsoft.com/office/drawing/2014/main" id="{50D09DE9-27B0-E0B1-5A8E-EF1094ECA423}"/>
+              </a:ext>
+            </a:extLst>
+          </p:cNvPr>
+          <p:cNvSpPr/>
+          <p:nvPr/>
+        </p:nvSpPr>
+        <p:spPr>
+          <a:xfrm rot="19886579" flipH="1">
+            <a:off x="9999903" y="227259"/>
+            <a:ext cx="1170622" cy="622019"/>
+          </a:xfrm>
+          <a:prstGeom prst="cloudCallout">
+            <a:avLst/>
+          </a:prstGeom>
+          <a:solidFill>
+            <a:schemeClr val="bg1"/>
+          </a:solidFill>
+          <a:ln>
+            <a:solidFill>
+              <a:schemeClr val="bg2">
+                <a:lumMod val="90000"/>
+              </a:schemeClr>
+            </a:solidFill>
+          </a:ln>
+        </p:spPr>
+        <p:style>
+          <a:lnRef idx="2">
+            <a:schemeClr val="accent1">
+              <a:shade val="15000"/>
+            </a:schemeClr>
+          </a:lnRef>
+          <a:fillRef idx="1">
+            <a:schemeClr val="accent1"/>
+          </a:fillRef>
+          <a:effectRef idx="0">
+            <a:schemeClr val="accent1"/>
+          </a:effectRef>
+          <a:fontRef idx="minor">
+            <a:schemeClr val="lt1"/>
+          </a:fontRef>
+        </p:style>
+        <p:txBody>
+          <a:bodyPr rtlCol="0" anchor="ctr"/>
+          <a:lstStyle/>
+          <a:p>
+            <a:pPr algn="ctr"/>
+            <a:r>
+              <a:rPr lang="en-US" sz="900" dirty="0">
+                <a:solidFill>
+                  <a:schemeClr val="tx1"/>
+                </a:solidFill>
+                <a:latin typeface="Roboto Flex" panose="02000000000000000000" pitchFamily="2" charset="0"/>
+                <a:ea typeface="Roboto Flex" panose="02000000000000000000" pitchFamily="2" charset="0"/>
+              </a:rPr>
+              <a:t>Click to learn about me!</a:t>
             </a:r>
           </a:p>
         </p:txBody>
@@ -6953,22 +6673,244 @@
   <p:clrMapOvr>
     <a:masterClrMapping/>
   </p:clrMapOvr>
-  <mc:AlternateContent xmlns:mc="http://schemas.openxmlformats.org/markup-compatibility/2006">
-    <mc:Choice xmlns:p159="http://schemas.microsoft.com/office/powerpoint/2015/09/main" Requires="p159">
+  <mc:AlternateContent xmlns:mc="http://schemas.openxmlformats.org/markup-compatibility/2006" xmlns:p159="http://schemas.microsoft.com/office/powerpoint/2015/09/main">
+    <mc:Choice Requires="p159">
       <p:transition xmlns:p14="http://schemas.microsoft.com/office/powerpoint/2010/main" spd="slow" p14:dur="1500">
         <p159:morph option="byObject"/>
       </p:transition>
     </mc:Choice>
-    <mc:Fallback>
+    <mc:Fallback xmlns="">
       <p:transition spd="slow">
         <p:fade/>
       </p:transition>
     </mc:Fallback>
   </mc:AlternateContent>
+  <p:timing>
+    <p:tnLst>
+      <p:par>
+        <p:cTn id="1" dur="indefinite" restart="never" nodeType="tmRoot">
+          <p:childTnLst>
+            <p:seq concurrent="1" nextAc="seek">
+              <p:cTn id="2" dur="indefinite" nodeType="mainSeq">
+                <p:childTnLst>
+                  <p:par>
+                    <p:cTn id="3" fill="hold">
+                      <p:stCondLst>
+                        <p:cond delay="indefinite"/>
+                        <p:cond evt="onBegin" delay="0">
+                          <p:tn val="2"/>
+                        </p:cond>
+                      </p:stCondLst>
+                      <p:childTnLst>
+                        <p:par>
+                          <p:cTn id="4" fill="hold">
+                            <p:stCondLst>
+                              <p:cond delay="0"/>
+                            </p:stCondLst>
+                            <p:childTnLst>
+                              <p:par>
+                                <p:cTn id="5" presetID="32" presetClass="emph" presetSubtype="0" repeatCount="indefinite" fill="hold" nodeType="withEffect">
+                                  <p:stCondLst>
+                                    <p:cond delay="0"/>
+                                  </p:stCondLst>
+                                  <p:childTnLst>
+                                    <p:animRot by="120000">
+                                      <p:cBhvr>
+                                        <p:cTn id="6" dur="100" fill="hold">
+                                          <p:stCondLst>
+                                            <p:cond delay="0"/>
+                                          </p:stCondLst>
+                                        </p:cTn>
+                                        <p:tgtEl>
+                                          <p:spTgt spid="13"/>
+                                        </p:tgtEl>
+                                        <p:attrNameLst>
+                                          <p:attrName>r</p:attrName>
+                                        </p:attrNameLst>
+                                      </p:cBhvr>
+                                    </p:animRot>
+                                    <p:animRot by="-240000">
+                                      <p:cBhvr>
+                                        <p:cTn id="7" dur="200" fill="hold">
+                                          <p:stCondLst>
+                                            <p:cond delay="200"/>
+                                          </p:stCondLst>
+                                        </p:cTn>
+                                        <p:tgtEl>
+                                          <p:spTgt spid="13"/>
+                                        </p:tgtEl>
+                                        <p:attrNameLst>
+                                          <p:attrName>r</p:attrName>
+                                        </p:attrNameLst>
+                                      </p:cBhvr>
+                                    </p:animRot>
+                                    <p:animRot by="240000">
+                                      <p:cBhvr>
+                                        <p:cTn id="8" dur="200" fill="hold">
+                                          <p:stCondLst>
+                                            <p:cond delay="400"/>
+                                          </p:stCondLst>
+                                        </p:cTn>
+                                        <p:tgtEl>
+                                          <p:spTgt spid="13"/>
+                                        </p:tgtEl>
+                                        <p:attrNameLst>
+                                          <p:attrName>r</p:attrName>
+                                        </p:attrNameLst>
+                                      </p:cBhvr>
+                                    </p:animRot>
+                                    <p:animRot by="-240000">
+                                      <p:cBhvr>
+                                        <p:cTn id="9" dur="200" fill="hold">
+                                          <p:stCondLst>
+                                            <p:cond delay="600"/>
+                                          </p:stCondLst>
+                                        </p:cTn>
+                                        <p:tgtEl>
+                                          <p:spTgt spid="13"/>
+                                        </p:tgtEl>
+                                        <p:attrNameLst>
+                                          <p:attrName>r</p:attrName>
+                                        </p:attrNameLst>
+                                      </p:cBhvr>
+                                    </p:animRot>
+                                    <p:animRot by="120000">
+                                      <p:cBhvr>
+                                        <p:cTn id="10" dur="200" fill="hold">
+                                          <p:stCondLst>
+                                            <p:cond delay="800"/>
+                                          </p:stCondLst>
+                                        </p:cTn>
+                                        <p:tgtEl>
+                                          <p:spTgt spid="13"/>
+                                        </p:tgtEl>
+                                        <p:attrNameLst>
+                                          <p:attrName>r</p:attrName>
+                                        </p:attrNameLst>
+                                      </p:cBhvr>
+                                    </p:animRot>
+                                  </p:childTnLst>
+                                </p:cTn>
+                              </p:par>
+                              <p:par>
+                                <p:cTn id="11" presetID="32" presetClass="emph" presetSubtype="0" repeatCount="indefinite" fill="hold" grpId="0" nodeType="withEffect">
+                                  <p:stCondLst>
+                                    <p:cond delay="0"/>
+                                  </p:stCondLst>
+                                  <p:childTnLst>
+                                    <p:animRot by="120000">
+                                      <p:cBhvr>
+                                        <p:cTn id="12" dur="100" fill="hold">
+                                          <p:stCondLst>
+                                            <p:cond delay="0"/>
+                                          </p:stCondLst>
+                                        </p:cTn>
+                                        <p:tgtEl>
+                                          <p:spTgt spid="15"/>
+                                        </p:tgtEl>
+                                        <p:attrNameLst>
+                                          <p:attrName>r</p:attrName>
+                                        </p:attrNameLst>
+                                      </p:cBhvr>
+                                    </p:animRot>
+                                    <p:animRot by="-240000">
+                                      <p:cBhvr>
+                                        <p:cTn id="13" dur="200" fill="hold">
+                                          <p:stCondLst>
+                                            <p:cond delay="200"/>
+                                          </p:stCondLst>
+                                        </p:cTn>
+                                        <p:tgtEl>
+                                          <p:spTgt spid="15"/>
+                                        </p:tgtEl>
+                                        <p:attrNameLst>
+                                          <p:attrName>r</p:attrName>
+                                        </p:attrNameLst>
+                                      </p:cBhvr>
+                                    </p:animRot>
+                                    <p:animRot by="240000">
+                                      <p:cBhvr>
+                                        <p:cTn id="14" dur="200" fill="hold">
+                                          <p:stCondLst>
+                                            <p:cond delay="400"/>
+                                          </p:stCondLst>
+                                        </p:cTn>
+                                        <p:tgtEl>
+                                          <p:spTgt spid="15"/>
+                                        </p:tgtEl>
+                                        <p:attrNameLst>
+                                          <p:attrName>r</p:attrName>
+                                        </p:attrNameLst>
+                                      </p:cBhvr>
+                                    </p:animRot>
+                                    <p:animRot by="-240000">
+                                      <p:cBhvr>
+                                        <p:cTn id="15" dur="200" fill="hold">
+                                          <p:stCondLst>
+                                            <p:cond delay="600"/>
+                                          </p:stCondLst>
+                                        </p:cTn>
+                                        <p:tgtEl>
+                                          <p:spTgt spid="15"/>
+                                        </p:tgtEl>
+                                        <p:attrNameLst>
+                                          <p:attrName>r</p:attrName>
+                                        </p:attrNameLst>
+                                      </p:cBhvr>
+                                    </p:animRot>
+                                    <p:animRot by="120000">
+                                      <p:cBhvr>
+                                        <p:cTn id="16" dur="200" fill="hold">
+                                          <p:stCondLst>
+                                            <p:cond delay="800"/>
+                                          </p:stCondLst>
+                                        </p:cTn>
+                                        <p:tgtEl>
+                                          <p:spTgt spid="15"/>
+                                        </p:tgtEl>
+                                        <p:attrNameLst>
+                                          <p:attrName>r</p:attrName>
+                                        </p:attrNameLst>
+                                      </p:cBhvr>
+                                    </p:animRot>
+                                  </p:childTnLst>
+                                </p:cTn>
+                              </p:par>
+                            </p:childTnLst>
+                          </p:cTn>
+                        </p:par>
+                      </p:childTnLst>
+                    </p:cTn>
+                  </p:par>
+                </p:childTnLst>
+              </p:cTn>
+              <p:prevCondLst>
+                <p:cond evt="onPrev" delay="0">
+                  <p:tgtEl>
+                    <p:sldTgt/>
+                  </p:tgtEl>
+                </p:cond>
+              </p:prevCondLst>
+              <p:nextCondLst>
+                <p:cond evt="onNext" delay="0">
+                  <p:tgtEl>
+                    <p:sldTgt/>
+                  </p:tgtEl>
+                </p:cond>
+              </p:nextCondLst>
+            </p:seq>
+          </p:childTnLst>
+        </p:cTn>
+      </p:par>
+    </p:tnLst>
+    <p:bldLst>
+      <p:bldP spid="15" grpId="0" animBg="1"/>
+    </p:bldLst>
+  </p:timing>
 </p:sld>
 </file>
 
-<file path=ppt/slides/slide6.xml><?xml version="1.0" encoding="utf-8"?>
+<file path=ppt/slides/slide3.xml><?xml version="1.0" encoding="utf-8"?>
 <p:sld xmlns:a="http://schemas.openxmlformats.org/drawingml/2006/main" xmlns:r="http://schemas.openxmlformats.org/officeDocument/2006/relationships" xmlns:p="http://schemas.openxmlformats.org/presentationml/2006/main">
   <p:cSld>
     <p:spTree>
@@ -7304,7 +7246,7 @@
                 <a:ea typeface="Cherry Bomb One" panose="02000000000000000000" pitchFamily="2" charset="-128"/>
                 <a:cs typeface="Fredoka" pitchFamily="2" charset="-79"/>
               </a:rPr>
-              <a:t>Chapters</a:t>
+              <a:t>Lessons</a:t>
             </a:r>
           </a:p>
         </p:txBody>
@@ -7312,6 +7254,7 @@
       <p:sp>
         <p:nvSpPr>
           <p:cNvPr id="6" name="Rectangle: Rounded Corners 5">
+            <a:hlinkClick r:id="rId3" action="ppaction://hlinkpres?slideindex=1&amp;slidetitle=Regular and irregular verbs"/>
             <a:extLst>
               <a:ext uri="{FF2B5EF4-FFF2-40B4-BE49-F238E27FC236}">
                 <a16:creationId xmlns:a16="http://schemas.microsoft.com/office/drawing/2014/main" id="{FBEB9FF4-F7EC-CD6C-459B-FF053C74BC4E}"/>
@@ -7362,11 +7305,11 @@
           <a:p>
             <a:pPr algn="ctr"/>
             <a:r>
-              <a:rPr lang="en-US" b="1" dirty="0">
+              <a:rPr lang="en-US" sz="1600" b="1" dirty="0">
                 <a:latin typeface="Irish Grover" panose="02000000000000000000" pitchFamily="2" charset="0"/>
                 <a:cs typeface="Fredoka" pitchFamily="2" charset="-79"/>
               </a:rPr>
-              <a:t>Unit 1</a:t>
+              <a:t>Regular and Irregular Verbs</a:t>
             </a:r>
           </a:p>
         </p:txBody>
@@ -7428,7 +7371,7 @@
                 <a:latin typeface="Irish Grover" panose="02000000000000000000" pitchFamily="2" charset="0"/>
                 <a:cs typeface="Fredoka" pitchFamily="2" charset="-79"/>
               </a:rPr>
-              <a:t>Unit 2</a:t>
+              <a:t>Simple Past Tense</a:t>
             </a:r>
           </a:p>
         </p:txBody>
@@ -7490,7 +7433,7 @@
                 <a:latin typeface="Irish Grover" panose="02000000000000000000" pitchFamily="2" charset="0"/>
                 <a:cs typeface="Fredoka" pitchFamily="2" charset="-79"/>
               </a:rPr>
-              <a:t>Unit 3</a:t>
+              <a:t>Modal Verbs</a:t>
             </a:r>
           </a:p>
         </p:txBody>
@@ -7552,7 +7495,7 @@
                 <a:latin typeface="Irish Grover" panose="02000000000000000000" pitchFamily="2" charset="0"/>
                 <a:cs typeface="Fredoka" pitchFamily="2" charset="-79"/>
               </a:rPr>
-              <a:t>Unit 4</a:t>
+              <a:t>Making Comparisons</a:t>
             </a:r>
           </a:p>
         </p:txBody>
@@ -7614,7 +7557,7 @@
                 <a:latin typeface="Irish Grover" panose="02000000000000000000" pitchFamily="2" charset="0"/>
                 <a:cs typeface="Fredoka" pitchFamily="2" charset="-79"/>
               </a:rPr>
-              <a:t>Unit 5</a:t>
+              <a:t>Frequency Adverbs</a:t>
             </a:r>
           </a:p>
         </p:txBody>
@@ -7676,7 +7619,7 @@
                 <a:latin typeface="Irish Grover" panose="02000000000000000000" pitchFamily="2" charset="0"/>
                 <a:cs typeface="Fredoka" pitchFamily="2" charset="-79"/>
               </a:rPr>
-              <a:t>Unit 6</a:t>
+              <a:t>Simple Present</a:t>
             </a:r>
           </a:p>
         </p:txBody>
@@ -7696,7 +7639,7 @@
           <p:nvPr/>
         </p:nvPicPr>
         <p:blipFill>
-          <a:blip r:embed="rId3"/>
+          <a:blip r:embed="rId4"/>
           <a:stretch>
             <a:fillRect/>
           </a:stretch>
@@ -7768,7 +7711,7 @@
                 <a:latin typeface="Irish Grover" panose="02000000000000000000" pitchFamily="2" charset="0"/>
                 <a:cs typeface="Fredoka" pitchFamily="2" charset="-79"/>
               </a:rPr>
-              <a:t>Unit 9</a:t>
+              <a:t>Have got / has got</a:t>
             </a:r>
           </a:p>
         </p:txBody>
@@ -8367,7 +8310,7 @@
           <p:nvPr/>
         </p:nvPicPr>
         <p:blipFill>
-          <a:blip r:embed="rId3"/>
+          <a:blip r:embed="rId4"/>
           <a:stretch>
             <a:fillRect/>
           </a:stretch>
@@ -8976,7 +8919,7 @@
           <p:nvPr/>
         </p:nvPicPr>
         <p:blipFill>
-          <a:blip r:embed="rId3"/>
+          <a:blip r:embed="rId4"/>
           <a:stretch>
             <a:fillRect/>
           </a:stretch>
@@ -9033,6 +8976,78 @@
           </a:p>
         </p:txBody>
       </p:sp>
+      <p:pic>
+        <p:nvPicPr>
+          <p:cNvPr id="16" name="Picture 15" descr="A logo of a book and crown&#10;&#10;AI-generated content may be incorrect.">
+            <a:extLst>
+              <a:ext uri="{FF2B5EF4-FFF2-40B4-BE49-F238E27FC236}">
+                <a16:creationId xmlns:a16="http://schemas.microsoft.com/office/drawing/2014/main" id="{CAE86C8C-2DC5-EDC2-5659-0FAEEC8AF590}"/>
+              </a:ext>
+            </a:extLst>
+          </p:cNvPr>
+          <p:cNvPicPr>
+            <a:picLocks noChangeAspect="1"/>
+          </p:cNvPicPr>
+          <p:nvPr/>
+        </p:nvPicPr>
+        <p:blipFill>
+          <a:blip r:embed="rId5">
+            <a:extLst>
+              <a:ext uri="{28A0092B-C50C-407E-A947-70E740481C1C}">
+                <a14:useLocalDpi xmlns:a14="http://schemas.microsoft.com/office/drawing/2010/main" val="0"/>
+              </a:ext>
+            </a:extLst>
+          </a:blip>
+          <a:stretch>
+            <a:fillRect/>
+          </a:stretch>
+        </p:blipFill>
+        <p:spPr>
+          <a:xfrm>
+            <a:off x="-15240" y="0"/>
+            <a:ext cx="986594" cy="718157"/>
+          </a:xfrm>
+          <a:prstGeom prst="rect">
+            <a:avLst/>
+          </a:prstGeom>
+        </p:spPr>
+      </p:pic>
+      <p:pic>
+        <p:nvPicPr>
+          <p:cNvPr id="40" name="Picture 39">
+            <a:extLst>
+              <a:ext uri="{FF2B5EF4-FFF2-40B4-BE49-F238E27FC236}">
+                <a16:creationId xmlns:a16="http://schemas.microsoft.com/office/drawing/2014/main" id="{7126DAB3-F476-42BA-4B78-F71109102A49}"/>
+              </a:ext>
+            </a:extLst>
+          </p:cNvPr>
+          <p:cNvPicPr>
+            <a:picLocks noChangeAspect="1"/>
+          </p:cNvPicPr>
+          <p:nvPr/>
+        </p:nvPicPr>
+        <p:blipFill>
+          <a:blip r:embed="rId6">
+            <a:extLst>
+              <a:ext uri="{28A0092B-C50C-407E-A947-70E740481C1C}">
+                <a14:useLocalDpi xmlns:a14="http://schemas.microsoft.com/office/drawing/2010/main" val="0"/>
+              </a:ext>
+            </a:extLst>
+          </a:blip>
+          <a:stretch>
+            <a:fillRect/>
+          </a:stretch>
+        </p:blipFill>
+        <p:spPr>
+          <a:xfrm>
+            <a:off x="905167" y="0"/>
+            <a:ext cx="718157" cy="718157"/>
+          </a:xfrm>
+          <a:prstGeom prst="rect">
+            <a:avLst/>
+          </a:prstGeom>
+        </p:spPr>
+      </p:pic>
     </p:spTree>
     <p:extLst>
       <p:ext uri="{BB962C8B-B14F-4D97-AF65-F5344CB8AC3E}">
@@ -9043,3588 +9058,13 @@
   <p:clrMapOvr>
     <a:masterClrMapping/>
   </p:clrMapOvr>
-  <mc:AlternateContent xmlns:mc="http://schemas.openxmlformats.org/markup-compatibility/2006">
-    <mc:Choice xmlns:p159="http://schemas.microsoft.com/office/powerpoint/2015/09/main" Requires="p159">
+  <mc:AlternateContent xmlns:mc="http://schemas.openxmlformats.org/markup-compatibility/2006" xmlns:p159="http://schemas.microsoft.com/office/powerpoint/2015/09/main">
+    <mc:Choice Requires="p159">
       <p:transition xmlns:p14="http://schemas.microsoft.com/office/powerpoint/2010/main" spd="slow" p14:dur="800">
         <p159:morph option="byObject"/>
       </p:transition>
     </mc:Choice>
-    <mc:Fallback>
-      <p:transition spd="slow">
-        <p:fade/>
-      </p:transition>
-    </mc:Fallback>
-  </mc:AlternateContent>
-</p:sld>
-</file>
-
-<file path=ppt/slides/slide7.xml><?xml version="1.0" encoding="utf-8"?>
-<p:sld xmlns:a="http://schemas.openxmlformats.org/drawingml/2006/main" xmlns:r="http://schemas.openxmlformats.org/officeDocument/2006/relationships" xmlns:p="http://schemas.openxmlformats.org/presentationml/2006/main">
-  <p:cSld>
-    <p:spTree>
-      <p:nvGrpSpPr>
-        <p:cNvPr id="1" name="">
-          <a:extLst>
-            <a:ext uri="{FF2B5EF4-FFF2-40B4-BE49-F238E27FC236}">
-              <a16:creationId xmlns:a16="http://schemas.microsoft.com/office/drawing/2014/main" id="{2E801071-EEAD-6162-CB2B-81618C1C09FA}"/>
-            </a:ext>
-          </a:extLst>
-        </p:cNvPr>
-        <p:cNvGrpSpPr/>
-        <p:nvPr/>
-      </p:nvGrpSpPr>
-      <p:grpSpPr>
-        <a:xfrm>
-          <a:off x="0" y="0"/>
-          <a:ext cx="0" cy="0"/>
-          <a:chOff x="0" y="0"/>
-          <a:chExt cx="0" cy="0"/>
-        </a:xfrm>
-      </p:grpSpPr>
-      <p:pic>
-        <p:nvPicPr>
-          <p:cNvPr id="7" name="Picture 6" descr="Cartoon characters on a green field&#10;&#10;AI-generated content may be incorrect.">
-            <a:extLst>
-              <a:ext uri="{FF2B5EF4-FFF2-40B4-BE49-F238E27FC236}">
-                <a16:creationId xmlns:a16="http://schemas.microsoft.com/office/drawing/2014/main" id="{D61EB90F-4693-68F7-285E-5173303E20F4}"/>
-              </a:ext>
-            </a:extLst>
-          </p:cNvPr>
-          <p:cNvPicPr>
-            <a:picLocks noChangeAspect="1"/>
-          </p:cNvPicPr>
-          <p:nvPr/>
-        </p:nvPicPr>
-        <p:blipFill>
-          <a:blip r:embed="rId2">
-            <a:extLst>
-              <a:ext uri="{28A0092B-C50C-407E-A947-70E740481C1C}">
-                <a14:useLocalDpi xmlns:a14="http://schemas.microsoft.com/office/drawing/2010/main" val="0"/>
-              </a:ext>
-            </a:extLst>
-          </a:blip>
-          <a:stretch>
-            <a:fillRect/>
-          </a:stretch>
-        </p:blipFill>
-        <p:spPr>
-          <a:xfrm>
-            <a:off x="-15240" y="-1280160"/>
-            <a:ext cx="12207240" cy="8138160"/>
-          </a:xfrm>
-          <a:prstGeom prst="rect">
-            <a:avLst/>
-          </a:prstGeom>
-        </p:spPr>
-      </p:pic>
-      <p:sp>
-        <p:nvSpPr>
-          <p:cNvPr id="9" name="Rectangle: Rounded Corners 8">
-            <a:extLst>
-              <a:ext uri="{FF2B5EF4-FFF2-40B4-BE49-F238E27FC236}">
-                <a16:creationId xmlns:a16="http://schemas.microsoft.com/office/drawing/2014/main" id="{1054B9EE-ECE8-7B7A-5FF1-599900CD9DB0}"/>
-              </a:ext>
-            </a:extLst>
-          </p:cNvPr>
-          <p:cNvSpPr/>
-          <p:nvPr/>
-        </p:nvSpPr>
-        <p:spPr>
-          <a:xfrm>
-            <a:off x="5059349" y="-3645988"/>
-            <a:ext cx="2058061" cy="584012"/>
-          </a:xfrm>
-          <a:prstGeom prst="roundRect">
-            <a:avLst>
-              <a:gd name="adj" fmla="val 50000"/>
-            </a:avLst>
-          </a:prstGeom>
-          <a:gradFill flip="none" rotWithShape="1">
-            <a:gsLst>
-              <a:gs pos="14000">
-                <a:srgbClr val="7BE753"/>
-              </a:gs>
-              <a:gs pos="100000">
-                <a:srgbClr val="279415"/>
-              </a:gs>
-            </a:gsLst>
-            <a:lin ang="2700000" scaled="1"/>
-            <a:tileRect/>
-          </a:gradFill>
-          <a:ln>
-            <a:solidFill>
-              <a:srgbClr val="279415"/>
-            </a:solidFill>
-          </a:ln>
-        </p:spPr>
-        <p:style>
-          <a:lnRef idx="2">
-            <a:schemeClr val="accent1">
-              <a:shade val="15000"/>
-            </a:schemeClr>
-          </a:lnRef>
-          <a:fillRef idx="1">
-            <a:schemeClr val="accent1"/>
-          </a:fillRef>
-          <a:effectRef idx="0">
-            <a:schemeClr val="accent1"/>
-          </a:effectRef>
-          <a:fontRef idx="minor">
-            <a:schemeClr val="lt1"/>
-          </a:fontRef>
-        </p:style>
-        <p:txBody>
-          <a:bodyPr rtlCol="0" anchor="ctr"/>
-          <a:lstStyle/>
-          <a:p>
-            <a:pPr algn="ctr"/>
-            <a:r>
-              <a:rPr lang="en-US" sz="2800" b="1" dirty="0">
-                <a:latin typeface="Fredoka" pitchFamily="2" charset="-79"/>
-                <a:cs typeface="Fredoka" pitchFamily="2" charset="-79"/>
-              </a:rPr>
-              <a:t>Start</a:t>
-            </a:r>
-            <a:endParaRPr lang="en-US" sz="3200" b="1" dirty="0">
-              <a:latin typeface="Fredoka" pitchFamily="2" charset="-79"/>
-              <a:cs typeface="Fredoka" pitchFamily="2" charset="-79"/>
-            </a:endParaRPr>
-          </a:p>
-        </p:txBody>
-      </p:sp>
-      <p:sp>
-        <p:nvSpPr>
-          <p:cNvPr id="2" name="Rectangle: Rounded Corners 1">
-            <a:extLst>
-              <a:ext uri="{FF2B5EF4-FFF2-40B4-BE49-F238E27FC236}">
-                <a16:creationId xmlns:a16="http://schemas.microsoft.com/office/drawing/2014/main" id="{E4C448DC-A3A4-CE03-26FA-CF70369ED989}"/>
-              </a:ext>
-            </a:extLst>
-          </p:cNvPr>
-          <p:cNvSpPr/>
-          <p:nvPr/>
-        </p:nvSpPr>
-        <p:spPr>
-          <a:xfrm>
-            <a:off x="344405" y="1583125"/>
-            <a:ext cx="3543301" cy="4708490"/>
-          </a:xfrm>
-          <a:prstGeom prst="roundRect">
-            <a:avLst/>
-          </a:prstGeom>
-          <a:solidFill>
-            <a:srgbClr val="49BB92"/>
-          </a:solidFill>
-          <a:ln w="127000">
-            <a:solidFill>
-              <a:srgbClr val="33896A"/>
-            </a:solidFill>
-          </a:ln>
-          <a:effectLst/>
-        </p:spPr>
-        <p:style>
-          <a:lnRef idx="2">
-            <a:schemeClr val="accent1">
-              <a:shade val="15000"/>
-            </a:schemeClr>
-          </a:lnRef>
-          <a:fillRef idx="1">
-            <a:schemeClr val="accent1"/>
-          </a:fillRef>
-          <a:effectRef idx="0">
-            <a:schemeClr val="accent1"/>
-          </a:effectRef>
-          <a:fontRef idx="minor">
-            <a:schemeClr val="lt1"/>
-          </a:fontRef>
-        </p:style>
-        <p:txBody>
-          <a:bodyPr rtlCol="0" anchor="ctr"/>
-          <a:lstStyle/>
-          <a:p>
-            <a:pPr algn="ctr"/>
-            <a:endParaRPr lang="en-US" dirty="0"/>
-          </a:p>
-        </p:txBody>
-      </p:sp>
-      <p:sp>
-        <p:nvSpPr>
-          <p:cNvPr id="3" name="Rectangle: Rounded Corners 2">
-            <a:extLst>
-              <a:ext uri="{FF2B5EF4-FFF2-40B4-BE49-F238E27FC236}">
-                <a16:creationId xmlns:a16="http://schemas.microsoft.com/office/drawing/2014/main" id="{D957F6F7-9705-41CB-F2F8-FBA3BE7684E8}"/>
-              </a:ext>
-            </a:extLst>
-          </p:cNvPr>
-          <p:cNvSpPr/>
-          <p:nvPr/>
-        </p:nvSpPr>
-        <p:spPr>
-          <a:xfrm>
-            <a:off x="268864" y="1530385"/>
-            <a:ext cx="3543301" cy="4708490"/>
-          </a:xfrm>
-          <a:prstGeom prst="roundRect">
-            <a:avLst/>
-          </a:prstGeom>
-          <a:solidFill>
-            <a:srgbClr val="49BB92"/>
-          </a:solidFill>
-          <a:ln w="127000">
-            <a:solidFill>
-              <a:srgbClr val="49BB92"/>
-            </a:solidFill>
-          </a:ln>
-          <a:effectLst/>
-        </p:spPr>
-        <p:style>
-          <a:lnRef idx="2">
-            <a:schemeClr val="accent1">
-              <a:shade val="15000"/>
-            </a:schemeClr>
-          </a:lnRef>
-          <a:fillRef idx="1">
-            <a:schemeClr val="accent1"/>
-          </a:fillRef>
-          <a:effectRef idx="0">
-            <a:schemeClr val="accent1"/>
-          </a:effectRef>
-          <a:fontRef idx="minor">
-            <a:schemeClr val="lt1"/>
-          </a:fontRef>
-        </p:style>
-        <p:txBody>
-          <a:bodyPr rtlCol="0" anchor="ctr"/>
-          <a:lstStyle/>
-          <a:p>
-            <a:pPr algn="ctr"/>
-            <a:endParaRPr lang="en-US" dirty="0"/>
-          </a:p>
-        </p:txBody>
-      </p:sp>
-      <p:sp>
-        <p:nvSpPr>
-          <p:cNvPr id="4" name="Rectangle: Rounded Corners 3">
-            <a:extLst>
-              <a:ext uri="{FF2B5EF4-FFF2-40B4-BE49-F238E27FC236}">
-                <a16:creationId xmlns:a16="http://schemas.microsoft.com/office/drawing/2014/main" id="{2CD9BB88-35A6-77AD-B467-976EE7092B4B}"/>
-              </a:ext>
-            </a:extLst>
-          </p:cNvPr>
-          <p:cNvSpPr/>
-          <p:nvPr/>
-        </p:nvSpPr>
-        <p:spPr>
-          <a:xfrm>
-            <a:off x="268864" y="2220640"/>
-            <a:ext cx="3543301" cy="3752877"/>
-          </a:xfrm>
-          <a:prstGeom prst="roundRect">
-            <a:avLst/>
-          </a:prstGeom>
-          <a:solidFill>
-            <a:srgbClr val="F4F1EC"/>
-          </a:solidFill>
-          <a:ln w="127000">
-            <a:solidFill>
-              <a:srgbClr val="49BB92"/>
-            </a:solidFill>
-          </a:ln>
-        </p:spPr>
-        <p:style>
-          <a:lnRef idx="2">
-            <a:schemeClr val="accent1">
-              <a:shade val="15000"/>
-            </a:schemeClr>
-          </a:lnRef>
-          <a:fillRef idx="1">
-            <a:schemeClr val="accent1"/>
-          </a:fillRef>
-          <a:effectRef idx="0">
-            <a:schemeClr val="accent1"/>
-          </a:effectRef>
-          <a:fontRef idx="minor">
-            <a:schemeClr val="lt1"/>
-          </a:fontRef>
-        </p:style>
-        <p:txBody>
-          <a:bodyPr rtlCol="0" anchor="ctr"/>
-          <a:lstStyle/>
-          <a:p>
-            <a:pPr algn="ctr"/>
-            <a:endParaRPr lang="en-US"/>
-          </a:p>
-        </p:txBody>
-      </p:sp>
-      <p:sp>
-        <p:nvSpPr>
-          <p:cNvPr id="5" name="TextBox 4">
-            <a:extLst>
-              <a:ext uri="{FF2B5EF4-FFF2-40B4-BE49-F238E27FC236}">
-                <a16:creationId xmlns:a16="http://schemas.microsoft.com/office/drawing/2014/main" id="{6F6F976D-1773-39C8-E551-8EA42F04CF07}"/>
-              </a:ext>
-            </a:extLst>
-          </p:cNvPr>
-          <p:cNvSpPr txBox="1"/>
-          <p:nvPr/>
-        </p:nvSpPr>
-        <p:spPr>
-          <a:xfrm flipH="1">
-            <a:off x="525453" y="1583125"/>
-            <a:ext cx="3040381" cy="584775"/>
-          </a:xfrm>
-          <a:prstGeom prst="rect">
-            <a:avLst/>
-          </a:prstGeom>
-          <a:noFill/>
-        </p:spPr>
-        <p:txBody>
-          <a:bodyPr wrap="square" rtlCol="0">
-            <a:spAutoFit/>
-          </a:bodyPr>
-          <a:lstStyle/>
-          <a:p>
-            <a:pPr algn="ctr"/>
-            <a:r>
-              <a:rPr lang="en-US" sz="3200" dirty="0">
-                <a:solidFill>
-                  <a:schemeClr val="bg1"/>
-                </a:solidFill>
-                <a:latin typeface="Cherry Bomb One" panose="02000000000000000000" pitchFamily="2" charset="-128"/>
-                <a:ea typeface="Cherry Bomb One" panose="02000000000000000000" pitchFamily="2" charset="-128"/>
-                <a:cs typeface="Fredoka" pitchFamily="2" charset="-79"/>
-              </a:rPr>
-              <a:t>Chapters</a:t>
-            </a:r>
-          </a:p>
-        </p:txBody>
-      </p:sp>
-      <p:sp>
-        <p:nvSpPr>
-          <p:cNvPr id="6" name="Rectangle: Rounded Corners 5">
-            <a:extLst>
-              <a:ext uri="{FF2B5EF4-FFF2-40B4-BE49-F238E27FC236}">
-                <a16:creationId xmlns:a16="http://schemas.microsoft.com/office/drawing/2014/main" id="{A805BD8F-64F9-3013-60C3-8A40D5E9B120}"/>
-              </a:ext>
-            </a:extLst>
-          </p:cNvPr>
-          <p:cNvSpPr/>
-          <p:nvPr/>
-        </p:nvSpPr>
-        <p:spPr>
-          <a:xfrm>
-            <a:off x="520323" y="2534639"/>
-            <a:ext cx="3040381" cy="342900"/>
-          </a:xfrm>
-          <a:prstGeom prst="roundRect">
-            <a:avLst>
-              <a:gd name="adj" fmla="val 30000"/>
-            </a:avLst>
-          </a:prstGeom>
-          <a:solidFill>
-            <a:srgbClr val="E8D9C6"/>
-          </a:solidFill>
-          <a:ln w="28575">
-            <a:solidFill>
-              <a:srgbClr val="D4C1A9"/>
-            </a:solidFill>
-          </a:ln>
-        </p:spPr>
-        <p:style>
-          <a:lnRef idx="2">
-            <a:schemeClr val="accent1">
-              <a:shade val="15000"/>
-            </a:schemeClr>
-          </a:lnRef>
-          <a:fillRef idx="1">
-            <a:schemeClr val="accent1"/>
-          </a:fillRef>
-          <a:effectRef idx="0">
-            <a:schemeClr val="accent1"/>
-          </a:effectRef>
-          <a:fontRef idx="minor">
-            <a:schemeClr val="lt1"/>
-          </a:fontRef>
-        </p:style>
-        <p:txBody>
-          <a:bodyPr rtlCol="0" anchor="ctr"/>
-          <a:lstStyle/>
-          <a:p>
-            <a:pPr algn="ctr"/>
-            <a:r>
-              <a:rPr lang="en-US" b="1" dirty="0">
-                <a:latin typeface="Irish Grover" panose="02000000000000000000" pitchFamily="2" charset="0"/>
-                <a:cs typeface="Fredoka" pitchFamily="2" charset="-79"/>
-              </a:rPr>
-              <a:t>Unit 1</a:t>
-            </a:r>
-          </a:p>
-        </p:txBody>
-      </p:sp>
-      <p:sp>
-        <p:nvSpPr>
-          <p:cNvPr id="10" name="Rectangle: Rounded Corners 9">
-            <a:extLst>
-              <a:ext uri="{FF2B5EF4-FFF2-40B4-BE49-F238E27FC236}">
-                <a16:creationId xmlns:a16="http://schemas.microsoft.com/office/drawing/2014/main" id="{D640E72C-8EA2-12A8-8709-D3CB70DF13F9}"/>
-              </a:ext>
-            </a:extLst>
-          </p:cNvPr>
-          <p:cNvSpPr/>
-          <p:nvPr/>
-        </p:nvSpPr>
-        <p:spPr>
-          <a:xfrm>
-            <a:off x="520323" y="3020088"/>
-            <a:ext cx="3040381" cy="342900"/>
-          </a:xfrm>
-          <a:prstGeom prst="roundRect">
-            <a:avLst>
-              <a:gd name="adj" fmla="val 30000"/>
-            </a:avLst>
-          </a:prstGeom>
-          <a:solidFill>
-            <a:srgbClr val="E8D9C6"/>
-          </a:solidFill>
-          <a:ln w="28575">
-            <a:solidFill>
-              <a:srgbClr val="D4C1A9"/>
-            </a:solidFill>
-          </a:ln>
-        </p:spPr>
-        <p:style>
-          <a:lnRef idx="2">
-            <a:schemeClr val="accent1">
-              <a:shade val="15000"/>
-            </a:schemeClr>
-          </a:lnRef>
-          <a:fillRef idx="1">
-            <a:schemeClr val="accent1"/>
-          </a:fillRef>
-          <a:effectRef idx="0">
-            <a:schemeClr val="accent1"/>
-          </a:effectRef>
-          <a:fontRef idx="minor">
-            <a:schemeClr val="lt1"/>
-          </a:fontRef>
-        </p:style>
-        <p:txBody>
-          <a:bodyPr rtlCol="0" anchor="ctr"/>
-          <a:lstStyle/>
-          <a:p>
-            <a:pPr algn="ctr"/>
-            <a:r>
-              <a:rPr lang="en-US" b="1" dirty="0">
-                <a:latin typeface="Irish Grover" panose="02000000000000000000" pitchFamily="2" charset="0"/>
-                <a:cs typeface="Fredoka" pitchFamily="2" charset="-79"/>
-              </a:rPr>
-              <a:t>Unit 2</a:t>
-            </a:r>
-          </a:p>
-        </p:txBody>
-      </p:sp>
-      <p:sp>
-        <p:nvSpPr>
-          <p:cNvPr id="11" name="Rectangle: Rounded Corners 10">
-            <a:extLst>
-              <a:ext uri="{FF2B5EF4-FFF2-40B4-BE49-F238E27FC236}">
-                <a16:creationId xmlns:a16="http://schemas.microsoft.com/office/drawing/2014/main" id="{0A691196-14F8-1508-36C6-14C0A7D552AE}"/>
-              </a:ext>
-            </a:extLst>
-          </p:cNvPr>
-          <p:cNvSpPr/>
-          <p:nvPr/>
-        </p:nvSpPr>
-        <p:spPr>
-          <a:xfrm>
-            <a:off x="520322" y="3506352"/>
-            <a:ext cx="3040381" cy="342900"/>
-          </a:xfrm>
-          <a:prstGeom prst="roundRect">
-            <a:avLst>
-              <a:gd name="adj" fmla="val 30000"/>
-            </a:avLst>
-          </a:prstGeom>
-          <a:solidFill>
-            <a:srgbClr val="E8D9C6"/>
-          </a:solidFill>
-          <a:ln w="28575">
-            <a:solidFill>
-              <a:srgbClr val="D4C1A9"/>
-            </a:solidFill>
-          </a:ln>
-        </p:spPr>
-        <p:style>
-          <a:lnRef idx="2">
-            <a:schemeClr val="accent1">
-              <a:shade val="15000"/>
-            </a:schemeClr>
-          </a:lnRef>
-          <a:fillRef idx="1">
-            <a:schemeClr val="accent1"/>
-          </a:fillRef>
-          <a:effectRef idx="0">
-            <a:schemeClr val="accent1"/>
-          </a:effectRef>
-          <a:fontRef idx="minor">
-            <a:schemeClr val="lt1"/>
-          </a:fontRef>
-        </p:style>
-        <p:txBody>
-          <a:bodyPr rtlCol="0" anchor="ctr"/>
-          <a:lstStyle/>
-          <a:p>
-            <a:pPr algn="ctr"/>
-            <a:r>
-              <a:rPr lang="en-US" b="1" dirty="0">
-                <a:latin typeface="Irish Grover" panose="02000000000000000000" pitchFamily="2" charset="0"/>
-                <a:cs typeface="Fredoka" pitchFamily="2" charset="-79"/>
-              </a:rPr>
-              <a:t>Unit 3</a:t>
-            </a:r>
-          </a:p>
-        </p:txBody>
-      </p:sp>
-      <p:sp>
-        <p:nvSpPr>
-          <p:cNvPr id="12" name="Rectangle: Rounded Corners 11">
-            <a:extLst>
-              <a:ext uri="{FF2B5EF4-FFF2-40B4-BE49-F238E27FC236}">
-                <a16:creationId xmlns:a16="http://schemas.microsoft.com/office/drawing/2014/main" id="{396909B1-5298-5B70-44CF-760BD5B5CCD3}"/>
-              </a:ext>
-            </a:extLst>
-          </p:cNvPr>
-          <p:cNvSpPr/>
-          <p:nvPr/>
-        </p:nvSpPr>
-        <p:spPr>
-          <a:xfrm>
-            <a:off x="520321" y="3991801"/>
-            <a:ext cx="3040381" cy="342900"/>
-          </a:xfrm>
-          <a:prstGeom prst="roundRect">
-            <a:avLst>
-              <a:gd name="adj" fmla="val 30000"/>
-            </a:avLst>
-          </a:prstGeom>
-          <a:solidFill>
-            <a:srgbClr val="E8D9C6"/>
-          </a:solidFill>
-          <a:ln w="28575">
-            <a:solidFill>
-              <a:srgbClr val="D4C1A9"/>
-            </a:solidFill>
-          </a:ln>
-        </p:spPr>
-        <p:style>
-          <a:lnRef idx="2">
-            <a:schemeClr val="accent1">
-              <a:shade val="15000"/>
-            </a:schemeClr>
-          </a:lnRef>
-          <a:fillRef idx="1">
-            <a:schemeClr val="accent1"/>
-          </a:fillRef>
-          <a:effectRef idx="0">
-            <a:schemeClr val="accent1"/>
-          </a:effectRef>
-          <a:fontRef idx="minor">
-            <a:schemeClr val="lt1"/>
-          </a:fontRef>
-        </p:style>
-        <p:txBody>
-          <a:bodyPr rtlCol="0" anchor="ctr"/>
-          <a:lstStyle/>
-          <a:p>
-            <a:pPr algn="ctr"/>
-            <a:r>
-              <a:rPr lang="en-US" b="1" dirty="0">
-                <a:latin typeface="Irish Grover" panose="02000000000000000000" pitchFamily="2" charset="0"/>
-                <a:cs typeface="Fredoka" pitchFamily="2" charset="-79"/>
-              </a:rPr>
-              <a:t>Unit 4</a:t>
-            </a:r>
-          </a:p>
-        </p:txBody>
-      </p:sp>
-      <p:sp>
-        <p:nvSpPr>
-          <p:cNvPr id="13" name="Rectangle: Rounded Corners 12">
-            <a:extLst>
-              <a:ext uri="{FF2B5EF4-FFF2-40B4-BE49-F238E27FC236}">
-                <a16:creationId xmlns:a16="http://schemas.microsoft.com/office/drawing/2014/main" id="{2A6FFBDF-ED3C-099A-DBC8-B04085E10388}"/>
-              </a:ext>
-            </a:extLst>
-          </p:cNvPr>
-          <p:cNvSpPr/>
-          <p:nvPr/>
-        </p:nvSpPr>
-        <p:spPr>
-          <a:xfrm>
-            <a:off x="520320" y="4477250"/>
-            <a:ext cx="3040381" cy="342900"/>
-          </a:xfrm>
-          <a:prstGeom prst="roundRect">
-            <a:avLst>
-              <a:gd name="adj" fmla="val 30000"/>
-            </a:avLst>
-          </a:prstGeom>
-          <a:solidFill>
-            <a:srgbClr val="E8D9C6"/>
-          </a:solidFill>
-          <a:ln w="28575">
-            <a:solidFill>
-              <a:srgbClr val="D4C1A9"/>
-            </a:solidFill>
-          </a:ln>
-        </p:spPr>
-        <p:style>
-          <a:lnRef idx="2">
-            <a:schemeClr val="accent1">
-              <a:shade val="15000"/>
-            </a:schemeClr>
-          </a:lnRef>
-          <a:fillRef idx="1">
-            <a:schemeClr val="accent1"/>
-          </a:fillRef>
-          <a:effectRef idx="0">
-            <a:schemeClr val="accent1"/>
-          </a:effectRef>
-          <a:fontRef idx="minor">
-            <a:schemeClr val="lt1"/>
-          </a:fontRef>
-        </p:style>
-        <p:txBody>
-          <a:bodyPr rtlCol="0" anchor="ctr"/>
-          <a:lstStyle/>
-          <a:p>
-            <a:pPr algn="ctr"/>
-            <a:r>
-              <a:rPr lang="en-US" b="1" dirty="0">
-                <a:latin typeface="Irish Grover" panose="02000000000000000000" pitchFamily="2" charset="0"/>
-                <a:cs typeface="Fredoka" pitchFamily="2" charset="-79"/>
-              </a:rPr>
-              <a:t>Unit 5</a:t>
-            </a:r>
-          </a:p>
-        </p:txBody>
-      </p:sp>
-      <p:sp>
-        <p:nvSpPr>
-          <p:cNvPr id="14" name="Rectangle: Rounded Corners 13">
-            <a:extLst>
-              <a:ext uri="{FF2B5EF4-FFF2-40B4-BE49-F238E27FC236}">
-                <a16:creationId xmlns:a16="http://schemas.microsoft.com/office/drawing/2014/main" id="{587BA026-6D3A-CBA8-DE72-E9BDD1239C7E}"/>
-              </a:ext>
-            </a:extLst>
-          </p:cNvPr>
-          <p:cNvSpPr/>
-          <p:nvPr/>
-        </p:nvSpPr>
-        <p:spPr>
-          <a:xfrm>
-            <a:off x="520320" y="4939659"/>
-            <a:ext cx="3040381" cy="342900"/>
-          </a:xfrm>
-          <a:prstGeom prst="roundRect">
-            <a:avLst>
-              <a:gd name="adj" fmla="val 30000"/>
-            </a:avLst>
-          </a:prstGeom>
-          <a:solidFill>
-            <a:srgbClr val="E8D9C6"/>
-          </a:solidFill>
-          <a:ln w="28575">
-            <a:solidFill>
-              <a:srgbClr val="D4C1A9"/>
-            </a:solidFill>
-          </a:ln>
-        </p:spPr>
-        <p:style>
-          <a:lnRef idx="2">
-            <a:schemeClr val="accent1">
-              <a:shade val="15000"/>
-            </a:schemeClr>
-          </a:lnRef>
-          <a:fillRef idx="1">
-            <a:schemeClr val="accent1"/>
-          </a:fillRef>
-          <a:effectRef idx="0">
-            <a:schemeClr val="accent1"/>
-          </a:effectRef>
-          <a:fontRef idx="minor">
-            <a:schemeClr val="lt1"/>
-          </a:fontRef>
-        </p:style>
-        <p:txBody>
-          <a:bodyPr rtlCol="0" anchor="ctr"/>
-          <a:lstStyle/>
-          <a:p>
-            <a:pPr algn="ctr"/>
-            <a:r>
-              <a:rPr lang="en-US" b="1" dirty="0">
-                <a:latin typeface="Irish Grover" panose="02000000000000000000" pitchFamily="2" charset="0"/>
-                <a:cs typeface="Fredoka" pitchFamily="2" charset="-79"/>
-              </a:rPr>
-              <a:t>Unit 6</a:t>
-            </a:r>
-          </a:p>
-        </p:txBody>
-      </p:sp>
-      <p:pic>
-        <p:nvPicPr>
-          <p:cNvPr id="15" name="Picture 14">
-            <a:hlinkClick r:id="rId3" action="ppaction://hlinksldjump"/>
-            <a:extLst>
-              <a:ext uri="{FF2B5EF4-FFF2-40B4-BE49-F238E27FC236}">
-                <a16:creationId xmlns:a16="http://schemas.microsoft.com/office/drawing/2014/main" id="{ED1EE867-3E42-BDBC-1D65-555CC3C87988}"/>
-              </a:ext>
-            </a:extLst>
-          </p:cNvPr>
-          <p:cNvPicPr>
-            <a:picLocks noChangeAspect="1"/>
-          </p:cNvPicPr>
-          <p:nvPr/>
-        </p:nvPicPr>
-        <p:blipFill>
-          <a:blip r:embed="rId4"/>
-          <a:stretch>
-            <a:fillRect/>
-          </a:stretch>
-        </p:blipFill>
-        <p:spPr>
-          <a:xfrm>
-            <a:off x="3459166" y="1419225"/>
-            <a:ext cx="459668" cy="459668"/>
-          </a:xfrm>
-          <a:prstGeom prst="rect">
-            <a:avLst/>
-          </a:prstGeom>
-        </p:spPr>
-      </p:pic>
-      <p:sp>
-        <p:nvSpPr>
-          <p:cNvPr id="17" name="Rectangle: Rounded Corners 16">
-            <a:extLst>
-              <a:ext uri="{FF2B5EF4-FFF2-40B4-BE49-F238E27FC236}">
-                <a16:creationId xmlns:a16="http://schemas.microsoft.com/office/drawing/2014/main" id="{392FA4B7-99CC-2D1C-CF35-A4BC59272408}"/>
-              </a:ext>
-            </a:extLst>
-          </p:cNvPr>
-          <p:cNvSpPr/>
-          <p:nvPr/>
-        </p:nvSpPr>
-        <p:spPr>
-          <a:xfrm>
-            <a:off x="520319" y="5402068"/>
-            <a:ext cx="3040381" cy="342900"/>
-          </a:xfrm>
-          <a:prstGeom prst="roundRect">
-            <a:avLst>
-              <a:gd name="adj" fmla="val 30000"/>
-            </a:avLst>
-          </a:prstGeom>
-          <a:solidFill>
-            <a:srgbClr val="E8D9C6"/>
-          </a:solidFill>
-          <a:ln w="28575">
-            <a:solidFill>
-              <a:srgbClr val="D4C1A9"/>
-            </a:solidFill>
-          </a:ln>
-        </p:spPr>
-        <p:style>
-          <a:lnRef idx="2">
-            <a:schemeClr val="accent1">
-              <a:shade val="15000"/>
-            </a:schemeClr>
-          </a:lnRef>
-          <a:fillRef idx="1">
-            <a:schemeClr val="accent1"/>
-          </a:fillRef>
-          <a:effectRef idx="0">
-            <a:schemeClr val="accent1"/>
-          </a:effectRef>
-          <a:fontRef idx="minor">
-            <a:schemeClr val="lt1"/>
-          </a:fontRef>
-        </p:style>
-        <p:txBody>
-          <a:bodyPr rtlCol="0" anchor="ctr"/>
-          <a:lstStyle/>
-          <a:p>
-            <a:pPr algn="ctr"/>
-            <a:r>
-              <a:rPr lang="en-US" b="1" dirty="0">
-                <a:latin typeface="Irish Grover" panose="02000000000000000000" pitchFamily="2" charset="0"/>
-                <a:cs typeface="Fredoka" pitchFamily="2" charset="-79"/>
-              </a:rPr>
-              <a:t>Unit 9</a:t>
-            </a:r>
-          </a:p>
-        </p:txBody>
-      </p:sp>
-      <p:sp>
-        <p:nvSpPr>
-          <p:cNvPr id="55" name="Rectangle: Rounded Corners 54">
-            <a:extLst>
-              <a:ext uri="{FF2B5EF4-FFF2-40B4-BE49-F238E27FC236}">
-                <a16:creationId xmlns:a16="http://schemas.microsoft.com/office/drawing/2014/main" id="{E0174464-EC8E-D9AA-5F36-CA5D392B878E}"/>
-              </a:ext>
-            </a:extLst>
-          </p:cNvPr>
-          <p:cNvSpPr/>
-          <p:nvPr/>
-        </p:nvSpPr>
-        <p:spPr>
-          <a:xfrm>
-            <a:off x="4394761" y="3088075"/>
-            <a:ext cx="3543301" cy="1126455"/>
-          </a:xfrm>
-          <a:prstGeom prst="roundRect">
-            <a:avLst>
-              <a:gd name="adj" fmla="val 50000"/>
-            </a:avLst>
-          </a:prstGeom>
-          <a:solidFill>
-            <a:srgbClr val="49BB92"/>
-          </a:solidFill>
-          <a:ln w="127000">
-            <a:solidFill>
-              <a:srgbClr val="006F96"/>
-            </a:solidFill>
-          </a:ln>
-          <a:effectLst/>
-        </p:spPr>
-        <p:style>
-          <a:lnRef idx="2">
-            <a:schemeClr val="accent1">
-              <a:shade val="15000"/>
-            </a:schemeClr>
-          </a:lnRef>
-          <a:fillRef idx="1">
-            <a:schemeClr val="accent1"/>
-          </a:fillRef>
-          <a:effectRef idx="0">
-            <a:schemeClr val="accent1"/>
-          </a:effectRef>
-          <a:fontRef idx="minor">
-            <a:schemeClr val="lt1"/>
-          </a:fontRef>
-        </p:style>
-        <p:txBody>
-          <a:bodyPr rtlCol="0" anchor="ctr"/>
-          <a:lstStyle/>
-          <a:p>
-            <a:pPr algn="ctr"/>
-            <a:endParaRPr lang="en-US" dirty="0"/>
-          </a:p>
-        </p:txBody>
-      </p:sp>
-      <p:sp>
-        <p:nvSpPr>
-          <p:cNvPr id="56" name="Rectangle: Rounded Corners 55">
-            <a:hlinkClick r:id="rId5" action="ppaction://hlinksldjump"/>
-            <a:extLst>
-              <a:ext uri="{FF2B5EF4-FFF2-40B4-BE49-F238E27FC236}">
-                <a16:creationId xmlns:a16="http://schemas.microsoft.com/office/drawing/2014/main" id="{864D54ED-07FD-3184-3779-BA534632D27E}"/>
-              </a:ext>
-            </a:extLst>
-          </p:cNvPr>
-          <p:cNvSpPr/>
-          <p:nvPr/>
-        </p:nvSpPr>
-        <p:spPr>
-          <a:xfrm>
-            <a:off x="4319220" y="3035335"/>
-            <a:ext cx="3543301" cy="1068035"/>
-          </a:xfrm>
-          <a:prstGeom prst="roundRect">
-            <a:avLst>
-              <a:gd name="adj" fmla="val 50000"/>
-            </a:avLst>
-          </a:prstGeom>
-          <a:solidFill>
-            <a:srgbClr val="00B0F0"/>
-          </a:solidFill>
-          <a:ln w="127000">
-            <a:solidFill>
-              <a:srgbClr val="00B0F0"/>
-            </a:solidFill>
-          </a:ln>
-          <a:effectLst/>
-        </p:spPr>
-        <p:style>
-          <a:lnRef idx="2">
-            <a:schemeClr val="accent1">
-              <a:shade val="15000"/>
-            </a:schemeClr>
-          </a:lnRef>
-          <a:fillRef idx="1">
-            <a:schemeClr val="accent1"/>
-          </a:fillRef>
-          <a:effectRef idx="0">
-            <a:schemeClr val="accent1"/>
-          </a:effectRef>
-          <a:fontRef idx="minor">
-            <a:schemeClr val="lt1"/>
-          </a:fontRef>
-        </p:style>
-        <p:txBody>
-          <a:bodyPr rtlCol="0" anchor="ctr"/>
-          <a:lstStyle/>
-          <a:p>
-            <a:pPr algn="ctr"/>
-            <a:endParaRPr lang="en-US" dirty="0"/>
-          </a:p>
-        </p:txBody>
-      </p:sp>
-      <p:sp>
-        <p:nvSpPr>
-          <p:cNvPr id="57" name="TextBox 56">
-            <a:hlinkClick r:id="rId5" action="ppaction://hlinksldjump"/>
-            <a:extLst>
-              <a:ext uri="{FF2B5EF4-FFF2-40B4-BE49-F238E27FC236}">
-                <a16:creationId xmlns:a16="http://schemas.microsoft.com/office/drawing/2014/main" id="{4B5572A9-0448-0A8F-7557-4D969BB88EDF}"/>
-              </a:ext>
-            </a:extLst>
-          </p:cNvPr>
-          <p:cNvSpPr txBox="1"/>
-          <p:nvPr/>
-        </p:nvSpPr>
-        <p:spPr>
-          <a:xfrm flipH="1">
-            <a:off x="4646220" y="3255355"/>
-            <a:ext cx="3040381" cy="584775"/>
-          </a:xfrm>
-          <a:prstGeom prst="rect">
-            <a:avLst/>
-          </a:prstGeom>
-          <a:noFill/>
-        </p:spPr>
-        <p:txBody>
-          <a:bodyPr wrap="square" rtlCol="0">
-            <a:spAutoFit/>
-          </a:bodyPr>
-          <a:lstStyle/>
-          <a:p>
-            <a:pPr algn="ctr"/>
-            <a:r>
-              <a:rPr lang="en-US" sz="3200" dirty="0">
-                <a:solidFill>
-                  <a:schemeClr val="bg1"/>
-                </a:solidFill>
-                <a:latin typeface="Cherry Bomb One" panose="02000000000000000000" pitchFamily="2" charset="-128"/>
-                <a:ea typeface="Cherry Bomb One" panose="02000000000000000000" pitchFamily="2" charset="-128"/>
-                <a:cs typeface="Fredoka" pitchFamily="2" charset="-79"/>
-              </a:rPr>
-              <a:t>Exercises</a:t>
-            </a:r>
-          </a:p>
-        </p:txBody>
-      </p:sp>
-      <p:sp>
-        <p:nvSpPr>
-          <p:cNvPr id="58" name="Rectangle: Rounded Corners 57">
-            <a:extLst>
-              <a:ext uri="{FF2B5EF4-FFF2-40B4-BE49-F238E27FC236}">
-                <a16:creationId xmlns:a16="http://schemas.microsoft.com/office/drawing/2014/main" id="{BCAA90B5-1BD8-C499-7530-FBA8117A32EC}"/>
-              </a:ext>
-            </a:extLst>
-          </p:cNvPr>
-          <p:cNvSpPr/>
-          <p:nvPr/>
-        </p:nvSpPr>
-        <p:spPr>
-          <a:xfrm>
-            <a:off x="8445118" y="3091455"/>
-            <a:ext cx="3543301" cy="1064655"/>
-          </a:xfrm>
-          <a:prstGeom prst="roundRect">
-            <a:avLst>
-              <a:gd name="adj" fmla="val 50000"/>
-            </a:avLst>
-          </a:prstGeom>
-          <a:solidFill>
-            <a:srgbClr val="49BB92"/>
-          </a:solidFill>
-          <a:ln w="127000">
-            <a:solidFill>
-              <a:srgbClr val="692C9C"/>
-            </a:solidFill>
-          </a:ln>
-          <a:effectLst/>
-        </p:spPr>
-        <p:style>
-          <a:lnRef idx="2">
-            <a:schemeClr val="accent1">
-              <a:shade val="15000"/>
-            </a:schemeClr>
-          </a:lnRef>
-          <a:fillRef idx="1">
-            <a:schemeClr val="accent1"/>
-          </a:fillRef>
-          <a:effectRef idx="0">
-            <a:schemeClr val="accent1"/>
-          </a:effectRef>
-          <a:fontRef idx="minor">
-            <a:schemeClr val="lt1"/>
-          </a:fontRef>
-        </p:style>
-        <p:txBody>
-          <a:bodyPr rtlCol="0" anchor="ctr"/>
-          <a:lstStyle/>
-          <a:p>
-            <a:pPr algn="ctr"/>
-            <a:endParaRPr lang="en-US" dirty="0"/>
-          </a:p>
-        </p:txBody>
-      </p:sp>
-      <p:sp>
-        <p:nvSpPr>
-          <p:cNvPr id="59" name="Rectangle: Rounded Corners 58">
-            <a:hlinkClick r:id="rId6" action="ppaction://hlinksldjump"/>
-            <a:extLst>
-              <a:ext uri="{FF2B5EF4-FFF2-40B4-BE49-F238E27FC236}">
-                <a16:creationId xmlns:a16="http://schemas.microsoft.com/office/drawing/2014/main" id="{97CEC341-0663-991A-7E39-0C4C98955CF3}"/>
-              </a:ext>
-            </a:extLst>
-          </p:cNvPr>
-          <p:cNvSpPr/>
-          <p:nvPr/>
-        </p:nvSpPr>
-        <p:spPr>
-          <a:xfrm>
-            <a:off x="8369577" y="3038715"/>
-            <a:ext cx="3543301" cy="1006235"/>
-          </a:xfrm>
-          <a:prstGeom prst="roundRect">
-            <a:avLst>
-              <a:gd name="adj" fmla="val 50000"/>
-            </a:avLst>
-          </a:prstGeom>
-          <a:solidFill>
-            <a:srgbClr val="9C5BD1"/>
-          </a:solidFill>
-          <a:ln w="127000">
-            <a:solidFill>
-              <a:srgbClr val="9C5BD1"/>
-            </a:solidFill>
-          </a:ln>
-          <a:effectLst/>
-        </p:spPr>
-        <p:style>
-          <a:lnRef idx="2">
-            <a:schemeClr val="accent1">
-              <a:shade val="15000"/>
-            </a:schemeClr>
-          </a:lnRef>
-          <a:fillRef idx="1">
-            <a:schemeClr val="accent1"/>
-          </a:fillRef>
-          <a:effectRef idx="0">
-            <a:schemeClr val="accent1"/>
-          </a:effectRef>
-          <a:fontRef idx="minor">
-            <a:schemeClr val="lt1"/>
-          </a:fontRef>
-        </p:style>
-        <p:txBody>
-          <a:bodyPr rtlCol="0" anchor="ctr"/>
-          <a:lstStyle/>
-          <a:p>
-            <a:pPr algn="ctr"/>
-            <a:endParaRPr lang="en-US" dirty="0"/>
-          </a:p>
-        </p:txBody>
-      </p:sp>
-      <p:sp>
-        <p:nvSpPr>
-          <p:cNvPr id="60" name="TextBox 59">
-            <a:hlinkClick r:id="rId6" action="ppaction://hlinksldjump"/>
-            <a:extLst>
-              <a:ext uri="{FF2B5EF4-FFF2-40B4-BE49-F238E27FC236}">
-                <a16:creationId xmlns:a16="http://schemas.microsoft.com/office/drawing/2014/main" id="{CAF3AA18-3C18-4777-67BE-EC5D592BC2BC}"/>
-              </a:ext>
-            </a:extLst>
-          </p:cNvPr>
-          <p:cNvSpPr txBox="1"/>
-          <p:nvPr/>
-        </p:nvSpPr>
-        <p:spPr>
-          <a:xfrm flipH="1">
-            <a:off x="8696577" y="3276964"/>
-            <a:ext cx="3040381" cy="584775"/>
-          </a:xfrm>
-          <a:prstGeom prst="rect">
-            <a:avLst/>
-          </a:prstGeom>
-          <a:noFill/>
-        </p:spPr>
-        <p:txBody>
-          <a:bodyPr wrap="square" rtlCol="0">
-            <a:spAutoFit/>
-          </a:bodyPr>
-          <a:lstStyle/>
-          <a:p>
-            <a:pPr algn="ctr"/>
-            <a:r>
-              <a:rPr lang="en-US" sz="3200" dirty="0">
-                <a:solidFill>
-                  <a:schemeClr val="bg1"/>
-                </a:solidFill>
-                <a:latin typeface="Cherry Bomb One" panose="02000000000000000000" pitchFamily="2" charset="-128"/>
-                <a:ea typeface="Cherry Bomb One" panose="02000000000000000000" pitchFamily="2" charset="-128"/>
-                <a:cs typeface="Fredoka" pitchFamily="2" charset="-79"/>
-              </a:rPr>
-              <a:t>Videos</a:t>
-            </a:r>
-          </a:p>
-        </p:txBody>
-      </p:sp>
-      <p:sp>
-        <p:nvSpPr>
-          <p:cNvPr id="63" name="TextBox 62">
-            <a:extLst>
-              <a:ext uri="{FF2B5EF4-FFF2-40B4-BE49-F238E27FC236}">
-                <a16:creationId xmlns:a16="http://schemas.microsoft.com/office/drawing/2014/main" id="{94AEAED4-91D2-2E48-C26D-682154209132}"/>
-              </a:ext>
-            </a:extLst>
-          </p:cNvPr>
-          <p:cNvSpPr txBox="1"/>
-          <p:nvPr/>
-        </p:nvSpPr>
-        <p:spPr>
-          <a:xfrm>
-            <a:off x="2873000" y="-6285875"/>
-            <a:ext cx="6445995" cy="1446550"/>
-          </a:xfrm>
-          <a:prstGeom prst="rect">
-            <a:avLst/>
-          </a:prstGeom>
-          <a:noFill/>
-        </p:spPr>
-        <p:txBody>
-          <a:bodyPr wrap="none" rtlCol="0">
-            <a:spAutoFit/>
-          </a:bodyPr>
-          <a:lstStyle/>
-          <a:p>
-            <a:pPr algn="ctr"/>
-            <a:r>
-              <a:rPr lang="en-US" sz="8800" dirty="0">
-                <a:solidFill>
-                  <a:schemeClr val="bg1"/>
-                </a:solidFill>
-                <a:latin typeface="OhChewy" panose="02000503050000020003" pitchFamily="2" charset="0"/>
-                <a:cs typeface="Fredoka" pitchFamily="2" charset="-79"/>
-              </a:rPr>
-              <a:t>Grade 5 English</a:t>
-            </a:r>
-          </a:p>
-        </p:txBody>
-      </p:sp>
-      <p:sp>
-        <p:nvSpPr>
-          <p:cNvPr id="64" name="TextBox 63">
-            <a:extLst>
-              <a:ext uri="{FF2B5EF4-FFF2-40B4-BE49-F238E27FC236}">
-                <a16:creationId xmlns:a16="http://schemas.microsoft.com/office/drawing/2014/main" id="{DEE4F736-0FDB-3FB1-EED2-A660D6B12420}"/>
-              </a:ext>
-            </a:extLst>
-          </p:cNvPr>
-          <p:cNvSpPr txBox="1"/>
-          <p:nvPr/>
-        </p:nvSpPr>
-        <p:spPr>
-          <a:xfrm>
-            <a:off x="2873000" y="57775"/>
-            <a:ext cx="6445995" cy="1446550"/>
-          </a:xfrm>
-          <a:prstGeom prst="rect">
-            <a:avLst/>
-          </a:prstGeom>
-          <a:noFill/>
-        </p:spPr>
-        <p:txBody>
-          <a:bodyPr wrap="none" rtlCol="0">
-            <a:spAutoFit/>
-          </a:bodyPr>
-          <a:lstStyle/>
-          <a:p>
-            <a:pPr algn="ctr"/>
-            <a:r>
-              <a:rPr lang="en-US" sz="8800" dirty="0">
-                <a:solidFill>
-                  <a:schemeClr val="bg1"/>
-                </a:solidFill>
-                <a:latin typeface="OhChewy" panose="02000503050000020003" pitchFamily="2" charset="0"/>
-                <a:cs typeface="Fredoka" pitchFamily="2" charset="-79"/>
-              </a:rPr>
-              <a:t>Grade 5 English</a:t>
-            </a:r>
-          </a:p>
-        </p:txBody>
-      </p:sp>
-    </p:spTree>
-    <p:extLst>
-      <p:ext uri="{BB962C8B-B14F-4D97-AF65-F5344CB8AC3E}">
-        <p14:creationId xmlns:p14="http://schemas.microsoft.com/office/powerpoint/2010/main" val="2230552935"/>
-      </p:ext>
-    </p:extLst>
-  </p:cSld>
-  <p:clrMapOvr>
-    <a:masterClrMapping/>
-  </p:clrMapOvr>
-  <mc:AlternateContent xmlns:mc="http://schemas.openxmlformats.org/markup-compatibility/2006">
-    <mc:Choice xmlns:p159="http://schemas.microsoft.com/office/powerpoint/2015/09/main" Requires="p159">
-      <p:transition xmlns:p14="http://schemas.microsoft.com/office/powerpoint/2010/main" spd="slow" p14:dur="800">
-        <p159:morph option="byObject"/>
-      </p:transition>
-    </mc:Choice>
-    <mc:Fallback>
-      <p:transition spd="slow">
-        <p:fade/>
-      </p:transition>
-    </mc:Fallback>
-  </mc:AlternateContent>
-</p:sld>
-</file>
-
-<file path=ppt/slides/slide8.xml><?xml version="1.0" encoding="utf-8"?>
-<p:sld xmlns:a="http://schemas.openxmlformats.org/drawingml/2006/main" xmlns:r="http://schemas.openxmlformats.org/officeDocument/2006/relationships" xmlns:p="http://schemas.openxmlformats.org/presentationml/2006/main">
-  <p:cSld>
-    <p:spTree>
-      <p:nvGrpSpPr>
-        <p:cNvPr id="1" name="">
-          <a:extLst>
-            <a:ext uri="{FF2B5EF4-FFF2-40B4-BE49-F238E27FC236}">
-              <a16:creationId xmlns:a16="http://schemas.microsoft.com/office/drawing/2014/main" id="{ECAE37CB-14FD-FCDA-0ED6-425AC00F089D}"/>
-            </a:ext>
-          </a:extLst>
-        </p:cNvPr>
-        <p:cNvGrpSpPr/>
-        <p:nvPr/>
-      </p:nvGrpSpPr>
-      <p:grpSpPr>
-        <a:xfrm>
-          <a:off x="0" y="0"/>
-          <a:ext cx="0" cy="0"/>
-          <a:chOff x="0" y="0"/>
-          <a:chExt cx="0" cy="0"/>
-        </a:xfrm>
-      </p:grpSpPr>
-      <p:pic>
-        <p:nvPicPr>
-          <p:cNvPr id="7" name="Picture 6" descr="Cartoon characters on a green field&#10;&#10;AI-generated content may be incorrect.">
-            <a:extLst>
-              <a:ext uri="{FF2B5EF4-FFF2-40B4-BE49-F238E27FC236}">
-                <a16:creationId xmlns:a16="http://schemas.microsoft.com/office/drawing/2014/main" id="{FBFD4D9D-2B20-17AF-64D7-363A33300E46}"/>
-              </a:ext>
-            </a:extLst>
-          </p:cNvPr>
-          <p:cNvPicPr>
-            <a:picLocks noChangeAspect="1"/>
-          </p:cNvPicPr>
-          <p:nvPr/>
-        </p:nvPicPr>
-        <p:blipFill>
-          <a:blip r:embed="rId2">
-            <a:extLst>
-              <a:ext uri="{28A0092B-C50C-407E-A947-70E740481C1C}">
-                <a14:useLocalDpi xmlns:a14="http://schemas.microsoft.com/office/drawing/2010/main" val="0"/>
-              </a:ext>
-            </a:extLst>
-          </a:blip>
-          <a:stretch>
-            <a:fillRect/>
-          </a:stretch>
-        </p:blipFill>
-        <p:spPr>
-          <a:xfrm>
-            <a:off x="-15240" y="-1280160"/>
-            <a:ext cx="12207240" cy="8138160"/>
-          </a:xfrm>
-          <a:prstGeom prst="rect">
-            <a:avLst/>
-          </a:prstGeom>
-        </p:spPr>
-      </p:pic>
-      <p:sp>
-        <p:nvSpPr>
-          <p:cNvPr id="9" name="Rectangle: Rounded Corners 8">
-            <a:extLst>
-              <a:ext uri="{FF2B5EF4-FFF2-40B4-BE49-F238E27FC236}">
-                <a16:creationId xmlns:a16="http://schemas.microsoft.com/office/drawing/2014/main" id="{D75ED1C2-B1B7-CBF7-B7E8-BA528D374B14}"/>
-              </a:ext>
-            </a:extLst>
-          </p:cNvPr>
-          <p:cNvSpPr/>
-          <p:nvPr/>
-        </p:nvSpPr>
-        <p:spPr>
-          <a:xfrm>
-            <a:off x="5059349" y="-3645988"/>
-            <a:ext cx="2058061" cy="584012"/>
-          </a:xfrm>
-          <a:prstGeom prst="roundRect">
-            <a:avLst>
-              <a:gd name="adj" fmla="val 50000"/>
-            </a:avLst>
-          </a:prstGeom>
-          <a:gradFill flip="none" rotWithShape="1">
-            <a:gsLst>
-              <a:gs pos="14000">
-                <a:srgbClr val="7BE753"/>
-              </a:gs>
-              <a:gs pos="100000">
-                <a:srgbClr val="279415"/>
-              </a:gs>
-            </a:gsLst>
-            <a:lin ang="2700000" scaled="1"/>
-            <a:tileRect/>
-          </a:gradFill>
-          <a:ln>
-            <a:solidFill>
-              <a:srgbClr val="279415"/>
-            </a:solidFill>
-          </a:ln>
-        </p:spPr>
-        <p:style>
-          <a:lnRef idx="2">
-            <a:schemeClr val="accent1">
-              <a:shade val="15000"/>
-            </a:schemeClr>
-          </a:lnRef>
-          <a:fillRef idx="1">
-            <a:schemeClr val="accent1"/>
-          </a:fillRef>
-          <a:effectRef idx="0">
-            <a:schemeClr val="accent1"/>
-          </a:effectRef>
-          <a:fontRef idx="minor">
-            <a:schemeClr val="lt1"/>
-          </a:fontRef>
-        </p:style>
-        <p:txBody>
-          <a:bodyPr rtlCol="0" anchor="ctr"/>
-          <a:lstStyle/>
-          <a:p>
-            <a:pPr algn="ctr"/>
-            <a:r>
-              <a:rPr lang="en-US" sz="2800" b="1" dirty="0">
-                <a:latin typeface="Fredoka" pitchFamily="2" charset="-79"/>
-                <a:cs typeface="Fredoka" pitchFamily="2" charset="-79"/>
-              </a:rPr>
-              <a:t>Start</a:t>
-            </a:r>
-            <a:endParaRPr lang="en-US" sz="3200" b="1" dirty="0">
-              <a:latin typeface="Fredoka" pitchFamily="2" charset="-79"/>
-              <a:cs typeface="Fredoka" pitchFamily="2" charset="-79"/>
-            </a:endParaRPr>
-          </a:p>
-        </p:txBody>
-      </p:sp>
-      <p:sp>
-        <p:nvSpPr>
-          <p:cNvPr id="18" name="Rectangle: Rounded Corners 17">
-            <a:extLst>
-              <a:ext uri="{FF2B5EF4-FFF2-40B4-BE49-F238E27FC236}">
-                <a16:creationId xmlns:a16="http://schemas.microsoft.com/office/drawing/2014/main" id="{99D9D35F-A72F-10F7-0AE3-5A7237525D42}"/>
-              </a:ext>
-            </a:extLst>
-          </p:cNvPr>
-          <p:cNvSpPr/>
-          <p:nvPr/>
-        </p:nvSpPr>
-        <p:spPr>
-          <a:xfrm>
-            <a:off x="4394761" y="1583125"/>
-            <a:ext cx="3543301" cy="4390392"/>
-          </a:xfrm>
-          <a:prstGeom prst="roundRect">
-            <a:avLst/>
-          </a:prstGeom>
-          <a:solidFill>
-            <a:srgbClr val="49BB92"/>
-          </a:solidFill>
-          <a:ln w="127000">
-            <a:solidFill>
-              <a:srgbClr val="006F96"/>
-            </a:solidFill>
-          </a:ln>
-          <a:effectLst/>
-        </p:spPr>
-        <p:style>
-          <a:lnRef idx="2">
-            <a:schemeClr val="accent1">
-              <a:shade val="15000"/>
-            </a:schemeClr>
-          </a:lnRef>
-          <a:fillRef idx="1">
-            <a:schemeClr val="accent1"/>
-          </a:fillRef>
-          <a:effectRef idx="0">
-            <a:schemeClr val="accent1"/>
-          </a:effectRef>
-          <a:fontRef idx="minor">
-            <a:schemeClr val="lt1"/>
-          </a:fontRef>
-        </p:style>
-        <p:txBody>
-          <a:bodyPr rtlCol="0" anchor="ctr"/>
-          <a:lstStyle/>
-          <a:p>
-            <a:pPr algn="ctr"/>
-            <a:endParaRPr lang="en-US" dirty="0"/>
-          </a:p>
-        </p:txBody>
-      </p:sp>
-      <p:sp>
-        <p:nvSpPr>
-          <p:cNvPr id="19" name="Rectangle: Rounded Corners 18">
-            <a:extLst>
-              <a:ext uri="{FF2B5EF4-FFF2-40B4-BE49-F238E27FC236}">
-                <a16:creationId xmlns:a16="http://schemas.microsoft.com/office/drawing/2014/main" id="{FC50299C-B669-BECA-9AA3-B1F701F7730E}"/>
-              </a:ext>
-            </a:extLst>
-          </p:cNvPr>
-          <p:cNvSpPr/>
-          <p:nvPr/>
-        </p:nvSpPr>
-        <p:spPr>
-          <a:xfrm>
-            <a:off x="4319220" y="1530385"/>
-            <a:ext cx="3543301" cy="4390392"/>
-          </a:xfrm>
-          <a:prstGeom prst="roundRect">
-            <a:avLst/>
-          </a:prstGeom>
-          <a:solidFill>
-            <a:srgbClr val="00B0F0"/>
-          </a:solidFill>
-          <a:ln w="127000">
-            <a:solidFill>
-              <a:srgbClr val="00B0F0"/>
-            </a:solidFill>
-          </a:ln>
-          <a:effectLst/>
-        </p:spPr>
-        <p:style>
-          <a:lnRef idx="2">
-            <a:schemeClr val="accent1">
-              <a:shade val="15000"/>
-            </a:schemeClr>
-          </a:lnRef>
-          <a:fillRef idx="1">
-            <a:schemeClr val="accent1"/>
-          </a:fillRef>
-          <a:effectRef idx="0">
-            <a:schemeClr val="accent1"/>
-          </a:effectRef>
-          <a:fontRef idx="minor">
-            <a:schemeClr val="lt1"/>
-          </a:fontRef>
-        </p:style>
-        <p:txBody>
-          <a:bodyPr rtlCol="0" anchor="ctr"/>
-          <a:lstStyle/>
-          <a:p>
-            <a:pPr algn="ctr"/>
-            <a:endParaRPr lang="en-US" dirty="0"/>
-          </a:p>
-        </p:txBody>
-      </p:sp>
-      <p:sp>
-        <p:nvSpPr>
-          <p:cNvPr id="20" name="Rectangle: Rounded Corners 19">
-            <a:extLst>
-              <a:ext uri="{FF2B5EF4-FFF2-40B4-BE49-F238E27FC236}">
-                <a16:creationId xmlns:a16="http://schemas.microsoft.com/office/drawing/2014/main" id="{F400C0BC-6D8C-EBA8-659B-B236B521A486}"/>
-              </a:ext>
-            </a:extLst>
-          </p:cNvPr>
-          <p:cNvSpPr/>
-          <p:nvPr/>
-        </p:nvSpPr>
-        <p:spPr>
-          <a:xfrm>
-            <a:off x="4319220" y="2220640"/>
-            <a:ext cx="3543301" cy="3428675"/>
-          </a:xfrm>
-          <a:prstGeom prst="roundRect">
-            <a:avLst/>
-          </a:prstGeom>
-          <a:solidFill>
-            <a:srgbClr val="F4F1EC"/>
-          </a:solidFill>
-          <a:ln w="127000">
-            <a:solidFill>
-              <a:srgbClr val="00B0F0"/>
-            </a:solidFill>
-          </a:ln>
-        </p:spPr>
-        <p:style>
-          <a:lnRef idx="2">
-            <a:schemeClr val="accent1">
-              <a:shade val="15000"/>
-            </a:schemeClr>
-          </a:lnRef>
-          <a:fillRef idx="1">
-            <a:schemeClr val="accent1"/>
-          </a:fillRef>
-          <a:effectRef idx="0">
-            <a:schemeClr val="accent1"/>
-          </a:effectRef>
-          <a:fontRef idx="minor">
-            <a:schemeClr val="lt1"/>
-          </a:fontRef>
-        </p:style>
-        <p:txBody>
-          <a:bodyPr rtlCol="0" anchor="ctr"/>
-          <a:lstStyle/>
-          <a:p>
-            <a:pPr algn="ctr"/>
-            <a:endParaRPr lang="en-US"/>
-          </a:p>
-        </p:txBody>
-      </p:sp>
-      <p:sp>
-        <p:nvSpPr>
-          <p:cNvPr id="21" name="TextBox 20">
-            <a:extLst>
-              <a:ext uri="{FF2B5EF4-FFF2-40B4-BE49-F238E27FC236}">
-                <a16:creationId xmlns:a16="http://schemas.microsoft.com/office/drawing/2014/main" id="{644C06BA-C5D2-1A02-1F54-74E319C63EAC}"/>
-              </a:ext>
-            </a:extLst>
-          </p:cNvPr>
-          <p:cNvSpPr txBox="1"/>
-          <p:nvPr/>
-        </p:nvSpPr>
-        <p:spPr>
-          <a:xfrm flipH="1">
-            <a:off x="4575809" y="1583125"/>
-            <a:ext cx="3040381" cy="584775"/>
-          </a:xfrm>
-          <a:prstGeom prst="rect">
-            <a:avLst/>
-          </a:prstGeom>
-          <a:noFill/>
-        </p:spPr>
-        <p:txBody>
-          <a:bodyPr wrap="square" rtlCol="0">
-            <a:spAutoFit/>
-          </a:bodyPr>
-          <a:lstStyle/>
-          <a:p>
-            <a:pPr algn="ctr"/>
-            <a:r>
-              <a:rPr lang="en-US" sz="3200" dirty="0">
-                <a:solidFill>
-                  <a:schemeClr val="bg1"/>
-                </a:solidFill>
-                <a:latin typeface="Cherry Bomb One" panose="02000000000000000000" pitchFamily="2" charset="-128"/>
-                <a:ea typeface="Cherry Bomb One" panose="02000000000000000000" pitchFamily="2" charset="-128"/>
-                <a:cs typeface="Fredoka" pitchFamily="2" charset="-79"/>
-              </a:rPr>
-              <a:t>Exercises</a:t>
-            </a:r>
-          </a:p>
-        </p:txBody>
-      </p:sp>
-      <p:sp>
-        <p:nvSpPr>
-          <p:cNvPr id="22" name="Rectangle: Rounded Corners 21">
-            <a:extLst>
-              <a:ext uri="{FF2B5EF4-FFF2-40B4-BE49-F238E27FC236}">
-                <a16:creationId xmlns:a16="http://schemas.microsoft.com/office/drawing/2014/main" id="{D09AA44F-90E8-890F-4CA8-E0D34BEA874E}"/>
-              </a:ext>
-            </a:extLst>
-          </p:cNvPr>
-          <p:cNvSpPr/>
-          <p:nvPr/>
-        </p:nvSpPr>
-        <p:spPr>
-          <a:xfrm>
-            <a:off x="4570679" y="2534639"/>
-            <a:ext cx="3040381" cy="342900"/>
-          </a:xfrm>
-          <a:prstGeom prst="roundRect">
-            <a:avLst>
-              <a:gd name="adj" fmla="val 30000"/>
-            </a:avLst>
-          </a:prstGeom>
-          <a:solidFill>
-            <a:srgbClr val="E8D9C6"/>
-          </a:solidFill>
-          <a:ln w="28575">
-            <a:solidFill>
-              <a:srgbClr val="D4C1A9"/>
-            </a:solidFill>
-          </a:ln>
-        </p:spPr>
-        <p:style>
-          <a:lnRef idx="2">
-            <a:schemeClr val="accent1">
-              <a:shade val="15000"/>
-            </a:schemeClr>
-          </a:lnRef>
-          <a:fillRef idx="1">
-            <a:schemeClr val="accent1"/>
-          </a:fillRef>
-          <a:effectRef idx="0">
-            <a:schemeClr val="accent1"/>
-          </a:effectRef>
-          <a:fontRef idx="minor">
-            <a:schemeClr val="lt1"/>
-          </a:fontRef>
-        </p:style>
-        <p:txBody>
-          <a:bodyPr rtlCol="0" anchor="ctr"/>
-          <a:lstStyle/>
-          <a:p>
-            <a:pPr algn="ctr"/>
-            <a:r>
-              <a:rPr lang="en-US" b="1" dirty="0">
-                <a:latin typeface="Irish Grover" panose="02000000000000000000" pitchFamily="2" charset="0"/>
-                <a:cs typeface="Fredoka" pitchFamily="2" charset="-79"/>
-              </a:rPr>
-              <a:t>Unit 1</a:t>
-            </a:r>
-          </a:p>
-        </p:txBody>
-      </p:sp>
-      <p:sp>
-        <p:nvSpPr>
-          <p:cNvPr id="23" name="Rectangle: Rounded Corners 22">
-            <a:extLst>
-              <a:ext uri="{FF2B5EF4-FFF2-40B4-BE49-F238E27FC236}">
-                <a16:creationId xmlns:a16="http://schemas.microsoft.com/office/drawing/2014/main" id="{D8863B06-CAA3-832A-F435-6BCB993091B0}"/>
-              </a:ext>
-            </a:extLst>
-          </p:cNvPr>
-          <p:cNvSpPr/>
-          <p:nvPr/>
-        </p:nvSpPr>
-        <p:spPr>
-          <a:xfrm>
-            <a:off x="4570679" y="3020088"/>
-            <a:ext cx="3040381" cy="342900"/>
-          </a:xfrm>
-          <a:prstGeom prst="roundRect">
-            <a:avLst>
-              <a:gd name="adj" fmla="val 30000"/>
-            </a:avLst>
-          </a:prstGeom>
-          <a:solidFill>
-            <a:srgbClr val="E8D9C6"/>
-          </a:solidFill>
-          <a:ln w="28575">
-            <a:solidFill>
-              <a:srgbClr val="D4C1A9"/>
-            </a:solidFill>
-          </a:ln>
-        </p:spPr>
-        <p:style>
-          <a:lnRef idx="2">
-            <a:schemeClr val="accent1">
-              <a:shade val="15000"/>
-            </a:schemeClr>
-          </a:lnRef>
-          <a:fillRef idx="1">
-            <a:schemeClr val="accent1"/>
-          </a:fillRef>
-          <a:effectRef idx="0">
-            <a:schemeClr val="accent1"/>
-          </a:effectRef>
-          <a:fontRef idx="minor">
-            <a:schemeClr val="lt1"/>
-          </a:fontRef>
-        </p:style>
-        <p:txBody>
-          <a:bodyPr rtlCol="0" anchor="ctr"/>
-          <a:lstStyle/>
-          <a:p>
-            <a:pPr algn="ctr"/>
-            <a:r>
-              <a:rPr lang="en-US" b="1" dirty="0">
-                <a:latin typeface="Irish Grover" panose="02000000000000000000" pitchFamily="2" charset="0"/>
-                <a:cs typeface="Fredoka" pitchFamily="2" charset="-79"/>
-              </a:rPr>
-              <a:t>Unit 2</a:t>
-            </a:r>
-          </a:p>
-        </p:txBody>
-      </p:sp>
-      <p:sp>
-        <p:nvSpPr>
-          <p:cNvPr id="24" name="Rectangle: Rounded Corners 23">
-            <a:extLst>
-              <a:ext uri="{FF2B5EF4-FFF2-40B4-BE49-F238E27FC236}">
-                <a16:creationId xmlns:a16="http://schemas.microsoft.com/office/drawing/2014/main" id="{87A6E2C7-9AF2-D503-66FB-3C8D3FDD580D}"/>
-              </a:ext>
-            </a:extLst>
-          </p:cNvPr>
-          <p:cNvSpPr/>
-          <p:nvPr/>
-        </p:nvSpPr>
-        <p:spPr>
-          <a:xfrm>
-            <a:off x="4570678" y="3506352"/>
-            <a:ext cx="3040381" cy="342900"/>
-          </a:xfrm>
-          <a:prstGeom prst="roundRect">
-            <a:avLst>
-              <a:gd name="adj" fmla="val 30000"/>
-            </a:avLst>
-          </a:prstGeom>
-          <a:solidFill>
-            <a:srgbClr val="E8D9C6"/>
-          </a:solidFill>
-          <a:ln w="28575">
-            <a:solidFill>
-              <a:srgbClr val="D4C1A9"/>
-            </a:solidFill>
-          </a:ln>
-        </p:spPr>
-        <p:style>
-          <a:lnRef idx="2">
-            <a:schemeClr val="accent1">
-              <a:shade val="15000"/>
-            </a:schemeClr>
-          </a:lnRef>
-          <a:fillRef idx="1">
-            <a:schemeClr val="accent1"/>
-          </a:fillRef>
-          <a:effectRef idx="0">
-            <a:schemeClr val="accent1"/>
-          </a:effectRef>
-          <a:fontRef idx="minor">
-            <a:schemeClr val="lt1"/>
-          </a:fontRef>
-        </p:style>
-        <p:txBody>
-          <a:bodyPr rtlCol="0" anchor="ctr"/>
-          <a:lstStyle/>
-          <a:p>
-            <a:pPr algn="ctr"/>
-            <a:r>
-              <a:rPr lang="en-US" b="1" dirty="0">
-                <a:latin typeface="Irish Grover" panose="02000000000000000000" pitchFamily="2" charset="0"/>
-                <a:cs typeface="Fredoka" pitchFamily="2" charset="-79"/>
-              </a:rPr>
-              <a:t>Unit 3</a:t>
-            </a:r>
-          </a:p>
-        </p:txBody>
-      </p:sp>
-      <p:sp>
-        <p:nvSpPr>
-          <p:cNvPr id="25" name="Rectangle: Rounded Corners 24">
-            <a:extLst>
-              <a:ext uri="{FF2B5EF4-FFF2-40B4-BE49-F238E27FC236}">
-                <a16:creationId xmlns:a16="http://schemas.microsoft.com/office/drawing/2014/main" id="{950D9CAA-4A01-F576-BF5D-B4C761D84255}"/>
-              </a:ext>
-            </a:extLst>
-          </p:cNvPr>
-          <p:cNvSpPr/>
-          <p:nvPr/>
-        </p:nvSpPr>
-        <p:spPr>
-          <a:xfrm>
-            <a:off x="4570677" y="3991801"/>
-            <a:ext cx="3040381" cy="342900"/>
-          </a:xfrm>
-          <a:prstGeom prst="roundRect">
-            <a:avLst>
-              <a:gd name="adj" fmla="val 30000"/>
-            </a:avLst>
-          </a:prstGeom>
-          <a:solidFill>
-            <a:srgbClr val="E8D9C6"/>
-          </a:solidFill>
-          <a:ln w="28575">
-            <a:solidFill>
-              <a:srgbClr val="D4C1A9"/>
-            </a:solidFill>
-          </a:ln>
-        </p:spPr>
-        <p:style>
-          <a:lnRef idx="2">
-            <a:schemeClr val="accent1">
-              <a:shade val="15000"/>
-            </a:schemeClr>
-          </a:lnRef>
-          <a:fillRef idx="1">
-            <a:schemeClr val="accent1"/>
-          </a:fillRef>
-          <a:effectRef idx="0">
-            <a:schemeClr val="accent1"/>
-          </a:effectRef>
-          <a:fontRef idx="minor">
-            <a:schemeClr val="lt1"/>
-          </a:fontRef>
-        </p:style>
-        <p:txBody>
-          <a:bodyPr rtlCol="0" anchor="ctr"/>
-          <a:lstStyle/>
-          <a:p>
-            <a:pPr algn="ctr"/>
-            <a:r>
-              <a:rPr lang="en-US" b="1" dirty="0">
-                <a:latin typeface="Irish Grover" panose="02000000000000000000" pitchFamily="2" charset="0"/>
-                <a:cs typeface="Fredoka" pitchFamily="2" charset="-79"/>
-              </a:rPr>
-              <a:t>Unit 4</a:t>
-            </a:r>
-          </a:p>
-        </p:txBody>
-      </p:sp>
-      <p:sp>
-        <p:nvSpPr>
-          <p:cNvPr id="26" name="Rectangle: Rounded Corners 25">
-            <a:extLst>
-              <a:ext uri="{FF2B5EF4-FFF2-40B4-BE49-F238E27FC236}">
-                <a16:creationId xmlns:a16="http://schemas.microsoft.com/office/drawing/2014/main" id="{01C172CD-46F2-523C-0494-2D5A25364276}"/>
-              </a:ext>
-            </a:extLst>
-          </p:cNvPr>
-          <p:cNvSpPr/>
-          <p:nvPr/>
-        </p:nvSpPr>
-        <p:spPr>
-          <a:xfrm>
-            <a:off x="4570676" y="4477250"/>
-            <a:ext cx="3040381" cy="342900"/>
-          </a:xfrm>
-          <a:prstGeom prst="roundRect">
-            <a:avLst>
-              <a:gd name="adj" fmla="val 30000"/>
-            </a:avLst>
-          </a:prstGeom>
-          <a:solidFill>
-            <a:srgbClr val="E8D9C6"/>
-          </a:solidFill>
-          <a:ln w="28575">
-            <a:solidFill>
-              <a:srgbClr val="D4C1A9"/>
-            </a:solidFill>
-          </a:ln>
-        </p:spPr>
-        <p:style>
-          <a:lnRef idx="2">
-            <a:schemeClr val="accent1">
-              <a:shade val="15000"/>
-            </a:schemeClr>
-          </a:lnRef>
-          <a:fillRef idx="1">
-            <a:schemeClr val="accent1"/>
-          </a:fillRef>
-          <a:effectRef idx="0">
-            <a:schemeClr val="accent1"/>
-          </a:effectRef>
-          <a:fontRef idx="minor">
-            <a:schemeClr val="lt1"/>
-          </a:fontRef>
-        </p:style>
-        <p:txBody>
-          <a:bodyPr rtlCol="0" anchor="ctr"/>
-          <a:lstStyle/>
-          <a:p>
-            <a:pPr algn="ctr"/>
-            <a:r>
-              <a:rPr lang="en-US" b="1" dirty="0">
-                <a:latin typeface="Irish Grover" panose="02000000000000000000" pitchFamily="2" charset="0"/>
-                <a:cs typeface="Fredoka" pitchFamily="2" charset="-79"/>
-              </a:rPr>
-              <a:t>Unit 5</a:t>
-            </a:r>
-          </a:p>
-        </p:txBody>
-      </p:sp>
-      <p:sp>
-        <p:nvSpPr>
-          <p:cNvPr id="27" name="Rectangle: Rounded Corners 26">
-            <a:extLst>
-              <a:ext uri="{FF2B5EF4-FFF2-40B4-BE49-F238E27FC236}">
-                <a16:creationId xmlns:a16="http://schemas.microsoft.com/office/drawing/2014/main" id="{5D481712-192A-0002-09AD-054E71A734D8}"/>
-              </a:ext>
-            </a:extLst>
-          </p:cNvPr>
-          <p:cNvSpPr/>
-          <p:nvPr/>
-        </p:nvSpPr>
-        <p:spPr>
-          <a:xfrm>
-            <a:off x="4570676" y="4939659"/>
-            <a:ext cx="3040381" cy="342900"/>
-          </a:xfrm>
-          <a:prstGeom prst="roundRect">
-            <a:avLst>
-              <a:gd name="adj" fmla="val 30000"/>
-            </a:avLst>
-          </a:prstGeom>
-          <a:solidFill>
-            <a:srgbClr val="E8D9C6"/>
-          </a:solidFill>
-          <a:ln w="28575">
-            <a:solidFill>
-              <a:srgbClr val="D4C1A9"/>
-            </a:solidFill>
-          </a:ln>
-        </p:spPr>
-        <p:style>
-          <a:lnRef idx="2">
-            <a:schemeClr val="accent1">
-              <a:shade val="15000"/>
-            </a:schemeClr>
-          </a:lnRef>
-          <a:fillRef idx="1">
-            <a:schemeClr val="accent1"/>
-          </a:fillRef>
-          <a:effectRef idx="0">
-            <a:schemeClr val="accent1"/>
-          </a:effectRef>
-          <a:fontRef idx="minor">
-            <a:schemeClr val="lt1"/>
-          </a:fontRef>
-        </p:style>
-        <p:txBody>
-          <a:bodyPr rtlCol="0" anchor="ctr"/>
-          <a:lstStyle/>
-          <a:p>
-            <a:pPr algn="ctr"/>
-            <a:r>
-              <a:rPr lang="en-US" b="1" dirty="0">
-                <a:latin typeface="Irish Grover" panose="02000000000000000000" pitchFamily="2" charset="0"/>
-                <a:cs typeface="Fredoka" pitchFamily="2" charset="-79"/>
-              </a:rPr>
-              <a:t>Unit 6</a:t>
-            </a:r>
-          </a:p>
-        </p:txBody>
-      </p:sp>
-      <p:pic>
-        <p:nvPicPr>
-          <p:cNvPr id="28" name="Picture 27">
-            <a:hlinkClick r:id="rId3" action="ppaction://hlinksldjump"/>
-            <a:extLst>
-              <a:ext uri="{FF2B5EF4-FFF2-40B4-BE49-F238E27FC236}">
-                <a16:creationId xmlns:a16="http://schemas.microsoft.com/office/drawing/2014/main" id="{FA60C6B6-374E-00EF-6188-DE4499E721FB}"/>
-              </a:ext>
-            </a:extLst>
-          </p:cNvPr>
-          <p:cNvPicPr>
-            <a:picLocks noChangeAspect="1"/>
-          </p:cNvPicPr>
-          <p:nvPr/>
-        </p:nvPicPr>
-        <p:blipFill>
-          <a:blip r:embed="rId4"/>
-          <a:stretch>
-            <a:fillRect/>
-          </a:stretch>
-        </p:blipFill>
-        <p:spPr>
-          <a:xfrm>
-            <a:off x="7509522" y="1419225"/>
-            <a:ext cx="459668" cy="459668"/>
-          </a:xfrm>
-          <a:prstGeom prst="rect">
-            <a:avLst/>
-          </a:prstGeom>
-        </p:spPr>
-      </p:pic>
-      <p:sp>
-        <p:nvSpPr>
-          <p:cNvPr id="51" name="Rectangle: Rounded Corners 50">
-            <a:extLst>
-              <a:ext uri="{FF2B5EF4-FFF2-40B4-BE49-F238E27FC236}">
-                <a16:creationId xmlns:a16="http://schemas.microsoft.com/office/drawing/2014/main" id="{0F66F0E5-32D7-43D4-6588-AD284B484D0B}"/>
-              </a:ext>
-            </a:extLst>
-          </p:cNvPr>
-          <p:cNvSpPr/>
-          <p:nvPr/>
-        </p:nvSpPr>
-        <p:spPr>
-          <a:xfrm>
-            <a:off x="344405" y="3088075"/>
-            <a:ext cx="3543301" cy="1068035"/>
-          </a:xfrm>
-          <a:prstGeom prst="roundRect">
-            <a:avLst>
-              <a:gd name="adj" fmla="val 50000"/>
-            </a:avLst>
-          </a:prstGeom>
-          <a:solidFill>
-            <a:srgbClr val="49BB92"/>
-          </a:solidFill>
-          <a:ln w="127000">
-            <a:solidFill>
-              <a:srgbClr val="33896A"/>
-            </a:solidFill>
-          </a:ln>
-          <a:effectLst/>
-        </p:spPr>
-        <p:style>
-          <a:lnRef idx="2">
-            <a:schemeClr val="accent1">
-              <a:shade val="15000"/>
-            </a:schemeClr>
-          </a:lnRef>
-          <a:fillRef idx="1">
-            <a:schemeClr val="accent1"/>
-          </a:fillRef>
-          <a:effectRef idx="0">
-            <a:schemeClr val="accent1"/>
-          </a:effectRef>
-          <a:fontRef idx="minor">
-            <a:schemeClr val="lt1"/>
-          </a:fontRef>
-        </p:style>
-        <p:txBody>
-          <a:bodyPr rtlCol="0" anchor="ctr"/>
-          <a:lstStyle/>
-          <a:p>
-            <a:pPr algn="ctr"/>
-            <a:endParaRPr lang="en-US" dirty="0"/>
-          </a:p>
-        </p:txBody>
-      </p:sp>
-      <p:sp>
-        <p:nvSpPr>
-          <p:cNvPr id="52" name="Rectangle: Rounded Corners 51">
-            <a:hlinkClick r:id="rId5" action="ppaction://hlinksldjump"/>
-            <a:extLst>
-              <a:ext uri="{FF2B5EF4-FFF2-40B4-BE49-F238E27FC236}">
-                <a16:creationId xmlns:a16="http://schemas.microsoft.com/office/drawing/2014/main" id="{900E173A-AEF5-D696-8DF3-4DBAA4243A73}"/>
-              </a:ext>
-            </a:extLst>
-          </p:cNvPr>
-          <p:cNvSpPr/>
-          <p:nvPr/>
-        </p:nvSpPr>
-        <p:spPr>
-          <a:xfrm>
-            <a:off x="268864" y="3035335"/>
-            <a:ext cx="3543301" cy="1009615"/>
-          </a:xfrm>
-          <a:prstGeom prst="roundRect">
-            <a:avLst>
-              <a:gd name="adj" fmla="val 50000"/>
-            </a:avLst>
-          </a:prstGeom>
-          <a:solidFill>
-            <a:srgbClr val="49BB92"/>
-          </a:solidFill>
-          <a:ln w="127000">
-            <a:solidFill>
-              <a:srgbClr val="49BB92"/>
-            </a:solidFill>
-          </a:ln>
-          <a:effectLst/>
-        </p:spPr>
-        <p:style>
-          <a:lnRef idx="2">
-            <a:schemeClr val="accent1">
-              <a:shade val="15000"/>
-            </a:schemeClr>
-          </a:lnRef>
-          <a:fillRef idx="1">
-            <a:schemeClr val="accent1"/>
-          </a:fillRef>
-          <a:effectRef idx="0">
-            <a:schemeClr val="accent1"/>
-          </a:effectRef>
-          <a:fontRef idx="minor">
-            <a:schemeClr val="lt1"/>
-          </a:fontRef>
-        </p:style>
-        <p:txBody>
-          <a:bodyPr rtlCol="0" anchor="ctr"/>
-          <a:lstStyle/>
-          <a:p>
-            <a:pPr algn="ctr"/>
-            <a:endParaRPr lang="en-US" dirty="0"/>
-          </a:p>
-        </p:txBody>
-      </p:sp>
-      <p:sp>
-        <p:nvSpPr>
-          <p:cNvPr id="53" name="TextBox 52">
-            <a:hlinkClick r:id="rId5" action="ppaction://hlinksldjump"/>
-            <a:extLst>
-              <a:ext uri="{FF2B5EF4-FFF2-40B4-BE49-F238E27FC236}">
-                <a16:creationId xmlns:a16="http://schemas.microsoft.com/office/drawing/2014/main" id="{1D37C8AE-01F7-B62B-86AB-27A83C4CB811}"/>
-              </a:ext>
-            </a:extLst>
-          </p:cNvPr>
-          <p:cNvSpPr txBox="1"/>
-          <p:nvPr/>
-        </p:nvSpPr>
-        <p:spPr>
-          <a:xfrm flipH="1">
-            <a:off x="594029" y="3202615"/>
-            <a:ext cx="3040381" cy="584775"/>
-          </a:xfrm>
-          <a:prstGeom prst="rect">
-            <a:avLst/>
-          </a:prstGeom>
-          <a:noFill/>
-        </p:spPr>
-        <p:txBody>
-          <a:bodyPr wrap="square" rtlCol="0">
-            <a:spAutoFit/>
-          </a:bodyPr>
-          <a:lstStyle/>
-          <a:p>
-            <a:pPr algn="ctr"/>
-            <a:r>
-              <a:rPr lang="en-US" sz="3200" dirty="0">
-                <a:solidFill>
-                  <a:schemeClr val="bg1"/>
-                </a:solidFill>
-                <a:latin typeface="Cherry Bomb One" panose="02000000000000000000" pitchFamily="2" charset="-128"/>
-                <a:ea typeface="Cherry Bomb One" panose="02000000000000000000" pitchFamily="2" charset="-128"/>
-                <a:cs typeface="Fredoka" pitchFamily="2" charset="-79"/>
-              </a:rPr>
-              <a:t>Chapters</a:t>
-            </a:r>
-          </a:p>
-        </p:txBody>
-      </p:sp>
-      <p:sp>
-        <p:nvSpPr>
-          <p:cNvPr id="54" name="Rectangle: Rounded Corners 53">
-            <a:extLst>
-              <a:ext uri="{FF2B5EF4-FFF2-40B4-BE49-F238E27FC236}">
-                <a16:creationId xmlns:a16="http://schemas.microsoft.com/office/drawing/2014/main" id="{4F42A79D-053B-5F85-5511-C4991F6E221A}"/>
-              </a:ext>
-            </a:extLst>
-          </p:cNvPr>
-          <p:cNvSpPr/>
-          <p:nvPr/>
-        </p:nvSpPr>
-        <p:spPr>
-          <a:xfrm>
-            <a:off x="8445118" y="3091455"/>
-            <a:ext cx="3543301" cy="1064655"/>
-          </a:xfrm>
-          <a:prstGeom prst="roundRect">
-            <a:avLst>
-              <a:gd name="adj" fmla="val 50000"/>
-            </a:avLst>
-          </a:prstGeom>
-          <a:solidFill>
-            <a:srgbClr val="49BB92"/>
-          </a:solidFill>
-          <a:ln w="127000">
-            <a:solidFill>
-              <a:srgbClr val="692C9C"/>
-            </a:solidFill>
-          </a:ln>
-          <a:effectLst/>
-        </p:spPr>
-        <p:style>
-          <a:lnRef idx="2">
-            <a:schemeClr val="accent1">
-              <a:shade val="15000"/>
-            </a:schemeClr>
-          </a:lnRef>
-          <a:fillRef idx="1">
-            <a:schemeClr val="accent1"/>
-          </a:fillRef>
-          <a:effectRef idx="0">
-            <a:schemeClr val="accent1"/>
-          </a:effectRef>
-          <a:fontRef idx="minor">
-            <a:schemeClr val="lt1"/>
-          </a:fontRef>
-        </p:style>
-        <p:txBody>
-          <a:bodyPr rtlCol="0" anchor="ctr"/>
-          <a:lstStyle/>
-          <a:p>
-            <a:pPr algn="ctr"/>
-            <a:endParaRPr lang="en-US" dirty="0"/>
-          </a:p>
-        </p:txBody>
-      </p:sp>
-      <p:sp>
-        <p:nvSpPr>
-          <p:cNvPr id="55" name="Rectangle: Rounded Corners 54">
-            <a:hlinkClick r:id="rId6" action="ppaction://hlinksldjump"/>
-            <a:extLst>
-              <a:ext uri="{FF2B5EF4-FFF2-40B4-BE49-F238E27FC236}">
-                <a16:creationId xmlns:a16="http://schemas.microsoft.com/office/drawing/2014/main" id="{0131D995-7C50-D8AD-DB0E-257F2E50D94F}"/>
-              </a:ext>
-            </a:extLst>
-          </p:cNvPr>
-          <p:cNvSpPr/>
-          <p:nvPr/>
-        </p:nvSpPr>
-        <p:spPr>
-          <a:xfrm>
-            <a:off x="8369577" y="3038715"/>
-            <a:ext cx="3543301" cy="1006235"/>
-          </a:xfrm>
-          <a:prstGeom prst="roundRect">
-            <a:avLst>
-              <a:gd name="adj" fmla="val 50000"/>
-            </a:avLst>
-          </a:prstGeom>
-          <a:solidFill>
-            <a:srgbClr val="9C5BD1"/>
-          </a:solidFill>
-          <a:ln w="127000">
-            <a:solidFill>
-              <a:srgbClr val="9C5BD1"/>
-            </a:solidFill>
-          </a:ln>
-          <a:effectLst/>
-        </p:spPr>
-        <p:style>
-          <a:lnRef idx="2">
-            <a:schemeClr val="accent1">
-              <a:shade val="15000"/>
-            </a:schemeClr>
-          </a:lnRef>
-          <a:fillRef idx="1">
-            <a:schemeClr val="accent1"/>
-          </a:fillRef>
-          <a:effectRef idx="0">
-            <a:schemeClr val="accent1"/>
-          </a:effectRef>
-          <a:fontRef idx="minor">
-            <a:schemeClr val="lt1"/>
-          </a:fontRef>
-        </p:style>
-        <p:txBody>
-          <a:bodyPr rtlCol="0" anchor="ctr"/>
-          <a:lstStyle/>
-          <a:p>
-            <a:pPr algn="ctr"/>
-            <a:endParaRPr lang="en-US" dirty="0"/>
-          </a:p>
-        </p:txBody>
-      </p:sp>
-      <p:sp>
-        <p:nvSpPr>
-          <p:cNvPr id="56" name="TextBox 55">
-            <a:hlinkClick r:id="rId6" action="ppaction://hlinksldjump"/>
-            <a:extLst>
-              <a:ext uri="{FF2B5EF4-FFF2-40B4-BE49-F238E27FC236}">
-                <a16:creationId xmlns:a16="http://schemas.microsoft.com/office/drawing/2014/main" id="{64EF4E2D-2F7C-7C73-34B6-94B5F6332FE2}"/>
-              </a:ext>
-            </a:extLst>
-          </p:cNvPr>
-          <p:cNvSpPr txBox="1"/>
-          <p:nvPr/>
-        </p:nvSpPr>
-        <p:spPr>
-          <a:xfrm flipH="1">
-            <a:off x="8696577" y="3276964"/>
-            <a:ext cx="3040381" cy="584775"/>
-          </a:xfrm>
-          <a:prstGeom prst="rect">
-            <a:avLst/>
-          </a:prstGeom>
-          <a:noFill/>
-        </p:spPr>
-        <p:txBody>
-          <a:bodyPr wrap="square" rtlCol="0">
-            <a:spAutoFit/>
-          </a:bodyPr>
-          <a:lstStyle/>
-          <a:p>
-            <a:pPr algn="ctr"/>
-            <a:r>
-              <a:rPr lang="en-US" sz="3200" dirty="0">
-                <a:solidFill>
-                  <a:schemeClr val="bg1"/>
-                </a:solidFill>
-                <a:latin typeface="Cherry Bomb One" panose="02000000000000000000" pitchFamily="2" charset="-128"/>
-                <a:ea typeface="Cherry Bomb One" panose="02000000000000000000" pitchFamily="2" charset="-128"/>
-                <a:cs typeface="Fredoka" pitchFamily="2" charset="-79"/>
-              </a:rPr>
-              <a:t>Videos</a:t>
-            </a:r>
-          </a:p>
-        </p:txBody>
-      </p:sp>
-      <p:sp>
-        <p:nvSpPr>
-          <p:cNvPr id="57" name="TextBox 56">
-            <a:extLst>
-              <a:ext uri="{FF2B5EF4-FFF2-40B4-BE49-F238E27FC236}">
-                <a16:creationId xmlns:a16="http://schemas.microsoft.com/office/drawing/2014/main" id="{8377E177-DD43-878F-D5D5-704108869B39}"/>
-              </a:ext>
-            </a:extLst>
-          </p:cNvPr>
-          <p:cNvSpPr txBox="1"/>
-          <p:nvPr/>
-        </p:nvSpPr>
-        <p:spPr>
-          <a:xfrm>
-            <a:off x="2873000" y="-6285875"/>
-            <a:ext cx="6445995" cy="1446550"/>
-          </a:xfrm>
-          <a:prstGeom prst="rect">
-            <a:avLst/>
-          </a:prstGeom>
-          <a:noFill/>
-        </p:spPr>
-        <p:txBody>
-          <a:bodyPr wrap="none" rtlCol="0">
-            <a:spAutoFit/>
-          </a:bodyPr>
-          <a:lstStyle/>
-          <a:p>
-            <a:pPr algn="ctr"/>
-            <a:r>
-              <a:rPr lang="en-US" sz="8800" dirty="0">
-                <a:solidFill>
-                  <a:schemeClr val="bg1"/>
-                </a:solidFill>
-                <a:latin typeface="OhChewy" panose="02000503050000020003" pitchFamily="2" charset="0"/>
-                <a:cs typeface="Fredoka" pitchFamily="2" charset="-79"/>
-              </a:rPr>
-              <a:t>Grade 5 English</a:t>
-            </a:r>
-          </a:p>
-        </p:txBody>
-      </p:sp>
-      <p:sp>
-        <p:nvSpPr>
-          <p:cNvPr id="60" name="TextBox 59">
-            <a:extLst>
-              <a:ext uri="{FF2B5EF4-FFF2-40B4-BE49-F238E27FC236}">
-                <a16:creationId xmlns:a16="http://schemas.microsoft.com/office/drawing/2014/main" id="{02F1010E-6CEB-8E5A-04A1-949D68E35FCA}"/>
-              </a:ext>
-            </a:extLst>
-          </p:cNvPr>
-          <p:cNvSpPr txBox="1"/>
-          <p:nvPr/>
-        </p:nvSpPr>
-        <p:spPr>
-          <a:xfrm>
-            <a:off x="2873000" y="57775"/>
-            <a:ext cx="6445995" cy="1446550"/>
-          </a:xfrm>
-          <a:prstGeom prst="rect">
-            <a:avLst/>
-          </a:prstGeom>
-          <a:noFill/>
-        </p:spPr>
-        <p:txBody>
-          <a:bodyPr wrap="none" rtlCol="0">
-            <a:spAutoFit/>
-          </a:bodyPr>
-          <a:lstStyle/>
-          <a:p>
-            <a:pPr algn="ctr"/>
-            <a:r>
-              <a:rPr lang="en-US" sz="8800" dirty="0">
-                <a:solidFill>
-                  <a:schemeClr val="bg1"/>
-                </a:solidFill>
-                <a:latin typeface="OhChewy" panose="02000503050000020003" pitchFamily="2" charset="0"/>
-                <a:cs typeface="Fredoka" pitchFamily="2" charset="-79"/>
-              </a:rPr>
-              <a:t>Grade 5 English</a:t>
-            </a:r>
-          </a:p>
-        </p:txBody>
-      </p:sp>
-    </p:spTree>
-    <p:extLst>
-      <p:ext uri="{BB962C8B-B14F-4D97-AF65-F5344CB8AC3E}">
-        <p14:creationId xmlns:p14="http://schemas.microsoft.com/office/powerpoint/2010/main" val="3328242863"/>
-      </p:ext>
-    </p:extLst>
-  </p:cSld>
-  <p:clrMapOvr>
-    <a:masterClrMapping/>
-  </p:clrMapOvr>
-  <mc:AlternateContent xmlns:mc="http://schemas.openxmlformats.org/markup-compatibility/2006">
-    <mc:Choice xmlns:p159="http://schemas.microsoft.com/office/powerpoint/2015/09/main" Requires="p159">
-      <p:transition xmlns:p14="http://schemas.microsoft.com/office/powerpoint/2010/main" spd="slow" p14:dur="800">
-        <p159:morph option="byObject"/>
-      </p:transition>
-    </mc:Choice>
-    <mc:Fallback>
-      <p:transition spd="slow">
-        <p:fade/>
-      </p:transition>
-    </mc:Fallback>
-  </mc:AlternateContent>
-</p:sld>
-</file>
-
-<file path=ppt/slides/slide9.xml><?xml version="1.0" encoding="utf-8"?>
-<p:sld xmlns:a="http://schemas.openxmlformats.org/drawingml/2006/main" xmlns:r="http://schemas.openxmlformats.org/officeDocument/2006/relationships" xmlns:p="http://schemas.openxmlformats.org/presentationml/2006/main">
-  <p:cSld>
-    <p:spTree>
-      <p:nvGrpSpPr>
-        <p:cNvPr id="1" name="">
-          <a:extLst>
-            <a:ext uri="{FF2B5EF4-FFF2-40B4-BE49-F238E27FC236}">
-              <a16:creationId xmlns:a16="http://schemas.microsoft.com/office/drawing/2014/main" id="{65A5EAD7-3D33-164A-5ED8-8D343932A1CC}"/>
-            </a:ext>
-          </a:extLst>
-        </p:cNvPr>
-        <p:cNvGrpSpPr/>
-        <p:nvPr/>
-      </p:nvGrpSpPr>
-      <p:grpSpPr>
-        <a:xfrm>
-          <a:off x="0" y="0"/>
-          <a:ext cx="0" cy="0"/>
-          <a:chOff x="0" y="0"/>
-          <a:chExt cx="0" cy="0"/>
-        </a:xfrm>
-      </p:grpSpPr>
-      <p:pic>
-        <p:nvPicPr>
-          <p:cNvPr id="7" name="Picture 6" descr="Cartoon characters on a green field&#10;&#10;AI-generated content may be incorrect.">
-            <a:extLst>
-              <a:ext uri="{FF2B5EF4-FFF2-40B4-BE49-F238E27FC236}">
-                <a16:creationId xmlns:a16="http://schemas.microsoft.com/office/drawing/2014/main" id="{ECD6D728-33D6-13A1-0E8E-AA29025862FD}"/>
-              </a:ext>
-            </a:extLst>
-          </p:cNvPr>
-          <p:cNvPicPr>
-            <a:picLocks noChangeAspect="1"/>
-          </p:cNvPicPr>
-          <p:nvPr/>
-        </p:nvPicPr>
-        <p:blipFill>
-          <a:blip r:embed="rId2">
-            <a:extLst>
-              <a:ext uri="{28A0092B-C50C-407E-A947-70E740481C1C}">
-                <a14:useLocalDpi xmlns:a14="http://schemas.microsoft.com/office/drawing/2010/main" val="0"/>
-              </a:ext>
-            </a:extLst>
-          </a:blip>
-          <a:stretch>
-            <a:fillRect/>
-          </a:stretch>
-        </p:blipFill>
-        <p:spPr>
-          <a:xfrm>
-            <a:off x="-15240" y="-1280160"/>
-            <a:ext cx="12207240" cy="8138160"/>
-          </a:xfrm>
-          <a:prstGeom prst="rect">
-            <a:avLst/>
-          </a:prstGeom>
-        </p:spPr>
-      </p:pic>
-      <p:sp>
-        <p:nvSpPr>
-          <p:cNvPr id="9" name="Rectangle: Rounded Corners 8">
-            <a:extLst>
-              <a:ext uri="{FF2B5EF4-FFF2-40B4-BE49-F238E27FC236}">
-                <a16:creationId xmlns:a16="http://schemas.microsoft.com/office/drawing/2014/main" id="{9C745CBB-D1F7-989D-5D5F-1E3463827F4A}"/>
-              </a:ext>
-            </a:extLst>
-          </p:cNvPr>
-          <p:cNvSpPr/>
-          <p:nvPr/>
-        </p:nvSpPr>
-        <p:spPr>
-          <a:xfrm>
-            <a:off x="5059349" y="-3645988"/>
-            <a:ext cx="2058061" cy="584012"/>
-          </a:xfrm>
-          <a:prstGeom prst="roundRect">
-            <a:avLst>
-              <a:gd name="adj" fmla="val 50000"/>
-            </a:avLst>
-          </a:prstGeom>
-          <a:gradFill flip="none" rotWithShape="1">
-            <a:gsLst>
-              <a:gs pos="14000">
-                <a:srgbClr val="7BE753"/>
-              </a:gs>
-              <a:gs pos="100000">
-                <a:srgbClr val="279415"/>
-              </a:gs>
-            </a:gsLst>
-            <a:lin ang="2700000" scaled="1"/>
-            <a:tileRect/>
-          </a:gradFill>
-          <a:ln>
-            <a:solidFill>
-              <a:srgbClr val="279415"/>
-            </a:solidFill>
-          </a:ln>
-        </p:spPr>
-        <p:style>
-          <a:lnRef idx="2">
-            <a:schemeClr val="accent1">
-              <a:shade val="15000"/>
-            </a:schemeClr>
-          </a:lnRef>
-          <a:fillRef idx="1">
-            <a:schemeClr val="accent1"/>
-          </a:fillRef>
-          <a:effectRef idx="0">
-            <a:schemeClr val="accent1"/>
-          </a:effectRef>
-          <a:fontRef idx="minor">
-            <a:schemeClr val="lt1"/>
-          </a:fontRef>
-        </p:style>
-        <p:txBody>
-          <a:bodyPr rtlCol="0" anchor="ctr"/>
-          <a:lstStyle/>
-          <a:p>
-            <a:pPr algn="ctr"/>
-            <a:r>
-              <a:rPr lang="en-US" sz="2800" b="1" dirty="0">
-                <a:latin typeface="Fredoka" pitchFamily="2" charset="-79"/>
-                <a:cs typeface="Fredoka" pitchFamily="2" charset="-79"/>
-              </a:rPr>
-              <a:t>Start</a:t>
-            </a:r>
-            <a:endParaRPr lang="en-US" sz="3200" b="1" dirty="0">
-              <a:latin typeface="Fredoka" pitchFamily="2" charset="-79"/>
-              <a:cs typeface="Fredoka" pitchFamily="2" charset="-79"/>
-            </a:endParaRPr>
-          </a:p>
-        </p:txBody>
-      </p:sp>
-      <p:sp>
-        <p:nvSpPr>
-          <p:cNvPr id="29" name="Rectangle: Rounded Corners 28">
-            <a:extLst>
-              <a:ext uri="{FF2B5EF4-FFF2-40B4-BE49-F238E27FC236}">
-                <a16:creationId xmlns:a16="http://schemas.microsoft.com/office/drawing/2014/main" id="{D8B55262-02E6-4975-7731-C22087CC40B1}"/>
-              </a:ext>
-            </a:extLst>
-          </p:cNvPr>
-          <p:cNvSpPr/>
-          <p:nvPr/>
-        </p:nvSpPr>
-        <p:spPr>
-          <a:xfrm>
-            <a:off x="8445118" y="1586505"/>
-            <a:ext cx="3543301" cy="4390392"/>
-          </a:xfrm>
-          <a:prstGeom prst="roundRect">
-            <a:avLst/>
-          </a:prstGeom>
-          <a:solidFill>
-            <a:srgbClr val="49BB92"/>
-          </a:solidFill>
-          <a:ln w="127000">
-            <a:solidFill>
-              <a:srgbClr val="692C9C"/>
-            </a:solidFill>
-          </a:ln>
-          <a:effectLst/>
-        </p:spPr>
-        <p:style>
-          <a:lnRef idx="2">
-            <a:schemeClr val="accent1">
-              <a:shade val="15000"/>
-            </a:schemeClr>
-          </a:lnRef>
-          <a:fillRef idx="1">
-            <a:schemeClr val="accent1"/>
-          </a:fillRef>
-          <a:effectRef idx="0">
-            <a:schemeClr val="accent1"/>
-          </a:effectRef>
-          <a:fontRef idx="minor">
-            <a:schemeClr val="lt1"/>
-          </a:fontRef>
-        </p:style>
-        <p:txBody>
-          <a:bodyPr rtlCol="0" anchor="ctr"/>
-          <a:lstStyle/>
-          <a:p>
-            <a:pPr algn="ctr"/>
-            <a:endParaRPr lang="en-US" dirty="0"/>
-          </a:p>
-        </p:txBody>
-      </p:sp>
-      <p:sp>
-        <p:nvSpPr>
-          <p:cNvPr id="30" name="Rectangle: Rounded Corners 29">
-            <a:extLst>
-              <a:ext uri="{FF2B5EF4-FFF2-40B4-BE49-F238E27FC236}">
-                <a16:creationId xmlns:a16="http://schemas.microsoft.com/office/drawing/2014/main" id="{505A1106-C318-3483-F218-2865E70346D3}"/>
-              </a:ext>
-            </a:extLst>
-          </p:cNvPr>
-          <p:cNvSpPr/>
-          <p:nvPr/>
-        </p:nvSpPr>
-        <p:spPr>
-          <a:xfrm>
-            <a:off x="8369577" y="1533765"/>
-            <a:ext cx="3543301" cy="4390392"/>
-          </a:xfrm>
-          <a:prstGeom prst="roundRect">
-            <a:avLst/>
-          </a:prstGeom>
-          <a:solidFill>
-            <a:srgbClr val="9C5BD1"/>
-          </a:solidFill>
-          <a:ln w="127000">
-            <a:solidFill>
-              <a:srgbClr val="9C5BD1"/>
-            </a:solidFill>
-          </a:ln>
-          <a:effectLst/>
-        </p:spPr>
-        <p:style>
-          <a:lnRef idx="2">
-            <a:schemeClr val="accent1">
-              <a:shade val="15000"/>
-            </a:schemeClr>
-          </a:lnRef>
-          <a:fillRef idx="1">
-            <a:schemeClr val="accent1"/>
-          </a:fillRef>
-          <a:effectRef idx="0">
-            <a:schemeClr val="accent1"/>
-          </a:effectRef>
-          <a:fontRef idx="minor">
-            <a:schemeClr val="lt1"/>
-          </a:fontRef>
-        </p:style>
-        <p:txBody>
-          <a:bodyPr rtlCol="0" anchor="ctr"/>
-          <a:lstStyle/>
-          <a:p>
-            <a:pPr algn="ctr"/>
-            <a:endParaRPr lang="en-US" dirty="0"/>
-          </a:p>
-        </p:txBody>
-      </p:sp>
-      <p:sp>
-        <p:nvSpPr>
-          <p:cNvPr id="31" name="Rectangle: Rounded Corners 30">
-            <a:extLst>
-              <a:ext uri="{FF2B5EF4-FFF2-40B4-BE49-F238E27FC236}">
-                <a16:creationId xmlns:a16="http://schemas.microsoft.com/office/drawing/2014/main" id="{7A8CFB9D-75AF-1D01-3B62-29A1CC97596C}"/>
-              </a:ext>
-            </a:extLst>
-          </p:cNvPr>
-          <p:cNvSpPr/>
-          <p:nvPr/>
-        </p:nvSpPr>
-        <p:spPr>
-          <a:xfrm>
-            <a:off x="8369577" y="2224020"/>
-            <a:ext cx="3543301" cy="3428675"/>
-          </a:xfrm>
-          <a:prstGeom prst="roundRect">
-            <a:avLst/>
-          </a:prstGeom>
-          <a:solidFill>
-            <a:srgbClr val="F4F1EC"/>
-          </a:solidFill>
-          <a:ln w="127000">
-            <a:solidFill>
-              <a:srgbClr val="9C5BD1"/>
-            </a:solidFill>
-          </a:ln>
-        </p:spPr>
-        <p:style>
-          <a:lnRef idx="2">
-            <a:schemeClr val="accent1">
-              <a:shade val="15000"/>
-            </a:schemeClr>
-          </a:lnRef>
-          <a:fillRef idx="1">
-            <a:schemeClr val="accent1"/>
-          </a:fillRef>
-          <a:effectRef idx="0">
-            <a:schemeClr val="accent1"/>
-          </a:effectRef>
-          <a:fontRef idx="minor">
-            <a:schemeClr val="lt1"/>
-          </a:fontRef>
-        </p:style>
-        <p:txBody>
-          <a:bodyPr rtlCol="0" anchor="ctr"/>
-          <a:lstStyle/>
-          <a:p>
-            <a:pPr algn="ctr"/>
-            <a:endParaRPr lang="en-US"/>
-          </a:p>
-        </p:txBody>
-      </p:sp>
-      <p:sp>
-        <p:nvSpPr>
-          <p:cNvPr id="32" name="TextBox 31">
-            <a:extLst>
-              <a:ext uri="{FF2B5EF4-FFF2-40B4-BE49-F238E27FC236}">
-                <a16:creationId xmlns:a16="http://schemas.microsoft.com/office/drawing/2014/main" id="{53527821-D76A-C14C-646F-DAF6DF1073AE}"/>
-              </a:ext>
-            </a:extLst>
-          </p:cNvPr>
-          <p:cNvSpPr txBox="1"/>
-          <p:nvPr/>
-        </p:nvSpPr>
-        <p:spPr>
-          <a:xfrm flipH="1">
-            <a:off x="8626166" y="1586505"/>
-            <a:ext cx="3040381" cy="584775"/>
-          </a:xfrm>
-          <a:prstGeom prst="rect">
-            <a:avLst/>
-          </a:prstGeom>
-          <a:noFill/>
-        </p:spPr>
-        <p:txBody>
-          <a:bodyPr wrap="square" rtlCol="0">
-            <a:spAutoFit/>
-          </a:bodyPr>
-          <a:lstStyle/>
-          <a:p>
-            <a:pPr algn="ctr"/>
-            <a:r>
-              <a:rPr lang="en-US" sz="3200" dirty="0">
-                <a:solidFill>
-                  <a:schemeClr val="bg1"/>
-                </a:solidFill>
-                <a:latin typeface="Cherry Bomb One" panose="02000000000000000000" pitchFamily="2" charset="-128"/>
-                <a:ea typeface="Cherry Bomb One" panose="02000000000000000000" pitchFamily="2" charset="-128"/>
-                <a:cs typeface="Fredoka" pitchFamily="2" charset="-79"/>
-              </a:rPr>
-              <a:t>Videos</a:t>
-            </a:r>
-          </a:p>
-        </p:txBody>
-      </p:sp>
-      <p:sp>
-        <p:nvSpPr>
-          <p:cNvPr id="33" name="Rectangle: Rounded Corners 32">
-            <a:extLst>
-              <a:ext uri="{FF2B5EF4-FFF2-40B4-BE49-F238E27FC236}">
-                <a16:creationId xmlns:a16="http://schemas.microsoft.com/office/drawing/2014/main" id="{FF489E9D-0260-F5C2-7C42-6C626E0137C6}"/>
-              </a:ext>
-            </a:extLst>
-          </p:cNvPr>
-          <p:cNvSpPr/>
-          <p:nvPr/>
-        </p:nvSpPr>
-        <p:spPr>
-          <a:xfrm>
-            <a:off x="8621036" y="2538019"/>
-            <a:ext cx="3040381" cy="342900"/>
-          </a:xfrm>
-          <a:prstGeom prst="roundRect">
-            <a:avLst>
-              <a:gd name="adj" fmla="val 30000"/>
-            </a:avLst>
-          </a:prstGeom>
-          <a:solidFill>
-            <a:srgbClr val="E8D9C6"/>
-          </a:solidFill>
-          <a:ln w="28575">
-            <a:solidFill>
-              <a:srgbClr val="D4C1A9"/>
-            </a:solidFill>
-          </a:ln>
-        </p:spPr>
-        <p:style>
-          <a:lnRef idx="2">
-            <a:schemeClr val="accent1">
-              <a:shade val="15000"/>
-            </a:schemeClr>
-          </a:lnRef>
-          <a:fillRef idx="1">
-            <a:schemeClr val="accent1"/>
-          </a:fillRef>
-          <a:effectRef idx="0">
-            <a:schemeClr val="accent1"/>
-          </a:effectRef>
-          <a:fontRef idx="minor">
-            <a:schemeClr val="lt1"/>
-          </a:fontRef>
-        </p:style>
-        <p:txBody>
-          <a:bodyPr rtlCol="0" anchor="ctr"/>
-          <a:lstStyle/>
-          <a:p>
-            <a:pPr algn="ctr"/>
-            <a:r>
-              <a:rPr lang="en-US" b="1" dirty="0">
-                <a:latin typeface="Irish Grover" panose="02000000000000000000" pitchFamily="2" charset="0"/>
-                <a:cs typeface="Fredoka" pitchFamily="2" charset="-79"/>
-              </a:rPr>
-              <a:t>Unit 1</a:t>
-            </a:r>
-          </a:p>
-        </p:txBody>
-      </p:sp>
-      <p:sp>
-        <p:nvSpPr>
-          <p:cNvPr id="34" name="Rectangle: Rounded Corners 33">
-            <a:extLst>
-              <a:ext uri="{FF2B5EF4-FFF2-40B4-BE49-F238E27FC236}">
-                <a16:creationId xmlns:a16="http://schemas.microsoft.com/office/drawing/2014/main" id="{54894419-7EC5-298D-C0D6-A01AEF4B3CB8}"/>
-              </a:ext>
-            </a:extLst>
-          </p:cNvPr>
-          <p:cNvSpPr/>
-          <p:nvPr/>
-        </p:nvSpPr>
-        <p:spPr>
-          <a:xfrm>
-            <a:off x="8621036" y="3023468"/>
-            <a:ext cx="3040381" cy="342900"/>
-          </a:xfrm>
-          <a:prstGeom prst="roundRect">
-            <a:avLst>
-              <a:gd name="adj" fmla="val 30000"/>
-            </a:avLst>
-          </a:prstGeom>
-          <a:solidFill>
-            <a:srgbClr val="E8D9C6"/>
-          </a:solidFill>
-          <a:ln w="28575">
-            <a:solidFill>
-              <a:srgbClr val="D4C1A9"/>
-            </a:solidFill>
-          </a:ln>
-        </p:spPr>
-        <p:style>
-          <a:lnRef idx="2">
-            <a:schemeClr val="accent1">
-              <a:shade val="15000"/>
-            </a:schemeClr>
-          </a:lnRef>
-          <a:fillRef idx="1">
-            <a:schemeClr val="accent1"/>
-          </a:fillRef>
-          <a:effectRef idx="0">
-            <a:schemeClr val="accent1"/>
-          </a:effectRef>
-          <a:fontRef idx="minor">
-            <a:schemeClr val="lt1"/>
-          </a:fontRef>
-        </p:style>
-        <p:txBody>
-          <a:bodyPr rtlCol="0" anchor="ctr"/>
-          <a:lstStyle/>
-          <a:p>
-            <a:pPr algn="ctr"/>
-            <a:r>
-              <a:rPr lang="en-US" b="1" dirty="0">
-                <a:latin typeface="Irish Grover" panose="02000000000000000000" pitchFamily="2" charset="0"/>
-                <a:cs typeface="Fredoka" pitchFamily="2" charset="-79"/>
-              </a:rPr>
-              <a:t>Unit 2</a:t>
-            </a:r>
-          </a:p>
-        </p:txBody>
-      </p:sp>
-      <p:sp>
-        <p:nvSpPr>
-          <p:cNvPr id="35" name="Rectangle: Rounded Corners 34">
-            <a:extLst>
-              <a:ext uri="{FF2B5EF4-FFF2-40B4-BE49-F238E27FC236}">
-                <a16:creationId xmlns:a16="http://schemas.microsoft.com/office/drawing/2014/main" id="{4B319F27-1E5E-9361-A640-73BE821A28F2}"/>
-              </a:ext>
-            </a:extLst>
-          </p:cNvPr>
-          <p:cNvSpPr/>
-          <p:nvPr/>
-        </p:nvSpPr>
-        <p:spPr>
-          <a:xfrm>
-            <a:off x="8621035" y="3509732"/>
-            <a:ext cx="3040381" cy="342900"/>
-          </a:xfrm>
-          <a:prstGeom prst="roundRect">
-            <a:avLst>
-              <a:gd name="adj" fmla="val 30000"/>
-            </a:avLst>
-          </a:prstGeom>
-          <a:solidFill>
-            <a:srgbClr val="E8D9C6"/>
-          </a:solidFill>
-          <a:ln w="28575">
-            <a:solidFill>
-              <a:srgbClr val="D4C1A9"/>
-            </a:solidFill>
-          </a:ln>
-        </p:spPr>
-        <p:style>
-          <a:lnRef idx="2">
-            <a:schemeClr val="accent1">
-              <a:shade val="15000"/>
-            </a:schemeClr>
-          </a:lnRef>
-          <a:fillRef idx="1">
-            <a:schemeClr val="accent1"/>
-          </a:fillRef>
-          <a:effectRef idx="0">
-            <a:schemeClr val="accent1"/>
-          </a:effectRef>
-          <a:fontRef idx="minor">
-            <a:schemeClr val="lt1"/>
-          </a:fontRef>
-        </p:style>
-        <p:txBody>
-          <a:bodyPr rtlCol="0" anchor="ctr"/>
-          <a:lstStyle/>
-          <a:p>
-            <a:pPr algn="ctr"/>
-            <a:r>
-              <a:rPr lang="en-US" b="1" dirty="0">
-                <a:latin typeface="Irish Grover" panose="02000000000000000000" pitchFamily="2" charset="0"/>
-                <a:cs typeface="Fredoka" pitchFamily="2" charset="-79"/>
-              </a:rPr>
-              <a:t>Unit 3</a:t>
-            </a:r>
-          </a:p>
-        </p:txBody>
-      </p:sp>
-      <p:sp>
-        <p:nvSpPr>
-          <p:cNvPr id="36" name="Rectangle: Rounded Corners 35">
-            <a:extLst>
-              <a:ext uri="{FF2B5EF4-FFF2-40B4-BE49-F238E27FC236}">
-                <a16:creationId xmlns:a16="http://schemas.microsoft.com/office/drawing/2014/main" id="{4DE8B8B7-AC2A-3ED5-871B-5EDCA39B6038}"/>
-              </a:ext>
-            </a:extLst>
-          </p:cNvPr>
-          <p:cNvSpPr/>
-          <p:nvPr/>
-        </p:nvSpPr>
-        <p:spPr>
-          <a:xfrm>
-            <a:off x="8621034" y="3995181"/>
-            <a:ext cx="3040381" cy="342900"/>
-          </a:xfrm>
-          <a:prstGeom prst="roundRect">
-            <a:avLst>
-              <a:gd name="adj" fmla="val 30000"/>
-            </a:avLst>
-          </a:prstGeom>
-          <a:solidFill>
-            <a:srgbClr val="E8D9C6"/>
-          </a:solidFill>
-          <a:ln w="28575">
-            <a:solidFill>
-              <a:srgbClr val="D4C1A9"/>
-            </a:solidFill>
-          </a:ln>
-        </p:spPr>
-        <p:style>
-          <a:lnRef idx="2">
-            <a:schemeClr val="accent1">
-              <a:shade val="15000"/>
-            </a:schemeClr>
-          </a:lnRef>
-          <a:fillRef idx="1">
-            <a:schemeClr val="accent1"/>
-          </a:fillRef>
-          <a:effectRef idx="0">
-            <a:schemeClr val="accent1"/>
-          </a:effectRef>
-          <a:fontRef idx="minor">
-            <a:schemeClr val="lt1"/>
-          </a:fontRef>
-        </p:style>
-        <p:txBody>
-          <a:bodyPr rtlCol="0" anchor="ctr"/>
-          <a:lstStyle/>
-          <a:p>
-            <a:pPr algn="ctr"/>
-            <a:r>
-              <a:rPr lang="en-US" b="1" dirty="0">
-                <a:latin typeface="Irish Grover" panose="02000000000000000000" pitchFamily="2" charset="0"/>
-                <a:cs typeface="Fredoka" pitchFamily="2" charset="-79"/>
-              </a:rPr>
-              <a:t>Unit 4</a:t>
-            </a:r>
-          </a:p>
-        </p:txBody>
-      </p:sp>
-      <p:sp>
-        <p:nvSpPr>
-          <p:cNvPr id="37" name="Rectangle: Rounded Corners 36">
-            <a:extLst>
-              <a:ext uri="{FF2B5EF4-FFF2-40B4-BE49-F238E27FC236}">
-                <a16:creationId xmlns:a16="http://schemas.microsoft.com/office/drawing/2014/main" id="{75B56CDB-3E1B-7E75-4563-EECAAB31D62B}"/>
-              </a:ext>
-            </a:extLst>
-          </p:cNvPr>
-          <p:cNvSpPr/>
-          <p:nvPr/>
-        </p:nvSpPr>
-        <p:spPr>
-          <a:xfrm>
-            <a:off x="8621033" y="4480630"/>
-            <a:ext cx="3040381" cy="342900"/>
-          </a:xfrm>
-          <a:prstGeom prst="roundRect">
-            <a:avLst>
-              <a:gd name="adj" fmla="val 30000"/>
-            </a:avLst>
-          </a:prstGeom>
-          <a:solidFill>
-            <a:srgbClr val="E8D9C6"/>
-          </a:solidFill>
-          <a:ln w="28575">
-            <a:solidFill>
-              <a:srgbClr val="D4C1A9"/>
-            </a:solidFill>
-          </a:ln>
-        </p:spPr>
-        <p:style>
-          <a:lnRef idx="2">
-            <a:schemeClr val="accent1">
-              <a:shade val="15000"/>
-            </a:schemeClr>
-          </a:lnRef>
-          <a:fillRef idx="1">
-            <a:schemeClr val="accent1"/>
-          </a:fillRef>
-          <a:effectRef idx="0">
-            <a:schemeClr val="accent1"/>
-          </a:effectRef>
-          <a:fontRef idx="minor">
-            <a:schemeClr val="lt1"/>
-          </a:fontRef>
-        </p:style>
-        <p:txBody>
-          <a:bodyPr rtlCol="0" anchor="ctr"/>
-          <a:lstStyle/>
-          <a:p>
-            <a:pPr algn="ctr"/>
-            <a:r>
-              <a:rPr lang="en-US" b="1" dirty="0">
-                <a:latin typeface="Irish Grover" panose="02000000000000000000" pitchFamily="2" charset="0"/>
-                <a:cs typeface="Fredoka" pitchFamily="2" charset="-79"/>
-              </a:rPr>
-              <a:t>Unit 5</a:t>
-            </a:r>
-          </a:p>
-        </p:txBody>
-      </p:sp>
-      <p:sp>
-        <p:nvSpPr>
-          <p:cNvPr id="38" name="Rectangle: Rounded Corners 37">
-            <a:extLst>
-              <a:ext uri="{FF2B5EF4-FFF2-40B4-BE49-F238E27FC236}">
-                <a16:creationId xmlns:a16="http://schemas.microsoft.com/office/drawing/2014/main" id="{4FA95D1E-6090-659F-09BE-3F401A4781FB}"/>
-              </a:ext>
-            </a:extLst>
-          </p:cNvPr>
-          <p:cNvSpPr/>
-          <p:nvPr/>
-        </p:nvSpPr>
-        <p:spPr>
-          <a:xfrm>
-            <a:off x="8621033" y="4943039"/>
-            <a:ext cx="3040381" cy="342900"/>
-          </a:xfrm>
-          <a:prstGeom prst="roundRect">
-            <a:avLst>
-              <a:gd name="adj" fmla="val 30000"/>
-            </a:avLst>
-          </a:prstGeom>
-          <a:solidFill>
-            <a:srgbClr val="E8D9C6"/>
-          </a:solidFill>
-          <a:ln w="28575">
-            <a:solidFill>
-              <a:srgbClr val="D4C1A9"/>
-            </a:solidFill>
-          </a:ln>
-        </p:spPr>
-        <p:style>
-          <a:lnRef idx="2">
-            <a:schemeClr val="accent1">
-              <a:shade val="15000"/>
-            </a:schemeClr>
-          </a:lnRef>
-          <a:fillRef idx="1">
-            <a:schemeClr val="accent1"/>
-          </a:fillRef>
-          <a:effectRef idx="0">
-            <a:schemeClr val="accent1"/>
-          </a:effectRef>
-          <a:fontRef idx="minor">
-            <a:schemeClr val="lt1"/>
-          </a:fontRef>
-        </p:style>
-        <p:txBody>
-          <a:bodyPr rtlCol="0" anchor="ctr"/>
-          <a:lstStyle/>
-          <a:p>
-            <a:pPr algn="ctr"/>
-            <a:r>
-              <a:rPr lang="en-US" b="1" dirty="0">
-                <a:latin typeface="Irish Grover" panose="02000000000000000000" pitchFamily="2" charset="0"/>
-                <a:cs typeface="Fredoka" pitchFamily="2" charset="-79"/>
-              </a:rPr>
-              <a:t>Unit 6</a:t>
-            </a:r>
-          </a:p>
-        </p:txBody>
-      </p:sp>
-      <p:pic>
-        <p:nvPicPr>
-          <p:cNvPr id="39" name="Picture 38">
-            <a:hlinkClick r:id="rId3" action="ppaction://hlinksldjump"/>
-            <a:extLst>
-              <a:ext uri="{FF2B5EF4-FFF2-40B4-BE49-F238E27FC236}">
-                <a16:creationId xmlns:a16="http://schemas.microsoft.com/office/drawing/2014/main" id="{BCD867E5-2EE6-1E72-1B78-68DEE83C9228}"/>
-              </a:ext>
-            </a:extLst>
-          </p:cNvPr>
-          <p:cNvPicPr>
-            <a:picLocks noChangeAspect="1"/>
-          </p:cNvPicPr>
-          <p:nvPr/>
-        </p:nvPicPr>
-        <p:blipFill>
-          <a:blip r:embed="rId4"/>
-          <a:stretch>
-            <a:fillRect/>
-          </a:stretch>
-        </p:blipFill>
-        <p:spPr>
-          <a:xfrm>
-            <a:off x="11559879" y="1422605"/>
-            <a:ext cx="459668" cy="459668"/>
-          </a:xfrm>
-          <a:prstGeom prst="rect">
-            <a:avLst/>
-          </a:prstGeom>
-        </p:spPr>
-      </p:pic>
-      <p:sp>
-        <p:nvSpPr>
-          <p:cNvPr id="53" name="Rectangle: Rounded Corners 52">
-            <a:extLst>
-              <a:ext uri="{FF2B5EF4-FFF2-40B4-BE49-F238E27FC236}">
-                <a16:creationId xmlns:a16="http://schemas.microsoft.com/office/drawing/2014/main" id="{2EE61374-E686-C341-C226-15EF23550585}"/>
-              </a:ext>
-            </a:extLst>
-          </p:cNvPr>
-          <p:cNvSpPr/>
-          <p:nvPr/>
-        </p:nvSpPr>
-        <p:spPr>
-          <a:xfrm>
-            <a:off x="344405" y="3088075"/>
-            <a:ext cx="3543301" cy="1068035"/>
-          </a:xfrm>
-          <a:prstGeom prst="roundRect">
-            <a:avLst>
-              <a:gd name="adj" fmla="val 50000"/>
-            </a:avLst>
-          </a:prstGeom>
-          <a:solidFill>
-            <a:srgbClr val="49BB92"/>
-          </a:solidFill>
-          <a:ln w="127000">
-            <a:solidFill>
-              <a:srgbClr val="33896A"/>
-            </a:solidFill>
-          </a:ln>
-          <a:effectLst/>
-        </p:spPr>
-        <p:style>
-          <a:lnRef idx="2">
-            <a:schemeClr val="accent1">
-              <a:shade val="15000"/>
-            </a:schemeClr>
-          </a:lnRef>
-          <a:fillRef idx="1">
-            <a:schemeClr val="accent1"/>
-          </a:fillRef>
-          <a:effectRef idx="0">
-            <a:schemeClr val="accent1"/>
-          </a:effectRef>
-          <a:fontRef idx="minor">
-            <a:schemeClr val="lt1"/>
-          </a:fontRef>
-        </p:style>
-        <p:txBody>
-          <a:bodyPr rtlCol="0" anchor="ctr"/>
-          <a:lstStyle/>
-          <a:p>
-            <a:pPr algn="ctr"/>
-            <a:endParaRPr lang="en-US" dirty="0"/>
-          </a:p>
-        </p:txBody>
-      </p:sp>
-      <p:sp>
-        <p:nvSpPr>
-          <p:cNvPr id="54" name="Rectangle: Rounded Corners 53">
-            <a:hlinkClick r:id="rId5" action="ppaction://hlinksldjump"/>
-            <a:extLst>
-              <a:ext uri="{FF2B5EF4-FFF2-40B4-BE49-F238E27FC236}">
-                <a16:creationId xmlns:a16="http://schemas.microsoft.com/office/drawing/2014/main" id="{406C384D-A1B7-2D52-6F8F-9D582F0B5287}"/>
-              </a:ext>
-            </a:extLst>
-          </p:cNvPr>
-          <p:cNvSpPr/>
-          <p:nvPr/>
-        </p:nvSpPr>
-        <p:spPr>
-          <a:xfrm>
-            <a:off x="268864" y="3035335"/>
-            <a:ext cx="3543301" cy="1009615"/>
-          </a:xfrm>
-          <a:prstGeom prst="roundRect">
-            <a:avLst>
-              <a:gd name="adj" fmla="val 50000"/>
-            </a:avLst>
-          </a:prstGeom>
-          <a:solidFill>
-            <a:srgbClr val="49BB92"/>
-          </a:solidFill>
-          <a:ln w="127000">
-            <a:solidFill>
-              <a:srgbClr val="49BB92"/>
-            </a:solidFill>
-          </a:ln>
-          <a:effectLst/>
-        </p:spPr>
-        <p:style>
-          <a:lnRef idx="2">
-            <a:schemeClr val="accent1">
-              <a:shade val="15000"/>
-            </a:schemeClr>
-          </a:lnRef>
-          <a:fillRef idx="1">
-            <a:schemeClr val="accent1"/>
-          </a:fillRef>
-          <a:effectRef idx="0">
-            <a:schemeClr val="accent1"/>
-          </a:effectRef>
-          <a:fontRef idx="minor">
-            <a:schemeClr val="lt1"/>
-          </a:fontRef>
-        </p:style>
-        <p:txBody>
-          <a:bodyPr rtlCol="0" anchor="ctr"/>
-          <a:lstStyle/>
-          <a:p>
-            <a:pPr algn="ctr"/>
-            <a:endParaRPr lang="en-US" dirty="0"/>
-          </a:p>
-        </p:txBody>
-      </p:sp>
-      <p:sp>
-        <p:nvSpPr>
-          <p:cNvPr id="55" name="TextBox 54">
-            <a:hlinkClick r:id="rId5" action="ppaction://hlinksldjump"/>
-            <a:extLst>
-              <a:ext uri="{FF2B5EF4-FFF2-40B4-BE49-F238E27FC236}">
-                <a16:creationId xmlns:a16="http://schemas.microsoft.com/office/drawing/2014/main" id="{3D872F49-6D48-AF88-1832-C536800D44AB}"/>
-              </a:ext>
-            </a:extLst>
-          </p:cNvPr>
-          <p:cNvSpPr txBox="1"/>
-          <p:nvPr/>
-        </p:nvSpPr>
-        <p:spPr>
-          <a:xfrm flipH="1">
-            <a:off x="594029" y="3202615"/>
-            <a:ext cx="3040381" cy="584775"/>
-          </a:xfrm>
-          <a:prstGeom prst="rect">
-            <a:avLst/>
-          </a:prstGeom>
-          <a:noFill/>
-        </p:spPr>
-        <p:txBody>
-          <a:bodyPr wrap="square" rtlCol="0">
-            <a:spAutoFit/>
-          </a:bodyPr>
-          <a:lstStyle/>
-          <a:p>
-            <a:pPr algn="ctr"/>
-            <a:r>
-              <a:rPr lang="en-US" sz="3200" dirty="0">
-                <a:solidFill>
-                  <a:schemeClr val="bg1"/>
-                </a:solidFill>
-                <a:latin typeface="Cherry Bomb One" panose="02000000000000000000" pitchFamily="2" charset="-128"/>
-                <a:ea typeface="Cherry Bomb One" panose="02000000000000000000" pitchFamily="2" charset="-128"/>
-                <a:cs typeface="Fredoka" pitchFamily="2" charset="-79"/>
-              </a:rPr>
-              <a:t>Chapters</a:t>
-            </a:r>
-          </a:p>
-        </p:txBody>
-      </p:sp>
-      <p:sp>
-        <p:nvSpPr>
-          <p:cNvPr id="56" name="Rectangle: Rounded Corners 55">
-            <a:extLst>
-              <a:ext uri="{FF2B5EF4-FFF2-40B4-BE49-F238E27FC236}">
-                <a16:creationId xmlns:a16="http://schemas.microsoft.com/office/drawing/2014/main" id="{F0FA8323-FC0B-E5E4-DF19-F2C735502486}"/>
-              </a:ext>
-            </a:extLst>
-          </p:cNvPr>
-          <p:cNvSpPr/>
-          <p:nvPr/>
-        </p:nvSpPr>
-        <p:spPr>
-          <a:xfrm>
-            <a:off x="4394761" y="3088075"/>
-            <a:ext cx="3543301" cy="1126455"/>
-          </a:xfrm>
-          <a:prstGeom prst="roundRect">
-            <a:avLst>
-              <a:gd name="adj" fmla="val 50000"/>
-            </a:avLst>
-          </a:prstGeom>
-          <a:solidFill>
-            <a:srgbClr val="49BB92"/>
-          </a:solidFill>
-          <a:ln w="127000">
-            <a:solidFill>
-              <a:srgbClr val="006F96"/>
-            </a:solidFill>
-          </a:ln>
-          <a:effectLst/>
-        </p:spPr>
-        <p:style>
-          <a:lnRef idx="2">
-            <a:schemeClr val="accent1">
-              <a:shade val="15000"/>
-            </a:schemeClr>
-          </a:lnRef>
-          <a:fillRef idx="1">
-            <a:schemeClr val="accent1"/>
-          </a:fillRef>
-          <a:effectRef idx="0">
-            <a:schemeClr val="accent1"/>
-          </a:effectRef>
-          <a:fontRef idx="minor">
-            <a:schemeClr val="lt1"/>
-          </a:fontRef>
-        </p:style>
-        <p:txBody>
-          <a:bodyPr rtlCol="0" anchor="ctr"/>
-          <a:lstStyle/>
-          <a:p>
-            <a:pPr algn="ctr"/>
-            <a:endParaRPr lang="en-US" dirty="0"/>
-          </a:p>
-        </p:txBody>
-      </p:sp>
-      <p:sp>
-        <p:nvSpPr>
-          <p:cNvPr id="57" name="Rectangle: Rounded Corners 56">
-            <a:hlinkClick r:id="rId6" action="ppaction://hlinksldjump"/>
-            <a:extLst>
-              <a:ext uri="{FF2B5EF4-FFF2-40B4-BE49-F238E27FC236}">
-                <a16:creationId xmlns:a16="http://schemas.microsoft.com/office/drawing/2014/main" id="{C078A6BF-5C79-236D-0B2F-4E66201C3098}"/>
-              </a:ext>
-            </a:extLst>
-          </p:cNvPr>
-          <p:cNvSpPr/>
-          <p:nvPr/>
-        </p:nvSpPr>
-        <p:spPr>
-          <a:xfrm>
-            <a:off x="4319220" y="3035335"/>
-            <a:ext cx="3543301" cy="1068035"/>
-          </a:xfrm>
-          <a:prstGeom prst="roundRect">
-            <a:avLst>
-              <a:gd name="adj" fmla="val 50000"/>
-            </a:avLst>
-          </a:prstGeom>
-          <a:solidFill>
-            <a:srgbClr val="00B0F0"/>
-          </a:solidFill>
-          <a:ln w="127000">
-            <a:solidFill>
-              <a:srgbClr val="00B0F0"/>
-            </a:solidFill>
-          </a:ln>
-          <a:effectLst/>
-        </p:spPr>
-        <p:style>
-          <a:lnRef idx="2">
-            <a:schemeClr val="accent1">
-              <a:shade val="15000"/>
-            </a:schemeClr>
-          </a:lnRef>
-          <a:fillRef idx="1">
-            <a:schemeClr val="accent1"/>
-          </a:fillRef>
-          <a:effectRef idx="0">
-            <a:schemeClr val="accent1"/>
-          </a:effectRef>
-          <a:fontRef idx="minor">
-            <a:schemeClr val="lt1"/>
-          </a:fontRef>
-        </p:style>
-        <p:txBody>
-          <a:bodyPr rtlCol="0" anchor="ctr"/>
-          <a:lstStyle/>
-          <a:p>
-            <a:pPr algn="ctr"/>
-            <a:endParaRPr lang="en-US" dirty="0"/>
-          </a:p>
-        </p:txBody>
-      </p:sp>
-      <p:sp>
-        <p:nvSpPr>
-          <p:cNvPr id="58" name="TextBox 57">
-            <a:hlinkClick r:id="rId6" action="ppaction://hlinksldjump"/>
-            <a:extLst>
-              <a:ext uri="{FF2B5EF4-FFF2-40B4-BE49-F238E27FC236}">
-                <a16:creationId xmlns:a16="http://schemas.microsoft.com/office/drawing/2014/main" id="{009BF3A4-ADDC-1E29-3C61-1694A8B6F61C}"/>
-              </a:ext>
-            </a:extLst>
-          </p:cNvPr>
-          <p:cNvSpPr txBox="1"/>
-          <p:nvPr/>
-        </p:nvSpPr>
-        <p:spPr>
-          <a:xfrm flipH="1">
-            <a:off x="4646220" y="3255355"/>
-            <a:ext cx="3040381" cy="584775"/>
-          </a:xfrm>
-          <a:prstGeom prst="rect">
-            <a:avLst/>
-          </a:prstGeom>
-          <a:noFill/>
-        </p:spPr>
-        <p:txBody>
-          <a:bodyPr wrap="square" rtlCol="0">
-            <a:spAutoFit/>
-          </a:bodyPr>
-          <a:lstStyle/>
-          <a:p>
-            <a:pPr algn="ctr"/>
-            <a:r>
-              <a:rPr lang="en-US" sz="3200" dirty="0">
-                <a:solidFill>
-                  <a:schemeClr val="bg1"/>
-                </a:solidFill>
-                <a:latin typeface="Cherry Bomb One" panose="02000000000000000000" pitchFamily="2" charset="-128"/>
-                <a:ea typeface="Cherry Bomb One" panose="02000000000000000000" pitchFamily="2" charset="-128"/>
-                <a:cs typeface="Fredoka" pitchFamily="2" charset="-79"/>
-              </a:rPr>
-              <a:t>Exercises</a:t>
-            </a:r>
-          </a:p>
-        </p:txBody>
-      </p:sp>
-      <p:sp>
-        <p:nvSpPr>
-          <p:cNvPr id="59" name="TextBox 58">
-            <a:extLst>
-              <a:ext uri="{FF2B5EF4-FFF2-40B4-BE49-F238E27FC236}">
-                <a16:creationId xmlns:a16="http://schemas.microsoft.com/office/drawing/2014/main" id="{8948EB26-A7D9-A173-1776-918F031A2A5D}"/>
-              </a:ext>
-            </a:extLst>
-          </p:cNvPr>
-          <p:cNvSpPr txBox="1"/>
-          <p:nvPr/>
-        </p:nvSpPr>
-        <p:spPr>
-          <a:xfrm>
-            <a:off x="2873000" y="-6285875"/>
-            <a:ext cx="6445995" cy="1446550"/>
-          </a:xfrm>
-          <a:prstGeom prst="rect">
-            <a:avLst/>
-          </a:prstGeom>
-          <a:noFill/>
-        </p:spPr>
-        <p:txBody>
-          <a:bodyPr wrap="none" rtlCol="0">
-            <a:spAutoFit/>
-          </a:bodyPr>
-          <a:lstStyle/>
-          <a:p>
-            <a:pPr algn="ctr"/>
-            <a:r>
-              <a:rPr lang="en-US" sz="8800" dirty="0">
-                <a:solidFill>
-                  <a:schemeClr val="bg1"/>
-                </a:solidFill>
-                <a:latin typeface="OhChewy" panose="02000503050000020003" pitchFamily="2" charset="0"/>
-                <a:cs typeface="Fredoka" pitchFamily="2" charset="-79"/>
-              </a:rPr>
-              <a:t>Grade 5 English</a:t>
-            </a:r>
-          </a:p>
-        </p:txBody>
-      </p:sp>
-      <p:sp>
-        <p:nvSpPr>
-          <p:cNvPr id="60" name="TextBox 59">
-            <a:extLst>
-              <a:ext uri="{FF2B5EF4-FFF2-40B4-BE49-F238E27FC236}">
-                <a16:creationId xmlns:a16="http://schemas.microsoft.com/office/drawing/2014/main" id="{0209215F-2CC4-BE51-22ED-4282E21D8AF3}"/>
-              </a:ext>
-            </a:extLst>
-          </p:cNvPr>
-          <p:cNvSpPr txBox="1"/>
-          <p:nvPr/>
-        </p:nvSpPr>
-        <p:spPr>
-          <a:xfrm>
-            <a:off x="2873000" y="57775"/>
-            <a:ext cx="6445995" cy="1446550"/>
-          </a:xfrm>
-          <a:prstGeom prst="rect">
-            <a:avLst/>
-          </a:prstGeom>
-          <a:noFill/>
-        </p:spPr>
-        <p:txBody>
-          <a:bodyPr wrap="none" rtlCol="0">
-            <a:spAutoFit/>
-          </a:bodyPr>
-          <a:lstStyle/>
-          <a:p>
-            <a:pPr algn="ctr"/>
-            <a:r>
-              <a:rPr lang="en-US" sz="8800" dirty="0">
-                <a:solidFill>
-                  <a:schemeClr val="bg1"/>
-                </a:solidFill>
-                <a:latin typeface="OhChewy" panose="02000503050000020003" pitchFamily="2" charset="0"/>
-                <a:cs typeface="Fredoka" pitchFamily="2" charset="-79"/>
-              </a:rPr>
-              <a:t>Grade 5 English</a:t>
-            </a:r>
-          </a:p>
-        </p:txBody>
-      </p:sp>
-    </p:spTree>
-    <p:extLst>
-      <p:ext uri="{BB962C8B-B14F-4D97-AF65-F5344CB8AC3E}">
-        <p14:creationId xmlns:p14="http://schemas.microsoft.com/office/powerpoint/2010/main" val="2075119560"/>
-      </p:ext>
-    </p:extLst>
-  </p:cSld>
-  <p:clrMapOvr>
-    <a:masterClrMapping/>
-  </p:clrMapOvr>
-  <mc:AlternateContent xmlns:mc="http://schemas.openxmlformats.org/markup-compatibility/2006">
-    <mc:Choice xmlns:p159="http://schemas.microsoft.com/office/powerpoint/2015/09/main" Requires="p159">
-      <p:transition xmlns:p14="http://schemas.microsoft.com/office/powerpoint/2010/main" spd="slow" p14:dur="800">
-        <p159:morph option="byObject"/>
-      </p:transition>
-    </mc:Choice>
-    <mc:Fallback>
+    <mc:Fallback xmlns="">
       <p:transition spd="slow">
         <p:fade/>
       </p:transition>
